--- a/3DGame_2/川﨑MayCry!_仕様書.pptx
+++ b/3DGame_2/川﨑MayCry!_仕様書.pptx
@@ -6,9 +6,13 @@
   </p:sldMasterIdLst>
   <p:sldIdLst>
     <p:sldId id="256" r:id="rId2"/>
-    <p:sldId id="259" r:id="rId3"/>
-    <p:sldId id="257" r:id="rId4"/>
-    <p:sldId id="258" r:id="rId5"/>
+    <p:sldId id="260" r:id="rId3"/>
+    <p:sldId id="261" r:id="rId4"/>
+    <p:sldId id="262" r:id="rId5"/>
+    <p:sldId id="259" r:id="rId6"/>
+    <p:sldId id="257" r:id="rId7"/>
+    <p:sldId id="258" r:id="rId8"/>
+    <p:sldId id="263" r:id="rId9"/>
   </p:sldIdLst>
   <p:sldSz cx="12192000" cy="6858000"/>
   <p:notesSz cx="6858000" cy="9144000"/>
@@ -107,6 +111,11 @@
       </a:defRPr>
     </a:lvl9pPr>
   </p:defaultTextStyle>
+  <p:extLst>
+    <p:ext uri="{EFAFB233-063F-42B5-8137-9DF3F51BA10A}">
+      <p15:sldGuideLst xmlns:p15="http://schemas.microsoft.com/office/powerpoint/2012/main"/>
+    </p:ext>
+  </p:extLst>
 </p:presentation>
 </file>
 
@@ -257,7 +266,7 @@
           <a:p>
             <a:fld id="{20ADE6E2-60F5-4A20-BAD7-A1634267C4D7}" type="datetimeFigureOut">
               <a:rPr kumimoji="1" lang="ja-JP" altLang="en-US" smtClean="0"/>
-              <a:t>2024/7/5</a:t>
+              <a:t>2024/7/8</a:t>
             </a:fld>
             <a:endParaRPr kumimoji="1" lang="ja-JP" altLang="en-US"/>
           </a:p>
@@ -487,7 +496,7 @@
           <a:p>
             <a:fld id="{20ADE6E2-60F5-4A20-BAD7-A1634267C4D7}" type="datetimeFigureOut">
               <a:rPr kumimoji="1" lang="ja-JP" altLang="en-US" smtClean="0"/>
-              <a:t>2024/7/5</a:t>
+              <a:t>2024/7/8</a:t>
             </a:fld>
             <a:endParaRPr kumimoji="1" lang="ja-JP" altLang="en-US"/>
           </a:p>
@@ -727,7 +736,7 @@
           <a:p>
             <a:fld id="{20ADE6E2-60F5-4A20-BAD7-A1634267C4D7}" type="datetimeFigureOut">
               <a:rPr kumimoji="1" lang="ja-JP" altLang="en-US" smtClean="0"/>
-              <a:t>2024/7/5</a:t>
+              <a:t>2024/7/8</a:t>
             </a:fld>
             <a:endParaRPr kumimoji="1" lang="ja-JP" altLang="en-US"/>
           </a:p>
@@ -957,7 +966,7 @@
           <a:p>
             <a:fld id="{20ADE6E2-60F5-4A20-BAD7-A1634267C4D7}" type="datetimeFigureOut">
               <a:rPr kumimoji="1" lang="ja-JP" altLang="en-US" smtClean="0"/>
-              <a:t>2024/7/5</a:t>
+              <a:t>2024/7/8</a:t>
             </a:fld>
             <a:endParaRPr kumimoji="1" lang="ja-JP" altLang="en-US"/>
           </a:p>
@@ -1232,7 +1241,7 @@
           <a:p>
             <a:fld id="{20ADE6E2-60F5-4A20-BAD7-A1634267C4D7}" type="datetimeFigureOut">
               <a:rPr kumimoji="1" lang="ja-JP" altLang="en-US" smtClean="0"/>
-              <a:t>2024/7/5</a:t>
+              <a:t>2024/7/8</a:t>
             </a:fld>
             <a:endParaRPr kumimoji="1" lang="ja-JP" altLang="en-US"/>
           </a:p>
@@ -1561,7 +1570,7 @@
           <a:p>
             <a:fld id="{20ADE6E2-60F5-4A20-BAD7-A1634267C4D7}" type="datetimeFigureOut">
               <a:rPr kumimoji="1" lang="ja-JP" altLang="en-US" smtClean="0"/>
-              <a:t>2024/7/5</a:t>
+              <a:t>2024/7/8</a:t>
             </a:fld>
             <a:endParaRPr kumimoji="1" lang="ja-JP" altLang="en-US"/>
           </a:p>
@@ -2037,7 +2046,7 @@
           <a:p>
             <a:fld id="{20ADE6E2-60F5-4A20-BAD7-A1634267C4D7}" type="datetimeFigureOut">
               <a:rPr kumimoji="1" lang="ja-JP" altLang="en-US" smtClean="0"/>
-              <a:t>2024/7/5</a:t>
+              <a:t>2024/7/8</a:t>
             </a:fld>
             <a:endParaRPr kumimoji="1" lang="ja-JP" altLang="en-US"/>
           </a:p>
@@ -2178,7 +2187,7 @@
           <a:p>
             <a:fld id="{20ADE6E2-60F5-4A20-BAD7-A1634267C4D7}" type="datetimeFigureOut">
               <a:rPr kumimoji="1" lang="ja-JP" altLang="en-US" smtClean="0"/>
-              <a:t>2024/7/5</a:t>
+              <a:t>2024/7/8</a:t>
             </a:fld>
             <a:endParaRPr kumimoji="1" lang="ja-JP" altLang="en-US"/>
           </a:p>
@@ -2291,7 +2300,7 @@
           <a:p>
             <a:fld id="{20ADE6E2-60F5-4A20-BAD7-A1634267C4D7}" type="datetimeFigureOut">
               <a:rPr kumimoji="1" lang="ja-JP" altLang="en-US" smtClean="0"/>
-              <a:t>2024/7/5</a:t>
+              <a:t>2024/7/8</a:t>
             </a:fld>
             <a:endParaRPr kumimoji="1" lang="ja-JP" altLang="en-US"/>
           </a:p>
@@ -2634,7 +2643,7 @@
           <a:p>
             <a:fld id="{20ADE6E2-60F5-4A20-BAD7-A1634267C4D7}" type="datetimeFigureOut">
               <a:rPr kumimoji="1" lang="ja-JP" altLang="en-US" smtClean="0"/>
-              <a:t>2024/7/5</a:t>
+              <a:t>2024/7/8</a:t>
             </a:fld>
             <a:endParaRPr kumimoji="1" lang="ja-JP" altLang="en-US"/>
           </a:p>
@@ -2922,7 +2931,7 @@
           <a:p>
             <a:fld id="{20ADE6E2-60F5-4A20-BAD7-A1634267C4D7}" type="datetimeFigureOut">
               <a:rPr kumimoji="1" lang="ja-JP" altLang="en-US" smtClean="0"/>
-              <a:t>2024/7/5</a:t>
+              <a:t>2024/7/8</a:t>
             </a:fld>
             <a:endParaRPr kumimoji="1" lang="ja-JP" altLang="en-US"/>
           </a:p>
@@ -3195,7 +3204,7 @@
           <a:p>
             <a:fld id="{20ADE6E2-60F5-4A20-BAD7-A1634267C4D7}" type="datetimeFigureOut">
               <a:rPr kumimoji="1" lang="ja-JP" altLang="en-US" smtClean="0"/>
-              <a:t>2024/7/5</a:t>
+              <a:t>2024/7/8</a:t>
             </a:fld>
             <a:endParaRPr kumimoji="1" lang="ja-JP" altLang="en-US"/>
           </a:p>
@@ -3888,10 +3897,1474 @@
           <a:chExt cx="0" cy="0"/>
         </a:xfrm>
       </p:grpSpPr>
+      <p:sp>
+        <p:nvSpPr>
+          <p:cNvPr id="14" name="四角形: 角を丸くする 13">
+            <a:extLst>
+              <a:ext uri="{FF2B5EF4-FFF2-40B4-BE49-F238E27FC236}">
+                <a16:creationId xmlns:a16="http://schemas.microsoft.com/office/drawing/2014/main" id="{4C415EB1-3AD8-4866-AEEF-4D3596B1236A}"/>
+              </a:ext>
+            </a:extLst>
+          </p:cNvPr>
+          <p:cNvSpPr/>
+          <p:nvPr/>
+        </p:nvSpPr>
+        <p:spPr>
+          <a:xfrm>
+            <a:off x="948268" y="1525694"/>
+            <a:ext cx="10566400" cy="4073595"/>
+          </a:xfrm>
+          <a:prstGeom prst="roundRect">
+            <a:avLst/>
+          </a:prstGeom>
+        </p:spPr>
+        <p:style>
+          <a:lnRef idx="1">
+            <a:schemeClr val="accent4"/>
+          </a:lnRef>
+          <a:fillRef idx="2">
+            <a:schemeClr val="accent4"/>
+          </a:fillRef>
+          <a:effectRef idx="1">
+            <a:schemeClr val="accent4"/>
+          </a:effectRef>
+          <a:fontRef idx="minor">
+            <a:schemeClr val="dk1"/>
+          </a:fontRef>
+        </p:style>
+        <p:txBody>
+          <a:bodyPr rtlCol="0" anchor="ctr"/>
+          <a:lstStyle/>
+          <a:p>
+            <a:pPr algn="ctr"/>
+            <a:endParaRPr kumimoji="1" lang="ja-JP" altLang="en-US" dirty="0"/>
+          </a:p>
+        </p:txBody>
+      </p:sp>
+      <p:sp>
+        <p:nvSpPr>
+          <p:cNvPr id="4" name="テキスト ボックス 3">
+            <a:extLst>
+              <a:ext uri="{FF2B5EF4-FFF2-40B4-BE49-F238E27FC236}">
+                <a16:creationId xmlns:a16="http://schemas.microsoft.com/office/drawing/2014/main" id="{26E30DA4-63DF-401C-90CD-A9A9CC539864}"/>
+              </a:ext>
+            </a:extLst>
+          </p:cNvPr>
+          <p:cNvSpPr txBox="1"/>
+          <p:nvPr/>
+        </p:nvSpPr>
+        <p:spPr>
+          <a:xfrm>
+            <a:off x="383822" y="304800"/>
+            <a:ext cx="1338828" cy="369332"/>
+          </a:xfrm>
+          <a:prstGeom prst="rect">
+            <a:avLst/>
+          </a:prstGeom>
+          <a:noFill/>
+        </p:spPr>
+        <p:txBody>
+          <a:bodyPr wrap="none" rtlCol="0">
+            <a:spAutoFit/>
+          </a:bodyPr>
+          <a:lstStyle/>
+          <a:p>
+            <a:r>
+              <a:rPr kumimoji="1" lang="ja-JP" altLang="en-US" dirty="0"/>
+              <a:t>シーン遷移</a:t>
+            </a:r>
+          </a:p>
+        </p:txBody>
+      </p:sp>
+      <p:sp>
+        <p:nvSpPr>
+          <p:cNvPr id="5" name="正方形/長方形 4">
+            <a:extLst>
+              <a:ext uri="{FF2B5EF4-FFF2-40B4-BE49-F238E27FC236}">
+                <a16:creationId xmlns:a16="http://schemas.microsoft.com/office/drawing/2014/main" id="{39BC32F2-622F-4F3F-AB76-4B012A155D5C}"/>
+              </a:ext>
+            </a:extLst>
+          </p:cNvPr>
+          <p:cNvSpPr/>
+          <p:nvPr/>
+        </p:nvSpPr>
+        <p:spPr>
+          <a:xfrm>
+            <a:off x="1265317" y="1831501"/>
+            <a:ext cx="2441694" cy="1295496"/>
+          </a:xfrm>
+          <a:prstGeom prst="rect">
+            <a:avLst/>
+          </a:prstGeom>
+        </p:spPr>
+        <p:style>
+          <a:lnRef idx="2">
+            <a:schemeClr val="accent1">
+              <a:shade val="50000"/>
+            </a:schemeClr>
+          </a:lnRef>
+          <a:fillRef idx="1">
+            <a:schemeClr val="accent1"/>
+          </a:fillRef>
+          <a:effectRef idx="0">
+            <a:schemeClr val="accent1"/>
+          </a:effectRef>
+          <a:fontRef idx="minor">
+            <a:schemeClr val="lt1"/>
+          </a:fontRef>
+        </p:style>
+        <p:txBody>
+          <a:bodyPr rtlCol="0" anchor="ctr"/>
+          <a:lstStyle/>
+          <a:p>
+            <a:pPr algn="ctr"/>
+            <a:endParaRPr kumimoji="1" lang="en-US" altLang="ja-JP" sz="1600" dirty="0"/>
+          </a:p>
+        </p:txBody>
+      </p:sp>
+      <p:sp>
+        <p:nvSpPr>
+          <p:cNvPr id="6" name="テキスト ボックス 5">
+            <a:extLst>
+              <a:ext uri="{FF2B5EF4-FFF2-40B4-BE49-F238E27FC236}">
+                <a16:creationId xmlns:a16="http://schemas.microsoft.com/office/drawing/2014/main" id="{8302B81F-CFD3-4A26-B09E-E65C74778661}"/>
+              </a:ext>
+            </a:extLst>
+          </p:cNvPr>
+          <p:cNvSpPr txBox="1"/>
+          <p:nvPr/>
+        </p:nvSpPr>
+        <p:spPr>
+          <a:xfrm>
+            <a:off x="1962192" y="1894822"/>
+            <a:ext cx="1005403" cy="338554"/>
+          </a:xfrm>
+          <a:prstGeom prst="rect">
+            <a:avLst/>
+          </a:prstGeom>
+          <a:noFill/>
+        </p:spPr>
+        <p:txBody>
+          <a:bodyPr wrap="none" rtlCol="0">
+            <a:spAutoFit/>
+          </a:bodyPr>
+          <a:lstStyle/>
+          <a:p>
+            <a:r>
+              <a:rPr kumimoji="1" lang="ja-JP" altLang="en-US" sz="1600" dirty="0"/>
+              <a:t>タイトル</a:t>
+            </a:r>
+          </a:p>
+        </p:txBody>
+      </p:sp>
+      <p:sp>
+        <p:nvSpPr>
+          <p:cNvPr id="7" name="テキスト ボックス 6">
+            <a:extLst>
+              <a:ext uri="{FF2B5EF4-FFF2-40B4-BE49-F238E27FC236}">
+                <a16:creationId xmlns:a16="http://schemas.microsoft.com/office/drawing/2014/main" id="{FECB3269-06A7-4B57-829E-82EAA33F1C6A}"/>
+              </a:ext>
+            </a:extLst>
+          </p:cNvPr>
+          <p:cNvSpPr txBox="1"/>
+          <p:nvPr/>
+        </p:nvSpPr>
+        <p:spPr>
+          <a:xfrm>
+            <a:off x="1114564" y="2233376"/>
+            <a:ext cx="2743200" cy="830997"/>
+          </a:xfrm>
+          <a:prstGeom prst="rect">
+            <a:avLst/>
+          </a:prstGeom>
+          <a:noFill/>
+        </p:spPr>
+        <p:txBody>
+          <a:bodyPr wrap="square" rtlCol="0">
+            <a:spAutoFit/>
+          </a:bodyPr>
+          <a:lstStyle/>
+          <a:p>
+            <a:pPr algn="ctr"/>
+            <a:r>
+              <a:rPr kumimoji="1" lang="ja-JP" altLang="en-US" sz="1200" dirty="0">
+                <a:solidFill>
+                  <a:schemeClr val="bg1"/>
+                </a:solidFill>
+              </a:rPr>
+              <a:t>ゲームを始める</a:t>
+            </a:r>
+            <a:endParaRPr kumimoji="1" lang="en-US" altLang="ja-JP" sz="1200" dirty="0">
+              <a:solidFill>
+                <a:schemeClr val="bg1"/>
+              </a:solidFill>
+            </a:endParaRPr>
+          </a:p>
+          <a:p>
+            <a:pPr algn="ctr"/>
+            <a:r>
+              <a:rPr lang="ja-JP" altLang="en-US" sz="1200" dirty="0">
+                <a:solidFill>
+                  <a:schemeClr val="bg1"/>
+                </a:solidFill>
+              </a:rPr>
+              <a:t>ランキング</a:t>
+            </a:r>
+            <a:endParaRPr lang="en-US" altLang="ja-JP" sz="1200" dirty="0">
+              <a:solidFill>
+                <a:schemeClr val="bg1"/>
+              </a:solidFill>
+            </a:endParaRPr>
+          </a:p>
+          <a:p>
+            <a:pPr algn="ctr"/>
+            <a:r>
+              <a:rPr kumimoji="1" lang="ja-JP" altLang="en-US" sz="1200" dirty="0">
+                <a:solidFill>
+                  <a:schemeClr val="bg1"/>
+                </a:solidFill>
+              </a:rPr>
+              <a:t>オプション</a:t>
+            </a:r>
+            <a:endParaRPr kumimoji="1" lang="en-US" altLang="ja-JP" sz="1200" dirty="0">
+              <a:solidFill>
+                <a:schemeClr val="bg1"/>
+              </a:solidFill>
+            </a:endParaRPr>
+          </a:p>
+          <a:p>
+            <a:pPr algn="ctr"/>
+            <a:r>
+              <a:rPr lang="ja-JP" altLang="en-US" sz="1200" dirty="0">
+                <a:solidFill>
+                  <a:schemeClr val="bg1"/>
+                </a:solidFill>
+              </a:rPr>
+              <a:t>ゲームを終わる</a:t>
+            </a:r>
+            <a:endParaRPr kumimoji="1" lang="ja-JP" altLang="en-US" sz="1200" dirty="0">
+              <a:solidFill>
+                <a:schemeClr val="bg1"/>
+              </a:solidFill>
+            </a:endParaRPr>
+          </a:p>
+        </p:txBody>
+      </p:sp>
+      <p:sp>
+        <p:nvSpPr>
+          <p:cNvPr id="8" name="正方形/長方形 7">
+            <a:extLst>
+              <a:ext uri="{FF2B5EF4-FFF2-40B4-BE49-F238E27FC236}">
+                <a16:creationId xmlns:a16="http://schemas.microsoft.com/office/drawing/2014/main" id="{54B860A5-C92C-4E07-BB8B-E03AD4F7724B}"/>
+              </a:ext>
+            </a:extLst>
+          </p:cNvPr>
+          <p:cNvSpPr/>
+          <p:nvPr/>
+        </p:nvSpPr>
+        <p:spPr>
+          <a:xfrm>
+            <a:off x="8271814" y="1831500"/>
+            <a:ext cx="2441694" cy="1295497"/>
+          </a:xfrm>
+          <a:prstGeom prst="rect">
+            <a:avLst/>
+          </a:prstGeom>
+        </p:spPr>
+        <p:style>
+          <a:lnRef idx="2">
+            <a:schemeClr val="accent1">
+              <a:shade val="50000"/>
+            </a:schemeClr>
+          </a:lnRef>
+          <a:fillRef idx="1">
+            <a:schemeClr val="accent1"/>
+          </a:fillRef>
+          <a:effectRef idx="0">
+            <a:schemeClr val="accent1"/>
+          </a:effectRef>
+          <a:fontRef idx="minor">
+            <a:schemeClr val="lt1"/>
+          </a:fontRef>
+        </p:style>
+        <p:txBody>
+          <a:bodyPr rtlCol="0" anchor="ctr"/>
+          <a:lstStyle/>
+          <a:p>
+            <a:pPr algn="ctr"/>
+            <a:endParaRPr kumimoji="1" lang="en-US" altLang="ja-JP" sz="1600" dirty="0"/>
+          </a:p>
+        </p:txBody>
+      </p:sp>
+      <p:sp>
+        <p:nvSpPr>
+          <p:cNvPr id="10" name="テキスト ボックス 9">
+            <a:extLst>
+              <a:ext uri="{FF2B5EF4-FFF2-40B4-BE49-F238E27FC236}">
+                <a16:creationId xmlns:a16="http://schemas.microsoft.com/office/drawing/2014/main" id="{23385D2D-B57F-4028-A18F-9E6208BC4611}"/>
+              </a:ext>
+            </a:extLst>
+          </p:cNvPr>
+          <p:cNvSpPr txBox="1"/>
+          <p:nvPr/>
+        </p:nvSpPr>
+        <p:spPr>
+          <a:xfrm>
+            <a:off x="8103975" y="2007465"/>
+            <a:ext cx="2743200" cy="954107"/>
+          </a:xfrm>
+          <a:prstGeom prst="rect">
+            <a:avLst/>
+          </a:prstGeom>
+          <a:noFill/>
+        </p:spPr>
+        <p:txBody>
+          <a:bodyPr wrap="square" rtlCol="0">
+            <a:spAutoFit/>
+          </a:bodyPr>
+          <a:lstStyle/>
+          <a:p>
+            <a:pPr algn="ctr"/>
+            <a:r>
+              <a:rPr kumimoji="1" lang="ja-JP" altLang="en-US" sz="1400" dirty="0">
+                <a:solidFill>
+                  <a:schemeClr val="bg1"/>
+                </a:solidFill>
+              </a:rPr>
+              <a:t> セーブデータ１</a:t>
+            </a:r>
+            <a:endParaRPr lang="en-US" altLang="ja-JP" sz="1400" dirty="0">
+              <a:solidFill>
+                <a:schemeClr val="bg1"/>
+              </a:solidFill>
+            </a:endParaRPr>
+          </a:p>
+          <a:p>
+            <a:pPr algn="ctr"/>
+            <a:r>
+              <a:rPr kumimoji="1" lang="ja-JP" altLang="en-US" sz="1400" dirty="0">
+                <a:solidFill>
+                  <a:schemeClr val="bg1"/>
+                </a:solidFill>
+              </a:rPr>
+              <a:t>セーブデータ</a:t>
+            </a:r>
+            <a:r>
+              <a:rPr kumimoji="1" lang="en-US" altLang="ja-JP" sz="1400" dirty="0">
+                <a:solidFill>
+                  <a:schemeClr val="bg1"/>
+                </a:solidFill>
+              </a:rPr>
+              <a:t>2</a:t>
+            </a:r>
+          </a:p>
+          <a:p>
+            <a:pPr algn="ctr"/>
+            <a:r>
+              <a:rPr kumimoji="1" lang="ja-JP" altLang="en-US" sz="1400" dirty="0">
+                <a:solidFill>
+                  <a:schemeClr val="bg1"/>
+                </a:solidFill>
+              </a:rPr>
+              <a:t>セーブデータ</a:t>
+            </a:r>
+            <a:r>
+              <a:rPr lang="en-US" altLang="ja-JP" sz="1400" dirty="0">
+                <a:solidFill>
+                  <a:schemeClr val="bg1"/>
+                </a:solidFill>
+              </a:rPr>
+              <a:t>3</a:t>
+            </a:r>
+          </a:p>
+          <a:p>
+            <a:pPr algn="ctr"/>
+            <a:r>
+              <a:rPr lang="ja-JP" altLang="en-US" sz="1400" dirty="0">
+                <a:solidFill>
+                  <a:schemeClr val="bg1"/>
+                </a:solidFill>
+              </a:rPr>
+              <a:t>タイトルに戻る</a:t>
+            </a:r>
+            <a:endParaRPr kumimoji="1" lang="ja-JP" altLang="en-US" sz="1400" dirty="0">
+              <a:solidFill>
+                <a:schemeClr val="bg1"/>
+              </a:solidFill>
+            </a:endParaRPr>
+          </a:p>
+        </p:txBody>
+      </p:sp>
+      <p:sp>
+        <p:nvSpPr>
+          <p:cNvPr id="11" name="矢印: 右 10">
+            <a:extLst>
+              <a:ext uri="{FF2B5EF4-FFF2-40B4-BE49-F238E27FC236}">
+                <a16:creationId xmlns:a16="http://schemas.microsoft.com/office/drawing/2014/main" id="{90B0A5AB-EA6A-45FE-820C-F949044DBBB7}"/>
+              </a:ext>
+            </a:extLst>
+          </p:cNvPr>
+          <p:cNvSpPr/>
+          <p:nvPr/>
+        </p:nvSpPr>
+        <p:spPr>
+          <a:xfrm>
+            <a:off x="4028967" y="2221145"/>
+            <a:ext cx="677333" cy="511201"/>
+          </a:xfrm>
+          <a:prstGeom prst="rightArrow">
+            <a:avLst/>
+          </a:prstGeom>
+        </p:spPr>
+        <p:style>
+          <a:lnRef idx="2">
+            <a:schemeClr val="accent1">
+              <a:shade val="50000"/>
+            </a:schemeClr>
+          </a:lnRef>
+          <a:fillRef idx="1">
+            <a:schemeClr val="accent1"/>
+          </a:fillRef>
+          <a:effectRef idx="0">
+            <a:schemeClr val="accent1"/>
+          </a:effectRef>
+          <a:fontRef idx="minor">
+            <a:schemeClr val="lt1"/>
+          </a:fontRef>
+        </p:style>
+        <p:txBody>
+          <a:bodyPr rtlCol="0" anchor="ctr"/>
+          <a:lstStyle/>
+          <a:p>
+            <a:pPr algn="ctr"/>
+            <a:endParaRPr kumimoji="1" lang="ja-JP" altLang="en-US" sz="1600"/>
+          </a:p>
+        </p:txBody>
+      </p:sp>
+      <p:sp>
+        <p:nvSpPr>
+          <p:cNvPr id="12" name="テキスト ボックス 11">
+            <a:extLst>
+              <a:ext uri="{FF2B5EF4-FFF2-40B4-BE49-F238E27FC236}">
+                <a16:creationId xmlns:a16="http://schemas.microsoft.com/office/drawing/2014/main" id="{2AC1C4F8-7712-404F-8340-AF54D8C92099}"/>
+              </a:ext>
+            </a:extLst>
+          </p:cNvPr>
+          <p:cNvSpPr txBox="1"/>
+          <p:nvPr/>
+        </p:nvSpPr>
+        <p:spPr>
+          <a:xfrm>
+            <a:off x="6489425" y="1549376"/>
+            <a:ext cx="2646878" cy="584775"/>
+          </a:xfrm>
+          <a:prstGeom prst="rect">
+            <a:avLst/>
+          </a:prstGeom>
+          <a:noFill/>
+        </p:spPr>
+        <p:txBody>
+          <a:bodyPr wrap="none" rtlCol="0">
+            <a:spAutoFit/>
+          </a:bodyPr>
+          <a:lstStyle/>
+          <a:p>
+            <a:pPr algn="ctr"/>
+            <a:r>
+              <a:rPr lang="ja-JP" altLang="en-US" sz="1600" dirty="0"/>
+              <a:t>セーブするデータを決める</a:t>
+            </a:r>
+            <a:endParaRPr lang="en-US" altLang="ja-JP" sz="1600" dirty="0"/>
+          </a:p>
+          <a:p>
+            <a:pPr algn="ctr"/>
+            <a:r>
+              <a:rPr kumimoji="1" lang="ja-JP" altLang="en-US" sz="1600" dirty="0"/>
+              <a:t>新しく</a:t>
+            </a:r>
+            <a:r>
+              <a:rPr kumimoji="1" lang="en-US" altLang="ja-JP" sz="1600" dirty="0"/>
+              <a:t>…</a:t>
+            </a:r>
+          </a:p>
+        </p:txBody>
+      </p:sp>
+      <p:sp>
+        <p:nvSpPr>
+          <p:cNvPr id="13" name="テキスト ボックス 12">
+            <a:extLst>
+              <a:ext uri="{FF2B5EF4-FFF2-40B4-BE49-F238E27FC236}">
+                <a16:creationId xmlns:a16="http://schemas.microsoft.com/office/drawing/2014/main" id="{B29B43C7-EE72-4218-83E6-25C3AD9DF98B}"/>
+              </a:ext>
+            </a:extLst>
+          </p:cNvPr>
+          <p:cNvSpPr txBox="1"/>
+          <p:nvPr/>
+        </p:nvSpPr>
+        <p:spPr>
+          <a:xfrm>
+            <a:off x="6739590" y="2920123"/>
+            <a:ext cx="2159566" cy="523220"/>
+          </a:xfrm>
+          <a:prstGeom prst="rect">
+            <a:avLst/>
+          </a:prstGeom>
+          <a:noFill/>
+        </p:spPr>
+        <p:txBody>
+          <a:bodyPr wrap="none" rtlCol="0">
+            <a:spAutoFit/>
+          </a:bodyPr>
+          <a:lstStyle/>
+          <a:p>
+            <a:pPr algn="ctr"/>
+            <a:r>
+              <a:rPr kumimoji="1" lang="ja-JP" altLang="en-US" sz="1400" dirty="0"/>
+              <a:t>続きから</a:t>
+            </a:r>
+            <a:r>
+              <a:rPr lang="en-US" altLang="ja-JP" sz="1400" dirty="0"/>
+              <a:t>…</a:t>
+            </a:r>
+          </a:p>
+          <a:p>
+            <a:pPr algn="ctr"/>
+            <a:r>
+              <a:rPr kumimoji="1" lang="ja-JP" altLang="en-US" sz="1400" dirty="0"/>
+              <a:t>使用するデータを決める</a:t>
+            </a:r>
+          </a:p>
+        </p:txBody>
+      </p:sp>
+      <p:sp>
+        <p:nvSpPr>
+          <p:cNvPr id="15" name="テキスト ボックス 14">
+            <a:extLst>
+              <a:ext uri="{FF2B5EF4-FFF2-40B4-BE49-F238E27FC236}">
+                <a16:creationId xmlns:a16="http://schemas.microsoft.com/office/drawing/2014/main" id="{E07E3F65-AD4A-446B-837E-9F1FDA28EA05}"/>
+              </a:ext>
+            </a:extLst>
+          </p:cNvPr>
+          <p:cNvSpPr txBox="1"/>
+          <p:nvPr/>
+        </p:nvSpPr>
+        <p:spPr>
+          <a:xfrm>
+            <a:off x="5195753" y="955545"/>
+            <a:ext cx="1800493" cy="369332"/>
+          </a:xfrm>
+          <a:prstGeom prst="rect">
+            <a:avLst/>
+          </a:prstGeom>
+          <a:noFill/>
+        </p:spPr>
+        <p:txBody>
+          <a:bodyPr wrap="none" rtlCol="0">
+            <a:spAutoFit/>
+          </a:bodyPr>
+          <a:lstStyle/>
+          <a:p>
+            <a:r>
+              <a:rPr kumimoji="1" lang="ja-JP" altLang="en-US" b="1" dirty="0"/>
+              <a:t>タイトルシーン</a:t>
+            </a:r>
+          </a:p>
+        </p:txBody>
+      </p:sp>
+      <p:sp>
+        <p:nvSpPr>
+          <p:cNvPr id="16" name="矢印: 下 15">
+            <a:extLst>
+              <a:ext uri="{FF2B5EF4-FFF2-40B4-BE49-F238E27FC236}">
+                <a16:creationId xmlns:a16="http://schemas.microsoft.com/office/drawing/2014/main" id="{B94CBA14-0B38-4FEC-BF75-5E62E4D15997}"/>
+              </a:ext>
+            </a:extLst>
+          </p:cNvPr>
+          <p:cNvSpPr/>
+          <p:nvPr/>
+        </p:nvSpPr>
+        <p:spPr>
+          <a:xfrm>
+            <a:off x="2130563" y="3207786"/>
+            <a:ext cx="711201" cy="642171"/>
+          </a:xfrm>
+          <a:prstGeom prst="downArrow">
+            <a:avLst/>
+          </a:prstGeom>
+        </p:spPr>
+        <p:style>
+          <a:lnRef idx="2">
+            <a:schemeClr val="accent1">
+              <a:shade val="50000"/>
+            </a:schemeClr>
+          </a:lnRef>
+          <a:fillRef idx="1">
+            <a:schemeClr val="accent1"/>
+          </a:fillRef>
+          <a:effectRef idx="0">
+            <a:schemeClr val="accent1"/>
+          </a:effectRef>
+          <a:fontRef idx="minor">
+            <a:schemeClr val="lt1"/>
+          </a:fontRef>
+        </p:style>
+        <p:txBody>
+          <a:bodyPr rtlCol="0" anchor="ctr"/>
+          <a:lstStyle/>
+          <a:p>
+            <a:pPr algn="ctr"/>
+            <a:endParaRPr kumimoji="1" lang="ja-JP" altLang="en-US"/>
+          </a:p>
+        </p:txBody>
+      </p:sp>
+      <p:sp>
+        <p:nvSpPr>
+          <p:cNvPr id="19" name="正方形/長方形 18">
+            <a:extLst>
+              <a:ext uri="{FF2B5EF4-FFF2-40B4-BE49-F238E27FC236}">
+                <a16:creationId xmlns:a16="http://schemas.microsoft.com/office/drawing/2014/main" id="{CF89B475-300E-4A81-A969-B685C93A93E5}"/>
+              </a:ext>
+            </a:extLst>
+          </p:cNvPr>
+          <p:cNvSpPr/>
+          <p:nvPr/>
+        </p:nvSpPr>
+        <p:spPr>
+          <a:xfrm>
+            <a:off x="4893180" y="1803748"/>
+            <a:ext cx="2441694" cy="1295497"/>
+          </a:xfrm>
+          <a:prstGeom prst="rect">
+            <a:avLst/>
+          </a:prstGeom>
+        </p:spPr>
+        <p:style>
+          <a:lnRef idx="2">
+            <a:schemeClr val="accent1">
+              <a:shade val="50000"/>
+            </a:schemeClr>
+          </a:lnRef>
+          <a:fillRef idx="1">
+            <a:schemeClr val="accent1"/>
+          </a:fillRef>
+          <a:effectRef idx="0">
+            <a:schemeClr val="accent1"/>
+          </a:effectRef>
+          <a:fontRef idx="minor">
+            <a:schemeClr val="lt1"/>
+          </a:fontRef>
+        </p:style>
+        <p:txBody>
+          <a:bodyPr rtlCol="0" anchor="ctr"/>
+          <a:lstStyle/>
+          <a:p>
+            <a:pPr algn="ctr"/>
+            <a:endParaRPr kumimoji="1" lang="en-US" altLang="ja-JP" sz="1600" dirty="0"/>
+          </a:p>
+        </p:txBody>
+      </p:sp>
+      <p:sp>
+        <p:nvSpPr>
+          <p:cNvPr id="20" name="テキスト ボックス 19">
+            <a:extLst>
+              <a:ext uri="{FF2B5EF4-FFF2-40B4-BE49-F238E27FC236}">
+                <a16:creationId xmlns:a16="http://schemas.microsoft.com/office/drawing/2014/main" id="{E989F206-9CBF-4ECA-A965-0B37F4C7A672}"/>
+              </a:ext>
+            </a:extLst>
+          </p:cNvPr>
+          <p:cNvSpPr txBox="1"/>
+          <p:nvPr/>
+        </p:nvSpPr>
+        <p:spPr>
+          <a:xfrm>
+            <a:off x="5611325" y="1892941"/>
+            <a:ext cx="1005403" cy="338554"/>
+          </a:xfrm>
+          <a:prstGeom prst="rect">
+            <a:avLst/>
+          </a:prstGeom>
+          <a:noFill/>
+        </p:spPr>
+        <p:txBody>
+          <a:bodyPr wrap="none" rtlCol="0">
+            <a:spAutoFit/>
+          </a:bodyPr>
+          <a:lstStyle/>
+          <a:p>
+            <a:r>
+              <a:rPr kumimoji="1" lang="ja-JP" altLang="en-US" sz="1600" dirty="0"/>
+              <a:t>タイトル</a:t>
+            </a:r>
+          </a:p>
+        </p:txBody>
+      </p:sp>
+      <p:sp>
+        <p:nvSpPr>
+          <p:cNvPr id="21" name="テキスト ボックス 20">
+            <a:extLst>
+              <a:ext uri="{FF2B5EF4-FFF2-40B4-BE49-F238E27FC236}">
+                <a16:creationId xmlns:a16="http://schemas.microsoft.com/office/drawing/2014/main" id="{5E0E64F3-B7F3-4586-AE6B-4A448623BD80}"/>
+              </a:ext>
+            </a:extLst>
+          </p:cNvPr>
+          <p:cNvSpPr txBox="1"/>
+          <p:nvPr/>
+        </p:nvSpPr>
+        <p:spPr>
+          <a:xfrm>
+            <a:off x="4742426" y="2295881"/>
+            <a:ext cx="2743200" cy="646331"/>
+          </a:xfrm>
+          <a:prstGeom prst="rect">
+            <a:avLst/>
+          </a:prstGeom>
+          <a:noFill/>
+        </p:spPr>
+        <p:txBody>
+          <a:bodyPr wrap="square" rtlCol="0">
+            <a:spAutoFit/>
+          </a:bodyPr>
+          <a:lstStyle/>
+          <a:p>
+            <a:pPr algn="ctr"/>
+            <a:r>
+              <a:rPr kumimoji="1" lang="ja-JP" altLang="en-US" sz="1200" dirty="0">
+                <a:solidFill>
+                  <a:schemeClr val="bg1"/>
+                </a:solidFill>
+              </a:rPr>
+              <a:t>新しくゲームを始める</a:t>
+            </a:r>
+            <a:endParaRPr kumimoji="1" lang="en-US" altLang="ja-JP" sz="1200" dirty="0">
+              <a:solidFill>
+                <a:schemeClr val="bg1"/>
+              </a:solidFill>
+            </a:endParaRPr>
+          </a:p>
+          <a:p>
+            <a:pPr algn="ctr"/>
+            <a:r>
+              <a:rPr lang="ja-JP" altLang="en-US" sz="1200" dirty="0">
+                <a:solidFill>
+                  <a:schemeClr val="bg1"/>
+                </a:solidFill>
+              </a:rPr>
+              <a:t>続きから始める</a:t>
+            </a:r>
+            <a:endParaRPr lang="en-US" altLang="ja-JP" sz="1200" dirty="0">
+              <a:solidFill>
+                <a:schemeClr val="bg1"/>
+              </a:solidFill>
+            </a:endParaRPr>
+          </a:p>
+          <a:p>
+            <a:pPr algn="ctr"/>
+            <a:r>
+              <a:rPr lang="ja-JP" altLang="en-US" sz="1200" dirty="0">
+                <a:solidFill>
+                  <a:schemeClr val="bg1"/>
+                </a:solidFill>
+              </a:rPr>
+              <a:t>ゲームを終わる</a:t>
+            </a:r>
+            <a:endParaRPr kumimoji="1" lang="ja-JP" altLang="en-US" sz="1200" dirty="0">
+              <a:solidFill>
+                <a:schemeClr val="bg1"/>
+              </a:solidFill>
+            </a:endParaRPr>
+          </a:p>
+        </p:txBody>
+      </p:sp>
+      <p:sp>
+        <p:nvSpPr>
+          <p:cNvPr id="22" name="矢印: 右 21">
+            <a:extLst>
+              <a:ext uri="{FF2B5EF4-FFF2-40B4-BE49-F238E27FC236}">
+                <a16:creationId xmlns:a16="http://schemas.microsoft.com/office/drawing/2014/main" id="{A71689D3-DD43-454F-8024-B880A0C525EA}"/>
+              </a:ext>
+            </a:extLst>
+          </p:cNvPr>
+          <p:cNvSpPr/>
+          <p:nvPr/>
+        </p:nvSpPr>
+        <p:spPr>
+          <a:xfrm>
+            <a:off x="7521752" y="2311102"/>
+            <a:ext cx="677333" cy="511201"/>
+          </a:xfrm>
+          <a:prstGeom prst="rightArrow">
+            <a:avLst/>
+          </a:prstGeom>
+        </p:spPr>
+        <p:style>
+          <a:lnRef idx="2">
+            <a:schemeClr val="accent1">
+              <a:shade val="50000"/>
+            </a:schemeClr>
+          </a:lnRef>
+          <a:fillRef idx="1">
+            <a:schemeClr val="accent1"/>
+          </a:fillRef>
+          <a:effectRef idx="0">
+            <a:schemeClr val="accent1"/>
+          </a:effectRef>
+          <a:fontRef idx="minor">
+            <a:schemeClr val="lt1"/>
+          </a:fontRef>
+        </p:style>
+        <p:txBody>
+          <a:bodyPr rtlCol="0" anchor="ctr"/>
+          <a:lstStyle/>
+          <a:p>
+            <a:pPr algn="ctr"/>
+            <a:endParaRPr kumimoji="1" lang="ja-JP" altLang="en-US" sz="1600"/>
+          </a:p>
+        </p:txBody>
+      </p:sp>
+      <p:sp>
+        <p:nvSpPr>
+          <p:cNvPr id="23" name="正方形/長方形 22">
+            <a:extLst>
+              <a:ext uri="{FF2B5EF4-FFF2-40B4-BE49-F238E27FC236}">
+                <a16:creationId xmlns:a16="http://schemas.microsoft.com/office/drawing/2014/main" id="{595350D2-FE0D-4531-A390-4295C0CCC973}"/>
+              </a:ext>
+            </a:extLst>
+          </p:cNvPr>
+          <p:cNvSpPr/>
+          <p:nvPr/>
+        </p:nvSpPr>
+        <p:spPr>
+          <a:xfrm>
+            <a:off x="1265317" y="3930746"/>
+            <a:ext cx="2441694" cy="1295496"/>
+          </a:xfrm>
+          <a:prstGeom prst="rect">
+            <a:avLst/>
+          </a:prstGeom>
+        </p:spPr>
+        <p:style>
+          <a:lnRef idx="2">
+            <a:schemeClr val="accent1">
+              <a:shade val="50000"/>
+            </a:schemeClr>
+          </a:lnRef>
+          <a:fillRef idx="1">
+            <a:schemeClr val="accent1"/>
+          </a:fillRef>
+          <a:effectRef idx="0">
+            <a:schemeClr val="accent1"/>
+          </a:effectRef>
+          <a:fontRef idx="minor">
+            <a:schemeClr val="lt1"/>
+          </a:fontRef>
+        </p:style>
+        <p:txBody>
+          <a:bodyPr rtlCol="0" anchor="ctr"/>
+          <a:lstStyle/>
+          <a:p>
+            <a:pPr algn="ctr"/>
+            <a:endParaRPr kumimoji="1" lang="en-US" altLang="ja-JP" sz="1600" dirty="0"/>
+          </a:p>
+        </p:txBody>
+      </p:sp>
+      <p:sp>
+        <p:nvSpPr>
+          <p:cNvPr id="24" name="テキスト ボックス 23">
+            <a:extLst>
+              <a:ext uri="{FF2B5EF4-FFF2-40B4-BE49-F238E27FC236}">
+                <a16:creationId xmlns:a16="http://schemas.microsoft.com/office/drawing/2014/main" id="{25F6A8CB-1C50-4CC2-98C4-7181027B0522}"/>
+              </a:ext>
+            </a:extLst>
+          </p:cNvPr>
+          <p:cNvSpPr txBox="1"/>
+          <p:nvPr/>
+        </p:nvSpPr>
+        <p:spPr>
+          <a:xfrm>
+            <a:off x="4187396" y="1581746"/>
+            <a:ext cx="1150300" cy="253916"/>
+          </a:xfrm>
+          <a:prstGeom prst="rect">
+            <a:avLst/>
+          </a:prstGeom>
+          <a:noFill/>
+        </p:spPr>
+        <p:txBody>
+          <a:bodyPr wrap="square" rtlCol="0">
+            <a:spAutoFit/>
+          </a:bodyPr>
+          <a:lstStyle/>
+          <a:p>
+            <a:pPr algn="ctr"/>
+            <a:r>
+              <a:rPr kumimoji="1" lang="ja-JP" altLang="en-US" sz="1050" dirty="0"/>
+              <a:t>ゲームを始める</a:t>
+            </a:r>
+          </a:p>
+        </p:txBody>
+      </p:sp>
+      <p:sp>
+        <p:nvSpPr>
+          <p:cNvPr id="26" name="テキスト ボックス 25">
+            <a:extLst>
+              <a:ext uri="{FF2B5EF4-FFF2-40B4-BE49-F238E27FC236}">
+                <a16:creationId xmlns:a16="http://schemas.microsoft.com/office/drawing/2014/main" id="{50728249-64FC-4F70-81F2-7A79FFAF308D}"/>
+              </a:ext>
+            </a:extLst>
+          </p:cNvPr>
+          <p:cNvSpPr txBox="1"/>
+          <p:nvPr/>
+        </p:nvSpPr>
+        <p:spPr>
+          <a:xfrm>
+            <a:off x="1858162" y="4023620"/>
+            <a:ext cx="1210588" cy="338554"/>
+          </a:xfrm>
+          <a:prstGeom prst="rect">
+            <a:avLst/>
+          </a:prstGeom>
+          <a:noFill/>
+        </p:spPr>
+        <p:txBody>
+          <a:bodyPr wrap="none" rtlCol="0">
+            <a:spAutoFit/>
+          </a:bodyPr>
+          <a:lstStyle/>
+          <a:p>
+            <a:r>
+              <a:rPr kumimoji="1" lang="ja-JP" altLang="en-US" sz="1600" dirty="0"/>
+              <a:t>ランキング</a:t>
+            </a:r>
+          </a:p>
+        </p:txBody>
+      </p:sp>
+      <p:sp>
+        <p:nvSpPr>
+          <p:cNvPr id="27" name="テキスト ボックス 26">
+            <a:extLst>
+              <a:ext uri="{FF2B5EF4-FFF2-40B4-BE49-F238E27FC236}">
+                <a16:creationId xmlns:a16="http://schemas.microsoft.com/office/drawing/2014/main" id="{4E10F3C0-D21A-4A84-8116-397C20831D82}"/>
+              </a:ext>
+            </a:extLst>
+          </p:cNvPr>
+          <p:cNvSpPr txBox="1"/>
+          <p:nvPr/>
+        </p:nvSpPr>
+        <p:spPr>
+          <a:xfrm>
+            <a:off x="1617095" y="4273686"/>
+            <a:ext cx="529312" cy="900246"/>
+          </a:xfrm>
+          <a:prstGeom prst="rect">
+            <a:avLst/>
+          </a:prstGeom>
+          <a:noFill/>
+        </p:spPr>
+        <p:txBody>
+          <a:bodyPr wrap="none" rtlCol="0">
+            <a:spAutoFit/>
+          </a:bodyPr>
+          <a:lstStyle/>
+          <a:p>
+            <a:r>
+              <a:rPr kumimoji="1" lang="en-US" altLang="ja-JP" sz="1050" dirty="0">
+                <a:solidFill>
+                  <a:schemeClr val="bg1"/>
+                </a:solidFill>
+              </a:rPr>
+              <a:t>1</a:t>
+            </a:r>
+            <a:r>
+              <a:rPr kumimoji="1" lang="ja-JP" altLang="en-US" sz="1050" dirty="0">
+                <a:solidFill>
+                  <a:schemeClr val="bg1"/>
+                </a:solidFill>
+              </a:rPr>
+              <a:t>位</a:t>
+            </a:r>
+            <a:r>
+              <a:rPr kumimoji="1" lang="en-US" altLang="ja-JP" sz="1050" dirty="0">
+                <a:solidFill>
+                  <a:schemeClr val="bg1"/>
+                </a:solidFill>
+              </a:rPr>
+              <a:t>…</a:t>
+            </a:r>
+          </a:p>
+          <a:p>
+            <a:r>
+              <a:rPr kumimoji="1" lang="en-US" altLang="ja-JP" sz="1050" dirty="0">
+                <a:solidFill>
+                  <a:schemeClr val="bg1"/>
+                </a:solidFill>
+              </a:rPr>
+              <a:t>2</a:t>
+            </a:r>
+            <a:r>
+              <a:rPr kumimoji="1" lang="ja-JP" altLang="en-US" sz="1050" dirty="0">
+                <a:solidFill>
+                  <a:schemeClr val="bg1"/>
+                </a:solidFill>
+              </a:rPr>
+              <a:t>位</a:t>
+            </a:r>
+            <a:r>
+              <a:rPr kumimoji="1" lang="en-US" altLang="ja-JP" sz="1050" dirty="0">
+                <a:solidFill>
+                  <a:schemeClr val="bg1"/>
+                </a:solidFill>
+              </a:rPr>
+              <a:t>…</a:t>
+            </a:r>
+          </a:p>
+          <a:p>
+            <a:r>
+              <a:rPr kumimoji="1" lang="en-US" altLang="ja-JP" sz="1050" dirty="0">
+                <a:solidFill>
+                  <a:schemeClr val="bg1"/>
+                </a:solidFill>
+              </a:rPr>
+              <a:t>3</a:t>
+            </a:r>
+            <a:r>
+              <a:rPr kumimoji="1" lang="ja-JP" altLang="en-US" sz="1050" dirty="0">
+                <a:solidFill>
+                  <a:schemeClr val="bg1"/>
+                </a:solidFill>
+              </a:rPr>
+              <a:t>位</a:t>
+            </a:r>
+            <a:r>
+              <a:rPr kumimoji="1" lang="en-US" altLang="ja-JP" sz="1050" dirty="0">
+                <a:solidFill>
+                  <a:schemeClr val="bg1"/>
+                </a:solidFill>
+              </a:rPr>
+              <a:t>…</a:t>
+            </a:r>
+          </a:p>
+          <a:p>
+            <a:r>
+              <a:rPr kumimoji="1" lang="en-US" altLang="ja-JP" sz="1050" dirty="0">
+                <a:solidFill>
+                  <a:schemeClr val="bg1"/>
+                </a:solidFill>
+              </a:rPr>
+              <a:t>4</a:t>
+            </a:r>
+            <a:r>
+              <a:rPr kumimoji="1" lang="ja-JP" altLang="en-US" sz="1050" dirty="0">
+                <a:solidFill>
+                  <a:schemeClr val="bg1"/>
+                </a:solidFill>
+              </a:rPr>
+              <a:t>位</a:t>
+            </a:r>
+            <a:r>
+              <a:rPr kumimoji="1" lang="en-US" altLang="ja-JP" sz="1050" dirty="0">
+                <a:solidFill>
+                  <a:schemeClr val="bg1"/>
+                </a:solidFill>
+              </a:rPr>
+              <a:t>…</a:t>
+            </a:r>
+          </a:p>
+          <a:p>
+            <a:r>
+              <a:rPr kumimoji="1" lang="en-US" altLang="ja-JP" sz="1050" dirty="0">
+                <a:solidFill>
+                  <a:schemeClr val="bg1"/>
+                </a:solidFill>
+              </a:rPr>
+              <a:t>5</a:t>
+            </a:r>
+            <a:r>
+              <a:rPr kumimoji="1" lang="ja-JP" altLang="en-US" sz="1050" dirty="0">
+                <a:solidFill>
+                  <a:schemeClr val="bg1"/>
+                </a:solidFill>
+              </a:rPr>
+              <a:t>位</a:t>
+            </a:r>
+            <a:r>
+              <a:rPr kumimoji="1" lang="en-US" altLang="ja-JP" sz="1050" dirty="0">
+                <a:solidFill>
+                  <a:schemeClr val="bg1"/>
+                </a:solidFill>
+              </a:rPr>
+              <a:t>…</a:t>
+            </a:r>
+          </a:p>
+        </p:txBody>
+      </p:sp>
+      <p:sp>
+        <p:nvSpPr>
+          <p:cNvPr id="29" name="矢印: 下 28">
+            <a:extLst>
+              <a:ext uri="{FF2B5EF4-FFF2-40B4-BE49-F238E27FC236}">
+                <a16:creationId xmlns:a16="http://schemas.microsoft.com/office/drawing/2014/main" id="{C56AE1EF-DCD3-4FC4-ADE2-5620D8AE7BB7}"/>
+              </a:ext>
+            </a:extLst>
+          </p:cNvPr>
+          <p:cNvSpPr/>
+          <p:nvPr/>
+        </p:nvSpPr>
+        <p:spPr>
+          <a:xfrm rot="-2700000">
+            <a:off x="3989287" y="3256649"/>
+            <a:ext cx="711201" cy="642171"/>
+          </a:xfrm>
+          <a:prstGeom prst="downArrow">
+            <a:avLst/>
+          </a:prstGeom>
+        </p:spPr>
+        <p:style>
+          <a:lnRef idx="2">
+            <a:schemeClr val="accent1">
+              <a:shade val="50000"/>
+            </a:schemeClr>
+          </a:lnRef>
+          <a:fillRef idx="1">
+            <a:schemeClr val="accent1"/>
+          </a:fillRef>
+          <a:effectRef idx="0">
+            <a:schemeClr val="accent1"/>
+          </a:effectRef>
+          <a:fontRef idx="minor">
+            <a:schemeClr val="lt1"/>
+          </a:fontRef>
+        </p:style>
+        <p:txBody>
+          <a:bodyPr rtlCol="0" anchor="ctr"/>
+          <a:lstStyle/>
+          <a:p>
+            <a:pPr algn="ctr"/>
+            <a:endParaRPr kumimoji="1" lang="ja-JP" altLang="en-US"/>
+          </a:p>
+        </p:txBody>
+      </p:sp>
+      <p:sp>
+        <p:nvSpPr>
+          <p:cNvPr id="30" name="正方形/長方形 29">
+            <a:extLst>
+              <a:ext uri="{FF2B5EF4-FFF2-40B4-BE49-F238E27FC236}">
+                <a16:creationId xmlns:a16="http://schemas.microsoft.com/office/drawing/2014/main" id="{8606ABD3-A3EA-4514-90BD-0D8A39FC3711}"/>
+              </a:ext>
+            </a:extLst>
+          </p:cNvPr>
+          <p:cNvSpPr/>
+          <p:nvPr/>
+        </p:nvSpPr>
+        <p:spPr>
+          <a:xfrm>
+            <a:off x="4893179" y="3930746"/>
+            <a:ext cx="2441694" cy="1295496"/>
+          </a:xfrm>
+          <a:prstGeom prst="rect">
+            <a:avLst/>
+          </a:prstGeom>
+        </p:spPr>
+        <p:style>
+          <a:lnRef idx="2">
+            <a:schemeClr val="accent1">
+              <a:shade val="50000"/>
+            </a:schemeClr>
+          </a:lnRef>
+          <a:fillRef idx="1">
+            <a:schemeClr val="accent1"/>
+          </a:fillRef>
+          <a:effectRef idx="0">
+            <a:schemeClr val="accent1"/>
+          </a:effectRef>
+          <a:fontRef idx="minor">
+            <a:schemeClr val="lt1"/>
+          </a:fontRef>
+        </p:style>
+        <p:txBody>
+          <a:bodyPr rtlCol="0" anchor="ctr"/>
+          <a:lstStyle/>
+          <a:p>
+            <a:pPr algn="ctr"/>
+            <a:endParaRPr kumimoji="1" lang="en-US" altLang="ja-JP" sz="1600" dirty="0"/>
+          </a:p>
+        </p:txBody>
+      </p:sp>
+      <p:sp>
+        <p:nvSpPr>
+          <p:cNvPr id="31" name="テキスト ボックス 30">
+            <a:extLst>
+              <a:ext uri="{FF2B5EF4-FFF2-40B4-BE49-F238E27FC236}">
+                <a16:creationId xmlns:a16="http://schemas.microsoft.com/office/drawing/2014/main" id="{9B8D8476-47C1-4957-A5D0-390202431E27}"/>
+              </a:ext>
+            </a:extLst>
+          </p:cNvPr>
+          <p:cNvSpPr txBox="1"/>
+          <p:nvPr/>
+        </p:nvSpPr>
+        <p:spPr>
+          <a:xfrm>
+            <a:off x="5495954" y="3994554"/>
+            <a:ext cx="1338828" cy="369332"/>
+          </a:xfrm>
+          <a:prstGeom prst="rect">
+            <a:avLst/>
+          </a:prstGeom>
+          <a:noFill/>
+        </p:spPr>
+        <p:txBody>
+          <a:bodyPr wrap="none" rtlCol="0">
+            <a:spAutoFit/>
+          </a:bodyPr>
+          <a:lstStyle/>
+          <a:p>
+            <a:r>
+              <a:rPr kumimoji="1" lang="ja-JP" altLang="en-US" dirty="0"/>
+              <a:t>オプション</a:t>
+            </a:r>
+          </a:p>
+        </p:txBody>
+      </p:sp>
+      <p:sp>
+        <p:nvSpPr>
+          <p:cNvPr id="32" name="テキスト ボックス 31">
+            <a:extLst>
+              <a:ext uri="{FF2B5EF4-FFF2-40B4-BE49-F238E27FC236}">
+                <a16:creationId xmlns:a16="http://schemas.microsoft.com/office/drawing/2014/main" id="{CE1F4D2B-8558-4318-A72A-E75A27394EE3}"/>
+              </a:ext>
+            </a:extLst>
+          </p:cNvPr>
+          <p:cNvSpPr txBox="1"/>
+          <p:nvPr/>
+        </p:nvSpPr>
+        <p:spPr>
+          <a:xfrm>
+            <a:off x="4937168" y="4252009"/>
+            <a:ext cx="748923" cy="261610"/>
+          </a:xfrm>
+          <a:prstGeom prst="rect">
+            <a:avLst/>
+          </a:prstGeom>
+          <a:noFill/>
+        </p:spPr>
+        <p:txBody>
+          <a:bodyPr wrap="none" rtlCol="0">
+            <a:spAutoFit/>
+          </a:bodyPr>
+          <a:lstStyle/>
+          <a:p>
+            <a:r>
+              <a:rPr kumimoji="1" lang="ja-JP" altLang="en-US" sz="1050" dirty="0">
+                <a:solidFill>
+                  <a:schemeClr val="bg1"/>
+                </a:solidFill>
+              </a:rPr>
+              <a:t>音量調整</a:t>
+            </a:r>
+          </a:p>
+        </p:txBody>
+      </p:sp>
+      <p:sp>
+        <p:nvSpPr>
+          <p:cNvPr id="34" name="テキスト ボックス 33">
+            <a:extLst>
+              <a:ext uri="{FF2B5EF4-FFF2-40B4-BE49-F238E27FC236}">
+                <a16:creationId xmlns:a16="http://schemas.microsoft.com/office/drawing/2014/main" id="{7A731C51-0DB0-43DA-9747-321488B525F1}"/>
+              </a:ext>
+            </a:extLst>
+          </p:cNvPr>
+          <p:cNvSpPr txBox="1"/>
+          <p:nvPr/>
+        </p:nvSpPr>
+        <p:spPr>
+          <a:xfrm>
+            <a:off x="5410214" y="4469705"/>
+            <a:ext cx="567784" cy="369332"/>
+          </a:xfrm>
+          <a:prstGeom prst="rect">
+            <a:avLst/>
+          </a:prstGeom>
+          <a:noFill/>
+        </p:spPr>
+        <p:txBody>
+          <a:bodyPr wrap="none" rtlCol="0">
+            <a:spAutoFit/>
+          </a:bodyPr>
+          <a:lstStyle/>
+          <a:p>
+            <a:r>
+              <a:rPr kumimoji="1" lang="en-US" altLang="ja-JP" sz="900" dirty="0">
+                <a:solidFill>
+                  <a:schemeClr val="bg1"/>
+                </a:solidFill>
+              </a:rPr>
+              <a:t>BGM…</a:t>
+            </a:r>
+          </a:p>
+          <a:p>
+            <a:r>
+              <a:rPr lang="en-US" altLang="ja-JP" sz="900" dirty="0">
+                <a:solidFill>
+                  <a:schemeClr val="bg1"/>
+                </a:solidFill>
+              </a:rPr>
+              <a:t>SE…</a:t>
+            </a:r>
+            <a:endParaRPr kumimoji="1" lang="ja-JP" altLang="en-US" sz="900" dirty="0">
+              <a:solidFill>
+                <a:schemeClr val="bg1"/>
+              </a:solidFill>
+            </a:endParaRPr>
+          </a:p>
+        </p:txBody>
+      </p:sp>
+      <p:sp>
+        <p:nvSpPr>
+          <p:cNvPr id="35" name="テキスト ボックス 34">
+            <a:extLst>
+              <a:ext uri="{FF2B5EF4-FFF2-40B4-BE49-F238E27FC236}">
+                <a16:creationId xmlns:a16="http://schemas.microsoft.com/office/drawing/2014/main" id="{6E72C3C9-7A87-4E96-91D3-A80923CB6BD6}"/>
+              </a:ext>
+            </a:extLst>
+          </p:cNvPr>
+          <p:cNvSpPr txBox="1"/>
+          <p:nvPr/>
+        </p:nvSpPr>
+        <p:spPr>
+          <a:xfrm>
+            <a:off x="7594545" y="4205842"/>
+            <a:ext cx="3796232" cy="646331"/>
+          </a:xfrm>
+          <a:prstGeom prst="rect">
+            <a:avLst/>
+          </a:prstGeom>
+          <a:noFill/>
+        </p:spPr>
+        <p:txBody>
+          <a:bodyPr wrap="none" rtlCol="0">
+            <a:spAutoFit/>
+          </a:bodyPr>
+          <a:lstStyle/>
+          <a:p>
+            <a:pPr algn="ctr"/>
+            <a:r>
+              <a:rPr kumimoji="1" lang="ja-JP" altLang="en-US" dirty="0"/>
+              <a:t>一つ前の画面に戻るときは</a:t>
+            </a:r>
+            <a:r>
+              <a:rPr kumimoji="1" lang="en-US" altLang="ja-JP" dirty="0"/>
+              <a:t>A</a:t>
+            </a:r>
+            <a:r>
+              <a:rPr kumimoji="1" lang="ja-JP" altLang="en-US" dirty="0"/>
+              <a:t>ボタン</a:t>
+            </a:r>
+            <a:endParaRPr kumimoji="1" lang="en-US" altLang="ja-JP" dirty="0"/>
+          </a:p>
+          <a:p>
+            <a:pPr algn="ctr"/>
+            <a:r>
+              <a:rPr lang="ja-JP" altLang="en-US" dirty="0"/>
+              <a:t>進むときは</a:t>
+            </a:r>
+            <a:r>
+              <a:rPr lang="en-US" altLang="ja-JP" dirty="0"/>
+              <a:t>B</a:t>
+            </a:r>
+            <a:r>
+              <a:rPr lang="ja-JP" altLang="en-US" dirty="0"/>
+              <a:t>ボタン</a:t>
+            </a:r>
+            <a:endParaRPr kumimoji="1" lang="ja-JP" altLang="en-US" dirty="0"/>
+          </a:p>
+        </p:txBody>
+      </p:sp>
+      <p:sp>
+        <p:nvSpPr>
+          <p:cNvPr id="36" name="テキスト ボックス 35">
+            <a:extLst>
+              <a:ext uri="{FF2B5EF4-FFF2-40B4-BE49-F238E27FC236}">
+                <a16:creationId xmlns:a16="http://schemas.microsoft.com/office/drawing/2014/main" id="{BEC2266A-BA6A-4AA6-BA2D-1B45A3C24DAF}"/>
+              </a:ext>
+            </a:extLst>
+          </p:cNvPr>
+          <p:cNvSpPr txBox="1"/>
+          <p:nvPr/>
+        </p:nvSpPr>
+        <p:spPr>
+          <a:xfrm>
+            <a:off x="5084644" y="4747264"/>
+            <a:ext cx="453970" cy="253916"/>
+          </a:xfrm>
+          <a:prstGeom prst="rect">
+            <a:avLst/>
+          </a:prstGeom>
+          <a:noFill/>
+        </p:spPr>
+        <p:txBody>
+          <a:bodyPr wrap="none" rtlCol="0">
+            <a:spAutoFit/>
+          </a:bodyPr>
+          <a:lstStyle/>
+          <a:p>
+            <a:r>
+              <a:rPr kumimoji="1" lang="ja-JP" altLang="en-US" sz="1050" dirty="0">
+                <a:solidFill>
+                  <a:schemeClr val="bg1"/>
+                </a:solidFill>
+              </a:rPr>
+              <a:t>振動</a:t>
+            </a:r>
+          </a:p>
+        </p:txBody>
+      </p:sp>
+      <p:sp>
+        <p:nvSpPr>
+          <p:cNvPr id="37" name="テキスト ボックス 36">
+            <a:extLst>
+              <a:ext uri="{FF2B5EF4-FFF2-40B4-BE49-F238E27FC236}">
+                <a16:creationId xmlns:a16="http://schemas.microsoft.com/office/drawing/2014/main" id="{A3EB6A26-0E83-471F-A754-DB9D85F1E14C}"/>
+              </a:ext>
+            </a:extLst>
+          </p:cNvPr>
+          <p:cNvSpPr txBox="1"/>
+          <p:nvPr/>
+        </p:nvSpPr>
+        <p:spPr>
+          <a:xfrm>
+            <a:off x="5439148" y="4938726"/>
+            <a:ext cx="638316" cy="230832"/>
+          </a:xfrm>
+          <a:prstGeom prst="rect">
+            <a:avLst/>
+          </a:prstGeom>
+          <a:noFill/>
+        </p:spPr>
+        <p:txBody>
+          <a:bodyPr wrap="none" rtlCol="0">
+            <a:spAutoFit/>
+          </a:bodyPr>
+          <a:lstStyle/>
+          <a:p>
+            <a:r>
+              <a:rPr kumimoji="1" lang="en-US" altLang="ja-JP" sz="900" dirty="0">
+                <a:solidFill>
+                  <a:schemeClr val="bg1"/>
+                </a:solidFill>
+              </a:rPr>
+              <a:t>ON/OFF</a:t>
+            </a:r>
+            <a:endParaRPr kumimoji="1" lang="ja-JP" altLang="en-US" sz="900" dirty="0">
+              <a:solidFill>
+                <a:schemeClr val="bg1"/>
+              </a:solidFill>
+            </a:endParaRPr>
+          </a:p>
+        </p:txBody>
+      </p:sp>
     </p:spTree>
     <p:extLst>
       <p:ext uri="{BB962C8B-B14F-4D97-AF65-F5344CB8AC3E}">
-        <p14:creationId xmlns:p14="http://schemas.microsoft.com/office/powerpoint/2010/main" val="378248283"/>
+        <p14:creationId xmlns:p14="http://schemas.microsoft.com/office/powerpoint/2010/main" val="3428618121"/>
       </p:ext>
     </p:extLst>
   </p:cSld>
@@ -3923,7 +5396,7 @@
           <p:cNvPr id="4" name="テキスト ボックス 3">
             <a:extLst>
               <a:ext uri="{FF2B5EF4-FFF2-40B4-BE49-F238E27FC236}">
-                <a16:creationId xmlns:a16="http://schemas.microsoft.com/office/drawing/2014/main" id="{B8F64293-A016-40B8-8525-F80C8EA56335}"/>
+                <a16:creationId xmlns:a16="http://schemas.microsoft.com/office/drawing/2014/main" id="{C7574FF4-37AD-4380-ADCF-8FD32FAEA14A}"/>
               </a:ext>
             </a:extLst>
           </p:cNvPr>
@@ -3932,8 +5405,8 @@
         </p:nvSpPr>
         <p:spPr>
           <a:xfrm>
-            <a:off x="180623" y="203199"/>
-            <a:ext cx="1569660" cy="369332"/>
+            <a:off x="383822" y="304800"/>
+            <a:ext cx="1338828" cy="369332"/>
           </a:xfrm>
           <a:prstGeom prst="rect">
             <a:avLst/>
@@ -3948,7 +5421,7 @@
           <a:p>
             <a:r>
               <a:rPr kumimoji="1" lang="ja-JP" altLang="en-US" dirty="0"/>
-              <a:t>・バトル仕様</a:t>
+              <a:t>シーン遷移</a:t>
             </a:r>
           </a:p>
         </p:txBody>
@@ -3958,7 +5431,7 @@
           <p:cNvPr id="5" name="テキスト ボックス 4">
             <a:extLst>
               <a:ext uri="{FF2B5EF4-FFF2-40B4-BE49-F238E27FC236}">
-                <a16:creationId xmlns:a16="http://schemas.microsoft.com/office/drawing/2014/main" id="{0E2108D9-0A3E-4F7B-A8E7-5B8BD94FB273}"/>
+                <a16:creationId xmlns:a16="http://schemas.microsoft.com/office/drawing/2014/main" id="{69628872-AF19-4C84-84BF-39F8AB7596CD}"/>
               </a:ext>
             </a:extLst>
           </p:cNvPr>
@@ -3967,8 +5440,8 @@
         </p:nvSpPr>
         <p:spPr>
           <a:xfrm>
-            <a:off x="863853" y="1311195"/>
-            <a:ext cx="3595856" cy="1200329"/>
+            <a:off x="5195753" y="955545"/>
+            <a:ext cx="1569660" cy="369332"/>
           </a:xfrm>
           <a:prstGeom prst="rect">
             <a:avLst/>
@@ -3982,51 +5455,108 @@
           <a:lstStyle/>
           <a:p>
             <a:r>
-              <a:rPr lang="ja-JP" altLang="en-US" dirty="0"/>
-              <a:t>・攻撃は銃と剣</a:t>
-            </a:r>
-            <a:endParaRPr kumimoji="1" lang="en-US" altLang="ja-JP" dirty="0"/>
-          </a:p>
-          <a:p>
-            <a:r>
-              <a:rPr kumimoji="1" lang="ja-JP" altLang="en-US" dirty="0"/>
-              <a:t>・ジャンプは二回</a:t>
-            </a:r>
-            <a:r>
-              <a:rPr kumimoji="1" lang="en-US" altLang="ja-JP" dirty="0"/>
-              <a:t>(</a:t>
-            </a:r>
-            <a:r>
-              <a:rPr kumimoji="1" lang="ja-JP" altLang="en-US" dirty="0"/>
-              <a:t>無敵時間あり</a:t>
-            </a:r>
-            <a:r>
-              <a:rPr kumimoji="1" lang="en-US" altLang="ja-JP" dirty="0"/>
-              <a:t>)</a:t>
-            </a:r>
-          </a:p>
-          <a:p>
-            <a:r>
-              <a:rPr lang="ja-JP" altLang="en-US" dirty="0"/>
-              <a:t>・ボタンでターゲット固定有</a:t>
-            </a:r>
-            <a:endParaRPr lang="en-US" altLang="ja-JP" dirty="0"/>
-          </a:p>
-          <a:p>
-            <a:r>
-              <a:rPr lang="ja-JP" altLang="en-US" dirty="0"/>
-              <a:t>・コンボを決めると</a:t>
-            </a:r>
-            <a:endParaRPr lang="en-US" altLang="ja-JP" dirty="0"/>
-          </a:p>
-        </p:txBody>
-      </p:sp>
-      <p:sp>
-        <p:nvSpPr>
-          <p:cNvPr id="6" name="テキスト ボックス 5">
-            <a:extLst>
-              <a:ext uri="{FF2B5EF4-FFF2-40B4-BE49-F238E27FC236}">
-                <a16:creationId xmlns:a16="http://schemas.microsoft.com/office/drawing/2014/main" id="{12C89568-4978-4413-AC5F-66798C4EA9AF}"/>
+              <a:rPr kumimoji="1" lang="ja-JP" altLang="en-US" b="1" dirty="0"/>
+              <a:t>ゲームシーン</a:t>
+            </a:r>
+          </a:p>
+        </p:txBody>
+      </p:sp>
+      <p:sp>
+        <p:nvSpPr>
+          <p:cNvPr id="6" name="四角形: 角を丸くする 5">
+            <a:extLst>
+              <a:ext uri="{FF2B5EF4-FFF2-40B4-BE49-F238E27FC236}">
+                <a16:creationId xmlns:a16="http://schemas.microsoft.com/office/drawing/2014/main" id="{ED3A501D-9F92-4F23-A459-63A7E09CD56E}"/>
+              </a:ext>
+            </a:extLst>
+          </p:cNvPr>
+          <p:cNvSpPr/>
+          <p:nvPr/>
+        </p:nvSpPr>
+        <p:spPr>
+          <a:xfrm>
+            <a:off x="948268" y="1525694"/>
+            <a:ext cx="10566400" cy="4073595"/>
+          </a:xfrm>
+          <a:prstGeom prst="roundRect">
+            <a:avLst/>
+          </a:prstGeom>
+        </p:spPr>
+        <p:style>
+          <a:lnRef idx="1">
+            <a:schemeClr val="accent4"/>
+          </a:lnRef>
+          <a:fillRef idx="2">
+            <a:schemeClr val="accent4"/>
+          </a:fillRef>
+          <a:effectRef idx="1">
+            <a:schemeClr val="accent4"/>
+          </a:effectRef>
+          <a:fontRef idx="minor">
+            <a:schemeClr val="dk1"/>
+          </a:fontRef>
+        </p:style>
+        <p:txBody>
+          <a:bodyPr rtlCol="0" anchor="ctr"/>
+          <a:lstStyle/>
+          <a:p>
+            <a:pPr algn="ctr"/>
+            <a:endParaRPr kumimoji="1" lang="ja-JP" altLang="en-US" dirty="0"/>
+          </a:p>
+        </p:txBody>
+      </p:sp>
+      <p:sp>
+        <p:nvSpPr>
+          <p:cNvPr id="7" name="正方形/長方形 6">
+            <a:extLst>
+              <a:ext uri="{FF2B5EF4-FFF2-40B4-BE49-F238E27FC236}">
+                <a16:creationId xmlns:a16="http://schemas.microsoft.com/office/drawing/2014/main" id="{FFA1AD7E-9A4B-443A-B4C2-84FD4819A25E}"/>
+              </a:ext>
+            </a:extLst>
+          </p:cNvPr>
+          <p:cNvSpPr/>
+          <p:nvPr/>
+        </p:nvSpPr>
+        <p:spPr>
+          <a:xfrm>
+            <a:off x="1831175" y="2914743"/>
+            <a:ext cx="2441694" cy="1295496"/>
+          </a:xfrm>
+          <a:prstGeom prst="rect">
+            <a:avLst/>
+          </a:prstGeom>
+        </p:spPr>
+        <p:style>
+          <a:lnRef idx="2">
+            <a:schemeClr val="accent1">
+              <a:shade val="50000"/>
+            </a:schemeClr>
+          </a:lnRef>
+          <a:fillRef idx="1">
+            <a:schemeClr val="accent1"/>
+          </a:fillRef>
+          <a:effectRef idx="0">
+            <a:schemeClr val="accent1"/>
+          </a:effectRef>
+          <a:fontRef idx="minor">
+            <a:schemeClr val="lt1"/>
+          </a:fontRef>
+        </p:style>
+        <p:txBody>
+          <a:bodyPr rtlCol="0" anchor="ctr"/>
+          <a:lstStyle/>
+          <a:p>
+            <a:pPr algn="ctr"/>
+            <a:endParaRPr kumimoji="1" lang="en-US" altLang="ja-JP" sz="1600" dirty="0"/>
+          </a:p>
+        </p:txBody>
+      </p:sp>
+      <p:sp>
+        <p:nvSpPr>
+          <p:cNvPr id="8" name="テキスト ボックス 7">
+            <a:extLst>
+              <a:ext uri="{FF2B5EF4-FFF2-40B4-BE49-F238E27FC236}">
+                <a16:creationId xmlns:a16="http://schemas.microsoft.com/office/drawing/2014/main" id="{3917DE62-DA02-47A4-BD48-425448B406A4}"/>
               </a:ext>
             </a:extLst>
           </p:cNvPr>
@@ -4035,8 +5565,8 @@
         </p:nvSpPr>
         <p:spPr>
           <a:xfrm>
-            <a:off x="642287" y="572531"/>
-            <a:ext cx="1338828" cy="369332"/>
+            <a:off x="1133272" y="2628911"/>
+            <a:ext cx="2149948" cy="276999"/>
           </a:xfrm>
           <a:prstGeom prst="rect">
             <a:avLst/>
@@ -4050,18 +5580,169 @@
           <a:lstStyle/>
           <a:p>
             <a:r>
-              <a:rPr kumimoji="1" lang="ja-JP" altLang="en-US" dirty="0"/>
-              <a:t>プレイヤー</a:t>
-            </a:r>
-          </a:p>
-        </p:txBody>
-      </p:sp>
-      <p:sp>
-        <p:nvSpPr>
-          <p:cNvPr id="7" name="テキスト ボックス 6">
-            <a:extLst>
-              <a:ext uri="{FF2B5EF4-FFF2-40B4-BE49-F238E27FC236}">
-                <a16:creationId xmlns:a16="http://schemas.microsoft.com/office/drawing/2014/main" id="{62B68A2B-FA04-4784-BA16-CF040B8A97DE}"/>
+              <a:rPr kumimoji="1" lang="ja-JP" altLang="en-US" sz="1200" dirty="0"/>
+              <a:t>ゲーム画面</a:t>
+            </a:r>
+            <a:r>
+              <a:rPr kumimoji="1" lang="en-US" altLang="ja-JP" sz="1200" dirty="0"/>
+              <a:t>(</a:t>
+            </a:r>
+            <a:r>
+              <a:rPr kumimoji="1" lang="ja-JP" altLang="en-US" sz="1200" dirty="0"/>
+              <a:t>詳細は別ページ</a:t>
+            </a:r>
+            <a:r>
+              <a:rPr kumimoji="1" lang="en-US" altLang="ja-JP" sz="1200" dirty="0"/>
+              <a:t>)</a:t>
+            </a:r>
+            <a:endParaRPr kumimoji="1" lang="ja-JP" altLang="en-US" sz="1200" dirty="0"/>
+          </a:p>
+        </p:txBody>
+      </p:sp>
+      <p:sp>
+        <p:nvSpPr>
+          <p:cNvPr id="10" name="正方形/長方形 9">
+            <a:extLst>
+              <a:ext uri="{FF2B5EF4-FFF2-40B4-BE49-F238E27FC236}">
+                <a16:creationId xmlns:a16="http://schemas.microsoft.com/office/drawing/2014/main" id="{CAC0C4E0-92E8-4147-A6CF-84353BC8C228}"/>
+              </a:ext>
+            </a:extLst>
+          </p:cNvPr>
+          <p:cNvSpPr/>
+          <p:nvPr/>
+        </p:nvSpPr>
+        <p:spPr>
+          <a:xfrm>
+            <a:off x="6095999" y="4048524"/>
+            <a:ext cx="2441694" cy="1295497"/>
+          </a:xfrm>
+          <a:prstGeom prst="rect">
+            <a:avLst/>
+          </a:prstGeom>
+        </p:spPr>
+        <p:style>
+          <a:lnRef idx="2">
+            <a:schemeClr val="accent1">
+              <a:shade val="50000"/>
+            </a:schemeClr>
+          </a:lnRef>
+          <a:fillRef idx="1">
+            <a:schemeClr val="accent1"/>
+          </a:fillRef>
+          <a:effectRef idx="0">
+            <a:schemeClr val="accent1"/>
+          </a:effectRef>
+          <a:fontRef idx="minor">
+            <a:schemeClr val="lt1"/>
+          </a:fontRef>
+        </p:style>
+        <p:txBody>
+          <a:bodyPr rtlCol="0" anchor="ctr"/>
+          <a:lstStyle/>
+          <a:p>
+            <a:pPr algn="ctr"/>
+            <a:endParaRPr kumimoji="1" lang="en-US" altLang="ja-JP" sz="1600" dirty="0"/>
+          </a:p>
+        </p:txBody>
+      </p:sp>
+      <p:sp>
+        <p:nvSpPr>
+          <p:cNvPr id="16" name="正方形/長方形 15">
+            <a:extLst>
+              <a:ext uri="{FF2B5EF4-FFF2-40B4-BE49-F238E27FC236}">
+                <a16:creationId xmlns:a16="http://schemas.microsoft.com/office/drawing/2014/main" id="{CE773FB8-F12E-461D-A8B4-7A3ECD6048E7}"/>
+              </a:ext>
+            </a:extLst>
+          </p:cNvPr>
+          <p:cNvSpPr/>
+          <p:nvPr/>
+        </p:nvSpPr>
+        <p:spPr>
+          <a:xfrm>
+            <a:off x="6088002" y="1901465"/>
+            <a:ext cx="2441694" cy="1295497"/>
+          </a:xfrm>
+          <a:prstGeom prst="rect">
+            <a:avLst/>
+          </a:prstGeom>
+        </p:spPr>
+        <p:style>
+          <a:lnRef idx="2">
+            <a:schemeClr val="accent1">
+              <a:shade val="50000"/>
+            </a:schemeClr>
+          </a:lnRef>
+          <a:fillRef idx="1">
+            <a:schemeClr val="accent1"/>
+          </a:fillRef>
+          <a:effectRef idx="0">
+            <a:schemeClr val="accent1"/>
+          </a:effectRef>
+          <a:fontRef idx="minor">
+            <a:schemeClr val="lt1"/>
+          </a:fontRef>
+        </p:style>
+        <p:txBody>
+          <a:bodyPr rtlCol="0" anchor="ctr"/>
+          <a:lstStyle/>
+          <a:p>
+            <a:pPr algn="ctr"/>
+            <a:endParaRPr kumimoji="1" lang="en-US" altLang="ja-JP" sz="1600" dirty="0"/>
+          </a:p>
+        </p:txBody>
+      </p:sp>
+      <p:sp>
+        <p:nvSpPr>
+          <p:cNvPr id="24" name="矢印: 下 23">
+            <a:extLst>
+              <a:ext uri="{FF2B5EF4-FFF2-40B4-BE49-F238E27FC236}">
+                <a16:creationId xmlns:a16="http://schemas.microsoft.com/office/drawing/2014/main" id="{4DEC8B0D-8C81-4EAD-8103-0D5F9CECA90D}"/>
+              </a:ext>
+            </a:extLst>
+          </p:cNvPr>
+          <p:cNvSpPr/>
+          <p:nvPr/>
+        </p:nvSpPr>
+        <p:spPr>
+          <a:xfrm rot="14608454">
+            <a:off x="4813500" y="2584825"/>
+            <a:ext cx="711201" cy="642171"/>
+          </a:xfrm>
+          <a:prstGeom prst="downArrow">
+            <a:avLst/>
+          </a:prstGeom>
+        </p:spPr>
+        <p:style>
+          <a:lnRef idx="2">
+            <a:schemeClr val="accent1">
+              <a:shade val="50000"/>
+            </a:schemeClr>
+          </a:lnRef>
+          <a:fillRef idx="1">
+            <a:schemeClr val="accent1"/>
+          </a:fillRef>
+          <a:effectRef idx="0">
+            <a:schemeClr val="accent1"/>
+          </a:effectRef>
+          <a:fontRef idx="minor">
+            <a:schemeClr val="lt1"/>
+          </a:fontRef>
+        </p:style>
+        <p:txBody>
+          <a:bodyPr rtlCol="0" anchor="ctr"/>
+          <a:lstStyle/>
+          <a:p>
+            <a:pPr algn="ctr"/>
+            <a:endParaRPr kumimoji="1" lang="ja-JP" altLang="en-US"/>
+          </a:p>
+        </p:txBody>
+      </p:sp>
+      <p:sp>
+        <p:nvSpPr>
+          <p:cNvPr id="30" name="テキスト ボックス 29">
+            <a:extLst>
+              <a:ext uri="{FF2B5EF4-FFF2-40B4-BE49-F238E27FC236}">
+                <a16:creationId xmlns:a16="http://schemas.microsoft.com/office/drawing/2014/main" id="{4BFE6155-AEE2-47DF-93EF-8410D251772C}"/>
               </a:ext>
             </a:extLst>
           </p:cNvPr>
@@ -4070,8 +5751,8 @@
         </p:nvSpPr>
         <p:spPr>
           <a:xfrm>
-            <a:off x="6841067" y="572531"/>
-            <a:ext cx="415498" cy="369332"/>
+            <a:off x="5358383" y="1652271"/>
+            <a:ext cx="2149948" cy="276999"/>
           </a:xfrm>
           <a:prstGeom prst="rect">
             <a:avLst/>
@@ -4085,18 +5766,77 @@
           <a:lstStyle/>
           <a:p>
             <a:r>
-              <a:rPr kumimoji="1" lang="ja-JP" altLang="en-US" dirty="0"/>
-              <a:t>敵</a:t>
-            </a:r>
-          </a:p>
-        </p:txBody>
-      </p:sp>
-      <p:sp>
-        <p:nvSpPr>
-          <p:cNvPr id="8" name="テキスト ボックス 7">
-            <a:extLst>
-              <a:ext uri="{FF2B5EF4-FFF2-40B4-BE49-F238E27FC236}">
-                <a16:creationId xmlns:a16="http://schemas.microsoft.com/office/drawing/2014/main" id="{1219EAC2-AA8D-4AF0-9883-F24F4E9968FE}"/>
+              <a:rPr kumimoji="1" lang="ja-JP" altLang="en-US" sz="1200" dirty="0"/>
+              <a:t>クリア画面</a:t>
+            </a:r>
+            <a:r>
+              <a:rPr kumimoji="1" lang="en-US" altLang="ja-JP" sz="1200" dirty="0"/>
+              <a:t>(</a:t>
+            </a:r>
+            <a:r>
+              <a:rPr kumimoji="1" lang="ja-JP" altLang="en-US" sz="1200" dirty="0"/>
+              <a:t>詳細は別ページ</a:t>
+            </a:r>
+            <a:r>
+              <a:rPr kumimoji="1" lang="en-US" altLang="ja-JP" sz="1200" dirty="0"/>
+              <a:t>)</a:t>
+            </a:r>
+            <a:endParaRPr kumimoji="1" lang="ja-JP" altLang="en-US" sz="1200" dirty="0"/>
+          </a:p>
+        </p:txBody>
+      </p:sp>
+      <p:sp>
+        <p:nvSpPr>
+          <p:cNvPr id="31" name="矢印: 下 30">
+            <a:extLst>
+              <a:ext uri="{FF2B5EF4-FFF2-40B4-BE49-F238E27FC236}">
+                <a16:creationId xmlns:a16="http://schemas.microsoft.com/office/drawing/2014/main" id="{83311EF2-CD65-44B2-821C-551EAE837440}"/>
+              </a:ext>
+            </a:extLst>
+          </p:cNvPr>
+          <p:cNvSpPr/>
+          <p:nvPr/>
+        </p:nvSpPr>
+        <p:spPr>
+          <a:xfrm rot="17676006">
+            <a:off x="4818373" y="4162296"/>
+            <a:ext cx="711201" cy="642171"/>
+          </a:xfrm>
+          <a:prstGeom prst="downArrow">
+            <a:avLst/>
+          </a:prstGeom>
+        </p:spPr>
+        <p:style>
+          <a:lnRef idx="2">
+            <a:schemeClr val="accent1">
+              <a:shade val="50000"/>
+            </a:schemeClr>
+          </a:lnRef>
+          <a:fillRef idx="1">
+            <a:schemeClr val="accent1"/>
+          </a:fillRef>
+          <a:effectRef idx="0">
+            <a:schemeClr val="accent1"/>
+          </a:effectRef>
+          <a:fontRef idx="minor">
+            <a:schemeClr val="lt1"/>
+          </a:fontRef>
+        </p:style>
+        <p:txBody>
+          <a:bodyPr rtlCol="0" anchor="ctr"/>
+          <a:lstStyle/>
+          <a:p>
+            <a:pPr algn="ctr"/>
+            <a:endParaRPr kumimoji="1" lang="ja-JP" altLang="en-US"/>
+          </a:p>
+        </p:txBody>
+      </p:sp>
+      <p:sp>
+        <p:nvSpPr>
+          <p:cNvPr id="32" name="テキスト ボックス 31">
+            <a:extLst>
+              <a:ext uri="{FF2B5EF4-FFF2-40B4-BE49-F238E27FC236}">
+                <a16:creationId xmlns:a16="http://schemas.microsoft.com/office/drawing/2014/main" id="{69289DD4-5A11-4B85-A700-1B4851ACBD69}"/>
               </a:ext>
             </a:extLst>
           </p:cNvPr>
@@ -4105,8 +5845,8 @@
         </p:nvSpPr>
         <p:spPr>
           <a:xfrm>
-            <a:off x="7256565" y="1265028"/>
-            <a:ext cx="5032147" cy="1754326"/>
+            <a:off x="5358383" y="3793256"/>
+            <a:ext cx="2765501" cy="276999"/>
           </a:xfrm>
           <a:prstGeom prst="rect">
             <a:avLst/>
@@ -4120,52 +5860,29 @@
           <a:lstStyle/>
           <a:p>
             <a:r>
-              <a:rPr kumimoji="1" lang="ja-JP" altLang="en-US" dirty="0"/>
-              <a:t>・敵は二体</a:t>
-            </a:r>
-            <a:endParaRPr kumimoji="1" lang="en-US" altLang="ja-JP" dirty="0"/>
-          </a:p>
-          <a:p>
-            <a:r>
-              <a:rPr lang="ja-JP" altLang="en-US" dirty="0"/>
-              <a:t>・二体同時に攻撃してくるタイミングと、</a:t>
-            </a:r>
-            <a:endParaRPr lang="en-US" altLang="ja-JP" dirty="0"/>
-          </a:p>
-          <a:p>
-            <a:r>
-              <a:rPr kumimoji="1" lang="ja-JP" altLang="en-US" dirty="0"/>
-              <a:t>片方は防御態勢に入っているタイミングがある</a:t>
-            </a:r>
-            <a:endParaRPr kumimoji="1" lang="en-US" altLang="ja-JP" dirty="0"/>
-          </a:p>
-          <a:p>
-            <a:r>
-              <a:rPr lang="ja-JP" altLang="en-US" dirty="0"/>
-              <a:t>・敵は片方倒すと、残ったもう片方の体力を</a:t>
-            </a:r>
-            <a:endParaRPr lang="en-US" altLang="ja-JP" dirty="0"/>
-          </a:p>
-          <a:p>
-            <a:r>
-              <a:rPr kumimoji="1" lang="ja-JP" altLang="en-US" dirty="0"/>
-              <a:t>参照し複合ボスに</a:t>
-            </a:r>
-            <a:r>
-              <a:rPr lang="ja-JP" altLang="en-US" dirty="0"/>
-              <a:t>なる</a:t>
-            </a:r>
-            <a:endParaRPr lang="en-US" altLang="ja-JP" dirty="0"/>
-          </a:p>
-          <a:p>
-            <a:endParaRPr kumimoji="1" lang="en-US" altLang="ja-JP" dirty="0"/>
+              <a:rPr kumimoji="1" lang="ja-JP" altLang="en-US" sz="1200" dirty="0"/>
+              <a:t>ゲームオーバー画面</a:t>
+            </a:r>
+            <a:r>
+              <a:rPr kumimoji="1" lang="en-US" altLang="ja-JP" sz="1200" dirty="0"/>
+              <a:t>(</a:t>
+            </a:r>
+            <a:r>
+              <a:rPr kumimoji="1" lang="ja-JP" altLang="en-US" sz="1200" dirty="0"/>
+              <a:t>詳細は別ページ</a:t>
+            </a:r>
+            <a:r>
+              <a:rPr kumimoji="1" lang="en-US" altLang="ja-JP" sz="1200" dirty="0"/>
+              <a:t>)</a:t>
+            </a:r>
+            <a:endParaRPr kumimoji="1" lang="ja-JP" altLang="en-US" sz="1200" dirty="0"/>
           </a:p>
         </p:txBody>
       </p:sp>
     </p:spTree>
     <p:extLst>
       <p:ext uri="{BB962C8B-B14F-4D97-AF65-F5344CB8AC3E}">
-        <p14:creationId xmlns:p14="http://schemas.microsoft.com/office/powerpoint/2010/main" val="1607766152"/>
+        <p14:creationId xmlns:p14="http://schemas.microsoft.com/office/powerpoint/2010/main" val="3876885003"/>
       </p:ext>
     </p:extLst>
   </p:cSld>
@@ -4192,6 +5909,576 @@
           <a:chExt cx="0" cy="0"/>
         </a:xfrm>
       </p:grpSpPr>
+    </p:spTree>
+    <p:extLst>
+      <p:ext uri="{BB962C8B-B14F-4D97-AF65-F5344CB8AC3E}">
+        <p14:creationId xmlns:p14="http://schemas.microsoft.com/office/powerpoint/2010/main" val="318646762"/>
+      </p:ext>
+    </p:extLst>
+  </p:cSld>
+  <p:clrMapOvr>
+    <a:masterClrMapping/>
+  </p:clrMapOvr>
+</p:sld>
+</file>
+
+<file path=ppt/slides/slide5.xml><?xml version="1.0" encoding="utf-8"?>
+<p:sld xmlns:a="http://schemas.openxmlformats.org/drawingml/2006/main" xmlns:r="http://schemas.openxmlformats.org/officeDocument/2006/relationships" xmlns:p="http://schemas.openxmlformats.org/presentationml/2006/main">
+  <p:cSld>
+    <p:spTree>
+      <p:nvGrpSpPr>
+        <p:cNvPr id="1" name=""/>
+        <p:cNvGrpSpPr/>
+        <p:nvPr/>
+      </p:nvGrpSpPr>
+      <p:grpSpPr>
+        <a:xfrm>
+          <a:off x="0" y="0"/>
+          <a:ext cx="0" cy="0"/>
+          <a:chOff x="0" y="0"/>
+          <a:chExt cx="0" cy="0"/>
+        </a:xfrm>
+      </p:grpSpPr>
+      <p:sp>
+        <p:nvSpPr>
+          <p:cNvPr id="2" name="テキスト ボックス 1">
+            <a:extLst>
+              <a:ext uri="{FF2B5EF4-FFF2-40B4-BE49-F238E27FC236}">
+                <a16:creationId xmlns:a16="http://schemas.microsoft.com/office/drawing/2014/main" id="{0A2C3F03-683E-49A8-A3C7-07F0194049DA}"/>
+              </a:ext>
+            </a:extLst>
+          </p:cNvPr>
+          <p:cNvSpPr txBox="1"/>
+          <p:nvPr/>
+        </p:nvSpPr>
+        <p:spPr>
+          <a:xfrm>
+            <a:off x="462844" y="451556"/>
+            <a:ext cx="2122312" cy="369332"/>
+          </a:xfrm>
+          <a:prstGeom prst="rect">
+            <a:avLst/>
+          </a:prstGeom>
+          <a:noFill/>
+        </p:spPr>
+        <p:txBody>
+          <a:bodyPr wrap="square" rtlCol="0">
+            <a:spAutoFit/>
+          </a:bodyPr>
+          <a:lstStyle/>
+          <a:p>
+            <a:r>
+              <a:rPr kumimoji="1" lang="ja-JP" altLang="en-US" dirty="0"/>
+              <a:t>ゲーム内仕様</a:t>
+            </a:r>
+          </a:p>
+        </p:txBody>
+      </p:sp>
+      <p:sp>
+        <p:nvSpPr>
+          <p:cNvPr id="3" name="テキスト ボックス 2">
+            <a:extLst>
+              <a:ext uri="{FF2B5EF4-FFF2-40B4-BE49-F238E27FC236}">
+                <a16:creationId xmlns:a16="http://schemas.microsoft.com/office/drawing/2014/main" id="{5E7EC822-D5C9-41F8-94FE-511A0423DFD9}"/>
+              </a:ext>
+            </a:extLst>
+          </p:cNvPr>
+          <p:cNvSpPr txBox="1"/>
+          <p:nvPr/>
+        </p:nvSpPr>
+        <p:spPr>
+          <a:xfrm>
+            <a:off x="587022" y="1117600"/>
+            <a:ext cx="9366667" cy="4801314"/>
+          </a:xfrm>
+          <a:prstGeom prst="rect">
+            <a:avLst/>
+          </a:prstGeom>
+          <a:noFill/>
+        </p:spPr>
+        <p:txBody>
+          <a:bodyPr wrap="none" rtlCol="0">
+            <a:spAutoFit/>
+          </a:bodyPr>
+          <a:lstStyle/>
+          <a:p>
+            <a:r>
+              <a:rPr kumimoji="1" lang="ja-JP" altLang="en-US" dirty="0"/>
+              <a:t>・ステージ数は</a:t>
+            </a:r>
+            <a:r>
+              <a:rPr kumimoji="1" lang="en-US" altLang="ja-JP" dirty="0"/>
+              <a:t>1</a:t>
+            </a:r>
+            <a:r>
+              <a:rPr kumimoji="1" lang="ja-JP" altLang="en-US" dirty="0"/>
+              <a:t>つ</a:t>
+            </a:r>
+            <a:endParaRPr kumimoji="1" lang="en-US" altLang="ja-JP" dirty="0"/>
+          </a:p>
+          <a:p>
+            <a:r>
+              <a:rPr lang="ja-JP" altLang="en-US" dirty="0"/>
+              <a:t>・初期位置からボス戦へ向かう一本道の道中で敵を倒す。</a:t>
+            </a:r>
+            <a:r>
+              <a:rPr lang="en-US" altLang="ja-JP" dirty="0"/>
+              <a:t>(</a:t>
+            </a:r>
+            <a:r>
+              <a:rPr lang="ja-JP" altLang="en-US" dirty="0"/>
+              <a:t>チュートリアルも兼ねている</a:t>
+            </a:r>
+            <a:r>
+              <a:rPr lang="en-US" altLang="ja-JP" dirty="0"/>
+              <a:t>)</a:t>
+            </a:r>
+          </a:p>
+          <a:p>
+            <a:endParaRPr lang="en-US" altLang="ja-JP" dirty="0"/>
+          </a:p>
+          <a:p>
+            <a:r>
+              <a:rPr kumimoji="1" lang="ja-JP" altLang="en-US" dirty="0"/>
+              <a:t>■マップ関係</a:t>
+            </a:r>
+            <a:endParaRPr lang="en-US" altLang="ja-JP" dirty="0"/>
+          </a:p>
+          <a:p>
+            <a:r>
+              <a:rPr lang="ja-JP" altLang="en-US" dirty="0"/>
+              <a:t>・マップの当たり判定はあまり考えていない</a:t>
+            </a:r>
+            <a:r>
+              <a:rPr lang="en-US" altLang="ja-JP" dirty="0"/>
+              <a:t>(</a:t>
+            </a:r>
+            <a:r>
+              <a:rPr lang="ja-JP" altLang="en-US" dirty="0"/>
+              <a:t>基本平面</a:t>
+            </a:r>
+            <a:r>
+              <a:rPr lang="en-US" altLang="ja-JP" dirty="0"/>
+              <a:t>)</a:t>
+            </a:r>
+          </a:p>
+          <a:p>
+            <a:endParaRPr lang="en-US" altLang="ja-JP" dirty="0"/>
+          </a:p>
+          <a:p>
+            <a:r>
+              <a:rPr lang="ja-JP" altLang="en-US" dirty="0"/>
+              <a:t>■カメラ関係</a:t>
+            </a:r>
+            <a:endParaRPr lang="en-US" altLang="ja-JP" dirty="0"/>
+          </a:p>
+          <a:p>
+            <a:r>
+              <a:rPr lang="ja-JP" altLang="en-US" dirty="0"/>
+              <a:t>・プレイヤーの後ろから俯瞰したように映す</a:t>
+            </a:r>
+            <a:r>
+              <a:rPr lang="en-US" altLang="ja-JP" dirty="0"/>
+              <a:t>(</a:t>
+            </a:r>
+            <a:r>
+              <a:rPr lang="ja-JP" altLang="en-US" dirty="0"/>
+              <a:t>三人称視点</a:t>
+            </a:r>
+            <a:r>
+              <a:rPr lang="en-US" altLang="ja-JP" dirty="0"/>
+              <a:t>)</a:t>
+            </a:r>
+          </a:p>
+          <a:p>
+            <a:r>
+              <a:rPr lang="ja-JP" altLang="en-US" dirty="0"/>
+              <a:t>・アングルはコントローラ右スティックで調整可能</a:t>
+            </a:r>
+            <a:endParaRPr lang="en-US" altLang="ja-JP" dirty="0"/>
+          </a:p>
+          <a:p>
+            <a:r>
+              <a:rPr lang="ja-JP" altLang="en-US" dirty="0"/>
+              <a:t>・可能なら右スティック押し込みでプレイヤーの前方向にカメラを初期化する</a:t>
+            </a:r>
+            <a:endParaRPr lang="en-US" altLang="ja-JP" dirty="0"/>
+          </a:p>
+          <a:p>
+            <a:r>
+              <a:rPr lang="ja-JP" altLang="en-US" dirty="0"/>
+              <a:t>・</a:t>
+            </a:r>
+            <a:r>
+              <a:rPr lang="en-US" altLang="ja-JP" dirty="0"/>
+              <a:t>R1</a:t>
+            </a:r>
+            <a:r>
+              <a:rPr lang="ja-JP" altLang="en-US" dirty="0"/>
+              <a:t>ボタンで一番近くにいる敵をロックオンし、向きを固定する</a:t>
+            </a:r>
+            <a:endParaRPr lang="en-US" altLang="ja-JP" dirty="0"/>
+          </a:p>
+          <a:p>
+            <a:endParaRPr lang="en-US" altLang="ja-JP" dirty="0"/>
+          </a:p>
+          <a:p>
+            <a:r>
+              <a:rPr lang="ja-JP" altLang="en-US" dirty="0"/>
+              <a:t>■</a:t>
+            </a:r>
+            <a:endParaRPr lang="en-US" altLang="ja-JP" dirty="0"/>
+          </a:p>
+          <a:p>
+            <a:r>
+              <a:rPr kumimoji="1" lang="ja-JP" altLang="en-US" dirty="0"/>
+              <a:t>・勝利条件</a:t>
+            </a:r>
+            <a:r>
+              <a:rPr kumimoji="1" lang="en-US" altLang="ja-JP" dirty="0"/>
+              <a:t>:</a:t>
+            </a:r>
+            <a:r>
+              <a:rPr kumimoji="1" lang="ja-JP" altLang="en-US" dirty="0"/>
+              <a:t>敵の</a:t>
+            </a:r>
+            <a:r>
+              <a:rPr kumimoji="1" lang="en-US" altLang="ja-JP" dirty="0"/>
+              <a:t>HP</a:t>
+            </a:r>
+            <a:r>
+              <a:rPr kumimoji="1" lang="ja-JP" altLang="en-US" dirty="0"/>
+              <a:t>をゼロにする</a:t>
+            </a:r>
+            <a:endParaRPr kumimoji="1" lang="en-US" altLang="ja-JP" dirty="0"/>
+          </a:p>
+          <a:p>
+            <a:r>
+              <a:rPr lang="ja-JP" altLang="en-US" dirty="0"/>
+              <a:t>・敗北条件</a:t>
+            </a:r>
+            <a:r>
+              <a:rPr lang="en-US" altLang="ja-JP" dirty="0"/>
+              <a:t>:</a:t>
+            </a:r>
+            <a:r>
+              <a:rPr lang="ja-JP" altLang="en-US" dirty="0"/>
+              <a:t>プレイヤーの</a:t>
+            </a:r>
+            <a:r>
+              <a:rPr lang="en-US" altLang="ja-JP" dirty="0"/>
+              <a:t>HP</a:t>
+            </a:r>
+            <a:r>
+              <a:rPr lang="ja-JP" altLang="en-US" dirty="0"/>
+              <a:t>がゼロになる</a:t>
+            </a:r>
+            <a:endParaRPr kumimoji="1" lang="ja-JP" altLang="en-US" dirty="0"/>
+          </a:p>
+          <a:p>
+            <a:endParaRPr kumimoji="1" lang="en-US" altLang="ja-JP" dirty="0"/>
+          </a:p>
+          <a:p>
+            <a:endParaRPr kumimoji="1" lang="ja-JP" altLang="en-US" dirty="0"/>
+          </a:p>
+        </p:txBody>
+      </p:sp>
+    </p:spTree>
+    <p:extLst>
+      <p:ext uri="{BB962C8B-B14F-4D97-AF65-F5344CB8AC3E}">
+        <p14:creationId xmlns:p14="http://schemas.microsoft.com/office/powerpoint/2010/main" val="378248283"/>
+      </p:ext>
+    </p:extLst>
+  </p:cSld>
+  <p:clrMapOvr>
+    <a:masterClrMapping/>
+  </p:clrMapOvr>
+</p:sld>
+</file>
+
+<file path=ppt/slides/slide6.xml><?xml version="1.0" encoding="utf-8"?>
+<p:sld xmlns:a="http://schemas.openxmlformats.org/drawingml/2006/main" xmlns:r="http://schemas.openxmlformats.org/officeDocument/2006/relationships" xmlns:p="http://schemas.openxmlformats.org/presentationml/2006/main">
+  <p:cSld>
+    <p:spTree>
+      <p:nvGrpSpPr>
+        <p:cNvPr id="1" name=""/>
+        <p:cNvGrpSpPr/>
+        <p:nvPr/>
+      </p:nvGrpSpPr>
+      <p:grpSpPr>
+        <a:xfrm>
+          <a:off x="0" y="0"/>
+          <a:ext cx="0" cy="0"/>
+          <a:chOff x="0" y="0"/>
+          <a:chExt cx="0" cy="0"/>
+        </a:xfrm>
+      </p:grpSpPr>
+      <p:sp>
+        <p:nvSpPr>
+          <p:cNvPr id="4" name="テキスト ボックス 3">
+            <a:extLst>
+              <a:ext uri="{FF2B5EF4-FFF2-40B4-BE49-F238E27FC236}">
+                <a16:creationId xmlns:a16="http://schemas.microsoft.com/office/drawing/2014/main" id="{B8F64293-A016-40B8-8525-F80C8EA56335}"/>
+              </a:ext>
+            </a:extLst>
+          </p:cNvPr>
+          <p:cNvSpPr txBox="1"/>
+          <p:nvPr/>
+        </p:nvSpPr>
+        <p:spPr>
+          <a:xfrm>
+            <a:off x="180623" y="203199"/>
+            <a:ext cx="1569660" cy="369332"/>
+          </a:xfrm>
+          <a:prstGeom prst="rect">
+            <a:avLst/>
+          </a:prstGeom>
+          <a:noFill/>
+        </p:spPr>
+        <p:txBody>
+          <a:bodyPr wrap="none" rtlCol="0">
+            <a:spAutoFit/>
+          </a:bodyPr>
+          <a:lstStyle/>
+          <a:p>
+            <a:r>
+              <a:rPr kumimoji="1" lang="ja-JP" altLang="en-US" dirty="0"/>
+              <a:t>・バトル仕様</a:t>
+            </a:r>
+          </a:p>
+        </p:txBody>
+      </p:sp>
+      <p:sp>
+        <p:nvSpPr>
+          <p:cNvPr id="5" name="テキスト ボックス 4">
+            <a:extLst>
+              <a:ext uri="{FF2B5EF4-FFF2-40B4-BE49-F238E27FC236}">
+                <a16:creationId xmlns:a16="http://schemas.microsoft.com/office/drawing/2014/main" id="{0E2108D9-0A3E-4F7B-A8E7-5B8BD94FB273}"/>
+              </a:ext>
+            </a:extLst>
+          </p:cNvPr>
+          <p:cNvSpPr txBox="1"/>
+          <p:nvPr/>
+        </p:nvSpPr>
+        <p:spPr>
+          <a:xfrm>
+            <a:off x="767141" y="3817329"/>
+            <a:ext cx="3595856" cy="923330"/>
+          </a:xfrm>
+          <a:prstGeom prst="rect">
+            <a:avLst/>
+          </a:prstGeom>
+          <a:noFill/>
+        </p:spPr>
+        <p:txBody>
+          <a:bodyPr wrap="none" rtlCol="0">
+            <a:spAutoFit/>
+          </a:bodyPr>
+          <a:lstStyle/>
+          <a:p>
+            <a:r>
+              <a:rPr lang="ja-JP" altLang="en-US" dirty="0"/>
+              <a:t>・攻撃は銃と剣</a:t>
+            </a:r>
+            <a:endParaRPr kumimoji="1" lang="en-US" altLang="ja-JP" dirty="0"/>
+          </a:p>
+          <a:p>
+            <a:r>
+              <a:rPr kumimoji="1" lang="ja-JP" altLang="en-US" dirty="0"/>
+              <a:t>・ジャンプは二回</a:t>
+            </a:r>
+            <a:r>
+              <a:rPr kumimoji="1" lang="en-US" altLang="ja-JP" dirty="0"/>
+              <a:t>(</a:t>
+            </a:r>
+            <a:r>
+              <a:rPr kumimoji="1" lang="ja-JP" altLang="en-US" dirty="0"/>
+              <a:t>無敵時間あり</a:t>
+            </a:r>
+            <a:r>
+              <a:rPr kumimoji="1" lang="en-US" altLang="ja-JP" dirty="0"/>
+              <a:t>)</a:t>
+            </a:r>
+          </a:p>
+          <a:p>
+            <a:r>
+              <a:rPr lang="ja-JP" altLang="en-US" dirty="0"/>
+              <a:t>・ボタンでターゲット固定有</a:t>
+            </a:r>
+          </a:p>
+        </p:txBody>
+      </p:sp>
+      <p:sp>
+        <p:nvSpPr>
+          <p:cNvPr id="6" name="テキスト ボックス 5">
+            <a:extLst>
+              <a:ext uri="{FF2B5EF4-FFF2-40B4-BE49-F238E27FC236}">
+                <a16:creationId xmlns:a16="http://schemas.microsoft.com/office/drawing/2014/main" id="{12C89568-4978-4413-AC5F-66798C4EA9AF}"/>
+              </a:ext>
+            </a:extLst>
+          </p:cNvPr>
+          <p:cNvSpPr txBox="1"/>
+          <p:nvPr/>
+        </p:nvSpPr>
+        <p:spPr>
+          <a:xfrm>
+            <a:off x="545575" y="3078665"/>
+            <a:ext cx="1338828" cy="369332"/>
+          </a:xfrm>
+          <a:prstGeom prst="rect">
+            <a:avLst/>
+          </a:prstGeom>
+          <a:noFill/>
+        </p:spPr>
+        <p:txBody>
+          <a:bodyPr wrap="none" rtlCol="0">
+            <a:spAutoFit/>
+          </a:bodyPr>
+          <a:lstStyle/>
+          <a:p>
+            <a:r>
+              <a:rPr kumimoji="1" lang="ja-JP" altLang="en-US" dirty="0"/>
+              <a:t>プレイヤー</a:t>
+            </a:r>
+          </a:p>
+        </p:txBody>
+      </p:sp>
+      <p:sp>
+        <p:nvSpPr>
+          <p:cNvPr id="7" name="テキスト ボックス 6">
+            <a:extLst>
+              <a:ext uri="{FF2B5EF4-FFF2-40B4-BE49-F238E27FC236}">
+                <a16:creationId xmlns:a16="http://schemas.microsoft.com/office/drawing/2014/main" id="{62B68A2B-FA04-4784-BA16-CF040B8A97DE}"/>
+              </a:ext>
+            </a:extLst>
+          </p:cNvPr>
+          <p:cNvSpPr txBox="1"/>
+          <p:nvPr/>
+        </p:nvSpPr>
+        <p:spPr>
+          <a:xfrm>
+            <a:off x="6744355" y="3078665"/>
+            <a:ext cx="415498" cy="369332"/>
+          </a:xfrm>
+          <a:prstGeom prst="rect">
+            <a:avLst/>
+          </a:prstGeom>
+          <a:noFill/>
+        </p:spPr>
+        <p:txBody>
+          <a:bodyPr wrap="none" rtlCol="0">
+            <a:spAutoFit/>
+          </a:bodyPr>
+          <a:lstStyle/>
+          <a:p>
+            <a:r>
+              <a:rPr kumimoji="1" lang="ja-JP" altLang="en-US" dirty="0"/>
+              <a:t>敵</a:t>
+            </a:r>
+          </a:p>
+        </p:txBody>
+      </p:sp>
+      <p:sp>
+        <p:nvSpPr>
+          <p:cNvPr id="8" name="テキスト ボックス 7">
+            <a:extLst>
+              <a:ext uri="{FF2B5EF4-FFF2-40B4-BE49-F238E27FC236}">
+                <a16:creationId xmlns:a16="http://schemas.microsoft.com/office/drawing/2014/main" id="{1219EAC2-AA8D-4AF0-9883-F24F4E9968FE}"/>
+              </a:ext>
+            </a:extLst>
+          </p:cNvPr>
+          <p:cNvSpPr txBox="1"/>
+          <p:nvPr/>
+        </p:nvSpPr>
+        <p:spPr>
+          <a:xfrm>
+            <a:off x="7159853" y="3771162"/>
+            <a:ext cx="5032147" cy="1754326"/>
+          </a:xfrm>
+          <a:prstGeom prst="rect">
+            <a:avLst/>
+          </a:prstGeom>
+          <a:noFill/>
+        </p:spPr>
+        <p:txBody>
+          <a:bodyPr wrap="none" rtlCol="0">
+            <a:spAutoFit/>
+          </a:bodyPr>
+          <a:lstStyle/>
+          <a:p>
+            <a:r>
+              <a:rPr kumimoji="1" lang="ja-JP" altLang="en-US" dirty="0"/>
+              <a:t>・敵は二体</a:t>
+            </a:r>
+            <a:endParaRPr kumimoji="1" lang="en-US" altLang="ja-JP" dirty="0"/>
+          </a:p>
+          <a:p>
+            <a:r>
+              <a:rPr lang="ja-JP" altLang="en-US" dirty="0"/>
+              <a:t>・二体同時に攻撃してくるタイミングと、</a:t>
+            </a:r>
+            <a:endParaRPr lang="en-US" altLang="ja-JP" dirty="0"/>
+          </a:p>
+          <a:p>
+            <a:r>
+              <a:rPr kumimoji="1" lang="ja-JP" altLang="en-US" dirty="0"/>
+              <a:t>片方は防御態勢に入っているタイミングがある</a:t>
+            </a:r>
+            <a:endParaRPr kumimoji="1" lang="en-US" altLang="ja-JP" dirty="0"/>
+          </a:p>
+          <a:p>
+            <a:r>
+              <a:rPr lang="ja-JP" altLang="en-US" dirty="0"/>
+              <a:t>・敵は片方倒すと、残ったもう片方の体力を</a:t>
+            </a:r>
+            <a:endParaRPr lang="en-US" altLang="ja-JP" dirty="0"/>
+          </a:p>
+          <a:p>
+            <a:r>
+              <a:rPr kumimoji="1" lang="ja-JP" altLang="en-US" dirty="0"/>
+              <a:t>参照し複合ボスに</a:t>
+            </a:r>
+            <a:r>
+              <a:rPr lang="ja-JP" altLang="en-US" dirty="0"/>
+              <a:t>なる</a:t>
+            </a:r>
+            <a:endParaRPr lang="en-US" altLang="ja-JP" dirty="0"/>
+          </a:p>
+          <a:p>
+            <a:endParaRPr kumimoji="1" lang="en-US" altLang="ja-JP" dirty="0"/>
+          </a:p>
+        </p:txBody>
+      </p:sp>
+    </p:spTree>
+    <p:extLst>
+      <p:ext uri="{BB962C8B-B14F-4D97-AF65-F5344CB8AC3E}">
+        <p14:creationId xmlns:p14="http://schemas.microsoft.com/office/powerpoint/2010/main" val="1607766152"/>
+      </p:ext>
+    </p:extLst>
+  </p:cSld>
+  <p:clrMapOvr>
+    <a:masterClrMapping/>
+  </p:clrMapOvr>
+</p:sld>
+</file>
+
+<file path=ppt/slides/slide7.xml><?xml version="1.0" encoding="utf-8"?>
+<p:sld xmlns:a="http://schemas.openxmlformats.org/drawingml/2006/main" xmlns:r="http://schemas.openxmlformats.org/officeDocument/2006/relationships" xmlns:p="http://schemas.openxmlformats.org/presentationml/2006/main">
+  <p:cSld>
+    <p:spTree>
+      <p:nvGrpSpPr>
+        <p:cNvPr id="1" name=""/>
+        <p:cNvGrpSpPr/>
+        <p:nvPr/>
+      </p:nvGrpSpPr>
+      <p:grpSpPr>
+        <a:xfrm>
+          <a:off x="0" y="0"/>
+          <a:ext cx="0" cy="0"/>
+          <a:chOff x="0" y="0"/>
+          <a:chExt cx="0" cy="0"/>
+        </a:xfrm>
+      </p:grpSpPr>
       <p:sp>
         <p:nvSpPr>
           <p:cNvPr id="4" name="正方形/長方形 3">
@@ -4206,7 +6493,7 @@
         </p:nvSpPr>
         <p:spPr>
           <a:xfrm>
-            <a:off x="2291644" y="1126066"/>
+            <a:off x="485422" y="1272821"/>
             <a:ext cx="7608711" cy="4605867"/>
           </a:xfrm>
           <a:prstGeom prst="rect">
@@ -4250,7 +6537,7 @@
         </p:nvSpPr>
         <p:spPr>
           <a:xfrm>
-            <a:off x="2619022" y="1309511"/>
+            <a:off x="1711851" y="1413929"/>
             <a:ext cx="3544711" cy="327378"/>
           </a:xfrm>
           <a:prstGeom prst="rect">
@@ -4298,7 +6585,7 @@
         </p:nvSpPr>
         <p:spPr>
           <a:xfrm>
-            <a:off x="3640665" y="5136444"/>
+            <a:off x="1834443" y="5283199"/>
             <a:ext cx="5046135" cy="220133"/>
           </a:xfrm>
           <a:prstGeom prst="rect">
@@ -4350,7 +6637,7 @@
         </p:nvSpPr>
         <p:spPr>
           <a:xfrm>
-            <a:off x="3640665" y="5438422"/>
+            <a:off x="1834443" y="5585177"/>
             <a:ext cx="5046135" cy="220133"/>
           </a:xfrm>
           <a:prstGeom prst="rect">
@@ -4388,10 +6675,1989 @@
           </a:p>
         </p:txBody>
       </p:sp>
+      <p:pic>
+        <p:nvPicPr>
+          <p:cNvPr id="3" name="図 2">
+            <a:extLst>
+              <a:ext uri="{FF2B5EF4-FFF2-40B4-BE49-F238E27FC236}">
+                <a16:creationId xmlns:a16="http://schemas.microsoft.com/office/drawing/2014/main" id="{3BF8DFAF-6C4B-4C0E-B00D-5E47F7C19BEB}"/>
+              </a:ext>
+            </a:extLst>
+          </p:cNvPr>
+          <p:cNvPicPr>
+            <a:picLocks noChangeAspect="1"/>
+          </p:cNvPicPr>
+          <p:nvPr/>
+        </p:nvPicPr>
+        <p:blipFill>
+          <a:blip r:embed="rId2">
+            <a:extLst>
+              <a:ext uri="{28A0092B-C50C-407E-A947-70E740481C1C}">
+                <a14:useLocalDpi xmlns:a14="http://schemas.microsoft.com/office/drawing/2010/main" val="0"/>
+              </a:ext>
+            </a:extLst>
+          </a:blip>
+          <a:stretch>
+            <a:fillRect/>
+          </a:stretch>
+        </p:blipFill>
+        <p:spPr>
+          <a:xfrm>
+            <a:off x="3422333" y="1681602"/>
+            <a:ext cx="3206972" cy="2773598"/>
+          </a:xfrm>
+          <a:prstGeom prst="rect">
+            <a:avLst/>
+          </a:prstGeom>
+        </p:spPr>
+      </p:pic>
+      <p:pic>
+        <p:nvPicPr>
+          <p:cNvPr id="11" name="図 10">
+            <a:extLst>
+              <a:ext uri="{FF2B5EF4-FFF2-40B4-BE49-F238E27FC236}">
+                <a16:creationId xmlns:a16="http://schemas.microsoft.com/office/drawing/2014/main" id="{C7E3A820-80D9-4498-B1B8-D0282D9A46F4}"/>
+              </a:ext>
+            </a:extLst>
+          </p:cNvPr>
+          <p:cNvPicPr>
+            <a:picLocks noChangeAspect="1"/>
+          </p:cNvPicPr>
+          <p:nvPr/>
+        </p:nvPicPr>
+        <p:blipFill>
+          <a:blip r:embed="rId3">
+            <a:extLst>
+              <a:ext uri="{28A0092B-C50C-407E-A947-70E740481C1C}">
+                <a14:useLocalDpi xmlns:a14="http://schemas.microsoft.com/office/drawing/2010/main" val="0"/>
+              </a:ext>
+            </a:extLst>
+          </a:blip>
+          <a:stretch>
+            <a:fillRect/>
+          </a:stretch>
+        </p:blipFill>
+        <p:spPr>
+          <a:xfrm>
+            <a:off x="2319864" y="3679955"/>
+            <a:ext cx="1428266" cy="1428266"/>
+          </a:xfrm>
+          <a:prstGeom prst="rect">
+            <a:avLst/>
+          </a:prstGeom>
+        </p:spPr>
+      </p:pic>
+      <p:sp>
+        <p:nvSpPr>
+          <p:cNvPr id="12" name="正方形/長方形 11">
+            <a:extLst>
+              <a:ext uri="{FF2B5EF4-FFF2-40B4-BE49-F238E27FC236}">
+                <a16:creationId xmlns:a16="http://schemas.microsoft.com/office/drawing/2014/main" id="{44F6D159-E6D6-4BC1-9B7F-F535EC2FD9C3}"/>
+              </a:ext>
+            </a:extLst>
+          </p:cNvPr>
+          <p:cNvSpPr/>
+          <p:nvPr/>
+        </p:nvSpPr>
+        <p:spPr>
+          <a:xfrm>
+            <a:off x="6073422" y="1532466"/>
+            <a:ext cx="1828798" cy="248356"/>
+          </a:xfrm>
+          <a:prstGeom prst="rect">
+            <a:avLst/>
+          </a:prstGeom>
+        </p:spPr>
+        <p:style>
+          <a:lnRef idx="1">
+            <a:schemeClr val="accent2"/>
+          </a:lnRef>
+          <a:fillRef idx="2">
+            <a:schemeClr val="accent2"/>
+          </a:fillRef>
+          <a:effectRef idx="1">
+            <a:schemeClr val="accent2"/>
+          </a:effectRef>
+          <a:fontRef idx="minor">
+            <a:schemeClr val="dk1"/>
+          </a:fontRef>
+        </p:style>
+        <p:txBody>
+          <a:bodyPr rtlCol="0" anchor="ctr"/>
+          <a:lstStyle/>
+          <a:p>
+            <a:pPr algn="ctr"/>
+            <a:r>
+              <a:rPr kumimoji="1" lang="ja-JP" altLang="en-US" sz="1400" dirty="0"/>
+              <a:t>ドロップアイテム数</a:t>
+            </a:r>
+          </a:p>
+        </p:txBody>
+      </p:sp>
+      <p:sp>
+        <p:nvSpPr>
+          <p:cNvPr id="13" name="四角形: 角を丸くする 12">
+            <a:extLst>
+              <a:ext uri="{FF2B5EF4-FFF2-40B4-BE49-F238E27FC236}">
+                <a16:creationId xmlns:a16="http://schemas.microsoft.com/office/drawing/2014/main" id="{80F65272-AFFA-40FD-B475-26C64E869071}"/>
+              </a:ext>
+            </a:extLst>
+          </p:cNvPr>
+          <p:cNvSpPr/>
+          <p:nvPr/>
+        </p:nvSpPr>
+        <p:spPr>
+          <a:xfrm>
+            <a:off x="6395156" y="1871131"/>
+            <a:ext cx="1264353" cy="330201"/>
+          </a:xfrm>
+          <a:prstGeom prst="roundRect">
+            <a:avLst/>
+          </a:prstGeom>
+        </p:spPr>
+        <p:style>
+          <a:lnRef idx="1">
+            <a:schemeClr val="accent4"/>
+          </a:lnRef>
+          <a:fillRef idx="2">
+            <a:schemeClr val="accent4"/>
+          </a:fillRef>
+          <a:effectRef idx="1">
+            <a:schemeClr val="accent4"/>
+          </a:effectRef>
+          <a:fontRef idx="minor">
+            <a:schemeClr val="dk1"/>
+          </a:fontRef>
+        </p:style>
+        <p:txBody>
+          <a:bodyPr rtlCol="0" anchor="ctr"/>
+          <a:lstStyle/>
+          <a:p>
+            <a:pPr algn="ctr"/>
+            <a:r>
+              <a:rPr kumimoji="1" lang="ja-JP" altLang="en-US" dirty="0"/>
+              <a:t>コンボ数</a:t>
+            </a:r>
+          </a:p>
+        </p:txBody>
+      </p:sp>
+      <p:sp>
+        <p:nvSpPr>
+          <p:cNvPr id="14" name="楕円 13">
+            <a:extLst>
+              <a:ext uri="{FF2B5EF4-FFF2-40B4-BE49-F238E27FC236}">
+                <a16:creationId xmlns:a16="http://schemas.microsoft.com/office/drawing/2014/main" id="{2C118DEA-6F68-4F05-951E-C6F69407368E}"/>
+              </a:ext>
+            </a:extLst>
+          </p:cNvPr>
+          <p:cNvSpPr/>
+          <p:nvPr/>
+        </p:nvSpPr>
+        <p:spPr>
+          <a:xfrm>
+            <a:off x="1969175" y="1834889"/>
+            <a:ext cx="1738487" cy="220133"/>
+          </a:xfrm>
+          <a:prstGeom prst="ellipse">
+            <a:avLst/>
+          </a:prstGeom>
+        </p:spPr>
+        <p:style>
+          <a:lnRef idx="0">
+            <a:schemeClr val="accent3"/>
+          </a:lnRef>
+          <a:fillRef idx="3">
+            <a:schemeClr val="accent3"/>
+          </a:fillRef>
+          <a:effectRef idx="3">
+            <a:schemeClr val="accent3"/>
+          </a:effectRef>
+          <a:fontRef idx="minor">
+            <a:schemeClr val="lt1"/>
+          </a:fontRef>
+        </p:style>
+        <p:txBody>
+          <a:bodyPr rtlCol="0" anchor="ctr"/>
+          <a:lstStyle/>
+          <a:p>
+            <a:pPr algn="ctr"/>
+            <a:r>
+              <a:rPr kumimoji="1" lang="en-US" altLang="ja-JP" sz="1400" dirty="0"/>
+              <a:t>D</a:t>
+            </a:r>
+            <a:r>
+              <a:rPr kumimoji="1" lang="ja-JP" altLang="en-US" sz="1400" dirty="0"/>
+              <a:t>・</a:t>
+            </a:r>
+            <a:r>
+              <a:rPr kumimoji="1" lang="en-US" altLang="ja-JP" sz="1400" dirty="0"/>
+              <a:t>T</a:t>
+            </a:r>
+            <a:r>
+              <a:rPr kumimoji="1" lang="ja-JP" altLang="en-US" sz="1400" dirty="0"/>
+              <a:t>ゲージ</a:t>
+            </a:r>
+          </a:p>
+        </p:txBody>
+      </p:sp>
+      <p:sp>
+        <p:nvSpPr>
+          <p:cNvPr id="15" name="楕円 14">
+            <a:extLst>
+              <a:ext uri="{FF2B5EF4-FFF2-40B4-BE49-F238E27FC236}">
+                <a16:creationId xmlns:a16="http://schemas.microsoft.com/office/drawing/2014/main" id="{159895DE-6E39-472C-B2AD-0AD338E5947D}"/>
+              </a:ext>
+            </a:extLst>
+          </p:cNvPr>
+          <p:cNvSpPr/>
+          <p:nvPr/>
+        </p:nvSpPr>
+        <p:spPr>
+          <a:xfrm>
+            <a:off x="570832" y="1316372"/>
+            <a:ext cx="1027677" cy="574325"/>
+          </a:xfrm>
+          <a:prstGeom prst="ellipse">
+            <a:avLst/>
+          </a:prstGeom>
+        </p:spPr>
+        <p:style>
+          <a:lnRef idx="1">
+            <a:schemeClr val="accent6"/>
+          </a:lnRef>
+          <a:fillRef idx="2">
+            <a:schemeClr val="accent6"/>
+          </a:fillRef>
+          <a:effectRef idx="1">
+            <a:schemeClr val="accent6"/>
+          </a:effectRef>
+          <a:fontRef idx="minor">
+            <a:schemeClr val="dk1"/>
+          </a:fontRef>
+        </p:style>
+        <p:txBody>
+          <a:bodyPr rtlCol="0" anchor="ctr"/>
+          <a:lstStyle/>
+          <a:p>
+            <a:pPr algn="ctr"/>
+            <a:r>
+              <a:rPr kumimoji="1" lang="ja-JP" altLang="en-US" sz="1000" dirty="0"/>
+              <a:t>スタイルレベル</a:t>
+            </a:r>
+            <a:endParaRPr kumimoji="1" lang="en-US" altLang="ja-JP" sz="1000" dirty="0"/>
+          </a:p>
+        </p:txBody>
+      </p:sp>
+      <p:sp>
+        <p:nvSpPr>
+          <p:cNvPr id="16" name="テキスト ボックス 15">
+            <a:extLst>
+              <a:ext uri="{FF2B5EF4-FFF2-40B4-BE49-F238E27FC236}">
+                <a16:creationId xmlns:a16="http://schemas.microsoft.com/office/drawing/2014/main" id="{A56BBDCE-D2B0-45F3-87C6-A528F5E723FA}"/>
+              </a:ext>
+            </a:extLst>
+          </p:cNvPr>
+          <p:cNvSpPr txBox="1"/>
+          <p:nvPr/>
+        </p:nvSpPr>
+        <p:spPr>
+          <a:xfrm>
+            <a:off x="485422" y="270933"/>
+            <a:ext cx="3416320" cy="461665"/>
+          </a:xfrm>
+          <a:prstGeom prst="rect">
+            <a:avLst/>
+          </a:prstGeom>
+          <a:noFill/>
+        </p:spPr>
+        <p:txBody>
+          <a:bodyPr wrap="none" rtlCol="0">
+            <a:spAutoFit/>
+          </a:bodyPr>
+          <a:lstStyle/>
+          <a:p>
+            <a:r>
+              <a:rPr kumimoji="1" lang="ja-JP" altLang="en-US" sz="2400" dirty="0"/>
+              <a:t>ゲーム画面見本</a:t>
+            </a:r>
+            <a:r>
+              <a:rPr kumimoji="1" lang="en-US" altLang="ja-JP" sz="2400" dirty="0"/>
+              <a:t>_</a:t>
+            </a:r>
+            <a:r>
+              <a:rPr kumimoji="1" lang="ja-JP" altLang="en-US" sz="2400" dirty="0"/>
+              <a:t>ボス戦</a:t>
+            </a:r>
+          </a:p>
+        </p:txBody>
+      </p:sp>
+      <p:sp>
+        <p:nvSpPr>
+          <p:cNvPr id="17" name="テキスト ボックス 16">
+            <a:extLst>
+              <a:ext uri="{FF2B5EF4-FFF2-40B4-BE49-F238E27FC236}">
+                <a16:creationId xmlns:a16="http://schemas.microsoft.com/office/drawing/2014/main" id="{3E4649B7-0649-4DDE-B43D-5B383EE32137}"/>
+              </a:ext>
+            </a:extLst>
+          </p:cNvPr>
+          <p:cNvSpPr txBox="1"/>
+          <p:nvPr/>
+        </p:nvSpPr>
+        <p:spPr>
+          <a:xfrm>
+            <a:off x="8717034" y="132433"/>
+            <a:ext cx="2730235" cy="369332"/>
+          </a:xfrm>
+          <a:prstGeom prst="rect">
+            <a:avLst/>
+          </a:prstGeom>
+          <a:noFill/>
+        </p:spPr>
+        <p:txBody>
+          <a:bodyPr wrap="none" rtlCol="0">
+            <a:spAutoFit/>
+          </a:bodyPr>
+          <a:lstStyle/>
+          <a:p>
+            <a:r>
+              <a:rPr kumimoji="1" lang="ja-JP" altLang="en-US" dirty="0"/>
+              <a:t>灰色の</a:t>
+            </a:r>
+            <a:r>
+              <a:rPr kumimoji="1" lang="en-US" altLang="ja-JP" dirty="0"/>
+              <a:t>UI</a:t>
+            </a:r>
+            <a:r>
+              <a:rPr kumimoji="1" lang="ja-JP" altLang="en-US" dirty="0"/>
+              <a:t>は実装未定内容</a:t>
+            </a:r>
+          </a:p>
+        </p:txBody>
+      </p:sp>
+      <p:sp>
+        <p:nvSpPr>
+          <p:cNvPr id="18" name="テキスト ボックス 17">
+            <a:extLst>
+              <a:ext uri="{FF2B5EF4-FFF2-40B4-BE49-F238E27FC236}">
+                <a16:creationId xmlns:a16="http://schemas.microsoft.com/office/drawing/2014/main" id="{973D7BC9-4710-4E42-8D05-8E48D5263C3A}"/>
+              </a:ext>
+            </a:extLst>
+          </p:cNvPr>
+          <p:cNvSpPr txBox="1"/>
+          <p:nvPr/>
+        </p:nvSpPr>
+        <p:spPr>
+          <a:xfrm>
+            <a:off x="8303253" y="898098"/>
+            <a:ext cx="3668888" cy="5355312"/>
+          </a:xfrm>
+          <a:prstGeom prst="rect">
+            <a:avLst/>
+          </a:prstGeom>
+          <a:noFill/>
+        </p:spPr>
+        <p:txBody>
+          <a:bodyPr wrap="square" rtlCol="0">
+            <a:spAutoFit/>
+          </a:bodyPr>
+          <a:lstStyle/>
+          <a:p>
+            <a:r>
+              <a:rPr lang="ja-JP" altLang="en-US" dirty="0"/>
+              <a:t>①</a:t>
+            </a:r>
+            <a:r>
+              <a:rPr lang="ja-JP" altLang="en-US" b="1" dirty="0"/>
+              <a:t>プレイヤーの</a:t>
+            </a:r>
+            <a:r>
+              <a:rPr lang="en-US" altLang="ja-JP" b="1" dirty="0"/>
+              <a:t>HP</a:t>
+            </a:r>
+          </a:p>
+          <a:p>
+            <a:r>
+              <a:rPr lang="ja-JP" altLang="en-US" dirty="0"/>
+              <a:t>　　なくなったらゲームオーバー</a:t>
+            </a:r>
+            <a:endParaRPr lang="en-US" altLang="ja-JP" dirty="0"/>
+          </a:p>
+          <a:p>
+            <a:r>
+              <a:rPr kumimoji="1" lang="ja-JP" altLang="en-US" dirty="0"/>
+              <a:t>②</a:t>
+            </a:r>
+            <a:r>
+              <a:rPr kumimoji="1" lang="ja-JP" altLang="en-US" b="1" dirty="0"/>
+              <a:t>敵</a:t>
+            </a:r>
+            <a:r>
+              <a:rPr kumimoji="1" lang="en-US" altLang="ja-JP" b="1" dirty="0"/>
+              <a:t>HP</a:t>
+            </a:r>
+          </a:p>
+          <a:p>
+            <a:r>
+              <a:rPr kumimoji="1" lang="ja-JP" altLang="en-US" dirty="0"/>
+              <a:t>　　なくなったらゲームクリア</a:t>
+            </a:r>
+            <a:endParaRPr kumimoji="1" lang="en-US" altLang="ja-JP" dirty="0"/>
+          </a:p>
+          <a:p>
+            <a:r>
+              <a:rPr lang="ja-JP" altLang="en-US" dirty="0"/>
+              <a:t>③</a:t>
+            </a:r>
+            <a:r>
+              <a:rPr lang="ja-JP" altLang="en-US" b="1" dirty="0"/>
+              <a:t>ドロップアイテム数</a:t>
+            </a:r>
+            <a:endParaRPr lang="en-US" altLang="ja-JP" b="1" dirty="0"/>
+          </a:p>
+          <a:p>
+            <a:r>
+              <a:rPr lang="ja-JP" altLang="en-US" dirty="0"/>
+              <a:t>　　敵を攻撃したらドロップするアイテムの所持数</a:t>
+            </a:r>
+            <a:endParaRPr lang="en-US" altLang="ja-JP" dirty="0"/>
+          </a:p>
+          <a:p>
+            <a:r>
+              <a:rPr kumimoji="1" lang="ja-JP" altLang="en-US" dirty="0"/>
+              <a:t>④</a:t>
+            </a:r>
+            <a:r>
+              <a:rPr kumimoji="1" lang="ja-JP" altLang="en-US" b="1" dirty="0"/>
+              <a:t>コンボ数</a:t>
+            </a:r>
+            <a:endParaRPr kumimoji="1" lang="en-US" altLang="ja-JP" b="1" dirty="0"/>
+          </a:p>
+          <a:p>
+            <a:r>
+              <a:rPr kumimoji="1" lang="ja-JP" altLang="en-US" dirty="0"/>
+              <a:t>　　攻撃を連続して行った場合に表示されるコンボ数</a:t>
+            </a:r>
+            <a:endParaRPr kumimoji="1" lang="en-US" altLang="ja-JP" dirty="0"/>
+          </a:p>
+          <a:p>
+            <a:r>
+              <a:rPr lang="ja-JP" altLang="en-US" dirty="0"/>
+              <a:t>　　一度ダメージを受けると</a:t>
+            </a:r>
+            <a:endParaRPr lang="en-US" altLang="ja-JP" dirty="0"/>
+          </a:p>
+          <a:p>
+            <a:r>
+              <a:rPr lang="ja-JP" altLang="en-US" dirty="0"/>
+              <a:t>コンボは最初からになる</a:t>
+            </a:r>
+            <a:endParaRPr lang="en-US" altLang="ja-JP" dirty="0"/>
+          </a:p>
+          <a:p>
+            <a:r>
+              <a:rPr kumimoji="1" lang="ja-JP" altLang="en-US" dirty="0"/>
+              <a:t>⑤</a:t>
+            </a:r>
+            <a:r>
+              <a:rPr kumimoji="1" lang="ja-JP" altLang="en-US" b="1" dirty="0"/>
+              <a:t>スタイルレベル</a:t>
+            </a:r>
+            <a:endParaRPr kumimoji="1" lang="en-US" altLang="ja-JP" b="1" dirty="0"/>
+          </a:p>
+          <a:p>
+            <a:r>
+              <a:rPr lang="ja-JP" altLang="en-US" b="1" dirty="0"/>
+              <a:t>　　</a:t>
+            </a:r>
+            <a:r>
+              <a:rPr lang="ja-JP" altLang="en-US" sz="1600" dirty="0"/>
+              <a:t>スタイル</a:t>
+            </a:r>
+            <a:r>
+              <a:rPr lang="en-US" altLang="ja-JP" sz="1600" dirty="0"/>
+              <a:t>EXP</a:t>
+            </a:r>
+            <a:r>
+              <a:rPr lang="ja-JP" altLang="en-US" sz="1600" dirty="0"/>
+              <a:t>が貯まると上がる</a:t>
+            </a:r>
+            <a:endParaRPr lang="en-US" altLang="ja-JP" dirty="0"/>
+          </a:p>
+          <a:p>
+            <a:r>
+              <a:rPr kumimoji="1" lang="ja-JP" altLang="en-US" dirty="0"/>
+              <a:t>レベルが上がると攻撃力も上がる</a:t>
+            </a:r>
+            <a:endParaRPr kumimoji="1" lang="en-US" altLang="ja-JP" dirty="0"/>
+          </a:p>
+          <a:p>
+            <a:r>
+              <a:rPr kumimoji="1" lang="ja-JP" altLang="en-US" dirty="0"/>
+              <a:t>⑥</a:t>
+            </a:r>
+            <a:r>
+              <a:rPr kumimoji="1" lang="ja-JP" altLang="en-US" b="1" dirty="0"/>
+              <a:t>スタイル</a:t>
+            </a:r>
+            <a:r>
+              <a:rPr kumimoji="1" lang="en-US" altLang="ja-JP" b="1" dirty="0"/>
+              <a:t>EXP</a:t>
+            </a:r>
+          </a:p>
+          <a:p>
+            <a:r>
+              <a:rPr kumimoji="1" lang="ja-JP" altLang="en-US" b="1" dirty="0"/>
+              <a:t>　　</a:t>
+            </a:r>
+            <a:r>
+              <a:rPr kumimoji="1" lang="ja-JP" altLang="en-US" dirty="0"/>
+              <a:t>敵を倒すと獲得できる経験値</a:t>
+            </a:r>
+            <a:endParaRPr kumimoji="1" lang="en-US" altLang="ja-JP" dirty="0"/>
+          </a:p>
+          <a:p>
+            <a:r>
+              <a:rPr lang="ja-JP" altLang="en-US" dirty="0"/>
+              <a:t>ゲージが満タンになるとスタイルレベルが上がる。</a:t>
+            </a:r>
+            <a:endParaRPr kumimoji="1" lang="en-US" altLang="ja-JP" dirty="0"/>
+          </a:p>
+        </p:txBody>
+      </p:sp>
+      <p:sp>
+        <p:nvSpPr>
+          <p:cNvPr id="19" name="楕円 18">
+            <a:extLst>
+              <a:ext uri="{FF2B5EF4-FFF2-40B4-BE49-F238E27FC236}">
+                <a16:creationId xmlns:a16="http://schemas.microsoft.com/office/drawing/2014/main" id="{77BB7B8E-F9B9-483C-BB0D-4F2166E6C2C8}"/>
+              </a:ext>
+            </a:extLst>
+          </p:cNvPr>
+          <p:cNvSpPr/>
+          <p:nvPr/>
+        </p:nvSpPr>
+        <p:spPr>
+          <a:xfrm>
+            <a:off x="1562859" y="1179239"/>
+            <a:ext cx="350334" cy="350334"/>
+          </a:xfrm>
+          <a:prstGeom prst="ellipse">
+            <a:avLst/>
+          </a:prstGeom>
+        </p:spPr>
+        <p:style>
+          <a:lnRef idx="2">
+            <a:schemeClr val="dk1">
+              <a:shade val="50000"/>
+            </a:schemeClr>
+          </a:lnRef>
+          <a:fillRef idx="1">
+            <a:schemeClr val="dk1"/>
+          </a:fillRef>
+          <a:effectRef idx="0">
+            <a:schemeClr val="dk1"/>
+          </a:effectRef>
+          <a:fontRef idx="minor">
+            <a:schemeClr val="lt1"/>
+          </a:fontRef>
+        </p:style>
+        <p:txBody>
+          <a:bodyPr rtlCol="0" anchor="ctr"/>
+          <a:lstStyle/>
+          <a:p>
+            <a:pPr algn="ctr"/>
+            <a:r>
+              <a:rPr kumimoji="1" lang="en-US" altLang="ja-JP" dirty="0"/>
+              <a:t>1</a:t>
+            </a:r>
+            <a:endParaRPr kumimoji="1" lang="ja-JP" altLang="en-US" dirty="0"/>
+          </a:p>
+        </p:txBody>
+      </p:sp>
+      <p:sp>
+        <p:nvSpPr>
+          <p:cNvPr id="20" name="楕円 19">
+            <a:extLst>
+              <a:ext uri="{FF2B5EF4-FFF2-40B4-BE49-F238E27FC236}">
+                <a16:creationId xmlns:a16="http://schemas.microsoft.com/office/drawing/2014/main" id="{14C98BDB-ACCE-44AA-9889-CA13FB56E46B}"/>
+              </a:ext>
+            </a:extLst>
+          </p:cNvPr>
+          <p:cNvSpPr/>
+          <p:nvPr/>
+        </p:nvSpPr>
+        <p:spPr>
+          <a:xfrm>
+            <a:off x="1619723" y="5090914"/>
+            <a:ext cx="350334" cy="350334"/>
+          </a:xfrm>
+          <a:prstGeom prst="ellipse">
+            <a:avLst/>
+          </a:prstGeom>
+        </p:spPr>
+        <p:style>
+          <a:lnRef idx="2">
+            <a:schemeClr val="dk1">
+              <a:shade val="50000"/>
+            </a:schemeClr>
+          </a:lnRef>
+          <a:fillRef idx="1">
+            <a:schemeClr val="dk1"/>
+          </a:fillRef>
+          <a:effectRef idx="0">
+            <a:schemeClr val="dk1"/>
+          </a:effectRef>
+          <a:fontRef idx="minor">
+            <a:schemeClr val="lt1"/>
+          </a:fontRef>
+        </p:style>
+        <p:txBody>
+          <a:bodyPr rtlCol="0" anchor="ctr"/>
+          <a:lstStyle/>
+          <a:p>
+            <a:pPr algn="ctr"/>
+            <a:r>
+              <a:rPr kumimoji="1" lang="en-US" altLang="ja-JP" dirty="0"/>
+              <a:t>2</a:t>
+            </a:r>
+            <a:endParaRPr kumimoji="1" lang="ja-JP" altLang="en-US" dirty="0"/>
+          </a:p>
+        </p:txBody>
+      </p:sp>
+      <p:sp>
+        <p:nvSpPr>
+          <p:cNvPr id="21" name="楕円 20">
+            <a:extLst>
+              <a:ext uri="{FF2B5EF4-FFF2-40B4-BE49-F238E27FC236}">
+                <a16:creationId xmlns:a16="http://schemas.microsoft.com/office/drawing/2014/main" id="{7CB8CC66-11AD-4566-B616-695F6D635F53}"/>
+              </a:ext>
+            </a:extLst>
+          </p:cNvPr>
+          <p:cNvSpPr/>
+          <p:nvPr/>
+        </p:nvSpPr>
+        <p:spPr>
+          <a:xfrm>
+            <a:off x="5864302" y="1326135"/>
+            <a:ext cx="350334" cy="350334"/>
+          </a:xfrm>
+          <a:prstGeom prst="ellipse">
+            <a:avLst/>
+          </a:prstGeom>
+        </p:spPr>
+        <p:style>
+          <a:lnRef idx="2">
+            <a:schemeClr val="dk1">
+              <a:shade val="50000"/>
+            </a:schemeClr>
+          </a:lnRef>
+          <a:fillRef idx="1">
+            <a:schemeClr val="dk1"/>
+          </a:fillRef>
+          <a:effectRef idx="0">
+            <a:schemeClr val="dk1"/>
+          </a:effectRef>
+          <a:fontRef idx="minor">
+            <a:schemeClr val="lt1"/>
+          </a:fontRef>
+        </p:style>
+        <p:txBody>
+          <a:bodyPr rtlCol="0" anchor="ctr"/>
+          <a:lstStyle/>
+          <a:p>
+            <a:pPr algn="ctr"/>
+            <a:r>
+              <a:rPr lang="en-US" altLang="ja-JP" dirty="0"/>
+              <a:t>3</a:t>
+            </a:r>
+            <a:endParaRPr kumimoji="1" lang="ja-JP" altLang="en-US" dirty="0"/>
+          </a:p>
+        </p:txBody>
+      </p:sp>
+      <p:sp>
+        <p:nvSpPr>
+          <p:cNvPr id="22" name="楕円 21">
+            <a:extLst>
+              <a:ext uri="{FF2B5EF4-FFF2-40B4-BE49-F238E27FC236}">
+                <a16:creationId xmlns:a16="http://schemas.microsoft.com/office/drawing/2014/main" id="{E5992B4A-4B5B-454F-8055-84DC7ADBE641}"/>
+              </a:ext>
+            </a:extLst>
+          </p:cNvPr>
+          <p:cNvSpPr/>
+          <p:nvPr/>
+        </p:nvSpPr>
+        <p:spPr>
+          <a:xfrm>
+            <a:off x="6143378" y="1780633"/>
+            <a:ext cx="350334" cy="350334"/>
+          </a:xfrm>
+          <a:prstGeom prst="ellipse">
+            <a:avLst/>
+          </a:prstGeom>
+        </p:spPr>
+        <p:style>
+          <a:lnRef idx="2">
+            <a:schemeClr val="dk1">
+              <a:shade val="50000"/>
+            </a:schemeClr>
+          </a:lnRef>
+          <a:fillRef idx="1">
+            <a:schemeClr val="dk1"/>
+          </a:fillRef>
+          <a:effectRef idx="0">
+            <a:schemeClr val="dk1"/>
+          </a:effectRef>
+          <a:fontRef idx="minor">
+            <a:schemeClr val="lt1"/>
+          </a:fontRef>
+        </p:style>
+        <p:txBody>
+          <a:bodyPr rtlCol="0" anchor="ctr"/>
+          <a:lstStyle/>
+          <a:p>
+            <a:pPr algn="ctr"/>
+            <a:r>
+              <a:rPr kumimoji="1" lang="en-US" altLang="ja-JP" dirty="0"/>
+              <a:t>4</a:t>
+            </a:r>
+            <a:endParaRPr kumimoji="1" lang="ja-JP" altLang="en-US" dirty="0"/>
+          </a:p>
+        </p:txBody>
+      </p:sp>
+      <p:sp>
+        <p:nvSpPr>
+          <p:cNvPr id="23" name="楕円 22">
+            <a:extLst>
+              <a:ext uri="{FF2B5EF4-FFF2-40B4-BE49-F238E27FC236}">
+                <a16:creationId xmlns:a16="http://schemas.microsoft.com/office/drawing/2014/main" id="{C28E8DAE-E8E0-46EF-9992-F047631279F0}"/>
+              </a:ext>
+            </a:extLst>
+          </p:cNvPr>
+          <p:cNvSpPr/>
+          <p:nvPr/>
+        </p:nvSpPr>
+        <p:spPr>
+          <a:xfrm>
+            <a:off x="395665" y="1217988"/>
+            <a:ext cx="350334" cy="350334"/>
+          </a:xfrm>
+          <a:prstGeom prst="ellipse">
+            <a:avLst/>
+          </a:prstGeom>
+        </p:spPr>
+        <p:style>
+          <a:lnRef idx="2">
+            <a:schemeClr val="dk1">
+              <a:shade val="50000"/>
+            </a:schemeClr>
+          </a:lnRef>
+          <a:fillRef idx="1">
+            <a:schemeClr val="dk1"/>
+          </a:fillRef>
+          <a:effectRef idx="0">
+            <a:schemeClr val="dk1"/>
+          </a:effectRef>
+          <a:fontRef idx="minor">
+            <a:schemeClr val="lt1"/>
+          </a:fontRef>
+        </p:style>
+        <p:txBody>
+          <a:bodyPr rtlCol="0" anchor="ctr"/>
+          <a:lstStyle/>
+          <a:p>
+            <a:pPr algn="ctr"/>
+            <a:r>
+              <a:rPr kumimoji="1" lang="en-US" altLang="ja-JP" dirty="0"/>
+              <a:t>5</a:t>
+            </a:r>
+            <a:endParaRPr kumimoji="1" lang="ja-JP" altLang="en-US" dirty="0"/>
+          </a:p>
+        </p:txBody>
+      </p:sp>
+      <p:sp>
+        <p:nvSpPr>
+          <p:cNvPr id="24" name="楕円 23">
+            <a:extLst>
+              <a:ext uri="{FF2B5EF4-FFF2-40B4-BE49-F238E27FC236}">
+                <a16:creationId xmlns:a16="http://schemas.microsoft.com/office/drawing/2014/main" id="{D5740A97-A19E-4C8E-96B0-1F23AC0E7C80}"/>
+              </a:ext>
+            </a:extLst>
+          </p:cNvPr>
+          <p:cNvSpPr/>
+          <p:nvPr/>
+        </p:nvSpPr>
+        <p:spPr>
+          <a:xfrm>
+            <a:off x="516863" y="1789728"/>
+            <a:ext cx="1167194" cy="381358"/>
+          </a:xfrm>
+          <a:prstGeom prst="ellipse">
+            <a:avLst/>
+          </a:prstGeom>
+        </p:spPr>
+        <p:style>
+          <a:lnRef idx="1">
+            <a:schemeClr val="accent6"/>
+          </a:lnRef>
+          <a:fillRef idx="2">
+            <a:schemeClr val="accent6"/>
+          </a:fillRef>
+          <a:effectRef idx="1">
+            <a:schemeClr val="accent6"/>
+          </a:effectRef>
+          <a:fontRef idx="minor">
+            <a:schemeClr val="dk1"/>
+          </a:fontRef>
+        </p:style>
+        <p:txBody>
+          <a:bodyPr rtlCol="0" anchor="ctr"/>
+          <a:lstStyle/>
+          <a:p>
+            <a:pPr algn="ctr"/>
+            <a:r>
+              <a:rPr kumimoji="1" lang="ja-JP" altLang="en-US" sz="1050" dirty="0"/>
+              <a:t>スタイル</a:t>
+            </a:r>
+            <a:r>
+              <a:rPr kumimoji="1" lang="en-US" altLang="ja-JP" sz="1050" dirty="0"/>
+              <a:t>EXP</a:t>
+            </a:r>
+            <a:endParaRPr kumimoji="1" lang="ja-JP" altLang="en-US" sz="1050" dirty="0"/>
+          </a:p>
+        </p:txBody>
+      </p:sp>
+      <p:sp>
+        <p:nvSpPr>
+          <p:cNvPr id="25" name="楕円 24">
+            <a:extLst>
+              <a:ext uri="{FF2B5EF4-FFF2-40B4-BE49-F238E27FC236}">
+                <a16:creationId xmlns:a16="http://schemas.microsoft.com/office/drawing/2014/main" id="{785676B5-2550-47B7-826D-E0F1BB30F21E}"/>
+              </a:ext>
+            </a:extLst>
+          </p:cNvPr>
+          <p:cNvSpPr/>
+          <p:nvPr/>
+        </p:nvSpPr>
+        <p:spPr>
+          <a:xfrm>
+            <a:off x="356448" y="1834889"/>
+            <a:ext cx="350334" cy="350334"/>
+          </a:xfrm>
+          <a:prstGeom prst="ellipse">
+            <a:avLst/>
+          </a:prstGeom>
+        </p:spPr>
+        <p:style>
+          <a:lnRef idx="2">
+            <a:schemeClr val="dk1">
+              <a:shade val="50000"/>
+            </a:schemeClr>
+          </a:lnRef>
+          <a:fillRef idx="1">
+            <a:schemeClr val="dk1"/>
+          </a:fillRef>
+          <a:effectRef idx="0">
+            <a:schemeClr val="dk1"/>
+          </a:effectRef>
+          <a:fontRef idx="minor">
+            <a:schemeClr val="lt1"/>
+          </a:fontRef>
+        </p:style>
+        <p:txBody>
+          <a:bodyPr rtlCol="0" anchor="ctr"/>
+          <a:lstStyle/>
+          <a:p>
+            <a:pPr algn="ctr"/>
+            <a:r>
+              <a:rPr kumimoji="1" lang="en-US" altLang="ja-JP" dirty="0"/>
+              <a:t>6</a:t>
+            </a:r>
+          </a:p>
+        </p:txBody>
+      </p:sp>
     </p:spTree>
     <p:extLst>
       <p:ext uri="{BB962C8B-B14F-4D97-AF65-F5344CB8AC3E}">
         <p14:creationId xmlns:p14="http://schemas.microsoft.com/office/powerpoint/2010/main" val="554367866"/>
+      </p:ext>
+    </p:extLst>
+  </p:cSld>
+  <p:clrMapOvr>
+    <a:masterClrMapping/>
+  </p:clrMapOvr>
+</p:sld>
+</file>
+
+<file path=ppt/slides/slide8.xml><?xml version="1.0" encoding="utf-8"?>
+<p:sld xmlns:a="http://schemas.openxmlformats.org/drawingml/2006/main" xmlns:r="http://schemas.openxmlformats.org/officeDocument/2006/relationships" xmlns:p="http://schemas.openxmlformats.org/presentationml/2006/main">
+  <p:cSld>
+    <p:spTree>
+      <p:nvGrpSpPr>
+        <p:cNvPr id="1" name=""/>
+        <p:cNvGrpSpPr/>
+        <p:nvPr/>
+      </p:nvGrpSpPr>
+      <p:grpSpPr>
+        <a:xfrm>
+          <a:off x="0" y="0"/>
+          <a:ext cx="0" cy="0"/>
+          <a:chOff x="0" y="0"/>
+          <a:chExt cx="0" cy="0"/>
+        </a:xfrm>
+      </p:grpSpPr>
+      <p:sp>
+        <p:nvSpPr>
+          <p:cNvPr id="4" name="正方形/長方形 3">
+            <a:extLst>
+              <a:ext uri="{FF2B5EF4-FFF2-40B4-BE49-F238E27FC236}">
+                <a16:creationId xmlns:a16="http://schemas.microsoft.com/office/drawing/2014/main" id="{1E5826FD-D5AF-4B6D-86DB-D215D98AE3A0}"/>
+              </a:ext>
+            </a:extLst>
+          </p:cNvPr>
+          <p:cNvSpPr/>
+          <p:nvPr/>
+        </p:nvSpPr>
+        <p:spPr>
+          <a:xfrm>
+            <a:off x="485422" y="1272821"/>
+            <a:ext cx="7608711" cy="4605867"/>
+          </a:xfrm>
+          <a:prstGeom prst="rect">
+            <a:avLst/>
+          </a:prstGeom>
+        </p:spPr>
+        <p:style>
+          <a:lnRef idx="2">
+            <a:schemeClr val="accent6"/>
+          </a:lnRef>
+          <a:fillRef idx="1">
+            <a:schemeClr val="lt1"/>
+          </a:fillRef>
+          <a:effectRef idx="0">
+            <a:schemeClr val="accent6"/>
+          </a:effectRef>
+          <a:fontRef idx="minor">
+            <a:schemeClr val="dk1"/>
+          </a:fontRef>
+        </p:style>
+        <p:txBody>
+          <a:bodyPr rtlCol="0" anchor="ctr"/>
+          <a:lstStyle/>
+          <a:p>
+            <a:pPr algn="ctr"/>
+            <a:endParaRPr kumimoji="1" lang="ja-JP" altLang="en-US"/>
+          </a:p>
+        </p:txBody>
+      </p:sp>
+      <p:sp>
+        <p:nvSpPr>
+          <p:cNvPr id="5" name="正方形/長方形 4">
+            <a:extLst>
+              <a:ext uri="{FF2B5EF4-FFF2-40B4-BE49-F238E27FC236}">
+                <a16:creationId xmlns:a16="http://schemas.microsoft.com/office/drawing/2014/main" id="{86050DA6-3064-4966-B883-C5FC9D7A6816}"/>
+              </a:ext>
+            </a:extLst>
+          </p:cNvPr>
+          <p:cNvSpPr/>
+          <p:nvPr/>
+        </p:nvSpPr>
+        <p:spPr>
+          <a:xfrm>
+            <a:off x="1711851" y="1413929"/>
+            <a:ext cx="3544711" cy="327378"/>
+          </a:xfrm>
+          <a:prstGeom prst="rect">
+            <a:avLst/>
+          </a:prstGeom>
+        </p:spPr>
+        <p:style>
+          <a:lnRef idx="1">
+            <a:schemeClr val="accent5"/>
+          </a:lnRef>
+          <a:fillRef idx="2">
+            <a:schemeClr val="accent5"/>
+          </a:fillRef>
+          <a:effectRef idx="1">
+            <a:schemeClr val="accent5"/>
+          </a:effectRef>
+          <a:fontRef idx="minor">
+            <a:schemeClr val="dk1"/>
+          </a:fontRef>
+        </p:style>
+        <p:txBody>
+          <a:bodyPr rtlCol="0" anchor="ctr"/>
+          <a:lstStyle/>
+          <a:p>
+            <a:pPr algn="ctr"/>
+            <a:r>
+              <a:rPr kumimoji="1" lang="en-US" altLang="ja-JP" dirty="0"/>
+              <a:t>HP</a:t>
+            </a:r>
+            <a:endParaRPr kumimoji="1" lang="ja-JP" altLang="en-US" dirty="0"/>
+          </a:p>
+        </p:txBody>
+      </p:sp>
+      <p:sp>
+        <p:nvSpPr>
+          <p:cNvPr id="6" name="正方形/長方形 5">
+            <a:extLst>
+              <a:ext uri="{FF2B5EF4-FFF2-40B4-BE49-F238E27FC236}">
+                <a16:creationId xmlns:a16="http://schemas.microsoft.com/office/drawing/2014/main" id="{AF07A3D6-63F6-4407-A177-B486DB9EC4C9}"/>
+              </a:ext>
+            </a:extLst>
+          </p:cNvPr>
+          <p:cNvSpPr/>
+          <p:nvPr/>
+        </p:nvSpPr>
+        <p:spPr>
+          <a:xfrm>
+            <a:off x="1834443" y="5283199"/>
+            <a:ext cx="5046135" cy="409109"/>
+          </a:xfrm>
+          <a:prstGeom prst="rect">
+            <a:avLst/>
+          </a:prstGeom>
+        </p:spPr>
+        <p:style>
+          <a:lnRef idx="1">
+            <a:schemeClr val="accent5"/>
+          </a:lnRef>
+          <a:fillRef idx="2">
+            <a:schemeClr val="accent5"/>
+          </a:fillRef>
+          <a:effectRef idx="1">
+            <a:schemeClr val="accent5"/>
+          </a:effectRef>
+          <a:fontRef idx="minor">
+            <a:schemeClr val="dk1"/>
+          </a:fontRef>
+        </p:style>
+        <p:txBody>
+          <a:bodyPr rtlCol="0" anchor="ctr"/>
+          <a:lstStyle/>
+          <a:p>
+            <a:pPr algn="ctr"/>
+            <a:r>
+              <a:rPr kumimoji="1" lang="ja-JP" altLang="en-US" dirty="0"/>
+              <a:t>敵</a:t>
+            </a:r>
+            <a:r>
+              <a:rPr kumimoji="1" lang="en-US" altLang="ja-JP" dirty="0"/>
+              <a:t>:HP</a:t>
+            </a:r>
+            <a:endParaRPr kumimoji="1" lang="ja-JP" altLang="en-US" dirty="0"/>
+          </a:p>
+        </p:txBody>
+      </p:sp>
+      <p:pic>
+        <p:nvPicPr>
+          <p:cNvPr id="11" name="図 10">
+            <a:extLst>
+              <a:ext uri="{FF2B5EF4-FFF2-40B4-BE49-F238E27FC236}">
+                <a16:creationId xmlns:a16="http://schemas.microsoft.com/office/drawing/2014/main" id="{C7E3A820-80D9-4498-B1B8-D0282D9A46F4}"/>
+              </a:ext>
+            </a:extLst>
+          </p:cNvPr>
+          <p:cNvPicPr>
+            <a:picLocks noChangeAspect="1"/>
+          </p:cNvPicPr>
+          <p:nvPr/>
+        </p:nvPicPr>
+        <p:blipFill>
+          <a:blip r:embed="rId2">
+            <a:extLst>
+              <a:ext uri="{28A0092B-C50C-407E-A947-70E740481C1C}">
+                <a14:useLocalDpi xmlns:a14="http://schemas.microsoft.com/office/drawing/2010/main" val="0"/>
+              </a:ext>
+            </a:extLst>
+          </a:blip>
+          <a:stretch>
+            <a:fillRect/>
+          </a:stretch>
+        </p:blipFill>
+        <p:spPr>
+          <a:xfrm>
+            <a:off x="2319864" y="3679955"/>
+            <a:ext cx="1428266" cy="1428266"/>
+          </a:xfrm>
+          <a:prstGeom prst="rect">
+            <a:avLst/>
+          </a:prstGeom>
+        </p:spPr>
+      </p:pic>
+      <p:sp>
+        <p:nvSpPr>
+          <p:cNvPr id="12" name="正方形/長方形 11">
+            <a:extLst>
+              <a:ext uri="{FF2B5EF4-FFF2-40B4-BE49-F238E27FC236}">
+                <a16:creationId xmlns:a16="http://schemas.microsoft.com/office/drawing/2014/main" id="{44F6D159-E6D6-4BC1-9B7F-F535EC2FD9C3}"/>
+              </a:ext>
+            </a:extLst>
+          </p:cNvPr>
+          <p:cNvSpPr/>
+          <p:nvPr/>
+        </p:nvSpPr>
+        <p:spPr>
+          <a:xfrm>
+            <a:off x="6073422" y="1532466"/>
+            <a:ext cx="1828798" cy="248356"/>
+          </a:xfrm>
+          <a:prstGeom prst="rect">
+            <a:avLst/>
+          </a:prstGeom>
+        </p:spPr>
+        <p:style>
+          <a:lnRef idx="1">
+            <a:schemeClr val="accent2"/>
+          </a:lnRef>
+          <a:fillRef idx="2">
+            <a:schemeClr val="accent2"/>
+          </a:fillRef>
+          <a:effectRef idx="1">
+            <a:schemeClr val="accent2"/>
+          </a:effectRef>
+          <a:fontRef idx="minor">
+            <a:schemeClr val="dk1"/>
+          </a:fontRef>
+        </p:style>
+        <p:txBody>
+          <a:bodyPr rtlCol="0" anchor="ctr"/>
+          <a:lstStyle/>
+          <a:p>
+            <a:pPr algn="ctr"/>
+            <a:r>
+              <a:rPr kumimoji="1" lang="ja-JP" altLang="en-US" sz="1400" dirty="0"/>
+              <a:t>ドロップアイテム数</a:t>
+            </a:r>
+          </a:p>
+        </p:txBody>
+      </p:sp>
+      <p:sp>
+        <p:nvSpPr>
+          <p:cNvPr id="13" name="四角形: 角を丸くする 12">
+            <a:extLst>
+              <a:ext uri="{FF2B5EF4-FFF2-40B4-BE49-F238E27FC236}">
+                <a16:creationId xmlns:a16="http://schemas.microsoft.com/office/drawing/2014/main" id="{80F65272-AFFA-40FD-B475-26C64E869071}"/>
+              </a:ext>
+            </a:extLst>
+          </p:cNvPr>
+          <p:cNvSpPr/>
+          <p:nvPr/>
+        </p:nvSpPr>
+        <p:spPr>
+          <a:xfrm>
+            <a:off x="6395156" y="1871131"/>
+            <a:ext cx="1264353" cy="330201"/>
+          </a:xfrm>
+          <a:prstGeom prst="roundRect">
+            <a:avLst/>
+          </a:prstGeom>
+        </p:spPr>
+        <p:style>
+          <a:lnRef idx="1">
+            <a:schemeClr val="accent4"/>
+          </a:lnRef>
+          <a:fillRef idx="2">
+            <a:schemeClr val="accent4"/>
+          </a:fillRef>
+          <a:effectRef idx="1">
+            <a:schemeClr val="accent4"/>
+          </a:effectRef>
+          <a:fontRef idx="minor">
+            <a:schemeClr val="dk1"/>
+          </a:fontRef>
+        </p:style>
+        <p:txBody>
+          <a:bodyPr rtlCol="0" anchor="ctr"/>
+          <a:lstStyle/>
+          <a:p>
+            <a:pPr algn="ctr"/>
+            <a:r>
+              <a:rPr kumimoji="1" lang="ja-JP" altLang="en-US" dirty="0"/>
+              <a:t>コンボ数</a:t>
+            </a:r>
+          </a:p>
+        </p:txBody>
+      </p:sp>
+      <p:sp>
+        <p:nvSpPr>
+          <p:cNvPr id="14" name="楕円 13">
+            <a:extLst>
+              <a:ext uri="{FF2B5EF4-FFF2-40B4-BE49-F238E27FC236}">
+                <a16:creationId xmlns:a16="http://schemas.microsoft.com/office/drawing/2014/main" id="{2C118DEA-6F68-4F05-951E-C6F69407368E}"/>
+              </a:ext>
+            </a:extLst>
+          </p:cNvPr>
+          <p:cNvSpPr/>
+          <p:nvPr/>
+        </p:nvSpPr>
+        <p:spPr>
+          <a:xfrm>
+            <a:off x="1969175" y="1834889"/>
+            <a:ext cx="1738487" cy="220133"/>
+          </a:xfrm>
+          <a:prstGeom prst="ellipse">
+            <a:avLst/>
+          </a:prstGeom>
+        </p:spPr>
+        <p:style>
+          <a:lnRef idx="0">
+            <a:schemeClr val="accent3"/>
+          </a:lnRef>
+          <a:fillRef idx="3">
+            <a:schemeClr val="accent3"/>
+          </a:fillRef>
+          <a:effectRef idx="3">
+            <a:schemeClr val="accent3"/>
+          </a:effectRef>
+          <a:fontRef idx="minor">
+            <a:schemeClr val="lt1"/>
+          </a:fontRef>
+        </p:style>
+        <p:txBody>
+          <a:bodyPr rtlCol="0" anchor="ctr"/>
+          <a:lstStyle/>
+          <a:p>
+            <a:pPr algn="ctr"/>
+            <a:r>
+              <a:rPr kumimoji="1" lang="en-US" altLang="ja-JP" sz="1400" dirty="0"/>
+              <a:t>D</a:t>
+            </a:r>
+            <a:r>
+              <a:rPr kumimoji="1" lang="ja-JP" altLang="en-US" sz="1400" dirty="0"/>
+              <a:t>・</a:t>
+            </a:r>
+            <a:r>
+              <a:rPr kumimoji="1" lang="en-US" altLang="ja-JP" sz="1400" dirty="0"/>
+              <a:t>T</a:t>
+            </a:r>
+            <a:r>
+              <a:rPr kumimoji="1" lang="ja-JP" altLang="en-US" sz="1400" dirty="0"/>
+              <a:t>ゲージ</a:t>
+            </a:r>
+          </a:p>
+        </p:txBody>
+      </p:sp>
+      <p:sp>
+        <p:nvSpPr>
+          <p:cNvPr id="15" name="楕円 14">
+            <a:extLst>
+              <a:ext uri="{FF2B5EF4-FFF2-40B4-BE49-F238E27FC236}">
+                <a16:creationId xmlns:a16="http://schemas.microsoft.com/office/drawing/2014/main" id="{159895DE-6E39-472C-B2AD-0AD338E5947D}"/>
+              </a:ext>
+            </a:extLst>
+          </p:cNvPr>
+          <p:cNvSpPr/>
+          <p:nvPr/>
+        </p:nvSpPr>
+        <p:spPr>
+          <a:xfrm>
+            <a:off x="570832" y="1316372"/>
+            <a:ext cx="1027677" cy="574325"/>
+          </a:xfrm>
+          <a:prstGeom prst="ellipse">
+            <a:avLst/>
+          </a:prstGeom>
+        </p:spPr>
+        <p:style>
+          <a:lnRef idx="1">
+            <a:schemeClr val="accent6"/>
+          </a:lnRef>
+          <a:fillRef idx="2">
+            <a:schemeClr val="accent6"/>
+          </a:fillRef>
+          <a:effectRef idx="1">
+            <a:schemeClr val="accent6"/>
+          </a:effectRef>
+          <a:fontRef idx="minor">
+            <a:schemeClr val="dk1"/>
+          </a:fontRef>
+        </p:style>
+        <p:txBody>
+          <a:bodyPr rtlCol="0" anchor="ctr"/>
+          <a:lstStyle/>
+          <a:p>
+            <a:pPr algn="ctr"/>
+            <a:r>
+              <a:rPr kumimoji="1" lang="ja-JP" altLang="en-US" sz="1000" dirty="0"/>
+              <a:t>スタイルレベル</a:t>
+            </a:r>
+            <a:endParaRPr kumimoji="1" lang="en-US" altLang="ja-JP" sz="1000" dirty="0"/>
+          </a:p>
+        </p:txBody>
+      </p:sp>
+      <p:sp>
+        <p:nvSpPr>
+          <p:cNvPr id="16" name="テキスト ボックス 15">
+            <a:extLst>
+              <a:ext uri="{FF2B5EF4-FFF2-40B4-BE49-F238E27FC236}">
+                <a16:creationId xmlns:a16="http://schemas.microsoft.com/office/drawing/2014/main" id="{A56BBDCE-D2B0-45F3-87C6-A528F5E723FA}"/>
+              </a:ext>
+            </a:extLst>
+          </p:cNvPr>
+          <p:cNvSpPr txBox="1"/>
+          <p:nvPr/>
+        </p:nvSpPr>
+        <p:spPr>
+          <a:xfrm>
+            <a:off x="485422" y="270933"/>
+            <a:ext cx="3587842" cy="461665"/>
+          </a:xfrm>
+          <a:prstGeom prst="rect">
+            <a:avLst/>
+          </a:prstGeom>
+          <a:noFill/>
+        </p:spPr>
+        <p:txBody>
+          <a:bodyPr wrap="none" rtlCol="0">
+            <a:spAutoFit/>
+          </a:bodyPr>
+          <a:lstStyle/>
+          <a:p>
+            <a:r>
+              <a:rPr kumimoji="1" lang="ja-JP" altLang="en-US" sz="2400" dirty="0"/>
+              <a:t>ゲーム画面見本</a:t>
+            </a:r>
+            <a:r>
+              <a:rPr kumimoji="1" lang="en-US" altLang="ja-JP" sz="2400" dirty="0"/>
+              <a:t>_</a:t>
+            </a:r>
+            <a:r>
+              <a:rPr kumimoji="1" lang="ja-JP" altLang="en-US" sz="2400" dirty="0"/>
+              <a:t>ボス戦</a:t>
+            </a:r>
+            <a:r>
+              <a:rPr kumimoji="1" lang="en-US" altLang="ja-JP" sz="2400" dirty="0"/>
+              <a:t>2</a:t>
+            </a:r>
+            <a:endParaRPr kumimoji="1" lang="ja-JP" altLang="en-US" sz="2400" dirty="0"/>
+          </a:p>
+        </p:txBody>
+      </p:sp>
+      <p:sp>
+        <p:nvSpPr>
+          <p:cNvPr id="17" name="テキスト ボックス 16">
+            <a:extLst>
+              <a:ext uri="{FF2B5EF4-FFF2-40B4-BE49-F238E27FC236}">
+                <a16:creationId xmlns:a16="http://schemas.microsoft.com/office/drawing/2014/main" id="{3E4649B7-0649-4DDE-B43D-5B383EE32137}"/>
+              </a:ext>
+            </a:extLst>
+          </p:cNvPr>
+          <p:cNvSpPr txBox="1"/>
+          <p:nvPr/>
+        </p:nvSpPr>
+        <p:spPr>
+          <a:xfrm>
+            <a:off x="8717034" y="132433"/>
+            <a:ext cx="2730235" cy="369332"/>
+          </a:xfrm>
+          <a:prstGeom prst="rect">
+            <a:avLst/>
+          </a:prstGeom>
+          <a:noFill/>
+        </p:spPr>
+        <p:txBody>
+          <a:bodyPr wrap="none" rtlCol="0">
+            <a:spAutoFit/>
+          </a:bodyPr>
+          <a:lstStyle/>
+          <a:p>
+            <a:r>
+              <a:rPr kumimoji="1" lang="ja-JP" altLang="en-US" dirty="0"/>
+              <a:t>灰色の</a:t>
+            </a:r>
+            <a:r>
+              <a:rPr kumimoji="1" lang="en-US" altLang="ja-JP" dirty="0"/>
+              <a:t>UI</a:t>
+            </a:r>
+            <a:r>
+              <a:rPr kumimoji="1" lang="ja-JP" altLang="en-US" dirty="0"/>
+              <a:t>は実装未定内容</a:t>
+            </a:r>
+          </a:p>
+        </p:txBody>
+      </p:sp>
+      <p:sp>
+        <p:nvSpPr>
+          <p:cNvPr id="18" name="テキスト ボックス 17">
+            <a:extLst>
+              <a:ext uri="{FF2B5EF4-FFF2-40B4-BE49-F238E27FC236}">
+                <a16:creationId xmlns:a16="http://schemas.microsoft.com/office/drawing/2014/main" id="{973D7BC9-4710-4E42-8D05-8E48D5263C3A}"/>
+              </a:ext>
+            </a:extLst>
+          </p:cNvPr>
+          <p:cNvSpPr txBox="1"/>
+          <p:nvPr/>
+        </p:nvSpPr>
+        <p:spPr>
+          <a:xfrm>
+            <a:off x="8303253" y="898098"/>
+            <a:ext cx="3668888" cy="5355312"/>
+          </a:xfrm>
+          <a:prstGeom prst="rect">
+            <a:avLst/>
+          </a:prstGeom>
+          <a:noFill/>
+        </p:spPr>
+        <p:txBody>
+          <a:bodyPr wrap="square" rtlCol="0">
+            <a:spAutoFit/>
+          </a:bodyPr>
+          <a:lstStyle/>
+          <a:p>
+            <a:r>
+              <a:rPr lang="ja-JP" altLang="en-US" dirty="0"/>
+              <a:t>①</a:t>
+            </a:r>
+            <a:r>
+              <a:rPr lang="ja-JP" altLang="en-US" b="1" dirty="0"/>
+              <a:t>プレイヤーの</a:t>
+            </a:r>
+            <a:r>
+              <a:rPr lang="en-US" altLang="ja-JP" b="1" dirty="0"/>
+              <a:t>HP</a:t>
+            </a:r>
+          </a:p>
+          <a:p>
+            <a:r>
+              <a:rPr lang="ja-JP" altLang="en-US" dirty="0"/>
+              <a:t>　　なくなったらゲームオーバー</a:t>
+            </a:r>
+            <a:endParaRPr lang="en-US" altLang="ja-JP" dirty="0"/>
+          </a:p>
+          <a:p>
+            <a:r>
+              <a:rPr kumimoji="1" lang="ja-JP" altLang="en-US" dirty="0"/>
+              <a:t>②</a:t>
+            </a:r>
+            <a:r>
+              <a:rPr kumimoji="1" lang="ja-JP" altLang="en-US" b="1" dirty="0"/>
+              <a:t>敵</a:t>
+            </a:r>
+            <a:r>
+              <a:rPr kumimoji="1" lang="en-US" altLang="ja-JP" b="1" dirty="0"/>
+              <a:t>HP</a:t>
+            </a:r>
+          </a:p>
+          <a:p>
+            <a:r>
+              <a:rPr kumimoji="1" lang="ja-JP" altLang="en-US" dirty="0"/>
+              <a:t>　　なくなったらゲームクリア</a:t>
+            </a:r>
+            <a:endParaRPr kumimoji="1" lang="en-US" altLang="ja-JP" dirty="0"/>
+          </a:p>
+          <a:p>
+            <a:r>
+              <a:rPr lang="ja-JP" altLang="en-US" dirty="0"/>
+              <a:t>③</a:t>
+            </a:r>
+            <a:r>
+              <a:rPr lang="ja-JP" altLang="en-US" b="1" dirty="0"/>
+              <a:t>ドロップアイテム数</a:t>
+            </a:r>
+            <a:endParaRPr lang="en-US" altLang="ja-JP" b="1" dirty="0"/>
+          </a:p>
+          <a:p>
+            <a:r>
+              <a:rPr lang="ja-JP" altLang="en-US" dirty="0"/>
+              <a:t>　　敵を攻撃したらドロップするアイテムの所持数</a:t>
+            </a:r>
+            <a:endParaRPr lang="en-US" altLang="ja-JP" dirty="0"/>
+          </a:p>
+          <a:p>
+            <a:r>
+              <a:rPr kumimoji="1" lang="ja-JP" altLang="en-US" dirty="0"/>
+              <a:t>④</a:t>
+            </a:r>
+            <a:r>
+              <a:rPr kumimoji="1" lang="ja-JP" altLang="en-US" b="1" dirty="0"/>
+              <a:t>コンボ数</a:t>
+            </a:r>
+            <a:endParaRPr kumimoji="1" lang="en-US" altLang="ja-JP" b="1" dirty="0"/>
+          </a:p>
+          <a:p>
+            <a:r>
+              <a:rPr kumimoji="1" lang="ja-JP" altLang="en-US" dirty="0"/>
+              <a:t>　　攻撃を連続して行った場合に表示されるコンボ数</a:t>
+            </a:r>
+            <a:endParaRPr kumimoji="1" lang="en-US" altLang="ja-JP" dirty="0"/>
+          </a:p>
+          <a:p>
+            <a:r>
+              <a:rPr lang="ja-JP" altLang="en-US" dirty="0"/>
+              <a:t>　　一度ダメージを受けると</a:t>
+            </a:r>
+            <a:endParaRPr lang="en-US" altLang="ja-JP" dirty="0"/>
+          </a:p>
+          <a:p>
+            <a:r>
+              <a:rPr lang="ja-JP" altLang="en-US" dirty="0"/>
+              <a:t>コンボは最初からになる</a:t>
+            </a:r>
+            <a:endParaRPr lang="en-US" altLang="ja-JP" dirty="0"/>
+          </a:p>
+          <a:p>
+            <a:r>
+              <a:rPr kumimoji="1" lang="ja-JP" altLang="en-US" dirty="0"/>
+              <a:t>⑤</a:t>
+            </a:r>
+            <a:r>
+              <a:rPr kumimoji="1" lang="ja-JP" altLang="en-US" b="1" dirty="0"/>
+              <a:t>スタイルレベル</a:t>
+            </a:r>
+            <a:endParaRPr kumimoji="1" lang="en-US" altLang="ja-JP" b="1" dirty="0"/>
+          </a:p>
+          <a:p>
+            <a:r>
+              <a:rPr lang="ja-JP" altLang="en-US" b="1" dirty="0"/>
+              <a:t>　　</a:t>
+            </a:r>
+            <a:r>
+              <a:rPr lang="ja-JP" altLang="en-US" sz="1600" dirty="0"/>
+              <a:t>スタイル</a:t>
+            </a:r>
+            <a:r>
+              <a:rPr lang="en-US" altLang="ja-JP" sz="1600" dirty="0"/>
+              <a:t>EXP</a:t>
+            </a:r>
+            <a:r>
+              <a:rPr lang="ja-JP" altLang="en-US" sz="1600" dirty="0"/>
+              <a:t>が貯まると上がる</a:t>
+            </a:r>
+            <a:endParaRPr lang="en-US" altLang="ja-JP" dirty="0"/>
+          </a:p>
+          <a:p>
+            <a:r>
+              <a:rPr kumimoji="1" lang="ja-JP" altLang="en-US" dirty="0"/>
+              <a:t>レベルが上がると攻撃力も上がる</a:t>
+            </a:r>
+            <a:endParaRPr kumimoji="1" lang="en-US" altLang="ja-JP" dirty="0"/>
+          </a:p>
+          <a:p>
+            <a:r>
+              <a:rPr kumimoji="1" lang="ja-JP" altLang="en-US" dirty="0"/>
+              <a:t>⑥</a:t>
+            </a:r>
+            <a:r>
+              <a:rPr kumimoji="1" lang="ja-JP" altLang="en-US" b="1" dirty="0"/>
+              <a:t>スタイル</a:t>
+            </a:r>
+            <a:r>
+              <a:rPr kumimoji="1" lang="en-US" altLang="ja-JP" b="1" dirty="0"/>
+              <a:t>EXP</a:t>
+            </a:r>
+          </a:p>
+          <a:p>
+            <a:r>
+              <a:rPr kumimoji="1" lang="ja-JP" altLang="en-US" b="1" dirty="0"/>
+              <a:t>　　</a:t>
+            </a:r>
+            <a:r>
+              <a:rPr kumimoji="1" lang="ja-JP" altLang="en-US" dirty="0"/>
+              <a:t>敵を倒すと獲得できる経験値</a:t>
+            </a:r>
+            <a:endParaRPr kumimoji="1" lang="en-US" altLang="ja-JP" dirty="0"/>
+          </a:p>
+          <a:p>
+            <a:r>
+              <a:rPr lang="ja-JP" altLang="en-US" dirty="0"/>
+              <a:t>ゲージが満タンになるとスタイルレベルが上がる。</a:t>
+            </a:r>
+            <a:endParaRPr kumimoji="1" lang="en-US" altLang="ja-JP" dirty="0"/>
+          </a:p>
+        </p:txBody>
+      </p:sp>
+      <p:sp>
+        <p:nvSpPr>
+          <p:cNvPr id="19" name="楕円 18">
+            <a:extLst>
+              <a:ext uri="{FF2B5EF4-FFF2-40B4-BE49-F238E27FC236}">
+                <a16:creationId xmlns:a16="http://schemas.microsoft.com/office/drawing/2014/main" id="{77BB7B8E-F9B9-483C-BB0D-4F2166E6C2C8}"/>
+              </a:ext>
+            </a:extLst>
+          </p:cNvPr>
+          <p:cNvSpPr/>
+          <p:nvPr/>
+        </p:nvSpPr>
+        <p:spPr>
+          <a:xfrm>
+            <a:off x="1562859" y="1179239"/>
+            <a:ext cx="350334" cy="350334"/>
+          </a:xfrm>
+          <a:prstGeom prst="ellipse">
+            <a:avLst/>
+          </a:prstGeom>
+        </p:spPr>
+        <p:style>
+          <a:lnRef idx="2">
+            <a:schemeClr val="dk1">
+              <a:shade val="50000"/>
+            </a:schemeClr>
+          </a:lnRef>
+          <a:fillRef idx="1">
+            <a:schemeClr val="dk1"/>
+          </a:fillRef>
+          <a:effectRef idx="0">
+            <a:schemeClr val="dk1"/>
+          </a:effectRef>
+          <a:fontRef idx="minor">
+            <a:schemeClr val="lt1"/>
+          </a:fontRef>
+        </p:style>
+        <p:txBody>
+          <a:bodyPr rtlCol="0" anchor="ctr"/>
+          <a:lstStyle/>
+          <a:p>
+            <a:pPr algn="ctr"/>
+            <a:r>
+              <a:rPr kumimoji="1" lang="en-US" altLang="ja-JP" dirty="0"/>
+              <a:t>1</a:t>
+            </a:r>
+            <a:endParaRPr kumimoji="1" lang="ja-JP" altLang="en-US" dirty="0"/>
+          </a:p>
+        </p:txBody>
+      </p:sp>
+      <p:sp>
+        <p:nvSpPr>
+          <p:cNvPr id="20" name="楕円 19">
+            <a:extLst>
+              <a:ext uri="{FF2B5EF4-FFF2-40B4-BE49-F238E27FC236}">
+                <a16:creationId xmlns:a16="http://schemas.microsoft.com/office/drawing/2014/main" id="{14C98BDB-ACCE-44AA-9889-CA13FB56E46B}"/>
+              </a:ext>
+            </a:extLst>
+          </p:cNvPr>
+          <p:cNvSpPr/>
+          <p:nvPr/>
+        </p:nvSpPr>
+        <p:spPr>
+          <a:xfrm>
+            <a:off x="1619723" y="5090914"/>
+            <a:ext cx="350334" cy="350334"/>
+          </a:xfrm>
+          <a:prstGeom prst="ellipse">
+            <a:avLst/>
+          </a:prstGeom>
+        </p:spPr>
+        <p:style>
+          <a:lnRef idx="2">
+            <a:schemeClr val="dk1">
+              <a:shade val="50000"/>
+            </a:schemeClr>
+          </a:lnRef>
+          <a:fillRef idx="1">
+            <a:schemeClr val="dk1"/>
+          </a:fillRef>
+          <a:effectRef idx="0">
+            <a:schemeClr val="dk1"/>
+          </a:effectRef>
+          <a:fontRef idx="minor">
+            <a:schemeClr val="lt1"/>
+          </a:fontRef>
+        </p:style>
+        <p:txBody>
+          <a:bodyPr rtlCol="0" anchor="ctr"/>
+          <a:lstStyle/>
+          <a:p>
+            <a:pPr algn="ctr"/>
+            <a:r>
+              <a:rPr kumimoji="1" lang="en-US" altLang="ja-JP" dirty="0"/>
+              <a:t>2</a:t>
+            </a:r>
+            <a:endParaRPr kumimoji="1" lang="ja-JP" altLang="en-US" dirty="0"/>
+          </a:p>
+        </p:txBody>
+      </p:sp>
+      <p:sp>
+        <p:nvSpPr>
+          <p:cNvPr id="21" name="楕円 20">
+            <a:extLst>
+              <a:ext uri="{FF2B5EF4-FFF2-40B4-BE49-F238E27FC236}">
+                <a16:creationId xmlns:a16="http://schemas.microsoft.com/office/drawing/2014/main" id="{7CB8CC66-11AD-4566-B616-695F6D635F53}"/>
+              </a:ext>
+            </a:extLst>
+          </p:cNvPr>
+          <p:cNvSpPr/>
+          <p:nvPr/>
+        </p:nvSpPr>
+        <p:spPr>
+          <a:xfrm>
+            <a:off x="5864302" y="1326135"/>
+            <a:ext cx="350334" cy="350334"/>
+          </a:xfrm>
+          <a:prstGeom prst="ellipse">
+            <a:avLst/>
+          </a:prstGeom>
+        </p:spPr>
+        <p:style>
+          <a:lnRef idx="2">
+            <a:schemeClr val="dk1">
+              <a:shade val="50000"/>
+            </a:schemeClr>
+          </a:lnRef>
+          <a:fillRef idx="1">
+            <a:schemeClr val="dk1"/>
+          </a:fillRef>
+          <a:effectRef idx="0">
+            <a:schemeClr val="dk1"/>
+          </a:effectRef>
+          <a:fontRef idx="minor">
+            <a:schemeClr val="lt1"/>
+          </a:fontRef>
+        </p:style>
+        <p:txBody>
+          <a:bodyPr rtlCol="0" anchor="ctr"/>
+          <a:lstStyle/>
+          <a:p>
+            <a:pPr algn="ctr"/>
+            <a:r>
+              <a:rPr lang="en-US" altLang="ja-JP" dirty="0"/>
+              <a:t>3</a:t>
+            </a:r>
+            <a:endParaRPr kumimoji="1" lang="ja-JP" altLang="en-US" dirty="0"/>
+          </a:p>
+        </p:txBody>
+      </p:sp>
+      <p:sp>
+        <p:nvSpPr>
+          <p:cNvPr id="22" name="楕円 21">
+            <a:extLst>
+              <a:ext uri="{FF2B5EF4-FFF2-40B4-BE49-F238E27FC236}">
+                <a16:creationId xmlns:a16="http://schemas.microsoft.com/office/drawing/2014/main" id="{E5992B4A-4B5B-454F-8055-84DC7ADBE641}"/>
+              </a:ext>
+            </a:extLst>
+          </p:cNvPr>
+          <p:cNvSpPr/>
+          <p:nvPr/>
+        </p:nvSpPr>
+        <p:spPr>
+          <a:xfrm>
+            <a:off x="6143378" y="1780633"/>
+            <a:ext cx="350334" cy="350334"/>
+          </a:xfrm>
+          <a:prstGeom prst="ellipse">
+            <a:avLst/>
+          </a:prstGeom>
+        </p:spPr>
+        <p:style>
+          <a:lnRef idx="2">
+            <a:schemeClr val="dk1">
+              <a:shade val="50000"/>
+            </a:schemeClr>
+          </a:lnRef>
+          <a:fillRef idx="1">
+            <a:schemeClr val="dk1"/>
+          </a:fillRef>
+          <a:effectRef idx="0">
+            <a:schemeClr val="dk1"/>
+          </a:effectRef>
+          <a:fontRef idx="minor">
+            <a:schemeClr val="lt1"/>
+          </a:fontRef>
+        </p:style>
+        <p:txBody>
+          <a:bodyPr rtlCol="0" anchor="ctr"/>
+          <a:lstStyle/>
+          <a:p>
+            <a:pPr algn="ctr"/>
+            <a:r>
+              <a:rPr kumimoji="1" lang="en-US" altLang="ja-JP" dirty="0"/>
+              <a:t>4</a:t>
+            </a:r>
+            <a:endParaRPr kumimoji="1" lang="ja-JP" altLang="en-US" dirty="0"/>
+          </a:p>
+        </p:txBody>
+      </p:sp>
+      <p:sp>
+        <p:nvSpPr>
+          <p:cNvPr id="23" name="楕円 22">
+            <a:extLst>
+              <a:ext uri="{FF2B5EF4-FFF2-40B4-BE49-F238E27FC236}">
+                <a16:creationId xmlns:a16="http://schemas.microsoft.com/office/drawing/2014/main" id="{C28E8DAE-E8E0-46EF-9992-F047631279F0}"/>
+              </a:ext>
+            </a:extLst>
+          </p:cNvPr>
+          <p:cNvSpPr/>
+          <p:nvPr/>
+        </p:nvSpPr>
+        <p:spPr>
+          <a:xfrm>
+            <a:off x="395665" y="1217988"/>
+            <a:ext cx="350334" cy="350334"/>
+          </a:xfrm>
+          <a:prstGeom prst="ellipse">
+            <a:avLst/>
+          </a:prstGeom>
+        </p:spPr>
+        <p:style>
+          <a:lnRef idx="2">
+            <a:schemeClr val="dk1">
+              <a:shade val="50000"/>
+            </a:schemeClr>
+          </a:lnRef>
+          <a:fillRef idx="1">
+            <a:schemeClr val="dk1"/>
+          </a:fillRef>
+          <a:effectRef idx="0">
+            <a:schemeClr val="dk1"/>
+          </a:effectRef>
+          <a:fontRef idx="minor">
+            <a:schemeClr val="lt1"/>
+          </a:fontRef>
+        </p:style>
+        <p:txBody>
+          <a:bodyPr rtlCol="0" anchor="ctr"/>
+          <a:lstStyle/>
+          <a:p>
+            <a:pPr algn="ctr"/>
+            <a:r>
+              <a:rPr kumimoji="1" lang="en-US" altLang="ja-JP" dirty="0"/>
+              <a:t>5</a:t>
+            </a:r>
+            <a:endParaRPr kumimoji="1" lang="ja-JP" altLang="en-US" dirty="0"/>
+          </a:p>
+        </p:txBody>
+      </p:sp>
+      <p:sp>
+        <p:nvSpPr>
+          <p:cNvPr id="24" name="楕円 23">
+            <a:extLst>
+              <a:ext uri="{FF2B5EF4-FFF2-40B4-BE49-F238E27FC236}">
+                <a16:creationId xmlns:a16="http://schemas.microsoft.com/office/drawing/2014/main" id="{D5740A97-A19E-4C8E-96B0-1F23AC0E7C80}"/>
+              </a:ext>
+            </a:extLst>
+          </p:cNvPr>
+          <p:cNvSpPr/>
+          <p:nvPr/>
+        </p:nvSpPr>
+        <p:spPr>
+          <a:xfrm>
+            <a:off x="516863" y="1789728"/>
+            <a:ext cx="1167194" cy="381358"/>
+          </a:xfrm>
+          <a:prstGeom prst="ellipse">
+            <a:avLst/>
+          </a:prstGeom>
+        </p:spPr>
+        <p:style>
+          <a:lnRef idx="1">
+            <a:schemeClr val="accent6"/>
+          </a:lnRef>
+          <a:fillRef idx="2">
+            <a:schemeClr val="accent6"/>
+          </a:fillRef>
+          <a:effectRef idx="1">
+            <a:schemeClr val="accent6"/>
+          </a:effectRef>
+          <a:fontRef idx="minor">
+            <a:schemeClr val="dk1"/>
+          </a:fontRef>
+        </p:style>
+        <p:txBody>
+          <a:bodyPr rtlCol="0" anchor="ctr"/>
+          <a:lstStyle/>
+          <a:p>
+            <a:pPr algn="ctr"/>
+            <a:r>
+              <a:rPr kumimoji="1" lang="ja-JP" altLang="en-US" sz="1050" dirty="0"/>
+              <a:t>スタイル</a:t>
+            </a:r>
+            <a:r>
+              <a:rPr kumimoji="1" lang="en-US" altLang="ja-JP" sz="1050" dirty="0"/>
+              <a:t>EXP</a:t>
+            </a:r>
+            <a:endParaRPr kumimoji="1" lang="ja-JP" altLang="en-US" sz="1050" dirty="0"/>
+          </a:p>
+        </p:txBody>
+      </p:sp>
+      <p:sp>
+        <p:nvSpPr>
+          <p:cNvPr id="25" name="楕円 24">
+            <a:extLst>
+              <a:ext uri="{FF2B5EF4-FFF2-40B4-BE49-F238E27FC236}">
+                <a16:creationId xmlns:a16="http://schemas.microsoft.com/office/drawing/2014/main" id="{785676B5-2550-47B7-826D-E0F1BB30F21E}"/>
+              </a:ext>
+            </a:extLst>
+          </p:cNvPr>
+          <p:cNvSpPr/>
+          <p:nvPr/>
+        </p:nvSpPr>
+        <p:spPr>
+          <a:xfrm>
+            <a:off x="356448" y="1834889"/>
+            <a:ext cx="350334" cy="350334"/>
+          </a:xfrm>
+          <a:prstGeom prst="ellipse">
+            <a:avLst/>
+          </a:prstGeom>
+        </p:spPr>
+        <p:style>
+          <a:lnRef idx="2">
+            <a:schemeClr val="dk1">
+              <a:shade val="50000"/>
+            </a:schemeClr>
+          </a:lnRef>
+          <a:fillRef idx="1">
+            <a:schemeClr val="dk1"/>
+          </a:fillRef>
+          <a:effectRef idx="0">
+            <a:schemeClr val="dk1"/>
+          </a:effectRef>
+          <a:fontRef idx="minor">
+            <a:schemeClr val="lt1"/>
+          </a:fontRef>
+        </p:style>
+        <p:txBody>
+          <a:bodyPr rtlCol="0" anchor="ctr"/>
+          <a:lstStyle/>
+          <a:p>
+            <a:pPr algn="ctr"/>
+            <a:r>
+              <a:rPr kumimoji="1" lang="en-US" altLang="ja-JP" dirty="0"/>
+              <a:t>6</a:t>
+            </a:r>
+          </a:p>
+        </p:txBody>
+      </p:sp>
+      <p:pic>
+        <p:nvPicPr>
+          <p:cNvPr id="8" name="図 7">
+            <a:extLst>
+              <a:ext uri="{FF2B5EF4-FFF2-40B4-BE49-F238E27FC236}">
+                <a16:creationId xmlns:a16="http://schemas.microsoft.com/office/drawing/2014/main" id="{70F7B723-BF1F-41CE-8A1C-3C7643CE9A2D}"/>
+              </a:ext>
+            </a:extLst>
+          </p:cNvPr>
+          <p:cNvPicPr>
+            <a:picLocks noChangeAspect="1"/>
+          </p:cNvPicPr>
+          <p:nvPr/>
+        </p:nvPicPr>
+        <p:blipFill>
+          <a:blip r:embed="rId3">
+            <a:extLst>
+              <a:ext uri="{28A0092B-C50C-407E-A947-70E740481C1C}">
+                <a14:useLocalDpi xmlns:a14="http://schemas.microsoft.com/office/drawing/2010/main" val="0"/>
+              </a:ext>
+            </a:extLst>
+          </a:blip>
+          <a:stretch>
+            <a:fillRect/>
+          </a:stretch>
+        </p:blipFill>
+        <p:spPr>
+          <a:xfrm>
+            <a:off x="3536244" y="1828195"/>
+            <a:ext cx="2537178" cy="2537178"/>
+          </a:xfrm>
+          <a:prstGeom prst="rect">
+            <a:avLst/>
+          </a:prstGeom>
+        </p:spPr>
+      </p:pic>
+    </p:spTree>
+    <p:extLst>
+      <p:ext uri="{BB962C8B-B14F-4D97-AF65-F5344CB8AC3E}">
+        <p14:creationId xmlns:p14="http://schemas.microsoft.com/office/powerpoint/2010/main" val="2055827147"/>
       </p:ext>
     </p:extLst>
   </p:cSld>

--- a/3DGame_2/川﨑MayCry!_仕様書.pptx
+++ b/3DGame_2/川﨑MayCry!_仕様書.pptx
@@ -8,11 +8,14 @@
     <p:sldId id="256" r:id="rId2"/>
     <p:sldId id="260" r:id="rId3"/>
     <p:sldId id="261" r:id="rId4"/>
-    <p:sldId id="262" r:id="rId5"/>
+    <p:sldId id="267" r:id="rId5"/>
     <p:sldId id="259" r:id="rId6"/>
     <p:sldId id="257" r:id="rId7"/>
     <p:sldId id="258" r:id="rId8"/>
     <p:sldId id="263" r:id="rId9"/>
+    <p:sldId id="265" r:id="rId10"/>
+    <p:sldId id="266" r:id="rId11"/>
+    <p:sldId id="264" r:id="rId12"/>
   </p:sldIdLst>
   <p:sldSz cx="12192000" cy="6858000"/>
   <p:notesSz cx="6858000" cy="9144000"/>
@@ -266,7 +269,7 @@
           <a:p>
             <a:fld id="{20ADE6E2-60F5-4A20-BAD7-A1634267C4D7}" type="datetimeFigureOut">
               <a:rPr kumimoji="1" lang="ja-JP" altLang="en-US" smtClean="0"/>
-              <a:t>2024/7/8</a:t>
+              <a:t>2024/7/9</a:t>
             </a:fld>
             <a:endParaRPr kumimoji="1" lang="ja-JP" altLang="en-US"/>
           </a:p>
@@ -496,7 +499,7 @@
           <a:p>
             <a:fld id="{20ADE6E2-60F5-4A20-BAD7-A1634267C4D7}" type="datetimeFigureOut">
               <a:rPr kumimoji="1" lang="ja-JP" altLang="en-US" smtClean="0"/>
-              <a:t>2024/7/8</a:t>
+              <a:t>2024/7/9</a:t>
             </a:fld>
             <a:endParaRPr kumimoji="1" lang="ja-JP" altLang="en-US"/>
           </a:p>
@@ -736,7 +739,7 @@
           <a:p>
             <a:fld id="{20ADE6E2-60F5-4A20-BAD7-A1634267C4D7}" type="datetimeFigureOut">
               <a:rPr kumimoji="1" lang="ja-JP" altLang="en-US" smtClean="0"/>
-              <a:t>2024/7/8</a:t>
+              <a:t>2024/7/9</a:t>
             </a:fld>
             <a:endParaRPr kumimoji="1" lang="ja-JP" altLang="en-US"/>
           </a:p>
@@ -966,7 +969,7 @@
           <a:p>
             <a:fld id="{20ADE6E2-60F5-4A20-BAD7-A1634267C4D7}" type="datetimeFigureOut">
               <a:rPr kumimoji="1" lang="ja-JP" altLang="en-US" smtClean="0"/>
-              <a:t>2024/7/8</a:t>
+              <a:t>2024/7/9</a:t>
             </a:fld>
             <a:endParaRPr kumimoji="1" lang="ja-JP" altLang="en-US"/>
           </a:p>
@@ -1241,7 +1244,7 @@
           <a:p>
             <a:fld id="{20ADE6E2-60F5-4A20-BAD7-A1634267C4D7}" type="datetimeFigureOut">
               <a:rPr kumimoji="1" lang="ja-JP" altLang="en-US" smtClean="0"/>
-              <a:t>2024/7/8</a:t>
+              <a:t>2024/7/9</a:t>
             </a:fld>
             <a:endParaRPr kumimoji="1" lang="ja-JP" altLang="en-US"/>
           </a:p>
@@ -1570,7 +1573,7 @@
           <a:p>
             <a:fld id="{20ADE6E2-60F5-4A20-BAD7-A1634267C4D7}" type="datetimeFigureOut">
               <a:rPr kumimoji="1" lang="ja-JP" altLang="en-US" smtClean="0"/>
-              <a:t>2024/7/8</a:t>
+              <a:t>2024/7/9</a:t>
             </a:fld>
             <a:endParaRPr kumimoji="1" lang="ja-JP" altLang="en-US"/>
           </a:p>
@@ -2046,7 +2049,7 @@
           <a:p>
             <a:fld id="{20ADE6E2-60F5-4A20-BAD7-A1634267C4D7}" type="datetimeFigureOut">
               <a:rPr kumimoji="1" lang="ja-JP" altLang="en-US" smtClean="0"/>
-              <a:t>2024/7/8</a:t>
+              <a:t>2024/7/9</a:t>
             </a:fld>
             <a:endParaRPr kumimoji="1" lang="ja-JP" altLang="en-US"/>
           </a:p>
@@ -2187,7 +2190,7 @@
           <a:p>
             <a:fld id="{20ADE6E2-60F5-4A20-BAD7-A1634267C4D7}" type="datetimeFigureOut">
               <a:rPr kumimoji="1" lang="ja-JP" altLang="en-US" smtClean="0"/>
-              <a:t>2024/7/8</a:t>
+              <a:t>2024/7/9</a:t>
             </a:fld>
             <a:endParaRPr kumimoji="1" lang="ja-JP" altLang="en-US"/>
           </a:p>
@@ -2300,7 +2303,7 @@
           <a:p>
             <a:fld id="{20ADE6E2-60F5-4A20-BAD7-A1634267C4D7}" type="datetimeFigureOut">
               <a:rPr kumimoji="1" lang="ja-JP" altLang="en-US" smtClean="0"/>
-              <a:t>2024/7/8</a:t>
+              <a:t>2024/7/9</a:t>
             </a:fld>
             <a:endParaRPr kumimoji="1" lang="ja-JP" altLang="en-US"/>
           </a:p>
@@ -2643,7 +2646,7 @@
           <a:p>
             <a:fld id="{20ADE6E2-60F5-4A20-BAD7-A1634267C4D7}" type="datetimeFigureOut">
               <a:rPr kumimoji="1" lang="ja-JP" altLang="en-US" smtClean="0"/>
-              <a:t>2024/7/8</a:t>
+              <a:t>2024/7/9</a:t>
             </a:fld>
             <a:endParaRPr kumimoji="1" lang="ja-JP" altLang="en-US"/>
           </a:p>
@@ -2931,7 +2934,7 @@
           <a:p>
             <a:fld id="{20ADE6E2-60F5-4A20-BAD7-A1634267C4D7}" type="datetimeFigureOut">
               <a:rPr kumimoji="1" lang="ja-JP" altLang="en-US" smtClean="0"/>
-              <a:t>2024/7/8</a:t>
+              <a:t>2024/7/9</a:t>
             </a:fld>
             <a:endParaRPr kumimoji="1" lang="ja-JP" altLang="en-US"/>
           </a:p>
@@ -3204,7 +3207,7 @@
           <a:p>
             <a:fld id="{20ADE6E2-60F5-4A20-BAD7-A1634267C4D7}" type="datetimeFigureOut">
               <a:rPr kumimoji="1" lang="ja-JP" altLang="en-US" smtClean="0"/>
-              <a:t>2024/7/8</a:t>
+              <a:t>2024/7/9</a:t>
             </a:fld>
             <a:endParaRPr kumimoji="1" lang="ja-JP" altLang="en-US"/>
           </a:p>
@@ -3880,6 +3883,1291 @@
 </p:sld>
 </file>
 
+<file path=ppt/slides/slide10.xml><?xml version="1.0" encoding="utf-8"?>
+<p:sld xmlns:a="http://schemas.openxmlformats.org/drawingml/2006/main" xmlns:r="http://schemas.openxmlformats.org/officeDocument/2006/relationships" xmlns:p="http://schemas.openxmlformats.org/presentationml/2006/main">
+  <p:cSld>
+    <p:spTree>
+      <p:nvGrpSpPr>
+        <p:cNvPr id="1" name=""/>
+        <p:cNvGrpSpPr/>
+        <p:nvPr/>
+      </p:nvGrpSpPr>
+      <p:grpSpPr>
+        <a:xfrm>
+          <a:off x="0" y="0"/>
+          <a:ext cx="0" cy="0"/>
+          <a:chOff x="0" y="0"/>
+          <a:chExt cx="0" cy="0"/>
+        </a:xfrm>
+      </p:grpSpPr>
+      <p:graphicFrame>
+        <p:nvGraphicFramePr>
+          <p:cNvPr id="4" name="表 4">
+            <a:extLst>
+              <a:ext uri="{FF2B5EF4-FFF2-40B4-BE49-F238E27FC236}">
+                <a16:creationId xmlns:a16="http://schemas.microsoft.com/office/drawing/2014/main" id="{A08F32F2-EDB5-4151-BBE6-8D6CF62A78FF}"/>
+              </a:ext>
+            </a:extLst>
+          </p:cNvPr>
+          <p:cNvGraphicFramePr>
+            <a:graphicFrameLocks noGrp="1"/>
+          </p:cNvGraphicFramePr>
+          <p:nvPr>
+            <p:extLst>
+              <p:ext uri="{D42A27DB-BD31-4B8C-83A1-F6EECF244321}">
+                <p14:modId xmlns:p14="http://schemas.microsoft.com/office/powerpoint/2010/main" val="902727535"/>
+              </p:ext>
+            </p:extLst>
+          </p:nvPr>
+        </p:nvGraphicFramePr>
+        <p:xfrm>
+          <a:off x="671689" y="1328889"/>
+          <a:ext cx="10351912" cy="4175760"/>
+        </p:xfrm>
+        <a:graphic>
+          <a:graphicData uri="http://schemas.openxmlformats.org/drawingml/2006/table">
+            <a:tbl>
+              <a:tblPr firstCol="1" bandRow="1">
+                <a:tableStyleId>{5C22544A-7EE6-4342-B048-85BDC9FD1C3A}</a:tableStyleId>
+              </a:tblPr>
+              <a:tblGrid>
+                <a:gridCol w="2587978">
+                  <a:extLst>
+                    <a:ext uri="{9D8B030D-6E8A-4147-A177-3AD203B41FA5}">
+                      <a16:colId xmlns:a16="http://schemas.microsoft.com/office/drawing/2014/main" val="3924981262"/>
+                    </a:ext>
+                  </a:extLst>
+                </a:gridCol>
+                <a:gridCol w="2587978">
+                  <a:extLst>
+                    <a:ext uri="{9D8B030D-6E8A-4147-A177-3AD203B41FA5}">
+                      <a16:colId xmlns:a16="http://schemas.microsoft.com/office/drawing/2014/main" val="2626641230"/>
+                    </a:ext>
+                  </a:extLst>
+                </a:gridCol>
+                <a:gridCol w="3646311">
+                  <a:extLst>
+                    <a:ext uri="{9D8B030D-6E8A-4147-A177-3AD203B41FA5}">
+                      <a16:colId xmlns:a16="http://schemas.microsoft.com/office/drawing/2014/main" val="2950888530"/>
+                    </a:ext>
+                  </a:extLst>
+                </a:gridCol>
+                <a:gridCol w="1529645">
+                  <a:extLst>
+                    <a:ext uri="{9D8B030D-6E8A-4147-A177-3AD203B41FA5}">
+                      <a16:colId xmlns:a16="http://schemas.microsoft.com/office/drawing/2014/main" val="2343674020"/>
+                    </a:ext>
+                  </a:extLst>
+                </a:gridCol>
+              </a:tblGrid>
+              <a:tr h="343034">
+                <a:tc>
+                  <a:txBody>
+                    <a:bodyPr/>
+                    <a:lstStyle/>
+                    <a:p>
+                      <a:pPr algn="ctr"/>
+                      <a:r>
+                        <a:rPr kumimoji="1" lang="ja-JP" altLang="en-US" dirty="0"/>
+                        <a:t>プレイヤー動作</a:t>
+                      </a:r>
+                    </a:p>
+                  </a:txBody>
+                  <a:tcPr/>
+                </a:tc>
+                <a:tc>
+                  <a:txBody>
+                    <a:bodyPr/>
+                    <a:lstStyle/>
+                    <a:p>
+                      <a:pPr algn="ctr"/>
+                      <a:r>
+                        <a:rPr kumimoji="1" lang="ja-JP" altLang="en-US" b="1" dirty="0"/>
+                        <a:t>操作ボタン</a:t>
+                      </a:r>
+                    </a:p>
+                  </a:txBody>
+                  <a:tcPr/>
+                </a:tc>
+                <a:tc>
+                  <a:txBody>
+                    <a:bodyPr/>
+                    <a:lstStyle/>
+                    <a:p>
+                      <a:pPr algn="ctr"/>
+                      <a:r>
+                        <a:rPr kumimoji="1" lang="ja-JP" altLang="en-US" b="1" dirty="0"/>
+                        <a:t>どのような行動か</a:t>
+                      </a:r>
+                    </a:p>
+                  </a:txBody>
+                  <a:tcPr/>
+                </a:tc>
+                <a:tc>
+                  <a:txBody>
+                    <a:bodyPr/>
+                    <a:lstStyle/>
+                    <a:p>
+                      <a:pPr algn="ctr"/>
+                      <a:r>
+                        <a:rPr kumimoji="1" lang="ja-JP" altLang="en-US" b="1" dirty="0"/>
+                        <a:t>優先度</a:t>
+                      </a:r>
+                    </a:p>
+                  </a:txBody>
+                  <a:tcPr/>
+                </a:tc>
+                <a:extLst>
+                  <a:ext uri="{0D108BD9-81ED-4DB2-BD59-A6C34878D82A}">
+                    <a16:rowId xmlns:a16="http://schemas.microsoft.com/office/drawing/2014/main" val="1528950435"/>
+                  </a:ext>
+                </a:extLst>
+              </a:tr>
+              <a:tr h="328095">
+                <a:tc>
+                  <a:txBody>
+                    <a:bodyPr/>
+                    <a:lstStyle/>
+                    <a:p>
+                      <a:pPr algn="ctr"/>
+                      <a:r>
+                        <a:rPr kumimoji="1" lang="ja-JP" altLang="en-US" b="0" dirty="0"/>
+                        <a:t>通常攻撃コンボ</a:t>
+                      </a:r>
+                    </a:p>
+                  </a:txBody>
+                  <a:tcPr/>
+                </a:tc>
+                <a:tc>
+                  <a:txBody>
+                    <a:bodyPr/>
+                    <a:lstStyle/>
+                    <a:p>
+                      <a:pPr algn="ctr"/>
+                      <a:r>
+                        <a:rPr kumimoji="1" lang="en-US" altLang="ja-JP" sz="1400" dirty="0"/>
+                        <a:t>Y</a:t>
+                      </a:r>
+                      <a:r>
+                        <a:rPr kumimoji="1" lang="ja-JP" altLang="en-US" sz="1400" dirty="0"/>
+                        <a:t>ボタン連続</a:t>
+                      </a:r>
+                    </a:p>
+                  </a:txBody>
+                  <a:tcPr/>
+                </a:tc>
+                <a:tc>
+                  <a:txBody>
+                    <a:bodyPr/>
+                    <a:lstStyle/>
+                    <a:p>
+                      <a:pPr algn="ctr"/>
+                      <a:r>
+                        <a:rPr kumimoji="1" lang="ja-JP" altLang="en-US" sz="1400" dirty="0"/>
+                        <a:t>通常の剣を振る攻撃</a:t>
+                      </a:r>
+                      <a:endParaRPr kumimoji="1" lang="en-US" altLang="ja-JP" sz="1400" dirty="0"/>
+                    </a:p>
+                    <a:p>
+                      <a:pPr algn="ctr"/>
+                      <a:r>
+                        <a:rPr kumimoji="1" lang="ja-JP" altLang="en-US" sz="1400" dirty="0"/>
+                        <a:t>コンボの最大回数はアニメーション次第</a:t>
+                      </a:r>
+                    </a:p>
+                  </a:txBody>
+                  <a:tcPr/>
+                </a:tc>
+                <a:tc>
+                  <a:txBody>
+                    <a:bodyPr/>
+                    <a:lstStyle/>
+                    <a:p>
+                      <a:pPr algn="ctr"/>
+                      <a:endParaRPr kumimoji="1" lang="ja-JP" altLang="en-US" sz="1400" dirty="0"/>
+                    </a:p>
+                  </a:txBody>
+                  <a:tcPr/>
+                </a:tc>
+                <a:extLst>
+                  <a:ext uri="{0D108BD9-81ED-4DB2-BD59-A6C34878D82A}">
+                    <a16:rowId xmlns:a16="http://schemas.microsoft.com/office/drawing/2014/main" val="1288225905"/>
+                  </a:ext>
+                </a:extLst>
+              </a:tr>
+              <a:tr h="328095">
+                <a:tc>
+                  <a:txBody>
+                    <a:bodyPr/>
+                    <a:lstStyle/>
+                    <a:p>
+                      <a:pPr algn="ctr"/>
+                      <a:endParaRPr kumimoji="1" lang="ja-JP" altLang="en-US" b="0" dirty="0"/>
+                    </a:p>
+                  </a:txBody>
+                  <a:tcPr/>
+                </a:tc>
+                <a:tc>
+                  <a:txBody>
+                    <a:bodyPr/>
+                    <a:lstStyle/>
+                    <a:p>
+                      <a:pPr algn="ctr"/>
+                      <a:endParaRPr kumimoji="1" lang="ja-JP" altLang="en-US" sz="1400" dirty="0"/>
+                    </a:p>
+                  </a:txBody>
+                  <a:tcPr/>
+                </a:tc>
+                <a:tc>
+                  <a:txBody>
+                    <a:bodyPr/>
+                    <a:lstStyle/>
+                    <a:p>
+                      <a:pPr algn="ctr"/>
+                      <a:endParaRPr kumimoji="1" lang="ja-JP" altLang="en-US" sz="1400" dirty="0"/>
+                    </a:p>
+                  </a:txBody>
+                  <a:tcPr/>
+                </a:tc>
+                <a:tc>
+                  <a:txBody>
+                    <a:bodyPr/>
+                    <a:lstStyle/>
+                    <a:p>
+                      <a:pPr algn="ctr"/>
+                      <a:endParaRPr kumimoji="1" lang="ja-JP" altLang="en-US" sz="1400" dirty="0"/>
+                    </a:p>
+                  </a:txBody>
+                  <a:tcPr/>
+                </a:tc>
+                <a:extLst>
+                  <a:ext uri="{0D108BD9-81ED-4DB2-BD59-A6C34878D82A}">
+                    <a16:rowId xmlns:a16="http://schemas.microsoft.com/office/drawing/2014/main" val="3495002126"/>
+                  </a:ext>
+                </a:extLst>
+              </a:tr>
+              <a:tr h="328095">
+                <a:tc>
+                  <a:txBody>
+                    <a:bodyPr/>
+                    <a:lstStyle/>
+                    <a:p>
+                      <a:pPr algn="ctr"/>
+                      <a:endParaRPr kumimoji="1" lang="ja-JP" altLang="en-US" b="0" dirty="0"/>
+                    </a:p>
+                  </a:txBody>
+                  <a:tcPr/>
+                </a:tc>
+                <a:tc>
+                  <a:txBody>
+                    <a:bodyPr/>
+                    <a:lstStyle/>
+                    <a:p>
+                      <a:pPr algn="ctr"/>
+                      <a:endParaRPr kumimoji="1" lang="ja-JP" altLang="en-US" sz="1400" dirty="0"/>
+                    </a:p>
+                  </a:txBody>
+                  <a:tcPr/>
+                </a:tc>
+                <a:tc>
+                  <a:txBody>
+                    <a:bodyPr/>
+                    <a:lstStyle/>
+                    <a:p>
+                      <a:pPr algn="ctr"/>
+                      <a:endParaRPr kumimoji="1" lang="ja-JP" altLang="en-US" sz="1400" dirty="0"/>
+                    </a:p>
+                  </a:txBody>
+                  <a:tcPr/>
+                </a:tc>
+                <a:tc>
+                  <a:txBody>
+                    <a:bodyPr/>
+                    <a:lstStyle/>
+                    <a:p>
+                      <a:pPr algn="ctr"/>
+                      <a:endParaRPr kumimoji="1" lang="ja-JP" altLang="en-US" sz="1400" dirty="0"/>
+                    </a:p>
+                  </a:txBody>
+                  <a:tcPr/>
+                </a:tc>
+                <a:extLst>
+                  <a:ext uri="{0D108BD9-81ED-4DB2-BD59-A6C34878D82A}">
+                    <a16:rowId xmlns:a16="http://schemas.microsoft.com/office/drawing/2014/main" val="1363586208"/>
+                  </a:ext>
+                </a:extLst>
+              </a:tr>
+              <a:tr h="328095">
+                <a:tc>
+                  <a:txBody>
+                    <a:bodyPr/>
+                    <a:lstStyle/>
+                    <a:p>
+                      <a:pPr algn="ctr"/>
+                      <a:endParaRPr kumimoji="1" lang="ja-JP" altLang="en-US" b="0" dirty="0"/>
+                    </a:p>
+                  </a:txBody>
+                  <a:tcPr/>
+                </a:tc>
+                <a:tc>
+                  <a:txBody>
+                    <a:bodyPr/>
+                    <a:lstStyle/>
+                    <a:p>
+                      <a:pPr algn="ctr"/>
+                      <a:endParaRPr kumimoji="1" lang="ja-JP" altLang="en-US" sz="1400" dirty="0"/>
+                    </a:p>
+                  </a:txBody>
+                  <a:tcPr/>
+                </a:tc>
+                <a:tc>
+                  <a:txBody>
+                    <a:bodyPr/>
+                    <a:lstStyle/>
+                    <a:p>
+                      <a:pPr algn="ctr"/>
+                      <a:endParaRPr kumimoji="1" lang="ja-JP" altLang="en-US" sz="1400" dirty="0"/>
+                    </a:p>
+                  </a:txBody>
+                  <a:tcPr/>
+                </a:tc>
+                <a:tc>
+                  <a:txBody>
+                    <a:bodyPr/>
+                    <a:lstStyle/>
+                    <a:p>
+                      <a:pPr algn="ctr"/>
+                      <a:endParaRPr kumimoji="1" lang="ja-JP" altLang="en-US" sz="1400" dirty="0"/>
+                    </a:p>
+                  </a:txBody>
+                  <a:tcPr/>
+                </a:tc>
+                <a:extLst>
+                  <a:ext uri="{0D108BD9-81ED-4DB2-BD59-A6C34878D82A}">
+                    <a16:rowId xmlns:a16="http://schemas.microsoft.com/office/drawing/2014/main" val="1770204007"/>
+                  </a:ext>
+                </a:extLst>
+              </a:tr>
+              <a:tr h="337258">
+                <a:tc>
+                  <a:txBody>
+                    <a:bodyPr/>
+                    <a:lstStyle/>
+                    <a:p>
+                      <a:pPr algn="ctr"/>
+                      <a:endParaRPr kumimoji="1" lang="ja-JP" altLang="en-US" b="0" dirty="0"/>
+                    </a:p>
+                  </a:txBody>
+                  <a:tcPr/>
+                </a:tc>
+                <a:tc>
+                  <a:txBody>
+                    <a:bodyPr/>
+                    <a:lstStyle/>
+                    <a:p>
+                      <a:pPr algn="ctr"/>
+                      <a:endParaRPr kumimoji="1" lang="ja-JP" altLang="en-US" sz="1400" dirty="0"/>
+                    </a:p>
+                  </a:txBody>
+                  <a:tcPr/>
+                </a:tc>
+                <a:tc>
+                  <a:txBody>
+                    <a:bodyPr/>
+                    <a:lstStyle/>
+                    <a:p>
+                      <a:pPr algn="ctr"/>
+                      <a:endParaRPr kumimoji="1" lang="ja-JP" altLang="en-US" sz="1400" dirty="0"/>
+                    </a:p>
+                  </a:txBody>
+                  <a:tcPr/>
+                </a:tc>
+                <a:tc>
+                  <a:txBody>
+                    <a:bodyPr/>
+                    <a:lstStyle/>
+                    <a:p>
+                      <a:pPr algn="ctr"/>
+                      <a:endParaRPr kumimoji="1" lang="ja-JP" altLang="en-US" sz="1400" dirty="0"/>
+                    </a:p>
+                  </a:txBody>
+                  <a:tcPr/>
+                </a:tc>
+                <a:extLst>
+                  <a:ext uri="{0D108BD9-81ED-4DB2-BD59-A6C34878D82A}">
+                    <a16:rowId xmlns:a16="http://schemas.microsoft.com/office/drawing/2014/main" val="3931102967"/>
+                  </a:ext>
+                </a:extLst>
+              </a:tr>
+              <a:tr h="337258">
+                <a:tc>
+                  <a:txBody>
+                    <a:bodyPr/>
+                    <a:lstStyle/>
+                    <a:p>
+                      <a:pPr algn="ctr"/>
+                      <a:endParaRPr kumimoji="1" lang="ja-JP" altLang="en-US" b="0" dirty="0"/>
+                    </a:p>
+                  </a:txBody>
+                  <a:tcPr/>
+                </a:tc>
+                <a:tc>
+                  <a:txBody>
+                    <a:bodyPr/>
+                    <a:lstStyle/>
+                    <a:p>
+                      <a:pPr algn="ctr"/>
+                      <a:endParaRPr kumimoji="1" lang="ja-JP" altLang="en-US" sz="1400" dirty="0"/>
+                    </a:p>
+                  </a:txBody>
+                  <a:tcPr/>
+                </a:tc>
+                <a:tc>
+                  <a:txBody>
+                    <a:bodyPr/>
+                    <a:lstStyle/>
+                    <a:p>
+                      <a:pPr algn="ctr"/>
+                      <a:endParaRPr kumimoji="1" lang="ja-JP" altLang="en-US" sz="1400" dirty="0"/>
+                    </a:p>
+                  </a:txBody>
+                  <a:tcPr/>
+                </a:tc>
+                <a:tc>
+                  <a:txBody>
+                    <a:bodyPr/>
+                    <a:lstStyle/>
+                    <a:p>
+                      <a:pPr algn="ctr"/>
+                      <a:endParaRPr kumimoji="1" lang="ja-JP" altLang="en-US" sz="1400" dirty="0"/>
+                    </a:p>
+                  </a:txBody>
+                  <a:tcPr/>
+                </a:tc>
+                <a:extLst>
+                  <a:ext uri="{0D108BD9-81ED-4DB2-BD59-A6C34878D82A}">
+                    <a16:rowId xmlns:a16="http://schemas.microsoft.com/office/drawing/2014/main" val="3826988205"/>
+                  </a:ext>
+                </a:extLst>
+              </a:tr>
+              <a:tr h="337258">
+                <a:tc>
+                  <a:txBody>
+                    <a:bodyPr/>
+                    <a:lstStyle/>
+                    <a:p>
+                      <a:pPr algn="ctr"/>
+                      <a:endParaRPr kumimoji="1" lang="ja-JP" altLang="en-US" b="0" dirty="0"/>
+                    </a:p>
+                  </a:txBody>
+                  <a:tcPr/>
+                </a:tc>
+                <a:tc>
+                  <a:txBody>
+                    <a:bodyPr/>
+                    <a:lstStyle/>
+                    <a:p>
+                      <a:pPr algn="ctr"/>
+                      <a:endParaRPr kumimoji="1" lang="ja-JP" altLang="en-US" sz="1400" dirty="0"/>
+                    </a:p>
+                  </a:txBody>
+                  <a:tcPr/>
+                </a:tc>
+                <a:tc>
+                  <a:txBody>
+                    <a:bodyPr/>
+                    <a:lstStyle/>
+                    <a:p>
+                      <a:pPr algn="ctr"/>
+                      <a:endParaRPr kumimoji="1" lang="ja-JP" altLang="en-US" sz="1400" dirty="0"/>
+                    </a:p>
+                  </a:txBody>
+                  <a:tcPr/>
+                </a:tc>
+                <a:tc>
+                  <a:txBody>
+                    <a:bodyPr/>
+                    <a:lstStyle/>
+                    <a:p>
+                      <a:pPr algn="ctr"/>
+                      <a:endParaRPr kumimoji="1" lang="ja-JP" altLang="en-US" sz="1400" dirty="0"/>
+                    </a:p>
+                  </a:txBody>
+                  <a:tcPr/>
+                </a:tc>
+                <a:extLst>
+                  <a:ext uri="{0D108BD9-81ED-4DB2-BD59-A6C34878D82A}">
+                    <a16:rowId xmlns:a16="http://schemas.microsoft.com/office/drawing/2014/main" val="2377203751"/>
+                  </a:ext>
+                </a:extLst>
+              </a:tr>
+              <a:tr h="337258">
+                <a:tc>
+                  <a:txBody>
+                    <a:bodyPr/>
+                    <a:lstStyle/>
+                    <a:p>
+                      <a:pPr algn="ctr"/>
+                      <a:endParaRPr kumimoji="1" lang="ja-JP" altLang="en-US" b="0" dirty="0"/>
+                    </a:p>
+                  </a:txBody>
+                  <a:tcPr/>
+                </a:tc>
+                <a:tc>
+                  <a:txBody>
+                    <a:bodyPr/>
+                    <a:lstStyle/>
+                    <a:p>
+                      <a:pPr algn="ctr"/>
+                      <a:endParaRPr kumimoji="1" lang="ja-JP" altLang="en-US" sz="1400" dirty="0"/>
+                    </a:p>
+                  </a:txBody>
+                  <a:tcPr/>
+                </a:tc>
+                <a:tc>
+                  <a:txBody>
+                    <a:bodyPr/>
+                    <a:lstStyle/>
+                    <a:p>
+                      <a:pPr algn="ctr"/>
+                      <a:endParaRPr kumimoji="1" lang="ja-JP" altLang="en-US" sz="1400" dirty="0"/>
+                    </a:p>
+                  </a:txBody>
+                  <a:tcPr/>
+                </a:tc>
+                <a:tc>
+                  <a:txBody>
+                    <a:bodyPr/>
+                    <a:lstStyle/>
+                    <a:p>
+                      <a:pPr algn="ctr"/>
+                      <a:endParaRPr kumimoji="1" lang="ja-JP" altLang="en-US" sz="1400" dirty="0"/>
+                    </a:p>
+                  </a:txBody>
+                  <a:tcPr/>
+                </a:tc>
+                <a:extLst>
+                  <a:ext uri="{0D108BD9-81ED-4DB2-BD59-A6C34878D82A}">
+                    <a16:rowId xmlns:a16="http://schemas.microsoft.com/office/drawing/2014/main" val="143333037"/>
+                  </a:ext>
+                </a:extLst>
+              </a:tr>
+              <a:tr h="337258">
+                <a:tc>
+                  <a:txBody>
+                    <a:bodyPr/>
+                    <a:lstStyle/>
+                    <a:p>
+                      <a:pPr algn="ctr"/>
+                      <a:endParaRPr kumimoji="1" lang="ja-JP" altLang="en-US" b="0" dirty="0"/>
+                    </a:p>
+                  </a:txBody>
+                  <a:tcPr/>
+                </a:tc>
+                <a:tc>
+                  <a:txBody>
+                    <a:bodyPr/>
+                    <a:lstStyle/>
+                    <a:p>
+                      <a:pPr algn="ctr"/>
+                      <a:endParaRPr kumimoji="1" lang="ja-JP" altLang="en-US" sz="1400" dirty="0"/>
+                    </a:p>
+                  </a:txBody>
+                  <a:tcPr/>
+                </a:tc>
+                <a:tc>
+                  <a:txBody>
+                    <a:bodyPr/>
+                    <a:lstStyle/>
+                    <a:p>
+                      <a:pPr algn="ctr"/>
+                      <a:endParaRPr kumimoji="1" lang="ja-JP" altLang="en-US" sz="1400" dirty="0"/>
+                    </a:p>
+                  </a:txBody>
+                  <a:tcPr/>
+                </a:tc>
+                <a:tc>
+                  <a:txBody>
+                    <a:bodyPr/>
+                    <a:lstStyle/>
+                    <a:p>
+                      <a:pPr algn="ctr"/>
+                      <a:endParaRPr kumimoji="1" lang="ja-JP" altLang="en-US" sz="1400" dirty="0"/>
+                    </a:p>
+                  </a:txBody>
+                  <a:tcPr/>
+                </a:tc>
+                <a:extLst>
+                  <a:ext uri="{0D108BD9-81ED-4DB2-BD59-A6C34878D82A}">
+                    <a16:rowId xmlns:a16="http://schemas.microsoft.com/office/drawing/2014/main" val="130532754"/>
+                  </a:ext>
+                </a:extLst>
+              </a:tr>
+              <a:tr h="337258">
+                <a:tc>
+                  <a:txBody>
+                    <a:bodyPr/>
+                    <a:lstStyle/>
+                    <a:p>
+                      <a:pPr algn="ctr"/>
+                      <a:endParaRPr kumimoji="1" lang="ja-JP" altLang="en-US" b="0" dirty="0"/>
+                    </a:p>
+                  </a:txBody>
+                  <a:tcPr/>
+                </a:tc>
+                <a:tc>
+                  <a:txBody>
+                    <a:bodyPr/>
+                    <a:lstStyle/>
+                    <a:p>
+                      <a:pPr algn="ctr"/>
+                      <a:endParaRPr kumimoji="1" lang="ja-JP" altLang="en-US" sz="1400" dirty="0"/>
+                    </a:p>
+                  </a:txBody>
+                  <a:tcPr/>
+                </a:tc>
+                <a:tc>
+                  <a:txBody>
+                    <a:bodyPr/>
+                    <a:lstStyle/>
+                    <a:p>
+                      <a:pPr algn="ctr"/>
+                      <a:endParaRPr kumimoji="1" lang="ja-JP" altLang="en-US" sz="1400" dirty="0"/>
+                    </a:p>
+                  </a:txBody>
+                  <a:tcPr/>
+                </a:tc>
+                <a:tc>
+                  <a:txBody>
+                    <a:bodyPr/>
+                    <a:lstStyle/>
+                    <a:p>
+                      <a:pPr algn="ctr"/>
+                      <a:endParaRPr kumimoji="1" lang="ja-JP" altLang="en-US" sz="1400" dirty="0"/>
+                    </a:p>
+                  </a:txBody>
+                  <a:tcPr/>
+                </a:tc>
+                <a:extLst>
+                  <a:ext uri="{0D108BD9-81ED-4DB2-BD59-A6C34878D82A}">
+                    <a16:rowId xmlns:a16="http://schemas.microsoft.com/office/drawing/2014/main" val="1896962423"/>
+                  </a:ext>
+                </a:extLst>
+              </a:tr>
+            </a:tbl>
+          </a:graphicData>
+        </a:graphic>
+      </p:graphicFrame>
+      <p:sp>
+        <p:nvSpPr>
+          <p:cNvPr id="5" name="テキスト ボックス 4">
+            <a:extLst>
+              <a:ext uri="{FF2B5EF4-FFF2-40B4-BE49-F238E27FC236}">
+                <a16:creationId xmlns:a16="http://schemas.microsoft.com/office/drawing/2014/main" id="{D70B8371-015F-49AB-AFEA-BCAFCA1D4278}"/>
+              </a:ext>
+            </a:extLst>
+          </p:cNvPr>
+          <p:cNvSpPr txBox="1"/>
+          <p:nvPr/>
+        </p:nvSpPr>
+        <p:spPr>
+          <a:xfrm>
+            <a:off x="169333" y="225779"/>
+            <a:ext cx="3993401" cy="369332"/>
+          </a:xfrm>
+          <a:prstGeom prst="rect">
+            <a:avLst/>
+          </a:prstGeom>
+          <a:noFill/>
+        </p:spPr>
+        <p:txBody>
+          <a:bodyPr wrap="none" rtlCol="0">
+            <a:spAutoFit/>
+          </a:bodyPr>
+          <a:lstStyle/>
+          <a:p>
+            <a:r>
+              <a:rPr kumimoji="1" lang="ja-JP" altLang="en-US" dirty="0"/>
+              <a:t>コントローラー操作</a:t>
+            </a:r>
+            <a:r>
+              <a:rPr kumimoji="1" lang="en-US" altLang="ja-JP" dirty="0"/>
+              <a:t>_</a:t>
+            </a:r>
+            <a:r>
+              <a:rPr kumimoji="1" lang="ja-JP" altLang="en-US" dirty="0"/>
+              <a:t>ゲーム画面のみ</a:t>
+            </a:r>
+          </a:p>
+        </p:txBody>
+      </p:sp>
+    </p:spTree>
+    <p:extLst>
+      <p:ext uri="{BB962C8B-B14F-4D97-AF65-F5344CB8AC3E}">
+        <p14:creationId xmlns:p14="http://schemas.microsoft.com/office/powerpoint/2010/main" val="4266479629"/>
+      </p:ext>
+    </p:extLst>
+  </p:cSld>
+  <p:clrMapOvr>
+    <a:masterClrMapping/>
+  </p:clrMapOvr>
+</p:sld>
+</file>
+
+<file path=ppt/slides/slide11.xml><?xml version="1.0" encoding="utf-8"?>
+<p:sld xmlns:a="http://schemas.openxmlformats.org/drawingml/2006/main" xmlns:r="http://schemas.openxmlformats.org/officeDocument/2006/relationships" xmlns:p="http://schemas.openxmlformats.org/presentationml/2006/main">
+  <p:cSld>
+    <p:spTree>
+      <p:nvGrpSpPr>
+        <p:cNvPr id="1" name=""/>
+        <p:cNvGrpSpPr/>
+        <p:nvPr/>
+      </p:nvGrpSpPr>
+      <p:grpSpPr>
+        <a:xfrm>
+          <a:off x="0" y="0"/>
+          <a:ext cx="0" cy="0"/>
+          <a:chOff x="0" y="0"/>
+          <a:chExt cx="0" cy="0"/>
+        </a:xfrm>
+      </p:grpSpPr>
+      <p:sp>
+        <p:nvSpPr>
+          <p:cNvPr id="4" name="テキスト ボックス 3">
+            <a:extLst>
+              <a:ext uri="{FF2B5EF4-FFF2-40B4-BE49-F238E27FC236}">
+                <a16:creationId xmlns:a16="http://schemas.microsoft.com/office/drawing/2014/main" id="{56C751F8-EEE4-4E2A-A45C-E3E0901487F4}"/>
+              </a:ext>
+            </a:extLst>
+          </p:cNvPr>
+          <p:cNvSpPr txBox="1"/>
+          <p:nvPr/>
+        </p:nvSpPr>
+        <p:spPr>
+          <a:xfrm>
+            <a:off x="903111" y="677333"/>
+            <a:ext cx="2954655" cy="369332"/>
+          </a:xfrm>
+          <a:prstGeom prst="rect">
+            <a:avLst/>
+          </a:prstGeom>
+          <a:noFill/>
+        </p:spPr>
+        <p:txBody>
+          <a:bodyPr wrap="none" rtlCol="0">
+            <a:spAutoFit/>
+          </a:bodyPr>
+          <a:lstStyle/>
+          <a:p>
+            <a:r>
+              <a:rPr kumimoji="1" lang="ja-JP" altLang="en-US" dirty="0"/>
+              <a:t>この要素入れたい！な仮案</a:t>
+            </a:r>
+          </a:p>
+        </p:txBody>
+      </p:sp>
+      <p:graphicFrame>
+        <p:nvGraphicFramePr>
+          <p:cNvPr id="6" name="表 6">
+            <a:extLst>
+              <a:ext uri="{FF2B5EF4-FFF2-40B4-BE49-F238E27FC236}">
+                <a16:creationId xmlns:a16="http://schemas.microsoft.com/office/drawing/2014/main" id="{7B70A7CD-45B5-4171-83FD-FF126643A402}"/>
+              </a:ext>
+            </a:extLst>
+          </p:cNvPr>
+          <p:cNvGraphicFramePr>
+            <a:graphicFrameLocks noGrp="1"/>
+          </p:cNvGraphicFramePr>
+          <p:nvPr>
+            <p:extLst>
+              <p:ext uri="{D42A27DB-BD31-4B8C-83A1-F6EECF244321}">
+                <p14:modId xmlns:p14="http://schemas.microsoft.com/office/powerpoint/2010/main" val="818111736"/>
+              </p:ext>
+            </p:extLst>
+          </p:nvPr>
+        </p:nvGraphicFramePr>
+        <p:xfrm>
+          <a:off x="153580" y="2293903"/>
+          <a:ext cx="12038419" cy="2890520"/>
+        </p:xfrm>
+        <a:graphic>
+          <a:graphicData uri="http://schemas.openxmlformats.org/drawingml/2006/table">
+            <a:tbl>
+              <a:tblPr firstCol="1" bandRow="1">
+                <a:tableStyleId>{21E4AEA4-8DFA-4A89-87EB-49C32662AFE0}</a:tableStyleId>
+              </a:tblPr>
+              <a:tblGrid>
+                <a:gridCol w="3498774">
+                  <a:extLst>
+                    <a:ext uri="{9D8B030D-6E8A-4147-A177-3AD203B41FA5}">
+                      <a16:colId xmlns:a16="http://schemas.microsoft.com/office/drawing/2014/main" val="4206793200"/>
+                    </a:ext>
+                  </a:extLst>
+                </a:gridCol>
+                <a:gridCol w="5446490">
+                  <a:extLst>
+                    <a:ext uri="{9D8B030D-6E8A-4147-A177-3AD203B41FA5}">
+                      <a16:colId xmlns:a16="http://schemas.microsoft.com/office/drawing/2014/main" val="2129933598"/>
+                    </a:ext>
+                  </a:extLst>
+                </a:gridCol>
+                <a:gridCol w="3093155">
+                  <a:extLst>
+                    <a:ext uri="{9D8B030D-6E8A-4147-A177-3AD203B41FA5}">
+                      <a16:colId xmlns:a16="http://schemas.microsoft.com/office/drawing/2014/main" val="2900181345"/>
+                    </a:ext>
+                  </a:extLst>
+                </a:gridCol>
+              </a:tblGrid>
+              <a:tr h="370840">
+                <a:tc>
+                  <a:txBody>
+                    <a:bodyPr/>
+                    <a:lstStyle/>
+                    <a:p>
+                      <a:pPr algn="ctr"/>
+                      <a:r>
+                        <a:rPr kumimoji="1" lang="ja-JP" altLang="en-US" sz="1800" dirty="0"/>
+                        <a:t>何をやりたいか</a:t>
+                      </a:r>
+                    </a:p>
+                  </a:txBody>
+                  <a:tcPr/>
+                </a:tc>
+                <a:tc>
+                  <a:txBody>
+                    <a:bodyPr/>
+                    <a:lstStyle/>
+                    <a:p>
+                      <a:pPr algn="ctr"/>
+                      <a:r>
+                        <a:rPr lang="ja-JP" altLang="en-US" sz="1800" dirty="0"/>
+                        <a:t>具体的に</a:t>
+                      </a:r>
+                      <a:endParaRPr lang="ja-JP" altLang="en-US" sz="2400" dirty="0"/>
+                    </a:p>
+                  </a:txBody>
+                  <a:tcPr/>
+                </a:tc>
+                <a:tc>
+                  <a:txBody>
+                    <a:bodyPr/>
+                    <a:lstStyle/>
+                    <a:p>
+                      <a:pPr algn="ctr"/>
+                      <a:r>
+                        <a:rPr kumimoji="1" lang="ja-JP" altLang="en-US" sz="1800" dirty="0"/>
+                        <a:t>参考サイト</a:t>
+                      </a:r>
+                    </a:p>
+                  </a:txBody>
+                  <a:tcPr/>
+                </a:tc>
+                <a:extLst>
+                  <a:ext uri="{0D108BD9-81ED-4DB2-BD59-A6C34878D82A}">
+                    <a16:rowId xmlns:a16="http://schemas.microsoft.com/office/drawing/2014/main" val="2075493599"/>
+                  </a:ext>
+                </a:extLst>
+              </a:tr>
+              <a:tr h="124178">
+                <a:tc>
+                  <a:txBody>
+                    <a:bodyPr/>
+                    <a:lstStyle/>
+                    <a:p>
+                      <a:pPr marL="0" marR="0" lvl="0" indent="0" algn="ctr" defTabSz="914400" rtl="0" eaLnBrk="1" fontAlgn="auto" latinLnBrk="0" hangingPunct="1">
+                        <a:lnSpc>
+                          <a:spcPct val="100000"/>
+                        </a:lnSpc>
+                        <a:spcBef>
+                          <a:spcPts val="0"/>
+                        </a:spcBef>
+                        <a:spcAft>
+                          <a:spcPts val="0"/>
+                        </a:spcAft>
+                        <a:buClrTx/>
+                        <a:buSzTx/>
+                        <a:buFontTx/>
+                        <a:buNone/>
+                        <a:tabLst/>
+                        <a:defRPr/>
+                      </a:pPr>
+                      <a:r>
+                        <a:rPr kumimoji="1" lang="ja-JP" altLang="en-US" sz="1800" dirty="0"/>
+                        <a:t>画面遷移のアニメーション</a:t>
+                      </a:r>
+                    </a:p>
+                  </a:txBody>
+                  <a:tcPr/>
+                </a:tc>
+                <a:tc>
+                  <a:txBody>
+                    <a:bodyPr/>
+                    <a:lstStyle/>
+                    <a:p>
+                      <a:pPr algn="ctr"/>
+                      <a:r>
+                        <a:rPr lang="ja-JP" altLang="en-US" sz="1400" dirty="0"/>
+                        <a:t>今迄のフェードイン・アウトだけではなく</a:t>
+                      </a:r>
+                      <a:endParaRPr lang="en-US" altLang="ja-JP" sz="1400" dirty="0"/>
+                    </a:p>
+                    <a:p>
+                      <a:pPr algn="ctr"/>
+                      <a:r>
+                        <a:rPr lang="ja-JP" altLang="en-US" sz="1400" dirty="0"/>
+                        <a:t>もっと凝ったものにしたい</a:t>
+                      </a:r>
+                    </a:p>
+                  </a:txBody>
+                  <a:tcPr/>
+                </a:tc>
+                <a:tc>
+                  <a:txBody>
+                    <a:bodyPr/>
+                    <a:lstStyle/>
+                    <a:p>
+                      <a:pPr algn="l"/>
+                      <a:r>
+                        <a:rPr kumimoji="1" lang="ja-JP" altLang="en-US" sz="1400" dirty="0">
+                          <a:hlinkClick r:id="rId2"/>
+                        </a:rPr>
+                        <a:t>川野先生</a:t>
+                      </a:r>
+                      <a:r>
+                        <a:rPr kumimoji="1" lang="en-US" altLang="ja-JP" sz="1400" dirty="0">
+                          <a:hlinkClick r:id="rId2"/>
+                        </a:rPr>
+                        <a:t>_</a:t>
+                      </a:r>
+                      <a:r>
+                        <a:rPr kumimoji="1" lang="en-US" altLang="ja-JP" sz="1400" dirty="0" err="1">
+                          <a:hlinkClick r:id="rId2"/>
+                        </a:rPr>
+                        <a:t>Qiita</a:t>
+                      </a:r>
+                      <a:endParaRPr kumimoji="1" lang="ja-JP" altLang="en-US" sz="1400" dirty="0"/>
+                    </a:p>
+                  </a:txBody>
+                  <a:tcPr/>
+                </a:tc>
+                <a:extLst>
+                  <a:ext uri="{0D108BD9-81ED-4DB2-BD59-A6C34878D82A}">
+                    <a16:rowId xmlns:a16="http://schemas.microsoft.com/office/drawing/2014/main" val="711806727"/>
+                  </a:ext>
+                </a:extLst>
+              </a:tr>
+              <a:tr h="370840">
+                <a:tc>
+                  <a:txBody>
+                    <a:bodyPr/>
+                    <a:lstStyle/>
+                    <a:p>
+                      <a:pPr algn="ctr"/>
+                      <a:endParaRPr kumimoji="1" lang="ja-JP" altLang="en-US" sz="1400" dirty="0"/>
+                    </a:p>
+                  </a:txBody>
+                  <a:tcPr/>
+                </a:tc>
+                <a:tc>
+                  <a:txBody>
+                    <a:bodyPr/>
+                    <a:lstStyle/>
+                    <a:p>
+                      <a:pPr algn="ctr"/>
+                      <a:endParaRPr kumimoji="1" lang="ja-JP" altLang="en-US" sz="1400" dirty="0"/>
+                    </a:p>
+                  </a:txBody>
+                  <a:tcPr/>
+                </a:tc>
+                <a:tc>
+                  <a:txBody>
+                    <a:bodyPr/>
+                    <a:lstStyle/>
+                    <a:p>
+                      <a:pPr algn="l"/>
+                      <a:r>
+                        <a:rPr kumimoji="1" lang="ja-JP" altLang="en-US" sz="1400" b="0" i="0" kern="1200" dirty="0">
+                          <a:solidFill>
+                            <a:schemeClr val="dk1"/>
+                          </a:solidFill>
+                          <a:effectLst/>
+                          <a:latin typeface="+mn-lt"/>
+                          <a:ea typeface="+mn-ea"/>
+                          <a:cs typeface="+mn-cs"/>
+                          <a:hlinkClick r:id="rId3"/>
+                        </a:rPr>
+                        <a:t>川野先生</a:t>
+                      </a:r>
+                      <a:r>
+                        <a:rPr kumimoji="1" lang="en-US" altLang="ja-JP" sz="1400" b="0" i="0" kern="1200" dirty="0">
+                          <a:solidFill>
+                            <a:schemeClr val="dk1"/>
+                          </a:solidFill>
+                          <a:effectLst/>
+                          <a:latin typeface="+mn-lt"/>
+                          <a:ea typeface="+mn-ea"/>
+                          <a:cs typeface="+mn-cs"/>
+                          <a:hlinkClick r:id="rId3"/>
+                        </a:rPr>
+                        <a:t>_Twitter</a:t>
+                      </a:r>
+                      <a:r>
+                        <a:rPr kumimoji="1" lang="ja-JP" altLang="en-US" sz="1400" b="0" i="0" kern="1200" dirty="0">
+                          <a:solidFill>
+                            <a:schemeClr val="dk1"/>
+                          </a:solidFill>
+                          <a:effectLst/>
+                          <a:latin typeface="+mn-lt"/>
+                          <a:ea typeface="+mn-ea"/>
+                          <a:cs typeface="+mn-cs"/>
+                          <a:hlinkClick r:id="rId3"/>
+                        </a:rPr>
+                        <a:t>の動画</a:t>
+                      </a:r>
+                      <a:endParaRPr kumimoji="1" lang="ja-JP" altLang="en-US" sz="1100" dirty="0"/>
+                    </a:p>
+                  </a:txBody>
+                  <a:tcPr/>
+                </a:tc>
+                <a:extLst>
+                  <a:ext uri="{0D108BD9-81ED-4DB2-BD59-A6C34878D82A}">
+                    <a16:rowId xmlns:a16="http://schemas.microsoft.com/office/drawing/2014/main" val="3724048344"/>
+                  </a:ext>
+                </a:extLst>
+              </a:tr>
+              <a:tr h="370840">
+                <a:tc>
+                  <a:txBody>
+                    <a:bodyPr/>
+                    <a:lstStyle/>
+                    <a:p>
+                      <a:pPr algn="ctr"/>
+                      <a:r>
+                        <a:rPr kumimoji="1" lang="ja-JP" altLang="en-US" sz="1400" dirty="0"/>
+                        <a:t>インターネットランキング</a:t>
+                      </a:r>
+                    </a:p>
+                  </a:txBody>
+                  <a:tcPr/>
+                </a:tc>
+                <a:tc>
+                  <a:txBody>
+                    <a:bodyPr/>
+                    <a:lstStyle/>
+                    <a:p>
+                      <a:pPr algn="ctr"/>
+                      <a:r>
+                        <a:rPr kumimoji="1" lang="ja-JP" altLang="en-US" sz="1400" dirty="0"/>
+                        <a:t>普通のデータ保存だけではなく、ランキングをインターネットで記録できるようにしたい</a:t>
+                      </a:r>
+                    </a:p>
+                  </a:txBody>
+                  <a:tcPr/>
+                </a:tc>
+                <a:tc>
+                  <a:txBody>
+                    <a:bodyPr/>
+                    <a:lstStyle/>
+                    <a:p>
+                      <a:pPr algn="l"/>
+                      <a:r>
+                        <a:rPr kumimoji="1" lang="ja-JP" altLang="en-US" sz="1400" dirty="0">
+                          <a:hlinkClick r:id="rId4"/>
+                        </a:rPr>
+                        <a:t>インターネットランキングについて</a:t>
+                      </a:r>
+                      <a:endParaRPr kumimoji="1" lang="ja-JP" altLang="en-US" sz="1400" dirty="0"/>
+                    </a:p>
+                  </a:txBody>
+                  <a:tcPr/>
+                </a:tc>
+                <a:extLst>
+                  <a:ext uri="{0D108BD9-81ED-4DB2-BD59-A6C34878D82A}">
+                    <a16:rowId xmlns:a16="http://schemas.microsoft.com/office/drawing/2014/main" val="3496537983"/>
+                  </a:ext>
+                </a:extLst>
+              </a:tr>
+              <a:tr h="370840">
+                <a:tc>
+                  <a:txBody>
+                    <a:bodyPr/>
+                    <a:lstStyle/>
+                    <a:p>
+                      <a:pPr algn="ctr"/>
+                      <a:r>
+                        <a:rPr kumimoji="1" lang="ja-JP" altLang="en-US" sz="1400" dirty="0"/>
+                        <a:t>セーブ機能</a:t>
+                      </a:r>
+                    </a:p>
+                  </a:txBody>
+                  <a:tcPr/>
+                </a:tc>
+                <a:tc>
+                  <a:txBody>
+                    <a:bodyPr/>
+                    <a:lstStyle/>
+                    <a:p>
+                      <a:pPr algn="ctr"/>
+                      <a:r>
+                        <a:rPr kumimoji="1" lang="ja-JP" altLang="en-US" sz="1400" dirty="0"/>
+                        <a:t>セーブデータを</a:t>
+                      </a:r>
+                      <a:r>
+                        <a:rPr kumimoji="1" lang="en-US" altLang="ja-JP" sz="1400" dirty="0"/>
+                        <a:t>3</a:t>
+                      </a:r>
+                      <a:r>
+                        <a:rPr kumimoji="1" lang="ja-JP" altLang="en-US" sz="1400" dirty="0"/>
+                        <a:t>つほど用意して、データを保存可能にしたい。</a:t>
+                      </a:r>
+                    </a:p>
+                  </a:txBody>
+                  <a:tcPr/>
+                </a:tc>
+                <a:tc>
+                  <a:txBody>
+                    <a:bodyPr/>
+                    <a:lstStyle/>
+                    <a:p>
+                      <a:pPr algn="l"/>
+                      <a:r>
+                        <a:rPr kumimoji="1" lang="ja-JP" altLang="en-US" sz="1400" dirty="0">
+                          <a:hlinkClick r:id="rId5"/>
+                        </a:rPr>
+                        <a:t>セーブ・ロード基本</a:t>
+                      </a:r>
+                      <a:endParaRPr kumimoji="1" lang="ja-JP" altLang="en-US" sz="1400" dirty="0"/>
+                    </a:p>
+                  </a:txBody>
+                  <a:tcPr/>
+                </a:tc>
+                <a:extLst>
+                  <a:ext uri="{0D108BD9-81ED-4DB2-BD59-A6C34878D82A}">
+                    <a16:rowId xmlns:a16="http://schemas.microsoft.com/office/drawing/2014/main" val="1883482038"/>
+                  </a:ext>
+                </a:extLst>
+              </a:tr>
+              <a:tr h="370840">
+                <a:tc>
+                  <a:txBody>
+                    <a:bodyPr/>
+                    <a:lstStyle/>
+                    <a:p>
+                      <a:pPr algn="ctr"/>
+                      <a:r>
+                        <a:rPr kumimoji="1" lang="ja-JP" altLang="en-US" sz="1400" dirty="0"/>
+                        <a:t>外部データ化</a:t>
+                      </a:r>
+                    </a:p>
+                  </a:txBody>
+                  <a:tcPr/>
+                </a:tc>
+                <a:tc>
+                  <a:txBody>
+                    <a:bodyPr/>
+                    <a:lstStyle/>
+                    <a:p>
+                      <a:r>
+                        <a:rPr kumimoji="1" lang="ja-JP" altLang="en-US" sz="1400" dirty="0"/>
+                        <a:t>マップ情報や敵情報</a:t>
+                      </a:r>
+                      <a:r>
+                        <a:rPr kumimoji="1" lang="en-US" altLang="ja-JP" sz="1400" dirty="0"/>
+                        <a:t>(?)</a:t>
+                      </a:r>
+                      <a:r>
+                        <a:rPr kumimoji="1" lang="ja-JP" altLang="en-US" sz="1400" dirty="0"/>
+                        <a:t>などを外部データ化する。</a:t>
+                      </a:r>
+                    </a:p>
+                  </a:txBody>
+                  <a:tcPr/>
+                </a:tc>
+                <a:tc>
+                  <a:txBody>
+                    <a:bodyPr/>
+                    <a:lstStyle/>
+                    <a:p>
+                      <a:pPr algn="l"/>
+                      <a:endParaRPr kumimoji="1" lang="ja-JP" altLang="en-US" sz="1400" dirty="0"/>
+                    </a:p>
+                  </a:txBody>
+                  <a:tcPr/>
+                </a:tc>
+                <a:extLst>
+                  <a:ext uri="{0D108BD9-81ED-4DB2-BD59-A6C34878D82A}">
+                    <a16:rowId xmlns:a16="http://schemas.microsoft.com/office/drawing/2014/main" val="3496201551"/>
+                  </a:ext>
+                </a:extLst>
+              </a:tr>
+              <a:tr h="370840">
+                <a:tc>
+                  <a:txBody>
+                    <a:bodyPr/>
+                    <a:lstStyle/>
+                    <a:p>
+                      <a:pPr algn="ctr"/>
+                      <a:r>
+                        <a:rPr kumimoji="1" lang="en-US" altLang="ja-JP" sz="1400" dirty="0"/>
+                        <a:t>UI</a:t>
+                      </a:r>
+                      <a:r>
+                        <a:rPr kumimoji="1" lang="ja-JP" altLang="en-US" sz="1400" dirty="0"/>
+                        <a:t>アニメーション</a:t>
+                      </a:r>
+                      <a:endParaRPr kumimoji="1" lang="en-US" altLang="ja-JP" sz="1400" dirty="0"/>
+                    </a:p>
+                  </a:txBody>
+                  <a:tcPr/>
+                </a:tc>
+                <a:tc>
+                  <a:txBody>
+                    <a:bodyPr/>
+                    <a:lstStyle/>
+                    <a:p>
+                      <a:r>
+                        <a:rPr kumimoji="1" lang="ja-JP" altLang="en-US" sz="1400" dirty="0"/>
+                        <a:t>押したら少し小さくなるアニメーションを入れたい</a:t>
+                      </a:r>
+                    </a:p>
+                  </a:txBody>
+                  <a:tcPr/>
+                </a:tc>
+                <a:tc>
+                  <a:txBody>
+                    <a:bodyPr/>
+                    <a:lstStyle/>
+                    <a:p>
+                      <a:pPr algn="l"/>
+                      <a:endParaRPr kumimoji="1" lang="ja-JP" altLang="en-US" sz="1400" dirty="0"/>
+                    </a:p>
+                  </a:txBody>
+                  <a:tcPr/>
+                </a:tc>
+                <a:extLst>
+                  <a:ext uri="{0D108BD9-81ED-4DB2-BD59-A6C34878D82A}">
+                    <a16:rowId xmlns:a16="http://schemas.microsoft.com/office/drawing/2014/main" val="3672351909"/>
+                  </a:ext>
+                </a:extLst>
+              </a:tr>
+            </a:tbl>
+          </a:graphicData>
+        </a:graphic>
+      </p:graphicFrame>
+    </p:spTree>
+    <p:extLst>
+      <p:ext uri="{BB962C8B-B14F-4D97-AF65-F5344CB8AC3E}">
+        <p14:creationId xmlns:p14="http://schemas.microsoft.com/office/powerpoint/2010/main" val="2514262132"/>
+      </p:ext>
+    </p:extLst>
+  </p:cSld>
+  <p:clrMapOvr>
+    <a:masterClrMapping/>
+  </p:clrMapOvr>
+</p:sld>
+</file>
+
 <file path=ppt/slides/slide2.xml><?xml version="1.0" encoding="utf-8"?>
 <p:sld xmlns:a="http://schemas.openxmlformats.org/drawingml/2006/main" xmlns:r="http://schemas.openxmlformats.org/officeDocument/2006/relationships" xmlns:p="http://schemas.openxmlformats.org/presentationml/2006/main">
   <p:cSld>
@@ -4665,9 +5953,9 @@
                   <a:schemeClr val="bg1"/>
                 </a:solidFill>
               </a:rPr>
-              <a:t>ゲームを終わる</a:t>
-            </a:r>
-            <a:endParaRPr kumimoji="1" lang="ja-JP" altLang="en-US" sz="1200" dirty="0">
+              <a:t>タイトルに戻る</a:t>
+            </a:r>
+            <a:endParaRPr lang="en-US" altLang="ja-JP" sz="1200" dirty="0">
               <a:solidFill>
                 <a:schemeClr val="bg1"/>
               </a:solidFill>
@@ -5752,7 +7040,7 @@
         <p:spPr>
           <a:xfrm>
             <a:off x="5358383" y="1652271"/>
-            <a:ext cx="2149948" cy="276999"/>
+            <a:ext cx="1415772" cy="276999"/>
           </a:xfrm>
           <a:prstGeom prst="rect">
             <a:avLst/>
@@ -5766,22 +7054,13 @@
           <a:lstStyle/>
           <a:p>
             <a:r>
+              <a:rPr lang="ja-JP" altLang="en-US" sz="1200" dirty="0"/>
+              <a:t>ゲーム</a:t>
+            </a:r>
+            <a:r>
               <a:rPr kumimoji="1" lang="ja-JP" altLang="en-US" sz="1200" dirty="0"/>
               <a:t>クリア画面</a:t>
             </a:r>
-            <a:r>
-              <a:rPr kumimoji="1" lang="en-US" altLang="ja-JP" sz="1200" dirty="0"/>
-              <a:t>(</a:t>
-            </a:r>
-            <a:r>
-              <a:rPr kumimoji="1" lang="ja-JP" altLang="en-US" sz="1200" dirty="0"/>
-              <a:t>詳細は別ページ</a:t>
-            </a:r>
-            <a:r>
-              <a:rPr kumimoji="1" lang="en-US" altLang="ja-JP" sz="1200" dirty="0"/>
-              <a:t>)</a:t>
-            </a:r>
-            <a:endParaRPr kumimoji="1" lang="ja-JP" altLang="en-US" sz="1200" dirty="0"/>
           </a:p>
         </p:txBody>
       </p:sp>
@@ -5846,7 +7125,7 @@
         <p:spPr>
           <a:xfrm>
             <a:off x="5358383" y="3793256"/>
-            <a:ext cx="2765501" cy="276999"/>
+            <a:ext cx="1569660" cy="276999"/>
           </a:xfrm>
           <a:prstGeom prst="rect">
             <a:avLst/>
@@ -5863,19 +7142,344 @@
               <a:rPr kumimoji="1" lang="ja-JP" altLang="en-US" sz="1200" dirty="0"/>
               <a:t>ゲームオーバー画面</a:t>
             </a:r>
-            <a:r>
-              <a:rPr kumimoji="1" lang="en-US" altLang="ja-JP" sz="1200" dirty="0"/>
-              <a:t>(</a:t>
-            </a:r>
+          </a:p>
+        </p:txBody>
+      </p:sp>
+      <p:sp>
+        <p:nvSpPr>
+          <p:cNvPr id="2" name="テキスト ボックス 1">
+            <a:extLst>
+              <a:ext uri="{FF2B5EF4-FFF2-40B4-BE49-F238E27FC236}">
+                <a16:creationId xmlns:a16="http://schemas.microsoft.com/office/drawing/2014/main" id="{38401275-F060-4CC4-BD7F-A8A2EFF9B4BD}"/>
+              </a:ext>
+            </a:extLst>
+          </p:cNvPr>
+          <p:cNvSpPr txBox="1"/>
+          <p:nvPr/>
+        </p:nvSpPr>
+        <p:spPr>
+          <a:xfrm>
+            <a:off x="6433357" y="1977843"/>
+            <a:ext cx="1800493" cy="369332"/>
+          </a:xfrm>
+          <a:prstGeom prst="rect">
+            <a:avLst/>
+          </a:prstGeom>
+          <a:noFill/>
+        </p:spPr>
+        <p:txBody>
+          <a:bodyPr wrap="none" rtlCol="0">
+            <a:spAutoFit/>
+          </a:bodyPr>
+          <a:lstStyle/>
+          <a:p>
+            <a:r>
+              <a:rPr kumimoji="1" lang="ja-JP" altLang="en-US" dirty="0"/>
+              <a:t>ゲームクリア！</a:t>
+            </a:r>
+          </a:p>
+        </p:txBody>
+      </p:sp>
+      <p:sp>
+        <p:nvSpPr>
+          <p:cNvPr id="3" name="テキスト ボックス 2">
+            <a:extLst>
+              <a:ext uri="{FF2B5EF4-FFF2-40B4-BE49-F238E27FC236}">
+                <a16:creationId xmlns:a16="http://schemas.microsoft.com/office/drawing/2014/main" id="{67A4C923-9FC4-44C2-A8FC-5E45518BF354}"/>
+              </a:ext>
+            </a:extLst>
+          </p:cNvPr>
+          <p:cNvSpPr txBox="1"/>
+          <p:nvPr/>
+        </p:nvSpPr>
+        <p:spPr>
+          <a:xfrm>
+            <a:off x="6088002" y="2270993"/>
+            <a:ext cx="954107" cy="276999"/>
+          </a:xfrm>
+          <a:prstGeom prst="rect">
+            <a:avLst/>
+          </a:prstGeom>
+          <a:noFill/>
+        </p:spPr>
+        <p:txBody>
+          <a:bodyPr wrap="none" rtlCol="0">
+            <a:spAutoFit/>
+          </a:bodyPr>
+          <a:lstStyle/>
+          <a:p>
             <a:r>
               <a:rPr kumimoji="1" lang="ja-JP" altLang="en-US" sz="1200" dirty="0"/>
-              <a:t>詳細は別ページ</a:t>
-            </a:r>
-            <a:r>
-              <a:rPr kumimoji="1" lang="en-US" altLang="ja-JP" sz="1200" dirty="0"/>
-              <a:t>)</a:t>
-            </a:r>
-            <a:endParaRPr kumimoji="1" lang="ja-JP" altLang="en-US" sz="1200" dirty="0"/>
+              <a:t>ランキング</a:t>
+            </a:r>
+          </a:p>
+        </p:txBody>
+      </p:sp>
+      <p:sp>
+        <p:nvSpPr>
+          <p:cNvPr id="9" name="テキスト ボックス 8">
+            <a:extLst>
+              <a:ext uri="{FF2B5EF4-FFF2-40B4-BE49-F238E27FC236}">
+                <a16:creationId xmlns:a16="http://schemas.microsoft.com/office/drawing/2014/main" id="{99FBE7A8-193F-415D-BF06-D0F67E6CABB1}"/>
+              </a:ext>
+            </a:extLst>
+          </p:cNvPr>
+          <p:cNvSpPr txBox="1"/>
+          <p:nvPr/>
+        </p:nvSpPr>
+        <p:spPr>
+          <a:xfrm>
+            <a:off x="6472511" y="2423553"/>
+            <a:ext cx="529312" cy="577081"/>
+          </a:xfrm>
+          <a:prstGeom prst="rect">
+            <a:avLst/>
+          </a:prstGeom>
+          <a:noFill/>
+        </p:spPr>
+        <p:txBody>
+          <a:bodyPr wrap="none" rtlCol="0">
+            <a:spAutoFit/>
+          </a:bodyPr>
+          <a:lstStyle/>
+          <a:p>
+            <a:r>
+              <a:rPr kumimoji="1" lang="en-US" altLang="ja-JP" sz="1050" dirty="0"/>
+              <a:t>1</a:t>
+            </a:r>
+            <a:r>
+              <a:rPr kumimoji="1" lang="ja-JP" altLang="en-US" sz="1050" dirty="0"/>
+              <a:t>位</a:t>
+            </a:r>
+            <a:r>
+              <a:rPr kumimoji="1" lang="en-US" altLang="ja-JP" sz="1050" dirty="0"/>
+              <a:t>…</a:t>
+            </a:r>
+          </a:p>
+          <a:p>
+            <a:r>
+              <a:rPr lang="en-US" altLang="ja-JP" sz="1050" dirty="0"/>
+              <a:t>2</a:t>
+            </a:r>
+            <a:r>
+              <a:rPr lang="ja-JP" altLang="en-US" sz="1050" dirty="0"/>
+              <a:t>位</a:t>
+            </a:r>
+            <a:r>
+              <a:rPr lang="en-US" altLang="ja-JP" sz="1050" dirty="0"/>
+              <a:t>…</a:t>
+            </a:r>
+          </a:p>
+          <a:p>
+            <a:r>
+              <a:rPr lang="en-US" altLang="ja-JP" sz="1050" dirty="0"/>
+              <a:t>3</a:t>
+            </a:r>
+            <a:r>
+              <a:rPr kumimoji="1" lang="ja-JP" altLang="en-US" sz="1050" dirty="0"/>
+              <a:t>位</a:t>
+            </a:r>
+            <a:r>
+              <a:rPr kumimoji="1" lang="en-US" altLang="ja-JP" sz="1050" dirty="0"/>
+              <a:t>…</a:t>
+            </a:r>
+            <a:endParaRPr kumimoji="1" lang="ja-JP" altLang="en-US" sz="1050" dirty="0"/>
+          </a:p>
+        </p:txBody>
+      </p:sp>
+      <p:sp>
+        <p:nvSpPr>
+          <p:cNvPr id="11" name="テキスト ボックス 10">
+            <a:extLst>
+              <a:ext uri="{FF2B5EF4-FFF2-40B4-BE49-F238E27FC236}">
+                <a16:creationId xmlns:a16="http://schemas.microsoft.com/office/drawing/2014/main" id="{1BA86C4C-2F5B-4989-848E-2C7C4EA9DBE4}"/>
+              </a:ext>
+            </a:extLst>
+          </p:cNvPr>
+          <p:cNvSpPr txBox="1"/>
+          <p:nvPr/>
+        </p:nvSpPr>
+        <p:spPr>
+          <a:xfrm>
+            <a:off x="6285795" y="2920094"/>
+            <a:ext cx="1031051" cy="261610"/>
+          </a:xfrm>
+          <a:prstGeom prst="rect">
+            <a:avLst/>
+          </a:prstGeom>
+          <a:noFill/>
+        </p:spPr>
+        <p:txBody>
+          <a:bodyPr wrap="none" rtlCol="0">
+            <a:spAutoFit/>
+          </a:bodyPr>
+          <a:lstStyle/>
+          <a:p>
+            <a:r>
+              <a:rPr kumimoji="1" lang="ja-JP" altLang="en-US" sz="1100" dirty="0">
+                <a:solidFill>
+                  <a:schemeClr val="bg1"/>
+                </a:solidFill>
+              </a:rPr>
+              <a:t>もう一度戦う</a:t>
+            </a:r>
+          </a:p>
+        </p:txBody>
+      </p:sp>
+      <p:sp>
+        <p:nvSpPr>
+          <p:cNvPr id="12" name="テキスト ボックス 11">
+            <a:extLst>
+              <a:ext uri="{FF2B5EF4-FFF2-40B4-BE49-F238E27FC236}">
+                <a16:creationId xmlns:a16="http://schemas.microsoft.com/office/drawing/2014/main" id="{2E2D953A-D26B-4935-9E43-34B8DB0D9E60}"/>
+              </a:ext>
+            </a:extLst>
+          </p:cNvPr>
+          <p:cNvSpPr txBox="1"/>
+          <p:nvPr/>
+        </p:nvSpPr>
+        <p:spPr>
+          <a:xfrm>
+            <a:off x="7322193" y="2914743"/>
+            <a:ext cx="1172116" cy="261610"/>
+          </a:xfrm>
+          <a:prstGeom prst="rect">
+            <a:avLst/>
+          </a:prstGeom>
+          <a:noFill/>
+        </p:spPr>
+        <p:txBody>
+          <a:bodyPr wrap="none" rtlCol="0">
+            <a:spAutoFit/>
+          </a:bodyPr>
+          <a:lstStyle/>
+          <a:p>
+            <a:r>
+              <a:rPr kumimoji="1" lang="ja-JP" altLang="en-US" sz="1100" dirty="0">
+                <a:solidFill>
+                  <a:schemeClr val="bg1"/>
+                </a:solidFill>
+              </a:rPr>
+              <a:t>タイトルに戻る</a:t>
+            </a:r>
+          </a:p>
+        </p:txBody>
+      </p:sp>
+      <p:sp>
+        <p:nvSpPr>
+          <p:cNvPr id="13" name="テキスト ボックス 12">
+            <a:extLst>
+              <a:ext uri="{FF2B5EF4-FFF2-40B4-BE49-F238E27FC236}">
+                <a16:creationId xmlns:a16="http://schemas.microsoft.com/office/drawing/2014/main" id="{FABFD3C7-9D82-4B45-956C-5DCF9B6D4AE2}"/>
+              </a:ext>
+            </a:extLst>
+          </p:cNvPr>
+          <p:cNvSpPr txBox="1"/>
+          <p:nvPr/>
+        </p:nvSpPr>
+        <p:spPr>
+          <a:xfrm>
+            <a:off x="6301183" y="4365280"/>
+            <a:ext cx="2031325" cy="369332"/>
+          </a:xfrm>
+          <a:prstGeom prst="rect">
+            <a:avLst/>
+          </a:prstGeom>
+          <a:noFill/>
+        </p:spPr>
+        <p:txBody>
+          <a:bodyPr wrap="none" rtlCol="0">
+            <a:spAutoFit/>
+          </a:bodyPr>
+          <a:lstStyle/>
+          <a:p>
+            <a:r>
+              <a:rPr kumimoji="1" lang="ja-JP" altLang="en-US" dirty="0"/>
+              <a:t>ゲームオーバー</a:t>
+            </a:r>
+            <a:r>
+              <a:rPr lang="en-US" altLang="ja-JP" dirty="0"/>
+              <a:t>…</a:t>
+            </a:r>
+            <a:endParaRPr kumimoji="1" lang="ja-JP" altLang="en-US" dirty="0"/>
+          </a:p>
+        </p:txBody>
+      </p:sp>
+      <p:sp>
+        <p:nvSpPr>
+          <p:cNvPr id="19" name="テキスト ボックス 18">
+            <a:extLst>
+              <a:ext uri="{FF2B5EF4-FFF2-40B4-BE49-F238E27FC236}">
+                <a16:creationId xmlns:a16="http://schemas.microsoft.com/office/drawing/2014/main" id="{A36ECD05-77E6-4AA0-A96E-66D8F9F3B5DB}"/>
+              </a:ext>
+            </a:extLst>
+          </p:cNvPr>
+          <p:cNvSpPr txBox="1"/>
+          <p:nvPr/>
+        </p:nvSpPr>
+        <p:spPr>
+          <a:xfrm>
+            <a:off x="6285795" y="5040339"/>
+            <a:ext cx="1031051" cy="261610"/>
+          </a:xfrm>
+          <a:prstGeom prst="rect">
+            <a:avLst/>
+          </a:prstGeom>
+          <a:noFill/>
+        </p:spPr>
+        <p:txBody>
+          <a:bodyPr wrap="none" rtlCol="0">
+            <a:spAutoFit/>
+          </a:bodyPr>
+          <a:lstStyle/>
+          <a:p>
+            <a:r>
+              <a:rPr kumimoji="1" lang="ja-JP" altLang="en-US" sz="1100" dirty="0">
+                <a:solidFill>
+                  <a:schemeClr val="bg1"/>
+                </a:solidFill>
+              </a:rPr>
+              <a:t>もう一度戦う</a:t>
+            </a:r>
+          </a:p>
+        </p:txBody>
+      </p:sp>
+      <p:sp>
+        <p:nvSpPr>
+          <p:cNvPr id="20" name="テキスト ボックス 19">
+            <a:extLst>
+              <a:ext uri="{FF2B5EF4-FFF2-40B4-BE49-F238E27FC236}">
+                <a16:creationId xmlns:a16="http://schemas.microsoft.com/office/drawing/2014/main" id="{89AF6186-6D9D-40AA-A802-2355EDB588CC}"/>
+              </a:ext>
+            </a:extLst>
+          </p:cNvPr>
+          <p:cNvSpPr txBox="1"/>
+          <p:nvPr/>
+        </p:nvSpPr>
+        <p:spPr>
+          <a:xfrm>
+            <a:off x="7322193" y="5034988"/>
+            <a:ext cx="1172116" cy="261610"/>
+          </a:xfrm>
+          <a:prstGeom prst="rect">
+            <a:avLst/>
+          </a:prstGeom>
+          <a:noFill/>
+        </p:spPr>
+        <p:txBody>
+          <a:bodyPr wrap="none" rtlCol="0">
+            <a:spAutoFit/>
+          </a:bodyPr>
+          <a:lstStyle/>
+          <a:p>
+            <a:r>
+              <a:rPr kumimoji="1" lang="ja-JP" altLang="en-US" sz="1100" dirty="0">
+                <a:solidFill>
+                  <a:schemeClr val="bg1"/>
+                </a:solidFill>
+              </a:rPr>
+              <a:t>タイトルに戻る</a:t>
+            </a:r>
           </a:p>
         </p:txBody>
       </p:sp>
@@ -5909,10 +7513,1883 @@
           <a:chExt cx="0" cy="0"/>
         </a:xfrm>
       </p:grpSpPr>
+      <p:sp>
+        <p:nvSpPr>
+          <p:cNvPr id="4" name="四角形: 角を丸くする 3">
+            <a:extLst>
+              <a:ext uri="{FF2B5EF4-FFF2-40B4-BE49-F238E27FC236}">
+                <a16:creationId xmlns:a16="http://schemas.microsoft.com/office/drawing/2014/main" id="{A4A7FC7B-37C9-40B1-80FB-EDF1E65FF786}"/>
+              </a:ext>
+            </a:extLst>
+          </p:cNvPr>
+          <p:cNvSpPr/>
+          <p:nvPr/>
+        </p:nvSpPr>
+        <p:spPr>
+          <a:xfrm>
+            <a:off x="0" y="0"/>
+            <a:ext cx="12192000" cy="6858000"/>
+          </a:xfrm>
+          <a:prstGeom prst="roundRect">
+            <a:avLst/>
+          </a:prstGeom>
+        </p:spPr>
+        <p:style>
+          <a:lnRef idx="1">
+            <a:schemeClr val="accent4"/>
+          </a:lnRef>
+          <a:fillRef idx="2">
+            <a:schemeClr val="accent4"/>
+          </a:fillRef>
+          <a:effectRef idx="1">
+            <a:schemeClr val="accent4"/>
+          </a:effectRef>
+          <a:fontRef idx="minor">
+            <a:schemeClr val="dk1"/>
+          </a:fontRef>
+        </p:style>
+        <p:txBody>
+          <a:bodyPr rtlCol="0" anchor="ctr"/>
+          <a:lstStyle/>
+          <a:p>
+            <a:pPr algn="ctr"/>
+            <a:endParaRPr kumimoji="1" lang="ja-JP" altLang="en-US" dirty="0"/>
+          </a:p>
+        </p:txBody>
+      </p:sp>
+      <p:sp>
+        <p:nvSpPr>
+          <p:cNvPr id="45" name="四角形: 角を丸くする 44">
+            <a:extLst>
+              <a:ext uri="{FF2B5EF4-FFF2-40B4-BE49-F238E27FC236}">
+                <a16:creationId xmlns:a16="http://schemas.microsoft.com/office/drawing/2014/main" id="{4FD9D100-8678-4C4C-B967-DF69E3A17865}"/>
+              </a:ext>
+            </a:extLst>
+          </p:cNvPr>
+          <p:cNvSpPr/>
+          <p:nvPr/>
+        </p:nvSpPr>
+        <p:spPr>
+          <a:xfrm>
+            <a:off x="795632" y="135467"/>
+            <a:ext cx="2935422" cy="6196809"/>
+          </a:xfrm>
+          <a:prstGeom prst="roundRect">
+            <a:avLst/>
+          </a:prstGeom>
+        </p:spPr>
+        <p:style>
+          <a:lnRef idx="1">
+            <a:schemeClr val="dk1"/>
+          </a:lnRef>
+          <a:fillRef idx="2">
+            <a:schemeClr val="dk1"/>
+          </a:fillRef>
+          <a:effectRef idx="1">
+            <a:schemeClr val="dk1"/>
+          </a:effectRef>
+          <a:fontRef idx="minor">
+            <a:schemeClr val="dk1"/>
+          </a:fontRef>
+        </p:style>
+        <p:txBody>
+          <a:bodyPr rtlCol="0" anchor="ctr"/>
+          <a:lstStyle/>
+          <a:p>
+            <a:pPr algn="ctr"/>
+            <a:endParaRPr kumimoji="1" lang="ja-JP" altLang="en-US"/>
+          </a:p>
+        </p:txBody>
+      </p:sp>
+      <p:sp>
+        <p:nvSpPr>
+          <p:cNvPr id="5" name="正方形/長方形 4">
+            <a:extLst>
+              <a:ext uri="{FF2B5EF4-FFF2-40B4-BE49-F238E27FC236}">
+                <a16:creationId xmlns:a16="http://schemas.microsoft.com/office/drawing/2014/main" id="{31569E65-8E1F-452F-BBD5-FD9DCFC3566B}"/>
+              </a:ext>
+            </a:extLst>
+          </p:cNvPr>
+          <p:cNvSpPr/>
+          <p:nvPr/>
+        </p:nvSpPr>
+        <p:spPr>
+          <a:xfrm>
+            <a:off x="1028250" y="544568"/>
+            <a:ext cx="2441694" cy="1295496"/>
+          </a:xfrm>
+          <a:prstGeom prst="rect">
+            <a:avLst/>
+          </a:prstGeom>
+        </p:spPr>
+        <p:style>
+          <a:lnRef idx="2">
+            <a:schemeClr val="accent1">
+              <a:shade val="50000"/>
+            </a:schemeClr>
+          </a:lnRef>
+          <a:fillRef idx="1">
+            <a:schemeClr val="accent1"/>
+          </a:fillRef>
+          <a:effectRef idx="0">
+            <a:schemeClr val="accent1"/>
+          </a:effectRef>
+          <a:fontRef idx="minor">
+            <a:schemeClr val="lt1"/>
+          </a:fontRef>
+        </p:style>
+        <p:txBody>
+          <a:bodyPr rtlCol="0" anchor="ctr"/>
+          <a:lstStyle/>
+          <a:p>
+            <a:pPr algn="ctr"/>
+            <a:endParaRPr kumimoji="1" lang="en-US" altLang="ja-JP" sz="1600" dirty="0"/>
+          </a:p>
+        </p:txBody>
+      </p:sp>
+      <p:sp>
+        <p:nvSpPr>
+          <p:cNvPr id="8" name="正方形/長方形 7">
+            <a:extLst>
+              <a:ext uri="{FF2B5EF4-FFF2-40B4-BE49-F238E27FC236}">
+                <a16:creationId xmlns:a16="http://schemas.microsoft.com/office/drawing/2014/main" id="{7707A92C-F46C-427B-ABB7-A14775E2D556}"/>
+              </a:ext>
+            </a:extLst>
+          </p:cNvPr>
+          <p:cNvSpPr/>
+          <p:nvPr/>
+        </p:nvSpPr>
+        <p:spPr>
+          <a:xfrm>
+            <a:off x="1028250" y="2694508"/>
+            <a:ext cx="2441694" cy="1295497"/>
+          </a:xfrm>
+          <a:prstGeom prst="rect">
+            <a:avLst/>
+          </a:prstGeom>
+        </p:spPr>
+        <p:style>
+          <a:lnRef idx="2">
+            <a:schemeClr val="accent1">
+              <a:shade val="50000"/>
+            </a:schemeClr>
+          </a:lnRef>
+          <a:fillRef idx="1">
+            <a:schemeClr val="accent1"/>
+          </a:fillRef>
+          <a:effectRef idx="0">
+            <a:schemeClr val="accent1"/>
+          </a:effectRef>
+          <a:fontRef idx="minor">
+            <a:schemeClr val="lt1"/>
+          </a:fontRef>
+        </p:style>
+        <p:txBody>
+          <a:bodyPr rtlCol="0" anchor="ctr"/>
+          <a:lstStyle/>
+          <a:p>
+            <a:pPr algn="ctr"/>
+            <a:endParaRPr kumimoji="1" lang="en-US" altLang="ja-JP" sz="1600" dirty="0"/>
+          </a:p>
+        </p:txBody>
+      </p:sp>
+      <p:sp>
+        <p:nvSpPr>
+          <p:cNvPr id="10" name="矢印: 右 9">
+            <a:extLst>
+              <a:ext uri="{FF2B5EF4-FFF2-40B4-BE49-F238E27FC236}">
+                <a16:creationId xmlns:a16="http://schemas.microsoft.com/office/drawing/2014/main" id="{69AE49F4-22FE-48B3-8067-1794F709E7B4}"/>
+              </a:ext>
+            </a:extLst>
+          </p:cNvPr>
+          <p:cNvSpPr/>
+          <p:nvPr/>
+        </p:nvSpPr>
+        <p:spPr>
+          <a:xfrm>
+            <a:off x="3776829" y="702942"/>
+            <a:ext cx="677333" cy="511201"/>
+          </a:xfrm>
+          <a:prstGeom prst="rightArrow">
+            <a:avLst/>
+          </a:prstGeom>
+        </p:spPr>
+        <p:style>
+          <a:lnRef idx="2">
+            <a:schemeClr val="accent1">
+              <a:shade val="50000"/>
+            </a:schemeClr>
+          </a:lnRef>
+          <a:fillRef idx="1">
+            <a:schemeClr val="accent1"/>
+          </a:fillRef>
+          <a:effectRef idx="0">
+            <a:schemeClr val="accent1"/>
+          </a:effectRef>
+          <a:fontRef idx="minor">
+            <a:schemeClr val="lt1"/>
+          </a:fontRef>
+        </p:style>
+        <p:txBody>
+          <a:bodyPr rtlCol="0" anchor="ctr"/>
+          <a:lstStyle/>
+          <a:p>
+            <a:pPr algn="ctr"/>
+            <a:endParaRPr kumimoji="1" lang="ja-JP" altLang="en-US" sz="1600"/>
+          </a:p>
+        </p:txBody>
+      </p:sp>
+      <p:sp>
+        <p:nvSpPr>
+          <p:cNvPr id="14" name="正方形/長方形 13">
+            <a:extLst>
+              <a:ext uri="{FF2B5EF4-FFF2-40B4-BE49-F238E27FC236}">
+                <a16:creationId xmlns:a16="http://schemas.microsoft.com/office/drawing/2014/main" id="{3BD236F5-5619-470F-A207-2C8311677028}"/>
+              </a:ext>
+            </a:extLst>
+          </p:cNvPr>
+          <p:cNvSpPr/>
+          <p:nvPr/>
+        </p:nvSpPr>
+        <p:spPr>
+          <a:xfrm>
+            <a:off x="1028250" y="4720453"/>
+            <a:ext cx="2441694" cy="1295497"/>
+          </a:xfrm>
+          <a:prstGeom prst="rect">
+            <a:avLst/>
+          </a:prstGeom>
+        </p:spPr>
+        <p:style>
+          <a:lnRef idx="2">
+            <a:schemeClr val="accent1">
+              <a:shade val="50000"/>
+            </a:schemeClr>
+          </a:lnRef>
+          <a:fillRef idx="1">
+            <a:schemeClr val="accent1"/>
+          </a:fillRef>
+          <a:effectRef idx="0">
+            <a:schemeClr val="accent1"/>
+          </a:effectRef>
+          <a:fontRef idx="minor">
+            <a:schemeClr val="lt1"/>
+          </a:fontRef>
+        </p:style>
+        <p:txBody>
+          <a:bodyPr rtlCol="0" anchor="ctr"/>
+          <a:lstStyle/>
+          <a:p>
+            <a:pPr algn="ctr"/>
+            <a:endParaRPr kumimoji="1" lang="en-US" altLang="ja-JP" sz="1600" dirty="0"/>
+          </a:p>
+        </p:txBody>
+      </p:sp>
+      <p:sp>
+        <p:nvSpPr>
+          <p:cNvPr id="18" name="正方形/長方形 17">
+            <a:extLst>
+              <a:ext uri="{FF2B5EF4-FFF2-40B4-BE49-F238E27FC236}">
+                <a16:creationId xmlns:a16="http://schemas.microsoft.com/office/drawing/2014/main" id="{E0D38890-3C5D-4779-BAA3-6E69DF965664}"/>
+              </a:ext>
+            </a:extLst>
+          </p:cNvPr>
+          <p:cNvSpPr/>
+          <p:nvPr/>
+        </p:nvSpPr>
+        <p:spPr>
+          <a:xfrm>
+            <a:off x="4552924" y="544568"/>
+            <a:ext cx="2441694" cy="1295496"/>
+          </a:xfrm>
+          <a:prstGeom prst="rect">
+            <a:avLst/>
+          </a:prstGeom>
+        </p:spPr>
+        <p:style>
+          <a:lnRef idx="2">
+            <a:schemeClr val="accent1">
+              <a:shade val="50000"/>
+            </a:schemeClr>
+          </a:lnRef>
+          <a:fillRef idx="1">
+            <a:schemeClr val="accent1"/>
+          </a:fillRef>
+          <a:effectRef idx="0">
+            <a:schemeClr val="accent1"/>
+          </a:effectRef>
+          <a:fontRef idx="minor">
+            <a:schemeClr val="lt1"/>
+          </a:fontRef>
+        </p:style>
+        <p:txBody>
+          <a:bodyPr rtlCol="0" anchor="ctr"/>
+          <a:lstStyle/>
+          <a:p>
+            <a:pPr algn="ctr"/>
+            <a:endParaRPr kumimoji="1" lang="en-US" altLang="ja-JP" sz="1600" dirty="0"/>
+          </a:p>
+        </p:txBody>
+      </p:sp>
+      <p:sp>
+        <p:nvSpPr>
+          <p:cNvPr id="20" name="テキスト ボックス 19">
+            <a:extLst>
+              <a:ext uri="{FF2B5EF4-FFF2-40B4-BE49-F238E27FC236}">
+                <a16:creationId xmlns:a16="http://schemas.microsoft.com/office/drawing/2014/main" id="{4A4C7736-3221-42F2-85F0-68DBE7D3554A}"/>
+              </a:ext>
+            </a:extLst>
+          </p:cNvPr>
+          <p:cNvSpPr txBox="1"/>
+          <p:nvPr/>
+        </p:nvSpPr>
+        <p:spPr>
+          <a:xfrm>
+            <a:off x="5145769" y="637442"/>
+            <a:ext cx="1210588" cy="338554"/>
+          </a:xfrm>
+          <a:prstGeom prst="rect">
+            <a:avLst/>
+          </a:prstGeom>
+          <a:noFill/>
+        </p:spPr>
+        <p:txBody>
+          <a:bodyPr wrap="none" rtlCol="0">
+            <a:spAutoFit/>
+          </a:bodyPr>
+          <a:lstStyle/>
+          <a:p>
+            <a:r>
+              <a:rPr kumimoji="1" lang="ja-JP" altLang="en-US" sz="1600" dirty="0"/>
+              <a:t>ランキング</a:t>
+            </a:r>
+          </a:p>
+        </p:txBody>
+      </p:sp>
+      <p:sp>
+        <p:nvSpPr>
+          <p:cNvPr id="23" name="正方形/長方形 22">
+            <a:extLst>
+              <a:ext uri="{FF2B5EF4-FFF2-40B4-BE49-F238E27FC236}">
+                <a16:creationId xmlns:a16="http://schemas.microsoft.com/office/drawing/2014/main" id="{262A9ED1-127C-4885-B7D5-A63008479477}"/>
+              </a:ext>
+            </a:extLst>
+          </p:cNvPr>
+          <p:cNvSpPr/>
+          <p:nvPr/>
+        </p:nvSpPr>
+        <p:spPr>
+          <a:xfrm>
+            <a:off x="4549993" y="2694508"/>
+            <a:ext cx="2441694" cy="1295496"/>
+          </a:xfrm>
+          <a:prstGeom prst="rect">
+            <a:avLst/>
+          </a:prstGeom>
+        </p:spPr>
+        <p:style>
+          <a:lnRef idx="2">
+            <a:schemeClr val="accent1">
+              <a:shade val="50000"/>
+            </a:schemeClr>
+          </a:lnRef>
+          <a:fillRef idx="1">
+            <a:schemeClr val="accent1"/>
+          </a:fillRef>
+          <a:effectRef idx="0">
+            <a:schemeClr val="accent1"/>
+          </a:effectRef>
+          <a:fontRef idx="minor">
+            <a:schemeClr val="lt1"/>
+          </a:fontRef>
+        </p:style>
+        <p:txBody>
+          <a:bodyPr rtlCol="0" anchor="ctr"/>
+          <a:lstStyle/>
+          <a:p>
+            <a:pPr algn="ctr"/>
+            <a:endParaRPr kumimoji="1" lang="en-US" altLang="ja-JP" sz="1600" dirty="0"/>
+          </a:p>
+        </p:txBody>
+      </p:sp>
+      <p:sp>
+        <p:nvSpPr>
+          <p:cNvPr id="24" name="テキスト ボックス 23">
+            <a:extLst>
+              <a:ext uri="{FF2B5EF4-FFF2-40B4-BE49-F238E27FC236}">
+                <a16:creationId xmlns:a16="http://schemas.microsoft.com/office/drawing/2014/main" id="{CF18605B-9253-4682-838B-E8D7D6E4EA5C}"/>
+              </a:ext>
+            </a:extLst>
+          </p:cNvPr>
+          <p:cNvSpPr txBox="1"/>
+          <p:nvPr/>
+        </p:nvSpPr>
+        <p:spPr>
+          <a:xfrm>
+            <a:off x="5152768" y="2758316"/>
+            <a:ext cx="1338828" cy="369332"/>
+          </a:xfrm>
+          <a:prstGeom prst="rect">
+            <a:avLst/>
+          </a:prstGeom>
+          <a:noFill/>
+        </p:spPr>
+        <p:txBody>
+          <a:bodyPr wrap="none" rtlCol="0">
+            <a:spAutoFit/>
+          </a:bodyPr>
+          <a:lstStyle/>
+          <a:p>
+            <a:r>
+              <a:rPr kumimoji="1" lang="ja-JP" altLang="en-US" dirty="0"/>
+              <a:t>オプション</a:t>
+            </a:r>
+          </a:p>
+        </p:txBody>
+      </p:sp>
+      <p:sp>
+        <p:nvSpPr>
+          <p:cNvPr id="33" name="矢印: 下 32">
+            <a:extLst>
+              <a:ext uri="{FF2B5EF4-FFF2-40B4-BE49-F238E27FC236}">
+                <a16:creationId xmlns:a16="http://schemas.microsoft.com/office/drawing/2014/main" id="{B96717DC-98A1-4098-A0E1-34954FAB14BE}"/>
+              </a:ext>
+            </a:extLst>
+          </p:cNvPr>
+          <p:cNvSpPr/>
+          <p:nvPr/>
+        </p:nvSpPr>
+        <p:spPr>
+          <a:xfrm>
+            <a:off x="1468293" y="1919086"/>
+            <a:ext cx="711201" cy="642171"/>
+          </a:xfrm>
+          <a:prstGeom prst="downArrow">
+            <a:avLst/>
+          </a:prstGeom>
+        </p:spPr>
+        <p:style>
+          <a:lnRef idx="2">
+            <a:schemeClr val="accent1">
+              <a:shade val="50000"/>
+            </a:schemeClr>
+          </a:lnRef>
+          <a:fillRef idx="1">
+            <a:schemeClr val="accent1"/>
+          </a:fillRef>
+          <a:effectRef idx="0">
+            <a:schemeClr val="accent1"/>
+          </a:effectRef>
+          <a:fontRef idx="minor">
+            <a:schemeClr val="lt1"/>
+          </a:fontRef>
+        </p:style>
+        <p:txBody>
+          <a:bodyPr rtlCol="0" anchor="ctr"/>
+          <a:lstStyle/>
+          <a:p>
+            <a:pPr algn="ctr"/>
+            <a:endParaRPr kumimoji="1" lang="ja-JP" altLang="en-US" dirty="0"/>
+          </a:p>
+        </p:txBody>
+      </p:sp>
+      <p:sp>
+        <p:nvSpPr>
+          <p:cNvPr id="34" name="矢印: 下 33">
+            <a:extLst>
+              <a:ext uri="{FF2B5EF4-FFF2-40B4-BE49-F238E27FC236}">
+                <a16:creationId xmlns:a16="http://schemas.microsoft.com/office/drawing/2014/main" id="{033F341C-916A-4779-8872-FDD153C70C85}"/>
+              </a:ext>
+            </a:extLst>
+          </p:cNvPr>
+          <p:cNvSpPr/>
+          <p:nvPr/>
+        </p:nvSpPr>
+        <p:spPr>
+          <a:xfrm rot="10800000">
+            <a:off x="2251372" y="1908503"/>
+            <a:ext cx="711201" cy="642171"/>
+          </a:xfrm>
+          <a:prstGeom prst="downArrow">
+            <a:avLst/>
+          </a:prstGeom>
+        </p:spPr>
+        <p:style>
+          <a:lnRef idx="2">
+            <a:schemeClr val="accent1">
+              <a:shade val="50000"/>
+            </a:schemeClr>
+          </a:lnRef>
+          <a:fillRef idx="1">
+            <a:schemeClr val="accent1"/>
+          </a:fillRef>
+          <a:effectRef idx="0">
+            <a:schemeClr val="accent1"/>
+          </a:effectRef>
+          <a:fontRef idx="minor">
+            <a:schemeClr val="lt1"/>
+          </a:fontRef>
+        </p:style>
+        <p:txBody>
+          <a:bodyPr rtlCol="0" anchor="ctr"/>
+          <a:lstStyle/>
+          <a:p>
+            <a:pPr algn="ctr"/>
+            <a:endParaRPr kumimoji="1" lang="ja-JP" altLang="en-US"/>
+          </a:p>
+        </p:txBody>
+      </p:sp>
+      <p:sp>
+        <p:nvSpPr>
+          <p:cNvPr id="35" name="矢印: 下 34">
+            <a:extLst>
+              <a:ext uri="{FF2B5EF4-FFF2-40B4-BE49-F238E27FC236}">
+                <a16:creationId xmlns:a16="http://schemas.microsoft.com/office/drawing/2014/main" id="{9C925D1E-8A3B-4A4E-9B13-33B06531A745}"/>
+              </a:ext>
+            </a:extLst>
+          </p:cNvPr>
+          <p:cNvSpPr/>
+          <p:nvPr/>
+        </p:nvSpPr>
+        <p:spPr>
+          <a:xfrm>
+            <a:off x="1468293" y="4069027"/>
+            <a:ext cx="711201" cy="642171"/>
+          </a:xfrm>
+          <a:prstGeom prst="downArrow">
+            <a:avLst/>
+          </a:prstGeom>
+        </p:spPr>
+        <p:style>
+          <a:lnRef idx="2">
+            <a:schemeClr val="accent1">
+              <a:shade val="50000"/>
+            </a:schemeClr>
+          </a:lnRef>
+          <a:fillRef idx="1">
+            <a:schemeClr val="accent1"/>
+          </a:fillRef>
+          <a:effectRef idx="0">
+            <a:schemeClr val="accent1"/>
+          </a:effectRef>
+          <a:fontRef idx="minor">
+            <a:schemeClr val="lt1"/>
+          </a:fontRef>
+        </p:style>
+        <p:txBody>
+          <a:bodyPr rtlCol="0" anchor="ctr"/>
+          <a:lstStyle/>
+          <a:p>
+            <a:pPr algn="ctr"/>
+            <a:endParaRPr kumimoji="1" lang="ja-JP" altLang="en-US"/>
+          </a:p>
+        </p:txBody>
+      </p:sp>
+      <p:sp>
+        <p:nvSpPr>
+          <p:cNvPr id="36" name="矢印: 下 35">
+            <a:extLst>
+              <a:ext uri="{FF2B5EF4-FFF2-40B4-BE49-F238E27FC236}">
+                <a16:creationId xmlns:a16="http://schemas.microsoft.com/office/drawing/2014/main" id="{89829A9C-9624-4591-A736-BF3E2AF7F2F0}"/>
+              </a:ext>
+            </a:extLst>
+          </p:cNvPr>
+          <p:cNvSpPr/>
+          <p:nvPr/>
+        </p:nvSpPr>
+        <p:spPr>
+          <a:xfrm rot="10800000">
+            <a:off x="2251372" y="4034143"/>
+            <a:ext cx="711201" cy="642171"/>
+          </a:xfrm>
+          <a:prstGeom prst="downArrow">
+            <a:avLst/>
+          </a:prstGeom>
+        </p:spPr>
+        <p:style>
+          <a:lnRef idx="2">
+            <a:schemeClr val="accent1">
+              <a:shade val="50000"/>
+            </a:schemeClr>
+          </a:lnRef>
+          <a:fillRef idx="1">
+            <a:schemeClr val="accent1"/>
+          </a:fillRef>
+          <a:effectRef idx="0">
+            <a:schemeClr val="accent1"/>
+          </a:effectRef>
+          <a:fontRef idx="minor">
+            <a:schemeClr val="lt1"/>
+          </a:fontRef>
+        </p:style>
+        <p:txBody>
+          <a:bodyPr rtlCol="0" anchor="ctr"/>
+          <a:lstStyle/>
+          <a:p>
+            <a:pPr algn="ctr"/>
+            <a:endParaRPr kumimoji="1" lang="ja-JP" altLang="en-US"/>
+          </a:p>
+        </p:txBody>
+      </p:sp>
+      <p:sp>
+        <p:nvSpPr>
+          <p:cNvPr id="38" name="楕円 37">
+            <a:extLst>
+              <a:ext uri="{FF2B5EF4-FFF2-40B4-BE49-F238E27FC236}">
+                <a16:creationId xmlns:a16="http://schemas.microsoft.com/office/drawing/2014/main" id="{F205F72A-1895-4D28-B884-A449AAB625E2}"/>
+              </a:ext>
+            </a:extLst>
+          </p:cNvPr>
+          <p:cNvSpPr/>
+          <p:nvPr/>
+        </p:nvSpPr>
+        <p:spPr>
+          <a:xfrm>
+            <a:off x="1569324" y="3676394"/>
+            <a:ext cx="509138" cy="525830"/>
+          </a:xfrm>
+          <a:prstGeom prst="ellipse">
+            <a:avLst/>
+          </a:prstGeom>
+        </p:spPr>
+        <p:style>
+          <a:lnRef idx="1">
+            <a:schemeClr val="accent6"/>
+          </a:lnRef>
+          <a:fillRef idx="2">
+            <a:schemeClr val="accent6"/>
+          </a:fillRef>
+          <a:effectRef idx="1">
+            <a:schemeClr val="accent6"/>
+          </a:effectRef>
+          <a:fontRef idx="minor">
+            <a:schemeClr val="dk1"/>
+          </a:fontRef>
+        </p:style>
+        <p:txBody>
+          <a:bodyPr rtlCol="0" anchor="ctr"/>
+          <a:lstStyle/>
+          <a:p>
+            <a:pPr algn="ctr"/>
+            <a:r>
+              <a:rPr kumimoji="1" lang="en-US" altLang="ja-JP" dirty="0"/>
+              <a:t>A</a:t>
+            </a:r>
+            <a:endParaRPr kumimoji="1" lang="ja-JP" altLang="en-US" dirty="0"/>
+          </a:p>
+        </p:txBody>
+      </p:sp>
+      <p:sp>
+        <p:nvSpPr>
+          <p:cNvPr id="39" name="楕円 38">
+            <a:extLst>
+              <a:ext uri="{FF2B5EF4-FFF2-40B4-BE49-F238E27FC236}">
+                <a16:creationId xmlns:a16="http://schemas.microsoft.com/office/drawing/2014/main" id="{F087DDEE-18C2-479E-809B-5A6461C22E8A}"/>
+              </a:ext>
+            </a:extLst>
+          </p:cNvPr>
+          <p:cNvSpPr/>
+          <p:nvPr/>
+        </p:nvSpPr>
+        <p:spPr>
+          <a:xfrm>
+            <a:off x="2347164" y="2266583"/>
+            <a:ext cx="509138" cy="496817"/>
+          </a:xfrm>
+          <a:prstGeom prst="ellipse">
+            <a:avLst/>
+          </a:prstGeom>
+        </p:spPr>
+        <p:style>
+          <a:lnRef idx="1">
+            <a:schemeClr val="accent6"/>
+          </a:lnRef>
+          <a:fillRef idx="2">
+            <a:schemeClr val="accent6"/>
+          </a:fillRef>
+          <a:effectRef idx="1">
+            <a:schemeClr val="accent6"/>
+          </a:effectRef>
+          <a:fontRef idx="minor">
+            <a:schemeClr val="dk1"/>
+          </a:fontRef>
+        </p:style>
+        <p:txBody>
+          <a:bodyPr rtlCol="0" anchor="ctr"/>
+          <a:lstStyle/>
+          <a:p>
+            <a:pPr algn="ctr"/>
+            <a:r>
+              <a:rPr kumimoji="1" lang="en-US" altLang="ja-JP" dirty="0"/>
+              <a:t>B</a:t>
+            </a:r>
+            <a:endParaRPr kumimoji="1" lang="ja-JP" altLang="en-US" dirty="0"/>
+          </a:p>
+        </p:txBody>
+      </p:sp>
+      <p:sp>
+        <p:nvSpPr>
+          <p:cNvPr id="40" name="楕円 39">
+            <a:extLst>
+              <a:ext uri="{FF2B5EF4-FFF2-40B4-BE49-F238E27FC236}">
+                <a16:creationId xmlns:a16="http://schemas.microsoft.com/office/drawing/2014/main" id="{AF15B2C3-88B8-4B2A-80A1-1FEFF990F663}"/>
+              </a:ext>
+            </a:extLst>
+          </p:cNvPr>
+          <p:cNvSpPr/>
+          <p:nvPr/>
+        </p:nvSpPr>
+        <p:spPr>
+          <a:xfrm>
+            <a:off x="2347164" y="4370049"/>
+            <a:ext cx="509138" cy="496817"/>
+          </a:xfrm>
+          <a:prstGeom prst="ellipse">
+            <a:avLst/>
+          </a:prstGeom>
+        </p:spPr>
+        <p:style>
+          <a:lnRef idx="1">
+            <a:schemeClr val="accent6"/>
+          </a:lnRef>
+          <a:fillRef idx="2">
+            <a:schemeClr val="accent6"/>
+          </a:fillRef>
+          <a:effectRef idx="1">
+            <a:schemeClr val="accent6"/>
+          </a:effectRef>
+          <a:fontRef idx="minor">
+            <a:schemeClr val="dk1"/>
+          </a:fontRef>
+        </p:style>
+        <p:txBody>
+          <a:bodyPr rtlCol="0" anchor="ctr"/>
+          <a:lstStyle/>
+          <a:p>
+            <a:pPr algn="ctr"/>
+            <a:r>
+              <a:rPr lang="en-US" altLang="ja-JP" dirty="0"/>
+              <a:t>B</a:t>
+            </a:r>
+            <a:endParaRPr kumimoji="1" lang="ja-JP" altLang="en-US" dirty="0"/>
+          </a:p>
+        </p:txBody>
+      </p:sp>
+      <p:sp>
+        <p:nvSpPr>
+          <p:cNvPr id="41" name="矢印: 右 40">
+            <a:extLst>
+              <a:ext uri="{FF2B5EF4-FFF2-40B4-BE49-F238E27FC236}">
+                <a16:creationId xmlns:a16="http://schemas.microsoft.com/office/drawing/2014/main" id="{A1AC5244-717E-476F-B1AE-1C41529622C4}"/>
+              </a:ext>
+            </a:extLst>
+          </p:cNvPr>
+          <p:cNvSpPr/>
+          <p:nvPr/>
+        </p:nvSpPr>
+        <p:spPr>
+          <a:xfrm rot="10800000">
+            <a:off x="3763407" y="1290798"/>
+            <a:ext cx="677333" cy="511201"/>
+          </a:xfrm>
+          <a:prstGeom prst="rightArrow">
+            <a:avLst/>
+          </a:prstGeom>
+        </p:spPr>
+        <p:style>
+          <a:lnRef idx="2">
+            <a:schemeClr val="accent1">
+              <a:shade val="50000"/>
+            </a:schemeClr>
+          </a:lnRef>
+          <a:fillRef idx="1">
+            <a:schemeClr val="accent1"/>
+          </a:fillRef>
+          <a:effectRef idx="0">
+            <a:schemeClr val="accent1"/>
+          </a:effectRef>
+          <a:fontRef idx="minor">
+            <a:schemeClr val="lt1"/>
+          </a:fontRef>
+        </p:style>
+        <p:txBody>
+          <a:bodyPr rtlCol="0" anchor="ctr"/>
+          <a:lstStyle/>
+          <a:p>
+            <a:pPr algn="ctr"/>
+            <a:endParaRPr kumimoji="1" lang="ja-JP" altLang="en-US" sz="1600"/>
+          </a:p>
+        </p:txBody>
+      </p:sp>
+      <p:sp>
+        <p:nvSpPr>
+          <p:cNvPr id="42" name="楕円 41">
+            <a:extLst>
+              <a:ext uri="{FF2B5EF4-FFF2-40B4-BE49-F238E27FC236}">
+                <a16:creationId xmlns:a16="http://schemas.microsoft.com/office/drawing/2014/main" id="{A8D86E9A-3910-40FB-822C-D658CDD7E1C5}"/>
+              </a:ext>
+            </a:extLst>
+          </p:cNvPr>
+          <p:cNvSpPr/>
+          <p:nvPr/>
+        </p:nvSpPr>
+        <p:spPr>
+          <a:xfrm>
+            <a:off x="1569324" y="1593566"/>
+            <a:ext cx="509138" cy="496817"/>
+          </a:xfrm>
+          <a:prstGeom prst="ellipse">
+            <a:avLst/>
+          </a:prstGeom>
+        </p:spPr>
+        <p:style>
+          <a:lnRef idx="1">
+            <a:schemeClr val="accent6"/>
+          </a:lnRef>
+          <a:fillRef idx="2">
+            <a:schemeClr val="accent6"/>
+          </a:fillRef>
+          <a:effectRef idx="1">
+            <a:schemeClr val="accent6"/>
+          </a:effectRef>
+          <a:fontRef idx="minor">
+            <a:schemeClr val="dk1"/>
+          </a:fontRef>
+        </p:style>
+        <p:txBody>
+          <a:bodyPr rtlCol="0" anchor="ctr"/>
+          <a:lstStyle/>
+          <a:p>
+            <a:pPr algn="ctr"/>
+            <a:r>
+              <a:rPr kumimoji="1" lang="en-US" altLang="ja-JP" dirty="0"/>
+              <a:t>A</a:t>
+            </a:r>
+            <a:endParaRPr kumimoji="1" lang="ja-JP" altLang="en-US" dirty="0"/>
+          </a:p>
+        </p:txBody>
+      </p:sp>
+      <p:sp>
+        <p:nvSpPr>
+          <p:cNvPr id="43" name="楕円 42">
+            <a:extLst>
+              <a:ext uri="{FF2B5EF4-FFF2-40B4-BE49-F238E27FC236}">
+                <a16:creationId xmlns:a16="http://schemas.microsoft.com/office/drawing/2014/main" id="{712ACF61-A662-4C61-9844-449D2C72D42F}"/>
+              </a:ext>
+            </a:extLst>
+          </p:cNvPr>
+          <p:cNvSpPr/>
+          <p:nvPr/>
+        </p:nvSpPr>
+        <p:spPr>
+          <a:xfrm>
+            <a:off x="3582128" y="717326"/>
+            <a:ext cx="509138" cy="496817"/>
+          </a:xfrm>
+          <a:prstGeom prst="ellipse">
+            <a:avLst/>
+          </a:prstGeom>
+        </p:spPr>
+        <p:style>
+          <a:lnRef idx="1">
+            <a:schemeClr val="accent6"/>
+          </a:lnRef>
+          <a:fillRef idx="2">
+            <a:schemeClr val="accent6"/>
+          </a:fillRef>
+          <a:effectRef idx="1">
+            <a:schemeClr val="accent6"/>
+          </a:effectRef>
+          <a:fontRef idx="minor">
+            <a:schemeClr val="dk1"/>
+          </a:fontRef>
+        </p:style>
+        <p:txBody>
+          <a:bodyPr rtlCol="0" anchor="ctr"/>
+          <a:lstStyle/>
+          <a:p>
+            <a:pPr algn="ctr"/>
+            <a:r>
+              <a:rPr kumimoji="1" lang="en-US" altLang="ja-JP" dirty="0"/>
+              <a:t>A</a:t>
+            </a:r>
+            <a:endParaRPr kumimoji="1" lang="ja-JP" altLang="en-US" dirty="0"/>
+          </a:p>
+        </p:txBody>
+      </p:sp>
+      <p:sp>
+        <p:nvSpPr>
+          <p:cNvPr id="44" name="楕円 43">
+            <a:extLst>
+              <a:ext uri="{FF2B5EF4-FFF2-40B4-BE49-F238E27FC236}">
+                <a16:creationId xmlns:a16="http://schemas.microsoft.com/office/drawing/2014/main" id="{8E2D3355-96C5-47AF-A928-E3250355F60C}"/>
+              </a:ext>
+            </a:extLst>
+          </p:cNvPr>
+          <p:cNvSpPr/>
+          <p:nvPr/>
+        </p:nvSpPr>
+        <p:spPr>
+          <a:xfrm>
+            <a:off x="4186171" y="1279858"/>
+            <a:ext cx="509138" cy="496817"/>
+          </a:xfrm>
+          <a:prstGeom prst="ellipse">
+            <a:avLst/>
+          </a:prstGeom>
+        </p:spPr>
+        <p:style>
+          <a:lnRef idx="1">
+            <a:schemeClr val="accent6"/>
+          </a:lnRef>
+          <a:fillRef idx="2">
+            <a:schemeClr val="accent6"/>
+          </a:fillRef>
+          <a:effectRef idx="1">
+            <a:schemeClr val="accent6"/>
+          </a:effectRef>
+          <a:fontRef idx="minor">
+            <a:schemeClr val="dk1"/>
+          </a:fontRef>
+        </p:style>
+        <p:txBody>
+          <a:bodyPr rtlCol="0" anchor="ctr"/>
+          <a:lstStyle/>
+          <a:p>
+            <a:pPr algn="ctr"/>
+            <a:r>
+              <a:rPr kumimoji="1" lang="en-US" altLang="ja-JP" dirty="0"/>
+              <a:t>B</a:t>
+            </a:r>
+            <a:endParaRPr kumimoji="1" lang="ja-JP" altLang="en-US" dirty="0"/>
+          </a:p>
+        </p:txBody>
+      </p:sp>
+      <p:sp>
+        <p:nvSpPr>
+          <p:cNvPr id="6" name="テキスト ボックス 5">
+            <a:extLst>
+              <a:ext uri="{FF2B5EF4-FFF2-40B4-BE49-F238E27FC236}">
+                <a16:creationId xmlns:a16="http://schemas.microsoft.com/office/drawing/2014/main" id="{CC2D44D4-46A9-4C32-966E-F47D830DD5B0}"/>
+              </a:ext>
+            </a:extLst>
+          </p:cNvPr>
+          <p:cNvSpPr txBox="1"/>
+          <p:nvPr/>
+        </p:nvSpPr>
+        <p:spPr>
+          <a:xfrm>
+            <a:off x="1486476" y="134696"/>
+            <a:ext cx="1415772" cy="461665"/>
+          </a:xfrm>
+          <a:prstGeom prst="rect">
+            <a:avLst/>
+          </a:prstGeom>
+          <a:noFill/>
+        </p:spPr>
+        <p:txBody>
+          <a:bodyPr wrap="none" rtlCol="0">
+            <a:spAutoFit/>
+          </a:bodyPr>
+          <a:lstStyle/>
+          <a:p>
+            <a:r>
+              <a:rPr kumimoji="1" lang="ja-JP" altLang="en-US" sz="2400" dirty="0"/>
+              <a:t>タイトル</a:t>
+            </a:r>
+          </a:p>
+        </p:txBody>
+      </p:sp>
+      <p:sp>
+        <p:nvSpPr>
+          <p:cNvPr id="51" name="矢印: 右 50">
+            <a:extLst>
+              <a:ext uri="{FF2B5EF4-FFF2-40B4-BE49-F238E27FC236}">
+                <a16:creationId xmlns:a16="http://schemas.microsoft.com/office/drawing/2014/main" id="{9CEBFEFF-AE54-466D-938D-7B668396CFBF}"/>
+              </a:ext>
+            </a:extLst>
+          </p:cNvPr>
+          <p:cNvSpPr/>
+          <p:nvPr/>
+        </p:nvSpPr>
+        <p:spPr>
+          <a:xfrm>
+            <a:off x="3772016" y="2805181"/>
+            <a:ext cx="677333" cy="511201"/>
+          </a:xfrm>
+          <a:prstGeom prst="rightArrow">
+            <a:avLst/>
+          </a:prstGeom>
+        </p:spPr>
+        <p:style>
+          <a:lnRef idx="2">
+            <a:schemeClr val="accent1">
+              <a:shade val="50000"/>
+            </a:schemeClr>
+          </a:lnRef>
+          <a:fillRef idx="1">
+            <a:schemeClr val="accent1"/>
+          </a:fillRef>
+          <a:effectRef idx="0">
+            <a:schemeClr val="accent1"/>
+          </a:effectRef>
+          <a:fontRef idx="minor">
+            <a:schemeClr val="lt1"/>
+          </a:fontRef>
+        </p:style>
+        <p:txBody>
+          <a:bodyPr rtlCol="0" anchor="ctr"/>
+          <a:lstStyle/>
+          <a:p>
+            <a:pPr algn="ctr"/>
+            <a:endParaRPr kumimoji="1" lang="ja-JP" altLang="en-US" sz="1600"/>
+          </a:p>
+        </p:txBody>
+      </p:sp>
+      <p:sp>
+        <p:nvSpPr>
+          <p:cNvPr id="52" name="矢印: 右 51">
+            <a:extLst>
+              <a:ext uri="{FF2B5EF4-FFF2-40B4-BE49-F238E27FC236}">
+                <a16:creationId xmlns:a16="http://schemas.microsoft.com/office/drawing/2014/main" id="{9E3D777B-743D-4F17-BDF9-BFE1CBE5E978}"/>
+              </a:ext>
+            </a:extLst>
+          </p:cNvPr>
+          <p:cNvSpPr/>
+          <p:nvPr/>
+        </p:nvSpPr>
+        <p:spPr>
+          <a:xfrm rot="10800000">
+            <a:off x="3758594" y="3393037"/>
+            <a:ext cx="677333" cy="511201"/>
+          </a:xfrm>
+          <a:prstGeom prst="rightArrow">
+            <a:avLst/>
+          </a:prstGeom>
+        </p:spPr>
+        <p:style>
+          <a:lnRef idx="2">
+            <a:schemeClr val="accent1">
+              <a:shade val="50000"/>
+            </a:schemeClr>
+          </a:lnRef>
+          <a:fillRef idx="1">
+            <a:schemeClr val="accent1"/>
+          </a:fillRef>
+          <a:effectRef idx="0">
+            <a:schemeClr val="accent1"/>
+          </a:effectRef>
+          <a:fontRef idx="minor">
+            <a:schemeClr val="lt1"/>
+          </a:fontRef>
+        </p:style>
+        <p:txBody>
+          <a:bodyPr rtlCol="0" anchor="ctr"/>
+          <a:lstStyle/>
+          <a:p>
+            <a:pPr algn="ctr"/>
+            <a:endParaRPr kumimoji="1" lang="ja-JP" altLang="en-US" sz="1600"/>
+          </a:p>
+        </p:txBody>
+      </p:sp>
+      <p:sp>
+        <p:nvSpPr>
+          <p:cNvPr id="53" name="楕円 52">
+            <a:extLst>
+              <a:ext uri="{FF2B5EF4-FFF2-40B4-BE49-F238E27FC236}">
+                <a16:creationId xmlns:a16="http://schemas.microsoft.com/office/drawing/2014/main" id="{06F66293-5A11-4402-AA32-FB93A6586C46}"/>
+              </a:ext>
+            </a:extLst>
+          </p:cNvPr>
+          <p:cNvSpPr/>
+          <p:nvPr/>
+        </p:nvSpPr>
+        <p:spPr>
+          <a:xfrm>
+            <a:off x="3577315" y="2819565"/>
+            <a:ext cx="509138" cy="496817"/>
+          </a:xfrm>
+          <a:prstGeom prst="ellipse">
+            <a:avLst/>
+          </a:prstGeom>
+        </p:spPr>
+        <p:style>
+          <a:lnRef idx="1">
+            <a:schemeClr val="accent6"/>
+          </a:lnRef>
+          <a:fillRef idx="2">
+            <a:schemeClr val="accent6"/>
+          </a:fillRef>
+          <a:effectRef idx="1">
+            <a:schemeClr val="accent6"/>
+          </a:effectRef>
+          <a:fontRef idx="minor">
+            <a:schemeClr val="dk1"/>
+          </a:fontRef>
+        </p:style>
+        <p:txBody>
+          <a:bodyPr rtlCol="0" anchor="ctr"/>
+          <a:lstStyle/>
+          <a:p>
+            <a:pPr algn="ctr"/>
+            <a:r>
+              <a:rPr kumimoji="1" lang="en-US" altLang="ja-JP" dirty="0"/>
+              <a:t>A</a:t>
+            </a:r>
+            <a:endParaRPr kumimoji="1" lang="ja-JP" altLang="en-US" dirty="0"/>
+          </a:p>
+        </p:txBody>
+      </p:sp>
+      <p:sp>
+        <p:nvSpPr>
+          <p:cNvPr id="54" name="楕円 53">
+            <a:extLst>
+              <a:ext uri="{FF2B5EF4-FFF2-40B4-BE49-F238E27FC236}">
+                <a16:creationId xmlns:a16="http://schemas.microsoft.com/office/drawing/2014/main" id="{BD4555DD-F036-4836-9F04-5D8C92253B32}"/>
+              </a:ext>
+            </a:extLst>
+          </p:cNvPr>
+          <p:cNvSpPr/>
+          <p:nvPr/>
+        </p:nvSpPr>
+        <p:spPr>
+          <a:xfrm>
+            <a:off x="4181358" y="3382097"/>
+            <a:ext cx="509138" cy="496817"/>
+          </a:xfrm>
+          <a:prstGeom prst="ellipse">
+            <a:avLst/>
+          </a:prstGeom>
+        </p:spPr>
+        <p:style>
+          <a:lnRef idx="1">
+            <a:schemeClr val="accent6"/>
+          </a:lnRef>
+          <a:fillRef idx="2">
+            <a:schemeClr val="accent6"/>
+          </a:fillRef>
+          <a:effectRef idx="1">
+            <a:schemeClr val="accent6"/>
+          </a:effectRef>
+          <a:fontRef idx="minor">
+            <a:schemeClr val="dk1"/>
+          </a:fontRef>
+        </p:style>
+        <p:txBody>
+          <a:bodyPr rtlCol="0" anchor="ctr"/>
+          <a:lstStyle/>
+          <a:p>
+            <a:pPr algn="ctr"/>
+            <a:r>
+              <a:rPr kumimoji="1" lang="en-US" altLang="ja-JP" dirty="0"/>
+              <a:t>B</a:t>
+            </a:r>
+            <a:endParaRPr kumimoji="1" lang="ja-JP" altLang="en-US" dirty="0"/>
+          </a:p>
+        </p:txBody>
+      </p:sp>
+      <p:sp>
+        <p:nvSpPr>
+          <p:cNvPr id="55" name="正方形/長方形 54">
+            <a:extLst>
+              <a:ext uri="{FF2B5EF4-FFF2-40B4-BE49-F238E27FC236}">
+                <a16:creationId xmlns:a16="http://schemas.microsoft.com/office/drawing/2014/main" id="{D6F48522-0D5E-4B21-A5E9-5BB5501532D6}"/>
+              </a:ext>
+            </a:extLst>
+          </p:cNvPr>
+          <p:cNvSpPr/>
+          <p:nvPr/>
+        </p:nvSpPr>
+        <p:spPr>
+          <a:xfrm>
+            <a:off x="4549993" y="4720454"/>
+            <a:ext cx="2441694" cy="1295496"/>
+          </a:xfrm>
+          <a:prstGeom prst="rect">
+            <a:avLst/>
+          </a:prstGeom>
+        </p:spPr>
+        <p:style>
+          <a:lnRef idx="2">
+            <a:schemeClr val="accent1">
+              <a:shade val="50000"/>
+            </a:schemeClr>
+          </a:lnRef>
+          <a:fillRef idx="1">
+            <a:schemeClr val="accent1"/>
+          </a:fillRef>
+          <a:effectRef idx="0">
+            <a:schemeClr val="accent1"/>
+          </a:effectRef>
+          <a:fontRef idx="minor">
+            <a:schemeClr val="lt1"/>
+          </a:fontRef>
+        </p:style>
+        <p:txBody>
+          <a:bodyPr rtlCol="0" anchor="ctr"/>
+          <a:lstStyle/>
+          <a:p>
+            <a:pPr algn="ctr"/>
+            <a:endParaRPr kumimoji="1" lang="en-US" altLang="ja-JP" sz="1600" dirty="0"/>
+          </a:p>
+        </p:txBody>
+      </p:sp>
+      <p:sp>
+        <p:nvSpPr>
+          <p:cNvPr id="56" name="テキスト ボックス 55">
+            <a:extLst>
+              <a:ext uri="{FF2B5EF4-FFF2-40B4-BE49-F238E27FC236}">
+                <a16:creationId xmlns:a16="http://schemas.microsoft.com/office/drawing/2014/main" id="{8CC58664-B887-4A1A-82D9-6B11B45BE215}"/>
+              </a:ext>
+            </a:extLst>
+          </p:cNvPr>
+          <p:cNvSpPr txBox="1"/>
+          <p:nvPr/>
+        </p:nvSpPr>
+        <p:spPr>
+          <a:xfrm>
+            <a:off x="5081649" y="4844448"/>
+            <a:ext cx="1338828" cy="369332"/>
+          </a:xfrm>
+          <a:prstGeom prst="rect">
+            <a:avLst/>
+          </a:prstGeom>
+          <a:noFill/>
+        </p:spPr>
+        <p:txBody>
+          <a:bodyPr wrap="none" rtlCol="0">
+            <a:spAutoFit/>
+          </a:bodyPr>
+          <a:lstStyle/>
+          <a:p>
+            <a:r>
+              <a:rPr kumimoji="1" lang="ja-JP" altLang="en-US" dirty="0"/>
+              <a:t>ゲーム画面</a:t>
+            </a:r>
+          </a:p>
+        </p:txBody>
+      </p:sp>
+      <p:sp>
+        <p:nvSpPr>
+          <p:cNvPr id="61" name="矢印: 右 60">
+            <a:extLst>
+              <a:ext uri="{FF2B5EF4-FFF2-40B4-BE49-F238E27FC236}">
+                <a16:creationId xmlns:a16="http://schemas.microsoft.com/office/drawing/2014/main" id="{2FCE3231-8D05-41AB-AE40-9183EBD6A056}"/>
+              </a:ext>
+            </a:extLst>
+          </p:cNvPr>
+          <p:cNvSpPr/>
+          <p:nvPr/>
+        </p:nvSpPr>
+        <p:spPr>
+          <a:xfrm>
+            <a:off x="3776829" y="4819629"/>
+            <a:ext cx="677333" cy="511201"/>
+          </a:xfrm>
+          <a:prstGeom prst="rightArrow">
+            <a:avLst/>
+          </a:prstGeom>
+        </p:spPr>
+        <p:style>
+          <a:lnRef idx="2">
+            <a:schemeClr val="accent1">
+              <a:shade val="50000"/>
+            </a:schemeClr>
+          </a:lnRef>
+          <a:fillRef idx="1">
+            <a:schemeClr val="accent1"/>
+          </a:fillRef>
+          <a:effectRef idx="0">
+            <a:schemeClr val="accent1"/>
+          </a:effectRef>
+          <a:fontRef idx="minor">
+            <a:schemeClr val="lt1"/>
+          </a:fontRef>
+        </p:style>
+        <p:txBody>
+          <a:bodyPr rtlCol="0" anchor="ctr"/>
+          <a:lstStyle/>
+          <a:p>
+            <a:pPr algn="ctr"/>
+            <a:endParaRPr kumimoji="1" lang="ja-JP" altLang="en-US" sz="1600"/>
+          </a:p>
+        </p:txBody>
+      </p:sp>
+      <p:sp>
+        <p:nvSpPr>
+          <p:cNvPr id="62" name="矢印: 右 61">
+            <a:extLst>
+              <a:ext uri="{FF2B5EF4-FFF2-40B4-BE49-F238E27FC236}">
+                <a16:creationId xmlns:a16="http://schemas.microsoft.com/office/drawing/2014/main" id="{6BB0954C-69D0-411C-8BC5-50BD06278881}"/>
+              </a:ext>
+            </a:extLst>
+          </p:cNvPr>
+          <p:cNvSpPr/>
+          <p:nvPr/>
+        </p:nvSpPr>
+        <p:spPr>
+          <a:xfrm rot="10800000">
+            <a:off x="3763407" y="5407485"/>
+            <a:ext cx="677333" cy="511201"/>
+          </a:xfrm>
+          <a:prstGeom prst="rightArrow">
+            <a:avLst/>
+          </a:prstGeom>
+        </p:spPr>
+        <p:style>
+          <a:lnRef idx="2">
+            <a:schemeClr val="accent1">
+              <a:shade val="50000"/>
+            </a:schemeClr>
+          </a:lnRef>
+          <a:fillRef idx="1">
+            <a:schemeClr val="accent1"/>
+          </a:fillRef>
+          <a:effectRef idx="0">
+            <a:schemeClr val="accent1"/>
+          </a:effectRef>
+          <a:fontRef idx="minor">
+            <a:schemeClr val="lt1"/>
+          </a:fontRef>
+        </p:style>
+        <p:txBody>
+          <a:bodyPr rtlCol="0" anchor="ctr"/>
+          <a:lstStyle/>
+          <a:p>
+            <a:pPr algn="ctr"/>
+            <a:endParaRPr kumimoji="1" lang="ja-JP" altLang="en-US" sz="1600"/>
+          </a:p>
+        </p:txBody>
+      </p:sp>
+      <p:sp>
+        <p:nvSpPr>
+          <p:cNvPr id="63" name="楕円 62">
+            <a:extLst>
+              <a:ext uri="{FF2B5EF4-FFF2-40B4-BE49-F238E27FC236}">
+                <a16:creationId xmlns:a16="http://schemas.microsoft.com/office/drawing/2014/main" id="{8AA49DE4-3F00-4402-B6AD-66AF3BEBDD7E}"/>
+              </a:ext>
+            </a:extLst>
+          </p:cNvPr>
+          <p:cNvSpPr/>
+          <p:nvPr/>
+        </p:nvSpPr>
+        <p:spPr>
+          <a:xfrm>
+            <a:off x="3582128" y="4834013"/>
+            <a:ext cx="509138" cy="496817"/>
+          </a:xfrm>
+          <a:prstGeom prst="ellipse">
+            <a:avLst/>
+          </a:prstGeom>
+        </p:spPr>
+        <p:style>
+          <a:lnRef idx="1">
+            <a:schemeClr val="accent6"/>
+          </a:lnRef>
+          <a:fillRef idx="2">
+            <a:schemeClr val="accent6"/>
+          </a:fillRef>
+          <a:effectRef idx="1">
+            <a:schemeClr val="accent6"/>
+          </a:effectRef>
+          <a:fontRef idx="minor">
+            <a:schemeClr val="dk1"/>
+          </a:fontRef>
+        </p:style>
+        <p:txBody>
+          <a:bodyPr rtlCol="0" anchor="ctr"/>
+          <a:lstStyle/>
+          <a:p>
+            <a:pPr algn="ctr"/>
+            <a:r>
+              <a:rPr kumimoji="1" lang="en-US" altLang="ja-JP" dirty="0"/>
+              <a:t>A</a:t>
+            </a:r>
+            <a:endParaRPr kumimoji="1" lang="ja-JP" altLang="en-US" dirty="0"/>
+          </a:p>
+        </p:txBody>
+      </p:sp>
+      <p:sp>
+        <p:nvSpPr>
+          <p:cNvPr id="64" name="楕円 63">
+            <a:extLst>
+              <a:ext uri="{FF2B5EF4-FFF2-40B4-BE49-F238E27FC236}">
+                <a16:creationId xmlns:a16="http://schemas.microsoft.com/office/drawing/2014/main" id="{4C316F29-7923-440D-8345-FEBF09CB6628}"/>
+              </a:ext>
+            </a:extLst>
+          </p:cNvPr>
+          <p:cNvSpPr/>
+          <p:nvPr/>
+        </p:nvSpPr>
+        <p:spPr>
+          <a:xfrm>
+            <a:off x="4186171" y="5396545"/>
+            <a:ext cx="509138" cy="496817"/>
+          </a:xfrm>
+          <a:prstGeom prst="ellipse">
+            <a:avLst/>
+          </a:prstGeom>
+        </p:spPr>
+        <p:style>
+          <a:lnRef idx="1">
+            <a:schemeClr val="accent6"/>
+          </a:lnRef>
+          <a:fillRef idx="2">
+            <a:schemeClr val="accent6"/>
+          </a:fillRef>
+          <a:effectRef idx="1">
+            <a:schemeClr val="accent6"/>
+          </a:effectRef>
+          <a:fontRef idx="minor">
+            <a:schemeClr val="dk1"/>
+          </a:fontRef>
+        </p:style>
+        <p:txBody>
+          <a:bodyPr rtlCol="0" anchor="ctr"/>
+          <a:lstStyle/>
+          <a:p>
+            <a:pPr algn="ctr"/>
+            <a:r>
+              <a:rPr kumimoji="1" lang="en-US" altLang="ja-JP" dirty="0"/>
+              <a:t>B</a:t>
+            </a:r>
+            <a:endParaRPr kumimoji="1" lang="ja-JP" altLang="en-US" dirty="0"/>
+          </a:p>
+        </p:txBody>
+      </p:sp>
+      <p:sp>
+        <p:nvSpPr>
+          <p:cNvPr id="65" name="正方形/長方形 64">
+            <a:extLst>
+              <a:ext uri="{FF2B5EF4-FFF2-40B4-BE49-F238E27FC236}">
+                <a16:creationId xmlns:a16="http://schemas.microsoft.com/office/drawing/2014/main" id="{1BCEE304-82FB-4A36-8195-A20388F0C3C2}"/>
+              </a:ext>
+            </a:extLst>
+          </p:cNvPr>
+          <p:cNvSpPr/>
+          <p:nvPr/>
+        </p:nvSpPr>
+        <p:spPr>
+          <a:xfrm>
+            <a:off x="8110923" y="3784361"/>
+            <a:ext cx="2441694" cy="1295496"/>
+          </a:xfrm>
+          <a:prstGeom prst="rect">
+            <a:avLst/>
+          </a:prstGeom>
+        </p:spPr>
+        <p:style>
+          <a:lnRef idx="2">
+            <a:schemeClr val="accent1">
+              <a:shade val="50000"/>
+            </a:schemeClr>
+          </a:lnRef>
+          <a:fillRef idx="1">
+            <a:schemeClr val="accent1"/>
+          </a:fillRef>
+          <a:effectRef idx="0">
+            <a:schemeClr val="accent1"/>
+          </a:effectRef>
+          <a:fontRef idx="minor">
+            <a:schemeClr val="lt1"/>
+          </a:fontRef>
+        </p:style>
+        <p:txBody>
+          <a:bodyPr rtlCol="0" anchor="ctr"/>
+          <a:lstStyle/>
+          <a:p>
+            <a:pPr algn="ctr"/>
+            <a:endParaRPr kumimoji="1" lang="en-US" altLang="ja-JP" sz="1600" dirty="0"/>
+          </a:p>
+        </p:txBody>
+      </p:sp>
+      <p:sp>
+        <p:nvSpPr>
+          <p:cNvPr id="66" name="テキスト ボックス 65">
+            <a:extLst>
+              <a:ext uri="{FF2B5EF4-FFF2-40B4-BE49-F238E27FC236}">
+                <a16:creationId xmlns:a16="http://schemas.microsoft.com/office/drawing/2014/main" id="{5D48B3F5-6753-4A94-8A9B-E6E405D5E0E1}"/>
+              </a:ext>
+            </a:extLst>
+          </p:cNvPr>
+          <p:cNvSpPr txBox="1"/>
+          <p:nvPr/>
+        </p:nvSpPr>
+        <p:spPr>
+          <a:xfrm>
+            <a:off x="8325321" y="3904239"/>
+            <a:ext cx="2031325" cy="369332"/>
+          </a:xfrm>
+          <a:prstGeom prst="rect">
+            <a:avLst/>
+          </a:prstGeom>
+          <a:noFill/>
+        </p:spPr>
+        <p:txBody>
+          <a:bodyPr wrap="none" rtlCol="0">
+            <a:spAutoFit/>
+          </a:bodyPr>
+          <a:lstStyle/>
+          <a:p>
+            <a:r>
+              <a:rPr kumimoji="1" lang="ja-JP" altLang="en-US" dirty="0"/>
+              <a:t>ゲームクリア画面</a:t>
+            </a:r>
+          </a:p>
+        </p:txBody>
+      </p:sp>
+      <p:sp>
+        <p:nvSpPr>
+          <p:cNvPr id="67" name="正方形/長方形 66">
+            <a:extLst>
+              <a:ext uri="{FF2B5EF4-FFF2-40B4-BE49-F238E27FC236}">
+                <a16:creationId xmlns:a16="http://schemas.microsoft.com/office/drawing/2014/main" id="{904F12A9-29AB-45A4-8E5A-B95AE8F454E5}"/>
+              </a:ext>
+            </a:extLst>
+          </p:cNvPr>
+          <p:cNvSpPr/>
+          <p:nvPr/>
+        </p:nvSpPr>
+        <p:spPr>
+          <a:xfrm>
+            <a:off x="8110923" y="5407485"/>
+            <a:ext cx="2441694" cy="1295496"/>
+          </a:xfrm>
+          <a:prstGeom prst="rect">
+            <a:avLst/>
+          </a:prstGeom>
+        </p:spPr>
+        <p:style>
+          <a:lnRef idx="2">
+            <a:schemeClr val="accent1">
+              <a:shade val="50000"/>
+            </a:schemeClr>
+          </a:lnRef>
+          <a:fillRef idx="1">
+            <a:schemeClr val="accent1"/>
+          </a:fillRef>
+          <a:effectRef idx="0">
+            <a:schemeClr val="accent1"/>
+          </a:effectRef>
+          <a:fontRef idx="minor">
+            <a:schemeClr val="lt1"/>
+          </a:fontRef>
+        </p:style>
+        <p:txBody>
+          <a:bodyPr rtlCol="0" anchor="ctr"/>
+          <a:lstStyle/>
+          <a:p>
+            <a:pPr algn="ctr"/>
+            <a:endParaRPr kumimoji="1" lang="en-US" altLang="ja-JP" sz="1600" dirty="0"/>
+          </a:p>
+        </p:txBody>
+      </p:sp>
+      <p:sp>
+        <p:nvSpPr>
+          <p:cNvPr id="68" name="テキスト ボックス 67">
+            <a:extLst>
+              <a:ext uri="{FF2B5EF4-FFF2-40B4-BE49-F238E27FC236}">
+                <a16:creationId xmlns:a16="http://schemas.microsoft.com/office/drawing/2014/main" id="{72E8780B-38AC-4BD7-84D7-5BB42BD945AC}"/>
+              </a:ext>
+            </a:extLst>
+          </p:cNvPr>
+          <p:cNvSpPr txBox="1"/>
+          <p:nvPr/>
+        </p:nvSpPr>
+        <p:spPr>
+          <a:xfrm>
+            <a:off x="8200691" y="5524592"/>
+            <a:ext cx="2262158" cy="369332"/>
+          </a:xfrm>
+          <a:prstGeom prst="rect">
+            <a:avLst/>
+          </a:prstGeom>
+          <a:noFill/>
+        </p:spPr>
+        <p:txBody>
+          <a:bodyPr wrap="none" rtlCol="0">
+            <a:spAutoFit/>
+          </a:bodyPr>
+          <a:lstStyle/>
+          <a:p>
+            <a:r>
+              <a:rPr kumimoji="1" lang="ja-JP" altLang="en-US" dirty="0"/>
+              <a:t>ゲームオーバー画面</a:t>
+            </a:r>
+          </a:p>
+        </p:txBody>
+      </p:sp>
+      <p:sp>
+        <p:nvSpPr>
+          <p:cNvPr id="69" name="矢印: 下 68">
+            <a:extLst>
+              <a:ext uri="{FF2B5EF4-FFF2-40B4-BE49-F238E27FC236}">
+                <a16:creationId xmlns:a16="http://schemas.microsoft.com/office/drawing/2014/main" id="{42BDF9E9-B04F-4312-9248-84145E3847F8}"/>
+              </a:ext>
+            </a:extLst>
+          </p:cNvPr>
+          <p:cNvSpPr/>
+          <p:nvPr/>
+        </p:nvSpPr>
+        <p:spPr>
+          <a:xfrm rot="16200000">
+            <a:off x="7320994" y="5638280"/>
+            <a:ext cx="711201" cy="642171"/>
+          </a:xfrm>
+          <a:prstGeom prst="downArrow">
+            <a:avLst/>
+          </a:prstGeom>
+        </p:spPr>
+        <p:style>
+          <a:lnRef idx="2">
+            <a:schemeClr val="accent1">
+              <a:shade val="50000"/>
+            </a:schemeClr>
+          </a:lnRef>
+          <a:fillRef idx="1">
+            <a:schemeClr val="accent1"/>
+          </a:fillRef>
+          <a:effectRef idx="0">
+            <a:schemeClr val="accent1"/>
+          </a:effectRef>
+          <a:fontRef idx="minor">
+            <a:schemeClr val="lt1"/>
+          </a:fontRef>
+        </p:style>
+        <p:txBody>
+          <a:bodyPr rtlCol="0" anchor="ctr"/>
+          <a:lstStyle/>
+          <a:p>
+            <a:pPr algn="ctr"/>
+            <a:endParaRPr kumimoji="1" lang="ja-JP" altLang="en-US"/>
+          </a:p>
+        </p:txBody>
+      </p:sp>
+      <p:sp>
+        <p:nvSpPr>
+          <p:cNvPr id="70" name="矢印: 下 69">
+            <a:extLst>
+              <a:ext uri="{FF2B5EF4-FFF2-40B4-BE49-F238E27FC236}">
+                <a16:creationId xmlns:a16="http://schemas.microsoft.com/office/drawing/2014/main" id="{BA79C608-AE2C-4759-80E9-3EA5D902DE7F}"/>
+              </a:ext>
+            </a:extLst>
+          </p:cNvPr>
+          <p:cNvSpPr/>
+          <p:nvPr/>
+        </p:nvSpPr>
+        <p:spPr>
+          <a:xfrm rot="16200000">
+            <a:off x="7211024" y="4279177"/>
+            <a:ext cx="711201" cy="642171"/>
+          </a:xfrm>
+          <a:prstGeom prst="downArrow">
+            <a:avLst/>
+          </a:prstGeom>
+        </p:spPr>
+        <p:style>
+          <a:lnRef idx="2">
+            <a:schemeClr val="accent1">
+              <a:shade val="50000"/>
+            </a:schemeClr>
+          </a:lnRef>
+          <a:fillRef idx="1">
+            <a:schemeClr val="accent1"/>
+          </a:fillRef>
+          <a:effectRef idx="0">
+            <a:schemeClr val="accent1"/>
+          </a:effectRef>
+          <a:fontRef idx="minor">
+            <a:schemeClr val="lt1"/>
+          </a:fontRef>
+        </p:style>
+        <p:txBody>
+          <a:bodyPr rtlCol="0" anchor="ctr"/>
+          <a:lstStyle/>
+          <a:p>
+            <a:pPr algn="ctr"/>
+            <a:endParaRPr kumimoji="1" lang="ja-JP" altLang="en-US" dirty="0"/>
+          </a:p>
+        </p:txBody>
+      </p:sp>
+      <p:sp>
+        <p:nvSpPr>
+          <p:cNvPr id="71" name="正方形/長方形 70">
+            <a:extLst>
+              <a:ext uri="{FF2B5EF4-FFF2-40B4-BE49-F238E27FC236}">
+                <a16:creationId xmlns:a16="http://schemas.microsoft.com/office/drawing/2014/main" id="{296E3E98-E82C-4FD6-8541-EC7DFBD81D52}"/>
+              </a:ext>
+            </a:extLst>
+          </p:cNvPr>
+          <p:cNvSpPr/>
+          <p:nvPr/>
+        </p:nvSpPr>
+        <p:spPr>
+          <a:xfrm>
+            <a:off x="8120136" y="1399012"/>
+            <a:ext cx="2441694" cy="1295496"/>
+          </a:xfrm>
+          <a:prstGeom prst="rect">
+            <a:avLst/>
+          </a:prstGeom>
+        </p:spPr>
+        <p:style>
+          <a:lnRef idx="2">
+            <a:schemeClr val="accent1">
+              <a:shade val="50000"/>
+            </a:schemeClr>
+          </a:lnRef>
+          <a:fillRef idx="1">
+            <a:schemeClr val="accent1"/>
+          </a:fillRef>
+          <a:effectRef idx="0">
+            <a:schemeClr val="accent1"/>
+          </a:effectRef>
+          <a:fontRef idx="minor">
+            <a:schemeClr val="lt1"/>
+          </a:fontRef>
+        </p:style>
+        <p:txBody>
+          <a:bodyPr rtlCol="0" anchor="ctr"/>
+          <a:lstStyle/>
+          <a:p>
+            <a:pPr algn="ctr"/>
+            <a:endParaRPr kumimoji="1" lang="en-US" altLang="ja-JP" sz="1600" dirty="0"/>
+          </a:p>
+        </p:txBody>
+      </p:sp>
+      <p:sp>
+        <p:nvSpPr>
+          <p:cNvPr id="72" name="矢印: 下 71">
+            <a:extLst>
+              <a:ext uri="{FF2B5EF4-FFF2-40B4-BE49-F238E27FC236}">
+                <a16:creationId xmlns:a16="http://schemas.microsoft.com/office/drawing/2014/main" id="{AD359EC6-A542-46AC-B202-23A06D486A15}"/>
+              </a:ext>
+            </a:extLst>
+          </p:cNvPr>
+          <p:cNvSpPr/>
+          <p:nvPr/>
+        </p:nvSpPr>
+        <p:spPr>
+          <a:xfrm rot="10800000">
+            <a:off x="8976169" y="2918349"/>
+            <a:ext cx="711201" cy="642171"/>
+          </a:xfrm>
+          <a:prstGeom prst="downArrow">
+            <a:avLst/>
+          </a:prstGeom>
+        </p:spPr>
+        <p:style>
+          <a:lnRef idx="2">
+            <a:schemeClr val="accent1">
+              <a:shade val="50000"/>
+            </a:schemeClr>
+          </a:lnRef>
+          <a:fillRef idx="1">
+            <a:schemeClr val="accent1"/>
+          </a:fillRef>
+          <a:effectRef idx="0">
+            <a:schemeClr val="accent1"/>
+          </a:effectRef>
+          <a:fontRef idx="minor">
+            <a:schemeClr val="lt1"/>
+          </a:fontRef>
+        </p:style>
+        <p:txBody>
+          <a:bodyPr rtlCol="0" anchor="ctr"/>
+          <a:lstStyle/>
+          <a:p>
+            <a:pPr algn="ctr"/>
+            <a:endParaRPr kumimoji="1" lang="ja-JP" altLang="en-US" dirty="0"/>
+          </a:p>
+        </p:txBody>
+      </p:sp>
+      <p:sp>
+        <p:nvSpPr>
+          <p:cNvPr id="73" name="楕円 72">
+            <a:extLst>
+              <a:ext uri="{FF2B5EF4-FFF2-40B4-BE49-F238E27FC236}">
+                <a16:creationId xmlns:a16="http://schemas.microsoft.com/office/drawing/2014/main" id="{508A27B7-12F8-4C23-9574-018C50DE4B91}"/>
+              </a:ext>
+            </a:extLst>
+          </p:cNvPr>
+          <p:cNvSpPr/>
+          <p:nvPr/>
+        </p:nvSpPr>
+        <p:spPr>
+          <a:xfrm>
+            <a:off x="9086414" y="3276160"/>
+            <a:ext cx="509138" cy="496817"/>
+          </a:xfrm>
+          <a:prstGeom prst="ellipse">
+            <a:avLst/>
+          </a:prstGeom>
+        </p:spPr>
+        <p:style>
+          <a:lnRef idx="1">
+            <a:schemeClr val="accent6"/>
+          </a:lnRef>
+          <a:fillRef idx="2">
+            <a:schemeClr val="accent6"/>
+          </a:fillRef>
+          <a:effectRef idx="1">
+            <a:schemeClr val="accent6"/>
+          </a:effectRef>
+          <a:fontRef idx="minor">
+            <a:schemeClr val="dk1"/>
+          </a:fontRef>
+        </p:style>
+        <p:txBody>
+          <a:bodyPr rtlCol="0" anchor="ctr"/>
+          <a:lstStyle/>
+          <a:p>
+            <a:pPr algn="ctr"/>
+            <a:r>
+              <a:rPr kumimoji="1" lang="en-US" altLang="ja-JP" dirty="0"/>
+              <a:t>A</a:t>
+            </a:r>
+            <a:endParaRPr kumimoji="1" lang="ja-JP" altLang="en-US" dirty="0"/>
+          </a:p>
+        </p:txBody>
+      </p:sp>
+      <p:sp>
+        <p:nvSpPr>
+          <p:cNvPr id="74" name="テキスト ボックス 73">
+            <a:extLst>
+              <a:ext uri="{FF2B5EF4-FFF2-40B4-BE49-F238E27FC236}">
+                <a16:creationId xmlns:a16="http://schemas.microsoft.com/office/drawing/2014/main" id="{94D0819F-D833-4730-A498-9326FE1563D0}"/>
+              </a:ext>
+            </a:extLst>
+          </p:cNvPr>
+          <p:cNvSpPr txBox="1"/>
+          <p:nvPr/>
+        </p:nvSpPr>
+        <p:spPr>
+          <a:xfrm>
+            <a:off x="8789819" y="1546398"/>
+            <a:ext cx="1005403" cy="338554"/>
+          </a:xfrm>
+          <a:prstGeom prst="rect">
+            <a:avLst/>
+          </a:prstGeom>
+          <a:noFill/>
+        </p:spPr>
+        <p:txBody>
+          <a:bodyPr wrap="none" rtlCol="0">
+            <a:spAutoFit/>
+          </a:bodyPr>
+          <a:lstStyle/>
+          <a:p>
+            <a:r>
+              <a:rPr kumimoji="1" lang="ja-JP" altLang="en-US" sz="1600" dirty="0"/>
+              <a:t>タイトル</a:t>
+            </a:r>
+          </a:p>
+        </p:txBody>
+      </p:sp>
     </p:spTree>
     <p:extLst>
       <p:ext uri="{BB962C8B-B14F-4D97-AF65-F5344CB8AC3E}">
-        <p14:creationId xmlns:p14="http://schemas.microsoft.com/office/powerpoint/2010/main" val="318646762"/>
+        <p14:creationId xmlns:p14="http://schemas.microsoft.com/office/powerpoint/2010/main" val="1873536980"/>
       </p:ext>
     </p:extLst>
   </p:cSld>
@@ -6125,7 +9602,7 @@
           <a:p>
             <a:r>
               <a:rPr lang="ja-JP" altLang="en-US" dirty="0"/>
-              <a:t>■</a:t>
+              <a:t>■ゲーム条件</a:t>
             </a:r>
             <a:endParaRPr lang="en-US" altLang="ja-JP" dirty="0"/>
           </a:p>
@@ -6262,8 +9739,8 @@
         </p:nvSpPr>
         <p:spPr>
           <a:xfrm>
-            <a:off x="767141" y="3817329"/>
-            <a:ext cx="3595856" cy="923330"/>
+            <a:off x="767141" y="2191729"/>
+            <a:ext cx="4108817" cy="923330"/>
           </a:xfrm>
           <a:prstGeom prst="rect">
             <a:avLst/>
@@ -6299,12 +9776,14 @@
               <a:rPr kumimoji="1" lang="en-US" altLang="ja-JP" dirty="0"/>
               <a:t>)</a:t>
             </a:r>
+            <a:endParaRPr lang="en-US" altLang="ja-JP" dirty="0"/>
           </a:p>
           <a:p>
             <a:r>
               <a:rPr lang="ja-JP" altLang="en-US" dirty="0"/>
-              <a:t>・ボタンでターゲット固定有</a:t>
-            </a:r>
+              <a:t>・攻撃を食らったらノックバックする</a:t>
+            </a:r>
+            <a:endParaRPr kumimoji="1" lang="en-US" altLang="ja-JP" dirty="0"/>
           </a:p>
         </p:txBody>
       </p:sp>
@@ -6322,7 +9801,7 @@
         </p:nvSpPr>
         <p:spPr>
           <a:xfrm>
-            <a:off x="545575" y="3078665"/>
+            <a:off x="545575" y="1453065"/>
             <a:ext cx="1338828" cy="369332"/>
           </a:xfrm>
           <a:prstGeom prst="rect">
@@ -6357,7 +9836,7 @@
         </p:nvSpPr>
         <p:spPr>
           <a:xfrm>
-            <a:off x="6744355" y="3078665"/>
+            <a:off x="6744355" y="1453065"/>
             <a:ext cx="415498" cy="369332"/>
           </a:xfrm>
           <a:prstGeom prst="rect">
@@ -6392,7 +9871,7 @@
         </p:nvSpPr>
         <p:spPr>
           <a:xfrm>
-            <a:off x="7159853" y="3771162"/>
+            <a:off x="7159853" y="2145562"/>
             <a:ext cx="5032147" cy="1754326"/>
           </a:xfrm>
           <a:prstGeom prst="rect">
@@ -7575,6 +11054,80 @@
           </a:p>
         </p:txBody>
       </p:sp>
+      <p:sp>
+        <p:nvSpPr>
+          <p:cNvPr id="2" name="テキスト ボックス 1">
+            <a:extLst>
+              <a:ext uri="{FF2B5EF4-FFF2-40B4-BE49-F238E27FC236}">
+                <a16:creationId xmlns:a16="http://schemas.microsoft.com/office/drawing/2014/main" id="{019A4F5B-2282-4F66-90BF-7A911C739A7C}"/>
+              </a:ext>
+            </a:extLst>
+          </p:cNvPr>
+          <p:cNvSpPr txBox="1"/>
+          <p:nvPr/>
+        </p:nvSpPr>
+        <p:spPr>
+          <a:xfrm>
+            <a:off x="825132" y="6030519"/>
+            <a:ext cx="7064755" cy="646331"/>
+          </a:xfrm>
+          <a:prstGeom prst="rect">
+            <a:avLst/>
+          </a:prstGeom>
+          <a:noFill/>
+        </p:spPr>
+        <p:txBody>
+          <a:bodyPr wrap="none" rtlCol="0">
+            <a:spAutoFit/>
+          </a:bodyPr>
+          <a:lstStyle/>
+          <a:p>
+            <a:r>
+              <a:rPr kumimoji="1" lang="ja-JP" altLang="en-US" dirty="0"/>
+              <a:t>②片方の敵の</a:t>
+            </a:r>
+            <a:r>
+              <a:rPr kumimoji="1" lang="en-US" altLang="ja-JP" dirty="0"/>
+              <a:t>HP</a:t>
+            </a:r>
+            <a:r>
+              <a:rPr kumimoji="1" lang="ja-JP" altLang="en-US" dirty="0"/>
+              <a:t>がなくなると、残ったもう片方の敵の</a:t>
+            </a:r>
+            <a:r>
+              <a:rPr kumimoji="1" lang="en-US" altLang="ja-JP" dirty="0"/>
+              <a:t>HP</a:t>
+            </a:r>
+            <a:r>
+              <a:rPr kumimoji="1" lang="ja-JP" altLang="en-US" dirty="0"/>
+              <a:t>を基準に</a:t>
+            </a:r>
+            <a:endParaRPr kumimoji="1" lang="en-US" altLang="ja-JP" dirty="0"/>
+          </a:p>
+          <a:p>
+            <a:r>
+              <a:rPr kumimoji="1" lang="ja-JP" altLang="en-US" dirty="0"/>
+              <a:t>新しい敵</a:t>
+            </a:r>
+            <a:r>
+              <a:rPr kumimoji="1" lang="en-US" altLang="ja-JP" dirty="0"/>
+              <a:t>(</a:t>
+            </a:r>
+            <a:r>
+              <a:rPr kumimoji="1" lang="ja-JP" altLang="en-US" dirty="0"/>
+              <a:t>設定的には合体した敵</a:t>
+            </a:r>
+            <a:r>
+              <a:rPr kumimoji="1" lang="en-US" altLang="ja-JP" dirty="0"/>
+              <a:t>)</a:t>
+            </a:r>
+            <a:r>
+              <a:rPr kumimoji="1" lang="ja-JP" altLang="en-US" dirty="0"/>
+              <a:t>と戦う。</a:t>
+            </a:r>
+          </a:p>
+        </p:txBody>
+      </p:sp>
     </p:spTree>
     <p:extLst>
       <p:ext uri="{BB962C8B-B14F-4D97-AF65-F5344CB8AC3E}">
@@ -8654,10 +12207,1335 @@
           </a:prstGeom>
         </p:spPr>
       </p:pic>
+      <p:sp>
+        <p:nvSpPr>
+          <p:cNvPr id="26" name="テキスト ボックス 25">
+            <a:extLst>
+              <a:ext uri="{FF2B5EF4-FFF2-40B4-BE49-F238E27FC236}">
+                <a16:creationId xmlns:a16="http://schemas.microsoft.com/office/drawing/2014/main" id="{CFF2FB94-C817-4D97-8D71-6E4414794397}"/>
+              </a:ext>
+            </a:extLst>
+          </p:cNvPr>
+          <p:cNvSpPr txBox="1"/>
+          <p:nvPr/>
+        </p:nvSpPr>
+        <p:spPr>
+          <a:xfrm>
+            <a:off x="825132" y="6030519"/>
+            <a:ext cx="7064755" cy="646331"/>
+          </a:xfrm>
+          <a:prstGeom prst="rect">
+            <a:avLst/>
+          </a:prstGeom>
+          <a:noFill/>
+        </p:spPr>
+        <p:txBody>
+          <a:bodyPr wrap="none" rtlCol="0">
+            <a:spAutoFit/>
+          </a:bodyPr>
+          <a:lstStyle/>
+          <a:p>
+            <a:r>
+              <a:rPr kumimoji="1" lang="ja-JP" altLang="en-US" dirty="0"/>
+              <a:t>②片方の敵の</a:t>
+            </a:r>
+            <a:r>
+              <a:rPr kumimoji="1" lang="en-US" altLang="ja-JP" dirty="0"/>
+              <a:t>HP</a:t>
+            </a:r>
+            <a:r>
+              <a:rPr kumimoji="1" lang="ja-JP" altLang="en-US" dirty="0"/>
+              <a:t>がなくなると、残ったもう片方の敵の</a:t>
+            </a:r>
+            <a:r>
+              <a:rPr kumimoji="1" lang="en-US" altLang="ja-JP" dirty="0"/>
+              <a:t>HP</a:t>
+            </a:r>
+            <a:r>
+              <a:rPr kumimoji="1" lang="ja-JP" altLang="en-US" dirty="0"/>
+              <a:t>を基準に</a:t>
+            </a:r>
+            <a:endParaRPr kumimoji="1" lang="en-US" altLang="ja-JP" dirty="0"/>
+          </a:p>
+          <a:p>
+            <a:r>
+              <a:rPr kumimoji="1" lang="ja-JP" altLang="en-US" dirty="0"/>
+              <a:t>新しい敵</a:t>
+            </a:r>
+            <a:r>
+              <a:rPr kumimoji="1" lang="en-US" altLang="ja-JP" dirty="0"/>
+              <a:t>(</a:t>
+            </a:r>
+            <a:r>
+              <a:rPr kumimoji="1" lang="ja-JP" altLang="en-US" dirty="0"/>
+              <a:t>設定的には合体した敵</a:t>
+            </a:r>
+            <a:r>
+              <a:rPr kumimoji="1" lang="en-US" altLang="ja-JP" dirty="0"/>
+              <a:t>)</a:t>
+            </a:r>
+            <a:r>
+              <a:rPr kumimoji="1" lang="ja-JP" altLang="en-US" dirty="0"/>
+              <a:t>と戦う。</a:t>
+            </a:r>
+          </a:p>
+        </p:txBody>
+      </p:sp>
     </p:spTree>
     <p:extLst>
       <p:ext uri="{BB962C8B-B14F-4D97-AF65-F5344CB8AC3E}">
         <p14:creationId xmlns:p14="http://schemas.microsoft.com/office/powerpoint/2010/main" val="2055827147"/>
+      </p:ext>
+    </p:extLst>
+  </p:cSld>
+  <p:clrMapOvr>
+    <a:masterClrMapping/>
+  </p:clrMapOvr>
+</p:sld>
+</file>
+
+<file path=ppt/slides/slide9.xml><?xml version="1.0" encoding="utf-8"?>
+<p:sld xmlns:a="http://schemas.openxmlformats.org/drawingml/2006/main" xmlns:r="http://schemas.openxmlformats.org/officeDocument/2006/relationships" xmlns:p="http://schemas.openxmlformats.org/presentationml/2006/main">
+  <p:cSld>
+    <p:spTree>
+      <p:nvGrpSpPr>
+        <p:cNvPr id="1" name=""/>
+        <p:cNvGrpSpPr/>
+        <p:nvPr/>
+      </p:nvGrpSpPr>
+      <p:grpSpPr>
+        <a:xfrm>
+          <a:off x="0" y="0"/>
+          <a:ext cx="0" cy="0"/>
+          <a:chOff x="0" y="0"/>
+          <a:chExt cx="0" cy="0"/>
+        </a:xfrm>
+      </p:grpSpPr>
+      <p:graphicFrame>
+        <p:nvGraphicFramePr>
+          <p:cNvPr id="4" name="表 4">
+            <a:extLst>
+              <a:ext uri="{FF2B5EF4-FFF2-40B4-BE49-F238E27FC236}">
+                <a16:creationId xmlns:a16="http://schemas.microsoft.com/office/drawing/2014/main" id="{A08F32F2-EDB5-4151-BBE6-8D6CF62A78FF}"/>
+              </a:ext>
+            </a:extLst>
+          </p:cNvPr>
+          <p:cNvGraphicFramePr>
+            <a:graphicFrameLocks noGrp="1"/>
+          </p:cNvGraphicFramePr>
+          <p:nvPr>
+            <p:extLst>
+              <p:ext uri="{D42A27DB-BD31-4B8C-83A1-F6EECF244321}">
+                <p14:modId xmlns:p14="http://schemas.microsoft.com/office/powerpoint/2010/main" val="153655665"/>
+              </p:ext>
+            </p:extLst>
+          </p:nvPr>
+        </p:nvGraphicFramePr>
+        <p:xfrm>
+          <a:off x="558800" y="595111"/>
+          <a:ext cx="10351912" cy="4632960"/>
+        </p:xfrm>
+        <a:graphic>
+          <a:graphicData uri="http://schemas.openxmlformats.org/drawingml/2006/table">
+            <a:tbl>
+              <a:tblPr firstCol="1" bandRow="1">
+                <a:tableStyleId>{5C22544A-7EE6-4342-B048-85BDC9FD1C3A}</a:tableStyleId>
+              </a:tblPr>
+              <a:tblGrid>
+                <a:gridCol w="2587978">
+                  <a:extLst>
+                    <a:ext uri="{9D8B030D-6E8A-4147-A177-3AD203B41FA5}">
+                      <a16:colId xmlns:a16="http://schemas.microsoft.com/office/drawing/2014/main" val="3924981262"/>
+                    </a:ext>
+                  </a:extLst>
+                </a:gridCol>
+                <a:gridCol w="2587978">
+                  <a:extLst>
+                    <a:ext uri="{9D8B030D-6E8A-4147-A177-3AD203B41FA5}">
+                      <a16:colId xmlns:a16="http://schemas.microsoft.com/office/drawing/2014/main" val="2626641230"/>
+                    </a:ext>
+                  </a:extLst>
+                </a:gridCol>
+                <a:gridCol w="3081867">
+                  <a:extLst>
+                    <a:ext uri="{9D8B030D-6E8A-4147-A177-3AD203B41FA5}">
+                      <a16:colId xmlns:a16="http://schemas.microsoft.com/office/drawing/2014/main" val="2950888530"/>
+                    </a:ext>
+                  </a:extLst>
+                </a:gridCol>
+                <a:gridCol w="2094089">
+                  <a:extLst>
+                    <a:ext uri="{9D8B030D-6E8A-4147-A177-3AD203B41FA5}">
+                      <a16:colId xmlns:a16="http://schemas.microsoft.com/office/drawing/2014/main" val="2343674020"/>
+                    </a:ext>
+                  </a:extLst>
+                </a:gridCol>
+              </a:tblGrid>
+              <a:tr h="343034">
+                <a:tc>
+                  <a:txBody>
+                    <a:bodyPr/>
+                    <a:lstStyle/>
+                    <a:p>
+                      <a:pPr algn="ctr"/>
+                      <a:r>
+                        <a:rPr kumimoji="1" lang="ja-JP" altLang="en-US" dirty="0"/>
+                        <a:t>プレイヤー動作</a:t>
+                      </a:r>
+                    </a:p>
+                  </a:txBody>
+                  <a:tcPr/>
+                </a:tc>
+                <a:tc>
+                  <a:txBody>
+                    <a:bodyPr/>
+                    <a:lstStyle/>
+                    <a:p>
+                      <a:pPr algn="ctr"/>
+                      <a:r>
+                        <a:rPr kumimoji="1" lang="ja-JP" altLang="en-US" b="1" dirty="0"/>
+                        <a:t>操作ボタン</a:t>
+                      </a:r>
+                    </a:p>
+                  </a:txBody>
+                  <a:tcPr/>
+                </a:tc>
+                <a:tc>
+                  <a:txBody>
+                    <a:bodyPr/>
+                    <a:lstStyle/>
+                    <a:p>
+                      <a:pPr algn="ctr"/>
+                      <a:r>
+                        <a:rPr kumimoji="1" lang="ja-JP" altLang="en-US" b="1" dirty="0"/>
+                        <a:t>どのような行動か</a:t>
+                      </a:r>
+                    </a:p>
+                  </a:txBody>
+                  <a:tcPr/>
+                </a:tc>
+                <a:tc>
+                  <a:txBody>
+                    <a:bodyPr/>
+                    <a:lstStyle/>
+                    <a:p>
+                      <a:pPr algn="ctr"/>
+                      <a:r>
+                        <a:rPr kumimoji="1" lang="ja-JP" altLang="en-US" b="1" dirty="0"/>
+                        <a:t>優先度</a:t>
+                      </a:r>
+                    </a:p>
+                  </a:txBody>
+                  <a:tcPr/>
+                </a:tc>
+                <a:extLst>
+                  <a:ext uri="{0D108BD9-81ED-4DB2-BD59-A6C34878D82A}">
+                    <a16:rowId xmlns:a16="http://schemas.microsoft.com/office/drawing/2014/main" val="1528950435"/>
+                  </a:ext>
+                </a:extLst>
+              </a:tr>
+              <a:tr h="328095">
+                <a:tc>
+                  <a:txBody>
+                    <a:bodyPr/>
+                    <a:lstStyle/>
+                    <a:p>
+                      <a:pPr algn="ctr"/>
+                      <a:r>
+                        <a:rPr kumimoji="1" lang="ja-JP" altLang="en-US" b="0" dirty="0"/>
+                        <a:t>近距離攻撃</a:t>
+                      </a:r>
+                      <a:endParaRPr kumimoji="1" lang="en-US" altLang="ja-JP" b="0" dirty="0"/>
+                    </a:p>
+                  </a:txBody>
+                  <a:tcPr/>
+                </a:tc>
+                <a:tc>
+                  <a:txBody>
+                    <a:bodyPr/>
+                    <a:lstStyle/>
+                    <a:p>
+                      <a:pPr algn="ctr"/>
+                      <a:r>
+                        <a:rPr kumimoji="1" lang="en-US" altLang="ja-JP" sz="1400" dirty="0"/>
+                        <a:t>Y</a:t>
+                      </a:r>
+                      <a:r>
+                        <a:rPr kumimoji="1" lang="ja-JP" altLang="en-US" sz="1400" dirty="0"/>
+                        <a:t>ボタン</a:t>
+                      </a:r>
+                    </a:p>
+                  </a:txBody>
+                  <a:tcPr/>
+                </a:tc>
+                <a:tc>
+                  <a:txBody>
+                    <a:bodyPr/>
+                    <a:lstStyle/>
+                    <a:p>
+                      <a:pPr algn="ctr"/>
+                      <a:r>
+                        <a:rPr kumimoji="1" lang="ja-JP" altLang="en-US" sz="1400" dirty="0"/>
+                        <a:t>通常の剣を振る攻撃</a:t>
+                      </a:r>
+                      <a:endParaRPr kumimoji="1" lang="en-US" altLang="ja-JP" sz="1400" dirty="0"/>
+                    </a:p>
+                    <a:p>
+                      <a:pPr algn="ctr"/>
+                      <a:r>
+                        <a:rPr kumimoji="1" lang="ja-JP" altLang="en-US" sz="1400" dirty="0"/>
+                        <a:t>連続で出したらコンボ攻撃になる</a:t>
+                      </a:r>
+                    </a:p>
+                  </a:txBody>
+                  <a:tcPr/>
+                </a:tc>
+                <a:tc>
+                  <a:txBody>
+                    <a:bodyPr/>
+                    <a:lstStyle/>
+                    <a:p>
+                      <a:pPr algn="ctr"/>
+                      <a:r>
+                        <a:rPr kumimoji="1" lang="ja-JP" altLang="en-US" sz="1400" dirty="0"/>
+                        <a:t>◎</a:t>
+                      </a:r>
+                    </a:p>
+                  </a:txBody>
+                  <a:tcPr/>
+                </a:tc>
+                <a:extLst>
+                  <a:ext uri="{0D108BD9-81ED-4DB2-BD59-A6C34878D82A}">
+                    <a16:rowId xmlns:a16="http://schemas.microsoft.com/office/drawing/2014/main" val="1288225905"/>
+                  </a:ext>
+                </a:extLst>
+              </a:tr>
+              <a:tr h="328095">
+                <a:tc>
+                  <a:txBody>
+                    <a:bodyPr/>
+                    <a:lstStyle/>
+                    <a:p>
+                      <a:pPr algn="ctr"/>
+                      <a:r>
+                        <a:rPr kumimoji="1" lang="ja-JP" altLang="en-US" b="0" dirty="0"/>
+                        <a:t>遠距離攻撃</a:t>
+                      </a:r>
+                    </a:p>
+                  </a:txBody>
+                  <a:tcPr/>
+                </a:tc>
+                <a:tc>
+                  <a:txBody>
+                    <a:bodyPr/>
+                    <a:lstStyle/>
+                    <a:p>
+                      <a:pPr algn="ctr"/>
+                      <a:r>
+                        <a:rPr kumimoji="1" lang="en-US" altLang="ja-JP" sz="1400" dirty="0"/>
+                        <a:t>X</a:t>
+                      </a:r>
+                      <a:r>
+                        <a:rPr kumimoji="1" lang="ja-JP" altLang="en-US" sz="1400" dirty="0"/>
+                        <a:t>ボタン</a:t>
+                      </a:r>
+                    </a:p>
+                  </a:txBody>
+                  <a:tcPr/>
+                </a:tc>
+                <a:tc>
+                  <a:txBody>
+                    <a:bodyPr/>
+                    <a:lstStyle/>
+                    <a:p>
+                      <a:pPr algn="ctr"/>
+                      <a:r>
+                        <a:rPr kumimoji="1" lang="ja-JP" altLang="en-US" sz="1400" dirty="0"/>
+                        <a:t>通常の銃を撃つ攻撃</a:t>
+                      </a:r>
+                    </a:p>
+                  </a:txBody>
+                  <a:tcPr/>
+                </a:tc>
+                <a:tc>
+                  <a:txBody>
+                    <a:bodyPr/>
+                    <a:lstStyle/>
+                    <a:p>
+                      <a:pPr algn="ctr"/>
+                      <a:r>
+                        <a:rPr kumimoji="1" lang="ja-JP" altLang="en-US" sz="1400" dirty="0"/>
+                        <a:t>◎</a:t>
+                      </a:r>
+                    </a:p>
+                  </a:txBody>
+                  <a:tcPr/>
+                </a:tc>
+                <a:extLst>
+                  <a:ext uri="{0D108BD9-81ED-4DB2-BD59-A6C34878D82A}">
+                    <a16:rowId xmlns:a16="http://schemas.microsoft.com/office/drawing/2014/main" val="3495002126"/>
+                  </a:ext>
+                </a:extLst>
+              </a:tr>
+              <a:tr h="328095">
+                <a:tc>
+                  <a:txBody>
+                    <a:bodyPr/>
+                    <a:lstStyle/>
+                    <a:p>
+                      <a:pPr algn="ctr"/>
+                      <a:r>
+                        <a:rPr kumimoji="1" lang="ja-JP" altLang="en-US" b="0" dirty="0"/>
+                        <a:t>ジャンプ</a:t>
+                      </a:r>
+                    </a:p>
+                  </a:txBody>
+                  <a:tcPr/>
+                </a:tc>
+                <a:tc>
+                  <a:txBody>
+                    <a:bodyPr/>
+                    <a:lstStyle/>
+                    <a:p>
+                      <a:pPr algn="ctr"/>
+                      <a:r>
+                        <a:rPr kumimoji="1" lang="en-US" altLang="ja-JP" sz="1400" dirty="0"/>
+                        <a:t>A</a:t>
+                      </a:r>
+                      <a:r>
+                        <a:rPr kumimoji="1" lang="ja-JP" altLang="en-US" sz="1400" dirty="0"/>
+                        <a:t>ボタン</a:t>
+                      </a:r>
+                    </a:p>
+                  </a:txBody>
+                  <a:tcPr/>
+                </a:tc>
+                <a:tc>
+                  <a:txBody>
+                    <a:bodyPr/>
+                    <a:lstStyle/>
+                    <a:p>
+                      <a:pPr algn="ctr"/>
+                      <a:r>
+                        <a:rPr kumimoji="1" lang="ja-JP" altLang="en-US" sz="1400" dirty="0"/>
+                        <a:t>ジャンプ</a:t>
+                      </a:r>
+                    </a:p>
+                  </a:txBody>
+                  <a:tcPr/>
+                </a:tc>
+                <a:tc>
+                  <a:txBody>
+                    <a:bodyPr/>
+                    <a:lstStyle/>
+                    <a:p>
+                      <a:pPr algn="ctr"/>
+                      <a:r>
+                        <a:rPr kumimoji="1" lang="ja-JP" altLang="en-US" sz="1400" dirty="0"/>
+                        <a:t>◎</a:t>
+                      </a:r>
+                    </a:p>
+                  </a:txBody>
+                  <a:tcPr/>
+                </a:tc>
+                <a:extLst>
+                  <a:ext uri="{0D108BD9-81ED-4DB2-BD59-A6C34878D82A}">
+                    <a16:rowId xmlns:a16="http://schemas.microsoft.com/office/drawing/2014/main" val="1363586208"/>
+                  </a:ext>
+                </a:extLst>
+              </a:tr>
+              <a:tr h="328095">
+                <a:tc>
+                  <a:txBody>
+                    <a:bodyPr/>
+                    <a:lstStyle/>
+                    <a:p>
+                      <a:pPr algn="ctr"/>
+                      <a:r>
+                        <a:rPr kumimoji="1" lang="ja-JP" altLang="en-US" b="0" dirty="0"/>
+                        <a:t>回避</a:t>
+                      </a:r>
+                    </a:p>
+                  </a:txBody>
+                  <a:tcPr/>
+                </a:tc>
+                <a:tc>
+                  <a:txBody>
+                    <a:bodyPr/>
+                    <a:lstStyle/>
+                    <a:p>
+                      <a:pPr algn="ctr"/>
+                      <a:r>
+                        <a:rPr kumimoji="1" lang="en-US" altLang="ja-JP" sz="1400" dirty="0"/>
+                        <a:t>R1+B</a:t>
+                      </a:r>
+                      <a:r>
+                        <a:rPr kumimoji="1" lang="ja-JP" altLang="en-US" sz="1400" dirty="0"/>
+                        <a:t>ボタン</a:t>
+                      </a:r>
+                    </a:p>
+                  </a:txBody>
+                  <a:tcPr/>
+                </a:tc>
+                <a:tc>
+                  <a:txBody>
+                    <a:bodyPr/>
+                    <a:lstStyle/>
+                    <a:p>
+                      <a:pPr algn="ctr"/>
+                      <a:r>
+                        <a:rPr kumimoji="1" lang="en-US" altLang="ja-JP" sz="1400" dirty="0"/>
+                        <a:t>L</a:t>
+                      </a:r>
+                      <a:r>
+                        <a:rPr kumimoji="1" lang="ja-JP" altLang="en-US" sz="1400" dirty="0"/>
+                        <a:t>スティックを倒した方向に前転</a:t>
+                      </a:r>
+                    </a:p>
+                  </a:txBody>
+                  <a:tcPr/>
+                </a:tc>
+                <a:tc>
+                  <a:txBody>
+                    <a:bodyPr/>
+                    <a:lstStyle/>
+                    <a:p>
+                      <a:pPr algn="ctr"/>
+                      <a:r>
+                        <a:rPr kumimoji="1" lang="ja-JP" altLang="en-US" sz="1400" dirty="0"/>
+                        <a:t>◎</a:t>
+                      </a:r>
+                    </a:p>
+                  </a:txBody>
+                  <a:tcPr/>
+                </a:tc>
+                <a:extLst>
+                  <a:ext uri="{0D108BD9-81ED-4DB2-BD59-A6C34878D82A}">
+                    <a16:rowId xmlns:a16="http://schemas.microsoft.com/office/drawing/2014/main" val="1770204007"/>
+                  </a:ext>
+                </a:extLst>
+              </a:tr>
+              <a:tr h="337258">
+                <a:tc>
+                  <a:txBody>
+                    <a:bodyPr/>
+                    <a:lstStyle/>
+                    <a:p>
+                      <a:pPr algn="ctr"/>
+                      <a:r>
+                        <a:rPr kumimoji="1" lang="ja-JP" altLang="en-US" b="0" dirty="0"/>
+                        <a:t>敵ロックオン</a:t>
+                      </a:r>
+                    </a:p>
+                  </a:txBody>
+                  <a:tcPr/>
+                </a:tc>
+                <a:tc>
+                  <a:txBody>
+                    <a:bodyPr/>
+                    <a:lstStyle/>
+                    <a:p>
+                      <a:pPr algn="ctr"/>
+                      <a:r>
+                        <a:rPr kumimoji="1" lang="en-US" altLang="ja-JP" sz="1400" dirty="0"/>
+                        <a:t>R1</a:t>
+                      </a:r>
+                      <a:endParaRPr kumimoji="1" lang="ja-JP" altLang="en-US" sz="1400" dirty="0"/>
+                    </a:p>
+                  </a:txBody>
+                  <a:tcPr/>
+                </a:tc>
+                <a:tc>
+                  <a:txBody>
+                    <a:bodyPr/>
+                    <a:lstStyle/>
+                    <a:p>
+                      <a:pPr algn="ctr"/>
+                      <a:r>
+                        <a:rPr kumimoji="1" lang="ja-JP" altLang="en-US" sz="1400" dirty="0"/>
+                        <a:t>一番近くにいる敵の方向にカメラを固定する</a:t>
+                      </a:r>
+                    </a:p>
+                  </a:txBody>
+                  <a:tcPr/>
+                </a:tc>
+                <a:tc>
+                  <a:txBody>
+                    <a:bodyPr/>
+                    <a:lstStyle/>
+                    <a:p>
+                      <a:pPr algn="ctr"/>
+                      <a:r>
+                        <a:rPr kumimoji="1" lang="ja-JP" altLang="en-US" sz="1400" dirty="0"/>
+                        <a:t>〇</a:t>
+                      </a:r>
+                    </a:p>
+                  </a:txBody>
+                  <a:tcPr/>
+                </a:tc>
+                <a:extLst>
+                  <a:ext uri="{0D108BD9-81ED-4DB2-BD59-A6C34878D82A}">
+                    <a16:rowId xmlns:a16="http://schemas.microsoft.com/office/drawing/2014/main" val="3931102967"/>
+                  </a:ext>
+                </a:extLst>
+              </a:tr>
+              <a:tr h="337258">
+                <a:tc>
+                  <a:txBody>
+                    <a:bodyPr/>
+                    <a:lstStyle/>
+                    <a:p>
+                      <a:pPr algn="ctr"/>
+                      <a:r>
+                        <a:rPr kumimoji="1" lang="ja-JP" altLang="en-US" b="0" dirty="0"/>
+                        <a:t>移動</a:t>
+                      </a:r>
+                    </a:p>
+                  </a:txBody>
+                  <a:tcPr/>
+                </a:tc>
+                <a:tc>
+                  <a:txBody>
+                    <a:bodyPr/>
+                    <a:lstStyle/>
+                    <a:p>
+                      <a:pPr algn="ctr"/>
+                      <a:r>
+                        <a:rPr kumimoji="1" lang="en-US" altLang="ja-JP" sz="1400" dirty="0"/>
+                        <a:t>L</a:t>
+                      </a:r>
+                      <a:r>
+                        <a:rPr kumimoji="1" lang="ja-JP" altLang="en-US" sz="1400" dirty="0"/>
+                        <a:t>スティック</a:t>
+                      </a:r>
+                    </a:p>
+                  </a:txBody>
+                  <a:tcPr/>
+                </a:tc>
+                <a:tc>
+                  <a:txBody>
+                    <a:bodyPr/>
+                    <a:lstStyle/>
+                    <a:p>
+                      <a:pPr algn="ctr"/>
+                      <a:r>
+                        <a:rPr kumimoji="1" lang="ja-JP" altLang="en-US" sz="1400" dirty="0"/>
+                        <a:t>プレイヤーの移動</a:t>
+                      </a:r>
+                    </a:p>
+                  </a:txBody>
+                  <a:tcPr/>
+                </a:tc>
+                <a:tc>
+                  <a:txBody>
+                    <a:bodyPr/>
+                    <a:lstStyle/>
+                    <a:p>
+                      <a:pPr algn="ctr"/>
+                      <a:r>
+                        <a:rPr kumimoji="1" lang="ja-JP" altLang="en-US" sz="1400" dirty="0"/>
+                        <a:t>◎</a:t>
+                      </a:r>
+                    </a:p>
+                  </a:txBody>
+                  <a:tcPr/>
+                </a:tc>
+                <a:extLst>
+                  <a:ext uri="{0D108BD9-81ED-4DB2-BD59-A6C34878D82A}">
+                    <a16:rowId xmlns:a16="http://schemas.microsoft.com/office/drawing/2014/main" val="2377203751"/>
+                  </a:ext>
+                </a:extLst>
+              </a:tr>
+              <a:tr h="337258">
+                <a:tc>
+                  <a:txBody>
+                    <a:bodyPr/>
+                    <a:lstStyle/>
+                    <a:p>
+                      <a:pPr algn="ctr"/>
+                      <a:r>
+                        <a:rPr kumimoji="1" lang="ja-JP" altLang="en-US" b="0" dirty="0"/>
+                        <a:t>ターゲット変更</a:t>
+                      </a:r>
+                    </a:p>
+                  </a:txBody>
+                  <a:tcPr/>
+                </a:tc>
+                <a:tc>
+                  <a:txBody>
+                    <a:bodyPr/>
+                    <a:lstStyle/>
+                    <a:p>
+                      <a:pPr algn="ctr"/>
+                      <a:r>
+                        <a:rPr kumimoji="1" lang="en-US" altLang="ja-JP" sz="1400" dirty="0"/>
+                        <a:t>L</a:t>
+                      </a:r>
+                      <a:r>
+                        <a:rPr kumimoji="1" lang="ja-JP" altLang="en-US" sz="1400" dirty="0"/>
+                        <a:t>スティック押し込み</a:t>
+                      </a:r>
+                    </a:p>
+                  </a:txBody>
+                  <a:tcPr/>
+                </a:tc>
+                <a:tc>
+                  <a:txBody>
+                    <a:bodyPr/>
+                    <a:lstStyle/>
+                    <a:p>
+                      <a:pPr algn="ctr"/>
+                      <a:r>
+                        <a:rPr kumimoji="1" lang="ja-JP" altLang="en-US" sz="1400" dirty="0"/>
+                        <a:t>ロックオンする敵を変更する</a:t>
+                      </a:r>
+                    </a:p>
+                  </a:txBody>
+                  <a:tcPr/>
+                </a:tc>
+                <a:tc>
+                  <a:txBody>
+                    <a:bodyPr/>
+                    <a:lstStyle/>
+                    <a:p>
+                      <a:pPr algn="ctr"/>
+                      <a:r>
+                        <a:rPr kumimoji="1" lang="ja-JP" altLang="en-US" sz="1400" dirty="0"/>
+                        <a:t>〇</a:t>
+                      </a:r>
+                    </a:p>
+                  </a:txBody>
+                  <a:tcPr/>
+                </a:tc>
+                <a:extLst>
+                  <a:ext uri="{0D108BD9-81ED-4DB2-BD59-A6C34878D82A}">
+                    <a16:rowId xmlns:a16="http://schemas.microsoft.com/office/drawing/2014/main" val="143333037"/>
+                  </a:ext>
+                </a:extLst>
+              </a:tr>
+              <a:tr h="337258">
+                <a:tc>
+                  <a:txBody>
+                    <a:bodyPr/>
+                    <a:lstStyle/>
+                    <a:p>
+                      <a:pPr algn="ctr"/>
+                      <a:r>
+                        <a:rPr kumimoji="1" lang="ja-JP" altLang="en-US" b="0" dirty="0"/>
+                        <a:t>カメラ回転</a:t>
+                      </a:r>
+                    </a:p>
+                  </a:txBody>
+                  <a:tcPr/>
+                </a:tc>
+                <a:tc>
+                  <a:txBody>
+                    <a:bodyPr/>
+                    <a:lstStyle/>
+                    <a:p>
+                      <a:pPr algn="ctr"/>
+                      <a:r>
+                        <a:rPr kumimoji="1" lang="en-US" altLang="ja-JP" sz="1400" dirty="0"/>
+                        <a:t>R</a:t>
+                      </a:r>
+                      <a:r>
+                        <a:rPr kumimoji="1" lang="ja-JP" altLang="en-US" sz="1400" dirty="0"/>
+                        <a:t>スティック</a:t>
+                      </a:r>
+                    </a:p>
+                  </a:txBody>
+                  <a:tcPr/>
+                </a:tc>
+                <a:tc>
+                  <a:txBody>
+                    <a:bodyPr/>
+                    <a:lstStyle/>
+                    <a:p>
+                      <a:pPr algn="ctr"/>
+                      <a:r>
+                        <a:rPr kumimoji="1" lang="ja-JP" altLang="en-US" sz="1400" dirty="0"/>
+                        <a:t>カメラを回転させる</a:t>
+                      </a:r>
+                    </a:p>
+                  </a:txBody>
+                  <a:tcPr/>
+                </a:tc>
+                <a:tc>
+                  <a:txBody>
+                    <a:bodyPr/>
+                    <a:lstStyle/>
+                    <a:p>
+                      <a:pPr algn="ctr"/>
+                      <a:r>
+                        <a:rPr kumimoji="1" lang="ja-JP" altLang="en-US" sz="1400" dirty="0"/>
+                        <a:t>◎</a:t>
+                      </a:r>
+                    </a:p>
+                  </a:txBody>
+                  <a:tcPr/>
+                </a:tc>
+                <a:extLst>
+                  <a:ext uri="{0D108BD9-81ED-4DB2-BD59-A6C34878D82A}">
+                    <a16:rowId xmlns:a16="http://schemas.microsoft.com/office/drawing/2014/main" val="130532754"/>
+                  </a:ext>
+                </a:extLst>
+              </a:tr>
+              <a:tr h="337258">
+                <a:tc>
+                  <a:txBody>
+                    <a:bodyPr/>
+                    <a:lstStyle/>
+                    <a:p>
+                      <a:pPr algn="ctr"/>
+                      <a:r>
+                        <a:rPr kumimoji="1" lang="ja-JP" altLang="en-US" b="0" dirty="0"/>
+                        <a:t>カメラ初期化</a:t>
+                      </a:r>
+                    </a:p>
+                  </a:txBody>
+                  <a:tcPr/>
+                </a:tc>
+                <a:tc>
+                  <a:txBody>
+                    <a:bodyPr/>
+                    <a:lstStyle/>
+                    <a:p>
+                      <a:pPr algn="ctr"/>
+                      <a:r>
+                        <a:rPr kumimoji="1" lang="en-US" altLang="ja-JP" sz="1400" dirty="0"/>
+                        <a:t>R</a:t>
+                      </a:r>
+                      <a:r>
+                        <a:rPr kumimoji="1" lang="ja-JP" altLang="en-US" sz="1400" dirty="0"/>
+                        <a:t>スティック押し込み</a:t>
+                      </a:r>
+                    </a:p>
+                  </a:txBody>
+                  <a:tcPr/>
+                </a:tc>
+                <a:tc>
+                  <a:txBody>
+                    <a:bodyPr/>
+                    <a:lstStyle/>
+                    <a:p>
+                      <a:pPr algn="ctr"/>
+                      <a:r>
+                        <a:rPr kumimoji="1" lang="ja-JP" altLang="en-US" sz="1400" dirty="0"/>
+                        <a:t>カメラを初期位置に戻す</a:t>
+                      </a:r>
+                      <a:endParaRPr kumimoji="1" lang="en-US" altLang="ja-JP" sz="1400" dirty="0"/>
+                    </a:p>
+                    <a:p>
+                      <a:pPr algn="ctr"/>
+                      <a:r>
+                        <a:rPr kumimoji="1" lang="en-US" altLang="ja-JP" sz="1400" dirty="0"/>
+                        <a:t>(</a:t>
+                      </a:r>
+                      <a:r>
+                        <a:rPr kumimoji="1" lang="ja-JP" altLang="en-US" sz="1400" dirty="0"/>
+                        <a:t>プレイヤーの背面</a:t>
+                      </a:r>
+                      <a:r>
+                        <a:rPr kumimoji="1" lang="en-US" altLang="ja-JP" sz="1400" dirty="0"/>
+                        <a:t>)</a:t>
+                      </a:r>
+                      <a:endParaRPr kumimoji="1" lang="ja-JP" altLang="en-US" sz="1400" dirty="0"/>
+                    </a:p>
+                  </a:txBody>
+                  <a:tcPr/>
+                </a:tc>
+                <a:tc>
+                  <a:txBody>
+                    <a:bodyPr/>
+                    <a:lstStyle/>
+                    <a:p>
+                      <a:pPr algn="ctr"/>
+                      <a:r>
+                        <a:rPr kumimoji="1" lang="ja-JP" altLang="en-US" sz="1400" dirty="0"/>
+                        <a:t>〇</a:t>
+                      </a:r>
+                    </a:p>
+                  </a:txBody>
+                  <a:tcPr/>
+                </a:tc>
+                <a:extLst>
+                  <a:ext uri="{0D108BD9-81ED-4DB2-BD59-A6C34878D82A}">
+                    <a16:rowId xmlns:a16="http://schemas.microsoft.com/office/drawing/2014/main" val="1896962423"/>
+                  </a:ext>
+                </a:extLst>
+              </a:tr>
+              <a:tr h="337258">
+                <a:tc>
+                  <a:txBody>
+                    <a:bodyPr/>
+                    <a:lstStyle/>
+                    <a:p>
+                      <a:pPr algn="ctr"/>
+                      <a:r>
+                        <a:rPr kumimoji="1" lang="ja-JP" altLang="en-US" sz="1800" b="0" dirty="0"/>
+                        <a:t>ポーズ</a:t>
+                      </a:r>
+                      <a:endParaRPr kumimoji="1" lang="ja-JP" altLang="en-US" b="0" dirty="0"/>
+                    </a:p>
+                  </a:txBody>
+                  <a:tcPr/>
+                </a:tc>
+                <a:tc>
+                  <a:txBody>
+                    <a:bodyPr/>
+                    <a:lstStyle/>
+                    <a:p>
+                      <a:pPr algn="ctr"/>
+                      <a:r>
+                        <a:rPr kumimoji="1" lang="en-US" altLang="ja-JP" sz="1400" dirty="0"/>
+                        <a:t>Start</a:t>
+                      </a:r>
+                      <a:r>
+                        <a:rPr kumimoji="1" lang="ja-JP" altLang="en-US" sz="1400" dirty="0"/>
+                        <a:t>ボタン</a:t>
+                      </a:r>
+                    </a:p>
+                  </a:txBody>
+                  <a:tcPr/>
+                </a:tc>
+                <a:tc>
+                  <a:txBody>
+                    <a:bodyPr/>
+                    <a:lstStyle/>
+                    <a:p>
+                      <a:pPr algn="ctr"/>
+                      <a:r>
+                        <a:rPr kumimoji="1" lang="ja-JP" altLang="en-US" sz="1400" dirty="0"/>
+                        <a:t>ゲームを一時停止し、メニュー画面を開く</a:t>
+                      </a:r>
+                    </a:p>
+                  </a:txBody>
+                  <a:tcPr/>
+                </a:tc>
+                <a:tc>
+                  <a:txBody>
+                    <a:bodyPr/>
+                    <a:lstStyle/>
+                    <a:p>
+                      <a:pPr algn="ctr"/>
+                      <a:r>
+                        <a:rPr kumimoji="1" lang="ja-JP" altLang="en-US" sz="1400" dirty="0"/>
+                        <a:t>◎</a:t>
+                      </a:r>
+                    </a:p>
+                  </a:txBody>
+                  <a:tcPr/>
+                </a:tc>
+                <a:extLst>
+                  <a:ext uri="{0D108BD9-81ED-4DB2-BD59-A6C34878D82A}">
+                    <a16:rowId xmlns:a16="http://schemas.microsoft.com/office/drawing/2014/main" val="2897320695"/>
+                  </a:ext>
+                </a:extLst>
+              </a:tr>
+            </a:tbl>
+          </a:graphicData>
+        </a:graphic>
+      </p:graphicFrame>
+      <p:sp>
+        <p:nvSpPr>
+          <p:cNvPr id="5" name="テキスト ボックス 4">
+            <a:extLst>
+              <a:ext uri="{FF2B5EF4-FFF2-40B4-BE49-F238E27FC236}">
+                <a16:creationId xmlns:a16="http://schemas.microsoft.com/office/drawing/2014/main" id="{D70B8371-015F-49AB-AFEA-BCAFCA1D4278}"/>
+              </a:ext>
+            </a:extLst>
+          </p:cNvPr>
+          <p:cNvSpPr txBox="1"/>
+          <p:nvPr/>
+        </p:nvSpPr>
+        <p:spPr>
+          <a:xfrm>
+            <a:off x="169333" y="225779"/>
+            <a:ext cx="3993401" cy="369332"/>
+          </a:xfrm>
+          <a:prstGeom prst="rect">
+            <a:avLst/>
+          </a:prstGeom>
+          <a:noFill/>
+        </p:spPr>
+        <p:txBody>
+          <a:bodyPr wrap="none" rtlCol="0">
+            <a:spAutoFit/>
+          </a:bodyPr>
+          <a:lstStyle/>
+          <a:p>
+            <a:r>
+              <a:rPr kumimoji="1" lang="ja-JP" altLang="en-US" dirty="0"/>
+              <a:t>コントローラー操作</a:t>
+            </a:r>
+            <a:r>
+              <a:rPr kumimoji="1" lang="en-US" altLang="ja-JP" dirty="0"/>
+              <a:t>_</a:t>
+            </a:r>
+            <a:r>
+              <a:rPr kumimoji="1" lang="ja-JP" altLang="en-US" dirty="0"/>
+              <a:t>ゲーム画面のみ</a:t>
+            </a:r>
+          </a:p>
+        </p:txBody>
+      </p:sp>
+      <p:sp>
+        <p:nvSpPr>
+          <p:cNvPr id="6" name="テキスト ボックス 5">
+            <a:extLst>
+              <a:ext uri="{FF2B5EF4-FFF2-40B4-BE49-F238E27FC236}">
+                <a16:creationId xmlns:a16="http://schemas.microsoft.com/office/drawing/2014/main" id="{6A89D02A-7FBA-4C37-9059-2C8A6B786AAA}"/>
+              </a:ext>
+            </a:extLst>
+          </p:cNvPr>
+          <p:cNvSpPr txBox="1"/>
+          <p:nvPr/>
+        </p:nvSpPr>
+        <p:spPr>
+          <a:xfrm>
+            <a:off x="169333" y="5260337"/>
+            <a:ext cx="3300904" cy="369332"/>
+          </a:xfrm>
+          <a:prstGeom prst="rect">
+            <a:avLst/>
+          </a:prstGeom>
+          <a:noFill/>
+        </p:spPr>
+        <p:txBody>
+          <a:bodyPr wrap="none" rtlCol="0">
+            <a:spAutoFit/>
+          </a:bodyPr>
+          <a:lstStyle/>
+          <a:p>
+            <a:r>
+              <a:rPr kumimoji="1" lang="ja-JP" altLang="en-US" dirty="0"/>
+              <a:t>コントローラー操作</a:t>
+            </a:r>
+            <a:r>
+              <a:rPr kumimoji="1" lang="en-US" altLang="ja-JP" dirty="0"/>
+              <a:t>_</a:t>
+            </a:r>
+            <a:r>
+              <a:rPr kumimoji="1" lang="ja-JP" altLang="en-US" dirty="0"/>
+              <a:t>操作全体</a:t>
+            </a:r>
+          </a:p>
+        </p:txBody>
+      </p:sp>
+      <p:graphicFrame>
+        <p:nvGraphicFramePr>
+          <p:cNvPr id="7" name="表 7">
+            <a:extLst>
+              <a:ext uri="{FF2B5EF4-FFF2-40B4-BE49-F238E27FC236}">
+                <a16:creationId xmlns:a16="http://schemas.microsoft.com/office/drawing/2014/main" id="{94BA092B-344D-4AE2-ACD6-6A7A356A9DA6}"/>
+              </a:ext>
+            </a:extLst>
+          </p:cNvPr>
+          <p:cNvGraphicFramePr>
+            <a:graphicFrameLocks noGrp="1"/>
+          </p:cNvGraphicFramePr>
+          <p:nvPr>
+            <p:extLst>
+              <p:ext uri="{D42A27DB-BD31-4B8C-83A1-F6EECF244321}">
+                <p14:modId xmlns:p14="http://schemas.microsoft.com/office/powerpoint/2010/main" val="2888016639"/>
+              </p:ext>
+            </p:extLst>
+          </p:nvPr>
+        </p:nvGraphicFramePr>
+        <p:xfrm>
+          <a:off x="511721" y="5614894"/>
+          <a:ext cx="10446069" cy="1112520"/>
+        </p:xfrm>
+        <a:graphic>
+          <a:graphicData uri="http://schemas.openxmlformats.org/drawingml/2006/table">
+            <a:tbl>
+              <a:tblPr firstCol="1" bandRow="1">
+                <a:tableStyleId>{5C22544A-7EE6-4342-B048-85BDC9FD1C3A}</a:tableStyleId>
+              </a:tblPr>
+              <a:tblGrid>
+                <a:gridCol w="2615301">
+                  <a:extLst>
+                    <a:ext uri="{9D8B030D-6E8A-4147-A177-3AD203B41FA5}">
+                      <a16:colId xmlns:a16="http://schemas.microsoft.com/office/drawing/2014/main" val="2104900732"/>
+                    </a:ext>
+                  </a:extLst>
+                </a:gridCol>
+                <a:gridCol w="2619022">
+                  <a:extLst>
+                    <a:ext uri="{9D8B030D-6E8A-4147-A177-3AD203B41FA5}">
+                      <a16:colId xmlns:a16="http://schemas.microsoft.com/office/drawing/2014/main" val="3030700676"/>
+                    </a:ext>
+                  </a:extLst>
+                </a:gridCol>
+                <a:gridCol w="3115734">
+                  <a:extLst>
+                    <a:ext uri="{9D8B030D-6E8A-4147-A177-3AD203B41FA5}">
+                      <a16:colId xmlns:a16="http://schemas.microsoft.com/office/drawing/2014/main" val="3996747645"/>
+                    </a:ext>
+                  </a:extLst>
+                </a:gridCol>
+                <a:gridCol w="2096012">
+                  <a:extLst>
+                    <a:ext uri="{9D8B030D-6E8A-4147-A177-3AD203B41FA5}">
+                      <a16:colId xmlns:a16="http://schemas.microsoft.com/office/drawing/2014/main" val="423589734"/>
+                    </a:ext>
+                  </a:extLst>
+                </a:gridCol>
+              </a:tblGrid>
+              <a:tr h="370840">
+                <a:tc>
+                  <a:txBody>
+                    <a:bodyPr/>
+                    <a:lstStyle/>
+                    <a:p>
+                      <a:pPr algn="ctr"/>
+                      <a:r>
+                        <a:rPr kumimoji="1" lang="ja-JP" altLang="en-US" b="0" dirty="0"/>
+                        <a:t>決定</a:t>
+                      </a:r>
+                    </a:p>
+                  </a:txBody>
+                  <a:tcPr/>
+                </a:tc>
+                <a:tc>
+                  <a:txBody>
+                    <a:bodyPr/>
+                    <a:lstStyle/>
+                    <a:p>
+                      <a:pPr algn="ctr"/>
+                      <a:r>
+                        <a:rPr kumimoji="1" lang="en-US" altLang="ja-JP" sz="1400" b="0" dirty="0"/>
+                        <a:t>B</a:t>
+                      </a:r>
+                      <a:r>
+                        <a:rPr kumimoji="1" lang="ja-JP" altLang="en-US" sz="1400" b="0" dirty="0"/>
+                        <a:t>ボタン</a:t>
+                      </a:r>
+                    </a:p>
+                  </a:txBody>
+                  <a:tcPr/>
+                </a:tc>
+                <a:tc>
+                  <a:txBody>
+                    <a:bodyPr/>
+                    <a:lstStyle/>
+                    <a:p>
+                      <a:pPr algn="ctr"/>
+                      <a:r>
+                        <a:rPr kumimoji="1" lang="ja-JP" altLang="en-US" sz="1400" b="0" dirty="0"/>
+                        <a:t>選択している内容を決定する</a:t>
+                      </a:r>
+                    </a:p>
+                  </a:txBody>
+                  <a:tcPr/>
+                </a:tc>
+                <a:tc>
+                  <a:txBody>
+                    <a:bodyPr/>
+                    <a:lstStyle/>
+                    <a:p>
+                      <a:pPr algn="ctr"/>
+                      <a:r>
+                        <a:rPr kumimoji="1" lang="ja-JP" altLang="en-US" sz="1800" dirty="0"/>
+                        <a:t>◎</a:t>
+                      </a:r>
+                      <a:endParaRPr kumimoji="1" lang="ja-JP" altLang="en-US" b="0" dirty="0"/>
+                    </a:p>
+                  </a:txBody>
+                  <a:tcPr/>
+                </a:tc>
+                <a:extLst>
+                  <a:ext uri="{0D108BD9-81ED-4DB2-BD59-A6C34878D82A}">
+                    <a16:rowId xmlns:a16="http://schemas.microsoft.com/office/drawing/2014/main" val="1306829057"/>
+                  </a:ext>
+                </a:extLst>
+              </a:tr>
+              <a:tr h="370840">
+                <a:tc>
+                  <a:txBody>
+                    <a:bodyPr/>
+                    <a:lstStyle/>
+                    <a:p>
+                      <a:pPr algn="ctr"/>
+                      <a:r>
+                        <a:rPr kumimoji="1" lang="ja-JP" altLang="en-US" b="0" dirty="0"/>
+                        <a:t>一つ前の画面に戻る</a:t>
+                      </a:r>
+                    </a:p>
+                  </a:txBody>
+                  <a:tcPr/>
+                </a:tc>
+                <a:tc>
+                  <a:txBody>
+                    <a:bodyPr/>
+                    <a:lstStyle/>
+                    <a:p>
+                      <a:pPr algn="ctr"/>
+                      <a:r>
+                        <a:rPr kumimoji="1" lang="en-US" altLang="ja-JP" sz="1400" b="0" dirty="0"/>
+                        <a:t>A</a:t>
+                      </a:r>
+                      <a:r>
+                        <a:rPr kumimoji="1" lang="ja-JP" altLang="en-US" sz="1400" b="0" dirty="0"/>
+                        <a:t>ボタン</a:t>
+                      </a:r>
+                    </a:p>
+                  </a:txBody>
+                  <a:tcPr/>
+                </a:tc>
+                <a:tc>
+                  <a:txBody>
+                    <a:bodyPr/>
+                    <a:lstStyle/>
+                    <a:p>
+                      <a:pPr algn="ctr"/>
+                      <a:r>
+                        <a:rPr kumimoji="1" lang="ja-JP" altLang="en-US" sz="1400" b="0" dirty="0"/>
+                        <a:t>現在の画面から一つ前に戻る</a:t>
+                      </a:r>
+                    </a:p>
+                  </a:txBody>
+                  <a:tcPr/>
+                </a:tc>
+                <a:tc>
+                  <a:txBody>
+                    <a:bodyPr/>
+                    <a:lstStyle/>
+                    <a:p>
+                      <a:pPr algn="ctr"/>
+                      <a:r>
+                        <a:rPr kumimoji="1" lang="ja-JP" altLang="en-US" b="0" dirty="0"/>
+                        <a:t>〇</a:t>
+                      </a:r>
+                    </a:p>
+                  </a:txBody>
+                  <a:tcPr/>
+                </a:tc>
+                <a:extLst>
+                  <a:ext uri="{0D108BD9-81ED-4DB2-BD59-A6C34878D82A}">
+                    <a16:rowId xmlns:a16="http://schemas.microsoft.com/office/drawing/2014/main" val="3972614225"/>
+                  </a:ext>
+                </a:extLst>
+              </a:tr>
+              <a:tr h="370840">
+                <a:tc>
+                  <a:txBody>
+                    <a:bodyPr/>
+                    <a:lstStyle/>
+                    <a:p>
+                      <a:pPr algn="ctr"/>
+                      <a:r>
+                        <a:rPr kumimoji="1" lang="ja-JP" altLang="en-US" b="0" dirty="0"/>
+                        <a:t>選択</a:t>
+                      </a:r>
+                    </a:p>
+                  </a:txBody>
+                  <a:tcPr/>
+                </a:tc>
+                <a:tc>
+                  <a:txBody>
+                    <a:bodyPr/>
+                    <a:lstStyle/>
+                    <a:p>
+                      <a:pPr algn="ctr"/>
+                      <a:r>
+                        <a:rPr kumimoji="1" lang="en-US" altLang="ja-JP" sz="1400" b="0" dirty="0"/>
+                        <a:t>L</a:t>
+                      </a:r>
+                      <a:r>
+                        <a:rPr kumimoji="1" lang="ja-JP" altLang="en-US" sz="1400" b="0" dirty="0"/>
+                        <a:t>スティック</a:t>
+                      </a:r>
+                    </a:p>
+                  </a:txBody>
+                  <a:tcPr/>
+                </a:tc>
+                <a:tc>
+                  <a:txBody>
+                    <a:bodyPr/>
+                    <a:lstStyle/>
+                    <a:p>
+                      <a:pPr algn="ctr"/>
+                      <a:r>
+                        <a:rPr kumimoji="1" lang="ja-JP" altLang="en-US" sz="1400" b="0" dirty="0"/>
+                        <a:t>選択内容を変更する</a:t>
+                      </a:r>
+                    </a:p>
+                  </a:txBody>
+                  <a:tcPr/>
+                </a:tc>
+                <a:tc>
+                  <a:txBody>
+                    <a:bodyPr/>
+                    <a:lstStyle/>
+                    <a:p>
+                      <a:pPr algn="ctr"/>
+                      <a:r>
+                        <a:rPr kumimoji="1" lang="ja-JP" altLang="en-US" sz="1800" dirty="0"/>
+                        <a:t>◎</a:t>
+                      </a:r>
+                      <a:endParaRPr kumimoji="1" lang="ja-JP" altLang="en-US" b="0" dirty="0"/>
+                    </a:p>
+                  </a:txBody>
+                  <a:tcPr/>
+                </a:tc>
+                <a:extLst>
+                  <a:ext uri="{0D108BD9-81ED-4DB2-BD59-A6C34878D82A}">
+                    <a16:rowId xmlns:a16="http://schemas.microsoft.com/office/drawing/2014/main" val="1039546641"/>
+                  </a:ext>
+                </a:extLst>
+              </a:tr>
+            </a:tbl>
+          </a:graphicData>
+        </a:graphic>
+      </p:graphicFrame>
+      <p:sp>
+        <p:nvSpPr>
+          <p:cNvPr id="8" name="テキスト ボックス 7">
+            <a:extLst>
+              <a:ext uri="{FF2B5EF4-FFF2-40B4-BE49-F238E27FC236}">
+                <a16:creationId xmlns:a16="http://schemas.microsoft.com/office/drawing/2014/main" id="{2B4997D6-E3B6-4D9C-A3D5-37E68A490F1E}"/>
+              </a:ext>
+            </a:extLst>
+          </p:cNvPr>
+          <p:cNvSpPr txBox="1"/>
+          <p:nvPr/>
+        </p:nvSpPr>
+        <p:spPr>
+          <a:xfrm>
+            <a:off x="6005689" y="225779"/>
+            <a:ext cx="3799438" cy="369332"/>
+          </a:xfrm>
+          <a:prstGeom prst="rect">
+            <a:avLst/>
+          </a:prstGeom>
+          <a:noFill/>
+        </p:spPr>
+        <p:txBody>
+          <a:bodyPr wrap="none" rtlCol="0">
+            <a:spAutoFit/>
+          </a:bodyPr>
+          <a:lstStyle/>
+          <a:p>
+            <a:r>
+              <a:rPr kumimoji="1" lang="ja-JP" altLang="en-US" dirty="0"/>
+              <a:t>コンボ攻撃については別</a:t>
+            </a:r>
+            <a:r>
+              <a:rPr kumimoji="1" lang="en-US" altLang="ja-JP" dirty="0"/>
+              <a:t>P</a:t>
+            </a:r>
+            <a:r>
+              <a:rPr kumimoji="1" lang="ja-JP" altLang="en-US" dirty="0"/>
+              <a:t>で考える</a:t>
+            </a:r>
+          </a:p>
+        </p:txBody>
+      </p:sp>
+    </p:spTree>
+    <p:extLst>
+      <p:ext uri="{BB962C8B-B14F-4D97-AF65-F5344CB8AC3E}">
+        <p14:creationId xmlns:p14="http://schemas.microsoft.com/office/powerpoint/2010/main" val="4265375018"/>
       </p:ext>
     </p:extLst>
   </p:cSld>
